--- a/01.참고자료/191024_알면 좋을 자바스크립트.pptx
+++ b/01.참고자료/191024_알면 좋을 자바스크립트.pptx
@@ -5,7 +5,7 @@
     <p:sldMasterId id="2147483660" r:id="rId1"/>
   </p:sldMasterIdLst>
   <p:notesMasterIdLst>
-    <p:notesMasterId r:id="rId17"/>
+    <p:notesMasterId r:id="rId23"/>
   </p:notesMasterIdLst>
   <p:sldIdLst>
     <p:sldId id="256" r:id="rId2"/>
@@ -22,39 +22,45 @@
     <p:sldId id="355" r:id="rId13"/>
     <p:sldId id="356" r:id="rId14"/>
     <p:sldId id="357" r:id="rId15"/>
-    <p:sldId id="265" r:id="rId16"/>
+    <p:sldId id="369" r:id="rId16"/>
+    <p:sldId id="364" r:id="rId17"/>
+    <p:sldId id="365" r:id="rId18"/>
+    <p:sldId id="366" r:id="rId19"/>
+    <p:sldId id="367" r:id="rId20"/>
+    <p:sldId id="368" r:id="rId21"/>
+    <p:sldId id="265" r:id="rId22"/>
   </p:sldIdLst>
   <p:sldSz cx="9144000" cy="6858000" type="screen4x3"/>
   <p:notesSz cx="6858000" cy="9144000"/>
   <p:embeddedFontLst>
     <p:embeddedFont>
       <p:font typeface="Calibri" panose="020F0502020204030204" pitchFamily="34" charset="0"/>
-      <p:regular r:id="rId18"/>
-      <p:bold r:id="rId19"/>
-      <p:italic r:id="rId20"/>
-      <p:boldItalic r:id="rId21"/>
+      <p:regular r:id="rId24"/>
+      <p:bold r:id="rId25"/>
+      <p:italic r:id="rId26"/>
+      <p:boldItalic r:id="rId27"/>
     </p:embeddedFont>
     <p:embeddedFont>
       <p:font typeface="Calibri Light" panose="020F0302020204030204" pitchFamily="34" charset="0"/>
-      <p:regular r:id="rId22"/>
-      <p:italic r:id="rId23"/>
+      <p:regular r:id="rId28"/>
+      <p:italic r:id="rId29"/>
     </p:embeddedFont>
     <p:embeddedFont>
       <p:font typeface="넥슨Lv1고딕" panose="00000500000000000000" pitchFamily="2" charset="-127"/>
-      <p:regular r:id="rId24"/>
+      <p:regular r:id="rId30"/>
     </p:embeddedFont>
     <p:embeddedFont>
       <p:font typeface="넥슨Lv1고딕 Bold" panose="00000800000000000000" pitchFamily="2" charset="-127"/>
-      <p:bold r:id="rId25"/>
+      <p:bold r:id="rId31"/>
     </p:embeddedFont>
     <p:embeddedFont>
       <p:font typeface="넥슨Lv1고딕 Light" panose="00000300000000000000" pitchFamily="2" charset="-127"/>
-      <p:regular r:id="rId26"/>
+      <p:regular r:id="rId32"/>
     </p:embeddedFont>
     <p:embeddedFont>
       <p:font typeface="맑은 고딕" panose="020B0503020000020004" pitchFamily="50" charset="-127"/>
-      <p:regular r:id="rId27"/>
-      <p:bold r:id="rId28"/>
+      <p:regular r:id="rId33"/>
+      <p:bold r:id="rId34"/>
     </p:embeddedFont>
   </p:embeddedFontLst>
   <p:defaultTextStyle>
@@ -175,6 +181,12 @@
             <p14:sldId id="355"/>
             <p14:sldId id="356"/>
             <p14:sldId id="357"/>
+            <p14:sldId id="369"/>
+            <p14:sldId id="364"/>
+            <p14:sldId id="365"/>
+            <p14:sldId id="366"/>
+            <p14:sldId id="367"/>
+            <p14:sldId id="368"/>
             <p14:sldId id="265"/>
           </p14:sldIdLst>
         </p14:section>
@@ -404,7 +416,7 @@
           <a:p>
             <a:fld id="{F6FDBE08-7F47-4987-9F93-804BC9BF4C4D}" type="datetimeFigureOut">
               <a:rPr lang="ko-KR" altLang="en-US" smtClean="0"/>
-              <a:t>2019-10-20</a:t>
+              <a:t>2019-10-29</a:t>
             </a:fld>
             <a:endParaRPr lang="ko-KR" altLang="en-US"/>
           </a:p>
@@ -1091,6 +1103,510 @@
 </p:notes>
 </file>
 
+<file path=ppt/notesSlides/notesSlide14.xml><?xml version="1.0" encoding="utf-8"?>
+<p:notes xmlns:a="http://schemas.openxmlformats.org/drawingml/2006/main" xmlns:r="http://schemas.openxmlformats.org/officeDocument/2006/relationships" xmlns:p="http://schemas.openxmlformats.org/presentationml/2006/main">
+  <p:cSld>
+    <p:spTree>
+      <p:nvGrpSpPr>
+        <p:cNvPr id="1" name=""/>
+        <p:cNvGrpSpPr/>
+        <p:nvPr/>
+      </p:nvGrpSpPr>
+      <p:grpSpPr>
+        <a:xfrm>
+          <a:off x="0" y="0"/>
+          <a:ext cx="0" cy="0"/>
+          <a:chOff x="0" y="0"/>
+          <a:chExt cx="0" cy="0"/>
+        </a:xfrm>
+      </p:grpSpPr>
+      <p:sp>
+        <p:nvSpPr>
+          <p:cNvPr id="2" name="슬라이드 이미지 개체 틀 1"/>
+          <p:cNvSpPr>
+            <a:spLocks noGrp="1" noRot="1" noChangeAspect="1"/>
+          </p:cNvSpPr>
+          <p:nvPr>
+            <p:ph type="sldImg"/>
+          </p:nvPr>
+        </p:nvSpPr>
+        <p:spPr/>
+      </p:sp>
+      <p:sp>
+        <p:nvSpPr>
+          <p:cNvPr id="3" name="슬라이드 노트 개체 틀 2"/>
+          <p:cNvSpPr>
+            <a:spLocks noGrp="1"/>
+          </p:cNvSpPr>
+          <p:nvPr>
+            <p:ph type="body" idx="1"/>
+          </p:nvPr>
+        </p:nvSpPr>
+        <p:spPr/>
+        <p:txBody>
+          <a:bodyPr/>
+          <a:lstStyle/>
+          <a:p>
+            <a:endParaRPr lang="ko-KR" altLang="en-US"/>
+          </a:p>
+        </p:txBody>
+      </p:sp>
+      <p:sp>
+        <p:nvSpPr>
+          <p:cNvPr id="4" name="슬라이드 번호 개체 틀 3"/>
+          <p:cNvSpPr>
+            <a:spLocks noGrp="1"/>
+          </p:cNvSpPr>
+          <p:nvPr>
+            <p:ph type="sldNum" sz="quarter" idx="10"/>
+          </p:nvPr>
+        </p:nvSpPr>
+        <p:spPr/>
+        <p:txBody>
+          <a:bodyPr/>
+          <a:lstStyle/>
+          <a:p>
+            <a:fld id="{20EFBB80-8FD0-438D-AE1E-AD03ACA97BEA}" type="slidenum">
+              <a:rPr lang="ko-KR" altLang="en-US" smtClean="0"/>
+              <a:t>14</a:t>
+            </a:fld>
+            <a:endParaRPr lang="ko-KR" altLang="en-US"/>
+          </a:p>
+        </p:txBody>
+      </p:sp>
+    </p:spTree>
+    <p:extLst>
+      <p:ext uri="{BB962C8B-B14F-4D97-AF65-F5344CB8AC3E}">
+        <p14:creationId xmlns:p14="http://schemas.microsoft.com/office/powerpoint/2010/main" val="2384982346"/>
+      </p:ext>
+    </p:extLst>
+  </p:cSld>
+  <p:clrMapOvr>
+    <a:masterClrMapping/>
+  </p:clrMapOvr>
+</p:notes>
+</file>
+
+<file path=ppt/notesSlides/notesSlide15.xml><?xml version="1.0" encoding="utf-8"?>
+<p:notes xmlns:a="http://schemas.openxmlformats.org/drawingml/2006/main" xmlns:r="http://schemas.openxmlformats.org/officeDocument/2006/relationships" xmlns:p="http://schemas.openxmlformats.org/presentationml/2006/main">
+  <p:cSld>
+    <p:spTree>
+      <p:nvGrpSpPr>
+        <p:cNvPr id="1" name=""/>
+        <p:cNvGrpSpPr/>
+        <p:nvPr/>
+      </p:nvGrpSpPr>
+      <p:grpSpPr>
+        <a:xfrm>
+          <a:off x="0" y="0"/>
+          <a:ext cx="0" cy="0"/>
+          <a:chOff x="0" y="0"/>
+          <a:chExt cx="0" cy="0"/>
+        </a:xfrm>
+      </p:grpSpPr>
+      <p:sp>
+        <p:nvSpPr>
+          <p:cNvPr id="2" name="슬라이드 이미지 개체 틀 1"/>
+          <p:cNvSpPr>
+            <a:spLocks noGrp="1" noRot="1" noChangeAspect="1"/>
+          </p:cNvSpPr>
+          <p:nvPr>
+            <p:ph type="sldImg"/>
+          </p:nvPr>
+        </p:nvSpPr>
+        <p:spPr/>
+      </p:sp>
+      <p:sp>
+        <p:nvSpPr>
+          <p:cNvPr id="3" name="슬라이드 노트 개체 틀 2"/>
+          <p:cNvSpPr>
+            <a:spLocks noGrp="1"/>
+          </p:cNvSpPr>
+          <p:nvPr>
+            <p:ph type="body" idx="1"/>
+          </p:nvPr>
+        </p:nvSpPr>
+        <p:spPr/>
+        <p:txBody>
+          <a:bodyPr/>
+          <a:lstStyle/>
+          <a:p>
+            <a:endParaRPr lang="ko-KR" altLang="en-US"/>
+          </a:p>
+        </p:txBody>
+      </p:sp>
+      <p:sp>
+        <p:nvSpPr>
+          <p:cNvPr id="4" name="슬라이드 번호 개체 틀 3"/>
+          <p:cNvSpPr>
+            <a:spLocks noGrp="1"/>
+          </p:cNvSpPr>
+          <p:nvPr>
+            <p:ph type="sldNum" sz="quarter" idx="10"/>
+          </p:nvPr>
+        </p:nvSpPr>
+        <p:spPr/>
+        <p:txBody>
+          <a:bodyPr/>
+          <a:lstStyle/>
+          <a:p>
+            <a:fld id="{20EFBB80-8FD0-438D-AE1E-AD03ACA97BEA}" type="slidenum">
+              <a:rPr lang="ko-KR" altLang="en-US" smtClean="0"/>
+              <a:t>15</a:t>
+            </a:fld>
+            <a:endParaRPr lang="ko-KR" altLang="en-US"/>
+          </a:p>
+        </p:txBody>
+      </p:sp>
+    </p:spTree>
+    <p:extLst>
+      <p:ext uri="{BB962C8B-B14F-4D97-AF65-F5344CB8AC3E}">
+        <p14:creationId xmlns:p14="http://schemas.microsoft.com/office/powerpoint/2010/main" val="1579077738"/>
+      </p:ext>
+    </p:extLst>
+  </p:cSld>
+  <p:clrMapOvr>
+    <a:masterClrMapping/>
+  </p:clrMapOvr>
+</p:notes>
+</file>
+
+<file path=ppt/notesSlides/notesSlide16.xml><?xml version="1.0" encoding="utf-8"?>
+<p:notes xmlns:a="http://schemas.openxmlformats.org/drawingml/2006/main" xmlns:r="http://schemas.openxmlformats.org/officeDocument/2006/relationships" xmlns:p="http://schemas.openxmlformats.org/presentationml/2006/main">
+  <p:cSld>
+    <p:spTree>
+      <p:nvGrpSpPr>
+        <p:cNvPr id="1" name=""/>
+        <p:cNvGrpSpPr/>
+        <p:nvPr/>
+      </p:nvGrpSpPr>
+      <p:grpSpPr>
+        <a:xfrm>
+          <a:off x="0" y="0"/>
+          <a:ext cx="0" cy="0"/>
+          <a:chOff x="0" y="0"/>
+          <a:chExt cx="0" cy="0"/>
+        </a:xfrm>
+      </p:grpSpPr>
+      <p:sp>
+        <p:nvSpPr>
+          <p:cNvPr id="2" name="슬라이드 이미지 개체 틀 1"/>
+          <p:cNvSpPr>
+            <a:spLocks noGrp="1" noRot="1" noChangeAspect="1"/>
+          </p:cNvSpPr>
+          <p:nvPr>
+            <p:ph type="sldImg"/>
+          </p:nvPr>
+        </p:nvSpPr>
+        <p:spPr/>
+      </p:sp>
+      <p:sp>
+        <p:nvSpPr>
+          <p:cNvPr id="3" name="슬라이드 노트 개체 틀 2"/>
+          <p:cNvSpPr>
+            <a:spLocks noGrp="1"/>
+          </p:cNvSpPr>
+          <p:nvPr>
+            <p:ph type="body" idx="1"/>
+          </p:nvPr>
+        </p:nvSpPr>
+        <p:spPr/>
+        <p:txBody>
+          <a:bodyPr/>
+          <a:lstStyle/>
+          <a:p>
+            <a:endParaRPr lang="ko-KR" altLang="en-US"/>
+          </a:p>
+        </p:txBody>
+      </p:sp>
+      <p:sp>
+        <p:nvSpPr>
+          <p:cNvPr id="4" name="슬라이드 번호 개체 틀 3"/>
+          <p:cNvSpPr>
+            <a:spLocks noGrp="1"/>
+          </p:cNvSpPr>
+          <p:nvPr>
+            <p:ph type="sldNum" sz="quarter" idx="10"/>
+          </p:nvPr>
+        </p:nvSpPr>
+        <p:spPr/>
+        <p:txBody>
+          <a:bodyPr/>
+          <a:lstStyle/>
+          <a:p>
+            <a:fld id="{20EFBB80-8FD0-438D-AE1E-AD03ACA97BEA}" type="slidenum">
+              <a:rPr lang="ko-KR" altLang="en-US" smtClean="0"/>
+              <a:t>16</a:t>
+            </a:fld>
+            <a:endParaRPr lang="ko-KR" altLang="en-US"/>
+          </a:p>
+        </p:txBody>
+      </p:sp>
+    </p:spTree>
+    <p:extLst>
+      <p:ext uri="{BB962C8B-B14F-4D97-AF65-F5344CB8AC3E}">
+        <p14:creationId xmlns:p14="http://schemas.microsoft.com/office/powerpoint/2010/main" val="2670688610"/>
+      </p:ext>
+    </p:extLst>
+  </p:cSld>
+  <p:clrMapOvr>
+    <a:masterClrMapping/>
+  </p:clrMapOvr>
+</p:notes>
+</file>
+
+<file path=ppt/notesSlides/notesSlide17.xml><?xml version="1.0" encoding="utf-8"?>
+<p:notes xmlns:a="http://schemas.openxmlformats.org/drawingml/2006/main" xmlns:r="http://schemas.openxmlformats.org/officeDocument/2006/relationships" xmlns:p="http://schemas.openxmlformats.org/presentationml/2006/main">
+  <p:cSld>
+    <p:spTree>
+      <p:nvGrpSpPr>
+        <p:cNvPr id="1" name=""/>
+        <p:cNvGrpSpPr/>
+        <p:nvPr/>
+      </p:nvGrpSpPr>
+      <p:grpSpPr>
+        <a:xfrm>
+          <a:off x="0" y="0"/>
+          <a:ext cx="0" cy="0"/>
+          <a:chOff x="0" y="0"/>
+          <a:chExt cx="0" cy="0"/>
+        </a:xfrm>
+      </p:grpSpPr>
+      <p:sp>
+        <p:nvSpPr>
+          <p:cNvPr id="2" name="슬라이드 이미지 개체 틀 1"/>
+          <p:cNvSpPr>
+            <a:spLocks noGrp="1" noRot="1" noChangeAspect="1"/>
+          </p:cNvSpPr>
+          <p:nvPr>
+            <p:ph type="sldImg"/>
+          </p:nvPr>
+        </p:nvSpPr>
+        <p:spPr/>
+      </p:sp>
+      <p:sp>
+        <p:nvSpPr>
+          <p:cNvPr id="3" name="슬라이드 노트 개체 틀 2"/>
+          <p:cNvSpPr>
+            <a:spLocks noGrp="1"/>
+          </p:cNvSpPr>
+          <p:nvPr>
+            <p:ph type="body" idx="1"/>
+          </p:nvPr>
+        </p:nvSpPr>
+        <p:spPr/>
+        <p:txBody>
+          <a:bodyPr/>
+          <a:lstStyle/>
+          <a:p>
+            <a:endParaRPr lang="ko-KR" altLang="en-US"/>
+          </a:p>
+        </p:txBody>
+      </p:sp>
+      <p:sp>
+        <p:nvSpPr>
+          <p:cNvPr id="4" name="슬라이드 번호 개체 틀 3"/>
+          <p:cNvSpPr>
+            <a:spLocks noGrp="1"/>
+          </p:cNvSpPr>
+          <p:nvPr>
+            <p:ph type="sldNum" sz="quarter" idx="10"/>
+          </p:nvPr>
+        </p:nvSpPr>
+        <p:spPr/>
+        <p:txBody>
+          <a:bodyPr/>
+          <a:lstStyle/>
+          <a:p>
+            <a:fld id="{20EFBB80-8FD0-438D-AE1E-AD03ACA97BEA}" type="slidenum">
+              <a:rPr lang="ko-KR" altLang="en-US" smtClean="0"/>
+              <a:t>17</a:t>
+            </a:fld>
+            <a:endParaRPr lang="ko-KR" altLang="en-US"/>
+          </a:p>
+        </p:txBody>
+      </p:sp>
+    </p:spTree>
+    <p:extLst>
+      <p:ext uri="{BB962C8B-B14F-4D97-AF65-F5344CB8AC3E}">
+        <p14:creationId xmlns:p14="http://schemas.microsoft.com/office/powerpoint/2010/main" val="655640366"/>
+      </p:ext>
+    </p:extLst>
+  </p:cSld>
+  <p:clrMapOvr>
+    <a:masterClrMapping/>
+  </p:clrMapOvr>
+</p:notes>
+</file>
+
+<file path=ppt/notesSlides/notesSlide18.xml><?xml version="1.0" encoding="utf-8"?>
+<p:notes xmlns:a="http://schemas.openxmlformats.org/drawingml/2006/main" xmlns:r="http://schemas.openxmlformats.org/officeDocument/2006/relationships" xmlns:p="http://schemas.openxmlformats.org/presentationml/2006/main">
+  <p:cSld>
+    <p:spTree>
+      <p:nvGrpSpPr>
+        <p:cNvPr id="1" name=""/>
+        <p:cNvGrpSpPr/>
+        <p:nvPr/>
+      </p:nvGrpSpPr>
+      <p:grpSpPr>
+        <a:xfrm>
+          <a:off x="0" y="0"/>
+          <a:ext cx="0" cy="0"/>
+          <a:chOff x="0" y="0"/>
+          <a:chExt cx="0" cy="0"/>
+        </a:xfrm>
+      </p:grpSpPr>
+      <p:sp>
+        <p:nvSpPr>
+          <p:cNvPr id="2" name="슬라이드 이미지 개체 틀 1"/>
+          <p:cNvSpPr>
+            <a:spLocks noGrp="1" noRot="1" noChangeAspect="1"/>
+          </p:cNvSpPr>
+          <p:nvPr>
+            <p:ph type="sldImg"/>
+          </p:nvPr>
+        </p:nvSpPr>
+        <p:spPr/>
+      </p:sp>
+      <p:sp>
+        <p:nvSpPr>
+          <p:cNvPr id="3" name="슬라이드 노트 개체 틀 2"/>
+          <p:cNvSpPr>
+            <a:spLocks noGrp="1"/>
+          </p:cNvSpPr>
+          <p:nvPr>
+            <p:ph type="body" idx="1"/>
+          </p:nvPr>
+        </p:nvSpPr>
+        <p:spPr/>
+        <p:txBody>
+          <a:bodyPr/>
+          <a:lstStyle/>
+          <a:p>
+            <a:endParaRPr lang="ko-KR" altLang="en-US"/>
+          </a:p>
+        </p:txBody>
+      </p:sp>
+      <p:sp>
+        <p:nvSpPr>
+          <p:cNvPr id="4" name="슬라이드 번호 개체 틀 3"/>
+          <p:cNvSpPr>
+            <a:spLocks noGrp="1"/>
+          </p:cNvSpPr>
+          <p:nvPr>
+            <p:ph type="sldNum" sz="quarter" idx="10"/>
+          </p:nvPr>
+        </p:nvSpPr>
+        <p:spPr/>
+        <p:txBody>
+          <a:bodyPr/>
+          <a:lstStyle/>
+          <a:p>
+            <a:fld id="{20EFBB80-8FD0-438D-AE1E-AD03ACA97BEA}" type="slidenum">
+              <a:rPr lang="ko-KR" altLang="en-US" smtClean="0"/>
+              <a:t>18</a:t>
+            </a:fld>
+            <a:endParaRPr lang="ko-KR" altLang="en-US"/>
+          </a:p>
+        </p:txBody>
+      </p:sp>
+    </p:spTree>
+    <p:extLst>
+      <p:ext uri="{BB962C8B-B14F-4D97-AF65-F5344CB8AC3E}">
+        <p14:creationId xmlns:p14="http://schemas.microsoft.com/office/powerpoint/2010/main" val="3063171810"/>
+      </p:ext>
+    </p:extLst>
+  </p:cSld>
+  <p:clrMapOvr>
+    <a:masterClrMapping/>
+  </p:clrMapOvr>
+</p:notes>
+</file>
+
+<file path=ppt/notesSlides/notesSlide19.xml><?xml version="1.0" encoding="utf-8"?>
+<p:notes xmlns:a="http://schemas.openxmlformats.org/drawingml/2006/main" xmlns:r="http://schemas.openxmlformats.org/officeDocument/2006/relationships" xmlns:p="http://schemas.openxmlformats.org/presentationml/2006/main">
+  <p:cSld>
+    <p:spTree>
+      <p:nvGrpSpPr>
+        <p:cNvPr id="1" name=""/>
+        <p:cNvGrpSpPr/>
+        <p:nvPr/>
+      </p:nvGrpSpPr>
+      <p:grpSpPr>
+        <a:xfrm>
+          <a:off x="0" y="0"/>
+          <a:ext cx="0" cy="0"/>
+          <a:chOff x="0" y="0"/>
+          <a:chExt cx="0" cy="0"/>
+        </a:xfrm>
+      </p:grpSpPr>
+      <p:sp>
+        <p:nvSpPr>
+          <p:cNvPr id="2" name="슬라이드 이미지 개체 틀 1"/>
+          <p:cNvSpPr>
+            <a:spLocks noGrp="1" noRot="1" noChangeAspect="1"/>
+          </p:cNvSpPr>
+          <p:nvPr>
+            <p:ph type="sldImg"/>
+          </p:nvPr>
+        </p:nvSpPr>
+        <p:spPr/>
+      </p:sp>
+      <p:sp>
+        <p:nvSpPr>
+          <p:cNvPr id="3" name="슬라이드 노트 개체 틀 2"/>
+          <p:cNvSpPr>
+            <a:spLocks noGrp="1"/>
+          </p:cNvSpPr>
+          <p:nvPr>
+            <p:ph type="body" idx="1"/>
+          </p:nvPr>
+        </p:nvSpPr>
+        <p:spPr/>
+        <p:txBody>
+          <a:bodyPr/>
+          <a:lstStyle/>
+          <a:p>
+            <a:endParaRPr lang="ko-KR" altLang="en-US"/>
+          </a:p>
+        </p:txBody>
+      </p:sp>
+      <p:sp>
+        <p:nvSpPr>
+          <p:cNvPr id="4" name="슬라이드 번호 개체 틀 3"/>
+          <p:cNvSpPr>
+            <a:spLocks noGrp="1"/>
+          </p:cNvSpPr>
+          <p:nvPr>
+            <p:ph type="sldNum" sz="quarter" idx="10"/>
+          </p:nvPr>
+        </p:nvSpPr>
+        <p:spPr/>
+        <p:txBody>
+          <a:bodyPr/>
+          <a:lstStyle/>
+          <a:p>
+            <a:fld id="{20EFBB80-8FD0-438D-AE1E-AD03ACA97BEA}" type="slidenum">
+              <a:rPr lang="ko-KR" altLang="en-US" smtClean="0"/>
+              <a:t>19</a:t>
+            </a:fld>
+            <a:endParaRPr lang="ko-KR" altLang="en-US"/>
+          </a:p>
+        </p:txBody>
+      </p:sp>
+    </p:spTree>
+    <p:extLst>
+      <p:ext uri="{BB962C8B-B14F-4D97-AF65-F5344CB8AC3E}">
+        <p14:creationId xmlns:p14="http://schemas.microsoft.com/office/powerpoint/2010/main" val="3210986805"/>
+      </p:ext>
+    </p:extLst>
+  </p:cSld>
+  <p:clrMapOvr>
+    <a:masterClrMapping/>
+  </p:clrMapOvr>
+</p:notes>
+</file>
+
 <file path=ppt/notesSlides/notesSlide2.xml><?xml version="1.0" encoding="utf-8"?>
 <p:notes xmlns:a="http://schemas.openxmlformats.org/drawingml/2006/main" xmlns:r="http://schemas.openxmlformats.org/officeDocument/2006/relationships" xmlns:p="http://schemas.openxmlformats.org/presentationml/2006/main">
   <p:cSld>
@@ -1894,7 +2410,7 @@
           <a:p>
             <a:fld id="{1FE4C637-EB85-4CFD-86D0-A8886F020EA8}" type="datetime1">
               <a:rPr lang="ko-KR" altLang="en-US" smtClean="0"/>
-              <a:t>2019-10-20</a:t>
+              <a:t>2019-10-29</a:t>
             </a:fld>
             <a:endParaRPr lang="ko-KR" altLang="en-US"/>
           </a:p>
@@ -2169,7 +2685,7 @@
           <a:p>
             <a:fld id="{F2B705D9-2E09-43D7-9A35-F563146D3CB4}" type="datetime1">
               <a:rPr lang="ko-KR" altLang="en-US" smtClean="0"/>
-              <a:t>2019-10-20</a:t>
+              <a:t>2019-10-29</a:t>
             </a:fld>
             <a:endParaRPr lang="ko-KR" altLang="en-US"/>
           </a:p>
@@ -2349,7 +2865,7 @@
           <a:p>
             <a:fld id="{49534E30-3936-4775-8B54-6BAAA95B1992}" type="datetime1">
               <a:rPr lang="ko-KR" altLang="en-US" smtClean="0"/>
-              <a:t>2019-10-20</a:t>
+              <a:t>2019-10-29</a:t>
             </a:fld>
             <a:endParaRPr lang="ko-KR" altLang="en-US"/>
           </a:p>
@@ -2519,7 +3035,7 @@
           <a:p>
             <a:fld id="{F118FE1B-3E79-4A4A-872D-75650BCC1C86}" type="datetime1">
               <a:rPr lang="ko-KR" altLang="en-US" smtClean="0"/>
-              <a:t>2019-10-20</a:t>
+              <a:t>2019-10-29</a:t>
             </a:fld>
             <a:endParaRPr lang="ko-KR" altLang="en-US"/>
           </a:p>
@@ -2880,7 +3396,7 @@
           <a:p>
             <a:fld id="{9CB0BFB1-E0DD-4C55-B58A-05B97B933D5A}" type="datetime1">
               <a:rPr lang="ko-KR" altLang="en-US" smtClean="0"/>
-              <a:t>2019-10-20</a:t>
+              <a:t>2019-10-29</a:t>
             </a:fld>
             <a:endParaRPr lang="ko-KR" altLang="en-US"/>
           </a:p>
@@ -3119,7 +3635,7 @@
           <a:p>
             <a:fld id="{EC1BAE79-E887-4BEA-AB3B-E56F52C1BBB2}" type="datetime1">
               <a:rPr lang="ko-KR" altLang="en-US" smtClean="0"/>
-              <a:t>2019-10-20</a:t>
+              <a:t>2019-10-29</a:t>
             </a:fld>
             <a:endParaRPr lang="ko-KR" altLang="en-US"/>
           </a:p>
@@ -3486,7 +4002,7 @@
           <a:p>
             <a:fld id="{F9B76080-ECAA-401B-8263-2E43FECA4E80}" type="datetime1">
               <a:rPr lang="ko-KR" altLang="en-US" smtClean="0"/>
-              <a:t>2019-10-20</a:t>
+              <a:t>2019-10-29</a:t>
             </a:fld>
             <a:endParaRPr lang="ko-KR" altLang="en-US"/>
           </a:p>
@@ -3604,7 +4120,7 @@
           <a:p>
             <a:fld id="{9EBE0658-A779-465A-A3F7-3DF734018C74}" type="datetime1">
               <a:rPr lang="ko-KR" altLang="en-US" smtClean="0"/>
-              <a:t>2019-10-20</a:t>
+              <a:t>2019-10-29</a:t>
             </a:fld>
             <a:endParaRPr lang="ko-KR" altLang="en-US"/>
           </a:p>
@@ -3699,7 +4215,7 @@
           <a:p>
             <a:fld id="{F0E25338-95D2-4179-9A46-224B3BB66FE5}" type="datetime1">
               <a:rPr lang="ko-KR" altLang="en-US" smtClean="0"/>
-              <a:t>2019-10-20</a:t>
+              <a:t>2019-10-29</a:t>
             </a:fld>
             <a:endParaRPr lang="ko-KR" altLang="en-US"/>
           </a:p>
@@ -3976,7 +4492,7 @@
           <a:p>
             <a:fld id="{F78904E9-32E6-44C5-B986-724316F31060}" type="datetime1">
               <a:rPr lang="ko-KR" altLang="en-US" smtClean="0"/>
-              <a:t>2019-10-20</a:t>
+              <a:t>2019-10-29</a:t>
             </a:fld>
             <a:endParaRPr lang="ko-KR" altLang="en-US"/>
           </a:p>
@@ -4233,7 +4749,7 @@
           <a:p>
             <a:fld id="{5B60377E-B8D0-45BD-B414-1A76DA1A8022}" type="datetime1">
               <a:rPr lang="ko-KR" altLang="en-US" smtClean="0"/>
-              <a:t>2019-10-20</a:t>
+              <a:t>2019-10-29</a:t>
             </a:fld>
             <a:endParaRPr lang="ko-KR" altLang="en-US"/>
           </a:p>
@@ -4446,7 +4962,7 @@
           <a:p>
             <a:fld id="{2136196C-DFE3-4B2C-A981-468C566CCAA8}" type="datetime1">
               <a:rPr lang="ko-KR" altLang="en-US" smtClean="0"/>
-              <a:t>2019-10-20</a:t>
+              <a:t>2019-10-29</a:t>
             </a:fld>
             <a:endParaRPr lang="ko-KR" altLang="en-US"/>
           </a:p>
@@ -4964,7 +5480,7 @@
         <p:spPr>
           <a:xfrm>
             <a:off x="763491" y="1791106"/>
-            <a:ext cx="2005136" cy="553998"/>
+            <a:ext cx="2005136" cy="707886"/>
           </a:xfrm>
           <a:prstGeom prst="rect">
             <a:avLst/>
@@ -4983,6 +5499,15 @@
                 <a:ea typeface="넥슨Lv1고딕 Bold" panose="00000800000000000000" pitchFamily="2" charset="-127"/>
               </a:rPr>
               <a:t>[Version]</a:t>
+            </a:r>
+          </a:p>
+          <a:p>
+            <a:r>
+              <a:rPr lang="en-US" altLang="ko-KR" sz="1000" dirty="0">
+                <a:latin typeface="넥슨Lv1고딕 Light" panose="00000300000000000000" pitchFamily="2" charset="-127"/>
+                <a:ea typeface="넥슨Lv1고딕 Light" panose="00000300000000000000" pitchFamily="2" charset="-127"/>
+              </a:rPr>
+              <a:t>2019-10-30	v0.2</a:t>
             </a:r>
           </a:p>
           <a:p>
@@ -5043,7 +5568,7 @@
           <p:nvPr>
             <p:extLst>
               <p:ext uri="{D42A27DB-BD31-4B8C-83A1-F6EECF244321}">
-                <p14:modId xmlns:p14="http://schemas.microsoft.com/office/powerpoint/2010/main" val="2132701296"/>
+                <p14:modId xmlns:p14="http://schemas.microsoft.com/office/powerpoint/2010/main" val="2112312520"/>
               </p:ext>
             </p:extLst>
           </p:nvPr>
@@ -5151,6 +5676,79 @@
                           <a:latin typeface="넥슨Lv1고딕 Light" panose="00000300000000000000" pitchFamily="2" charset="-127"/>
                           <a:ea typeface="넥슨Lv1고딕 Light" panose="00000300000000000000" pitchFamily="2" charset="-127"/>
                         </a:rPr>
+                        <a:t>2019.10.30</a:t>
+                      </a:r>
+                      <a:endParaRPr lang="ko-KR" altLang="en-US" sz="900" spc="-50" baseline="0" dirty="0">
+                        <a:latin typeface="넥슨Lv1고딕 Light" panose="00000300000000000000" pitchFamily="2" charset="-127"/>
+                        <a:ea typeface="넥슨Lv1고딕 Light" panose="00000300000000000000" pitchFamily="2" charset="-127"/>
+                      </a:endParaRPr>
+                    </a:p>
+                  </a:txBody>
+                  <a:tcPr marL="45720" marR="45720"/>
+                </a:tc>
+                <a:tc>
+                  <a:txBody>
+                    <a:bodyPr/>
+                    <a:lstStyle/>
+                    <a:p>
+                      <a:pPr latinLnBrk="1"/>
+                      <a:r>
+                        <a:rPr lang="en-US" altLang="ko-KR" sz="900" spc="-50" baseline="0" dirty="0">
+                          <a:latin typeface="넥슨Lv1고딕 Light" panose="00000300000000000000" pitchFamily="2" charset="-127"/>
+                          <a:ea typeface="넥슨Lv1고딕 Light" panose="00000300000000000000" pitchFamily="2" charset="-127"/>
+                        </a:rPr>
+                        <a:t>HTML5 Local Storage, JSON </a:t>
+                      </a:r>
+                      <a:r>
+                        <a:rPr lang="ko-KR" altLang="en-US" sz="900" spc="-50" baseline="0">
+                          <a:latin typeface="넥슨Lv1고딕 Light" panose="00000300000000000000" pitchFamily="2" charset="-127"/>
+                          <a:ea typeface="넥슨Lv1고딕 Light" panose="00000300000000000000" pitchFamily="2" charset="-127"/>
+                        </a:rPr>
+                        <a:t>다루기 내용 추가</a:t>
+                      </a:r>
+                      <a:endParaRPr lang="ko-KR" altLang="en-US" sz="900" spc="-50" baseline="0" dirty="0">
+                        <a:latin typeface="넥슨Lv1고딕 Light" panose="00000300000000000000" pitchFamily="2" charset="-127"/>
+                        <a:ea typeface="넥슨Lv1고딕 Light" panose="00000300000000000000" pitchFamily="2" charset="-127"/>
+                      </a:endParaRPr>
+                    </a:p>
+                  </a:txBody>
+                  <a:tcPr marL="45720" marR="45720"/>
+                </a:tc>
+                <a:tc>
+                  <a:txBody>
+                    <a:bodyPr/>
+                    <a:lstStyle/>
+                    <a:p>
+                      <a:pPr algn="ctr" latinLnBrk="1"/>
+                      <a:r>
+                        <a:rPr lang="ko-KR" altLang="en-US" sz="900" spc="-50" baseline="0" dirty="0">
+                          <a:latin typeface="넥슨Lv1고딕 Light" panose="00000300000000000000" pitchFamily="2" charset="-127"/>
+                          <a:ea typeface="넥슨Lv1고딕 Light" panose="00000300000000000000" pitchFamily="2" charset="-127"/>
+                        </a:rPr>
+                        <a:t>조하늘</a:t>
+                      </a:r>
+                    </a:p>
+                  </a:txBody>
+                  <a:tcPr marL="45720" marR="45720"/>
+                </a:tc>
+                <a:extLst>
+                  <a:ext uri="{0D108BD9-81ED-4DB2-BD59-A6C34878D82A}">
+                    <a16:rowId xmlns:a16="http://schemas.microsoft.com/office/drawing/2014/main" val="10001"/>
+                  </a:ext>
+                </a:extLst>
+              </a:tr>
+              <a:tr h="216000">
+                <a:tc>
+                  <a:txBody>
+                    <a:bodyPr/>
+                    <a:lstStyle/>
+                    <a:p>
+                      <a:pPr algn="ctr" latinLnBrk="1"/>
+                      <a:r>
+                        <a:rPr lang="en-US" altLang="ko-KR" sz="900" spc="-50" baseline="0" dirty="0">
+                          <a:latin typeface="넥슨Lv1고딕 Light" panose="00000300000000000000" pitchFamily="2" charset="-127"/>
+                          <a:ea typeface="넥슨Lv1고딕 Light" panose="00000300000000000000" pitchFamily="2" charset="-127"/>
+                        </a:rPr>
                         <a:t>2019.10.21</a:t>
                       </a:r>
                       <a:endParaRPr lang="ko-KR" altLang="en-US" sz="900" spc="-50" baseline="0" dirty="0">
@@ -5205,55 +5803,6 @@
                         </a:rPr>
                         <a:t>조하늘</a:t>
                       </a:r>
-                    </a:p>
-                  </a:txBody>
-                  <a:tcPr marL="45720" marR="45720"/>
-                </a:tc>
-                <a:extLst>
-                  <a:ext uri="{0D108BD9-81ED-4DB2-BD59-A6C34878D82A}">
-                    <a16:rowId xmlns:a16="http://schemas.microsoft.com/office/drawing/2014/main" val="10001"/>
-                  </a:ext>
-                </a:extLst>
-              </a:tr>
-              <a:tr h="216000">
-                <a:tc>
-                  <a:txBody>
-                    <a:bodyPr/>
-                    <a:lstStyle/>
-                    <a:p>
-                      <a:pPr algn="ctr" latinLnBrk="1"/>
-                      <a:endParaRPr lang="ko-KR" altLang="en-US" sz="900" spc="-50" baseline="0" dirty="0">
-                        <a:latin typeface="넥슨Lv1고딕 Light" panose="00000300000000000000" pitchFamily="2" charset="-127"/>
-                        <a:ea typeface="넥슨Lv1고딕 Light" panose="00000300000000000000" pitchFamily="2" charset="-127"/>
-                      </a:endParaRPr>
-                    </a:p>
-                  </a:txBody>
-                  <a:tcPr marL="45720" marR="45720"/>
-                </a:tc>
-                <a:tc>
-                  <a:txBody>
-                    <a:bodyPr/>
-                    <a:lstStyle/>
-                    <a:p>
-                      <a:pPr latinLnBrk="1"/>
-                      <a:endParaRPr lang="ko-KR" altLang="en-US" sz="900" spc="-50" baseline="0" dirty="0">
-                        <a:latin typeface="넥슨Lv1고딕 Light" panose="00000300000000000000" pitchFamily="2" charset="-127"/>
-                        <a:ea typeface="넥슨Lv1고딕 Light" panose="00000300000000000000" pitchFamily="2" charset="-127"/>
-                      </a:endParaRPr>
-                    </a:p>
-                  </a:txBody>
-                  <a:tcPr marL="45720" marR="45720"/>
-                </a:tc>
-                <a:tc>
-                  <a:txBody>
-                    <a:bodyPr/>
-                    <a:lstStyle/>
-                    <a:p>
-                      <a:pPr algn="ctr" latinLnBrk="1"/>
-                      <a:endParaRPr lang="ko-KR" altLang="en-US" sz="900" spc="-50" baseline="0" dirty="0">
-                        <a:latin typeface="넥슨Lv1고딕 Light" panose="00000300000000000000" pitchFamily="2" charset="-127"/>
-                        <a:ea typeface="넥슨Lv1고딕 Light" panose="00000300000000000000" pitchFamily="2" charset="-127"/>
-                      </a:endParaRPr>
                     </a:p>
                   </a:txBody>
                   <a:tcPr marL="45720" marR="45720"/>
@@ -10311,304 +10860,10 @@
       </p:grpSpPr>
       <p:sp>
         <p:nvSpPr>
-          <p:cNvPr id="2" name="직사각형 1"/>
-          <p:cNvSpPr/>
-          <p:nvPr/>
-        </p:nvSpPr>
-        <p:spPr>
-          <a:xfrm>
-            <a:off x="0" y="220266"/>
-            <a:ext cx="9144000" cy="6099418"/>
-          </a:xfrm>
-          <a:prstGeom prst="rect">
-            <a:avLst/>
-          </a:prstGeom>
-          <a:solidFill>
-            <a:srgbClr val="FBFBFB"/>
-          </a:solidFill>
-          <a:ln>
-            <a:noFill/>
-          </a:ln>
-        </p:spPr>
-        <p:style>
-          <a:lnRef idx="2">
-            <a:schemeClr val="accent1">
-              <a:shade val="50000"/>
-            </a:schemeClr>
-          </a:lnRef>
-          <a:fillRef idx="1">
-            <a:schemeClr val="accent1"/>
-          </a:fillRef>
-          <a:effectRef idx="0">
-            <a:schemeClr val="accent1"/>
-          </a:effectRef>
-          <a:fontRef idx="minor">
-            <a:schemeClr val="lt1"/>
-          </a:fontRef>
-        </p:style>
-        <p:txBody>
-          <a:bodyPr rtlCol="0" anchor="ctr"/>
-          <a:lstStyle/>
-          <a:p>
-            <a:pPr algn="ctr"/>
-            <a:endParaRPr lang="ko-KR" altLang="en-US"/>
-          </a:p>
-        </p:txBody>
-      </p:sp>
-      <p:sp>
-        <p:nvSpPr>
-          <p:cNvPr id="7" name="TextBox 6">
+          <p:cNvPr id="32" name="모서리가 둥근 직사각형 9">
             <a:extLst>
               <a:ext uri="{FF2B5EF4-FFF2-40B4-BE49-F238E27FC236}">
-                <a16:creationId xmlns:a16="http://schemas.microsoft.com/office/drawing/2014/main" id="{CFFDF735-62F4-42D8-9EE1-93610BFD171F}"/>
-              </a:ext>
-            </a:extLst>
-          </p:cNvPr>
-          <p:cNvSpPr txBox="1"/>
-          <p:nvPr/>
-        </p:nvSpPr>
-        <p:spPr>
-          <a:xfrm>
-            <a:off x="763491" y="1791106"/>
-            <a:ext cx="2005136" cy="553998"/>
-          </a:xfrm>
-          <a:prstGeom prst="rect">
-            <a:avLst/>
-          </a:prstGeom>
-          <a:noFill/>
-        </p:spPr>
-        <p:txBody>
-          <a:bodyPr wrap="square" rtlCol="0">
-            <a:spAutoFit/>
-          </a:bodyPr>
-          <a:lstStyle/>
-          <a:p>
-            <a:r>
-              <a:rPr lang="en-US" altLang="ko-KR" sz="1000" dirty="0">
-                <a:latin typeface="넥슨Lv1고딕 Bold" panose="00000800000000000000" pitchFamily="2" charset="-127"/>
-                <a:ea typeface="넥슨Lv1고딕 Bold" panose="00000800000000000000" pitchFamily="2" charset="-127"/>
-              </a:rPr>
-              <a:t>[Version]</a:t>
-            </a:r>
-          </a:p>
-          <a:p>
-            <a:r>
-              <a:rPr lang="en-US" altLang="ko-KR" sz="1000" dirty="0">
-                <a:latin typeface="넥슨Lv1고딕 Light" panose="00000300000000000000" pitchFamily="2" charset="-127"/>
-                <a:ea typeface="넥슨Lv1고딕 Light" panose="00000300000000000000" pitchFamily="2" charset="-127"/>
-              </a:rPr>
-              <a:t>2019-10-21	v0.1</a:t>
-            </a:r>
-          </a:p>
-          <a:p>
-            <a:endParaRPr lang="en-US" altLang="ko-KR" sz="1000" dirty="0">
-              <a:latin typeface="넥슨Lv1고딕 Light" panose="00000300000000000000" pitchFamily="2" charset="-127"/>
-              <a:ea typeface="넥슨Lv1고딕 Light" panose="00000300000000000000" pitchFamily="2" charset="-127"/>
-            </a:endParaRPr>
-          </a:p>
-        </p:txBody>
-      </p:sp>
-      <p:pic>
-        <p:nvPicPr>
-          <p:cNvPr id="4" name="Picture 2"/>
-          <p:cNvPicPr>
-            <a:picLocks noChangeAspect="1" noChangeArrowheads="1"/>
-          </p:cNvPicPr>
-          <p:nvPr/>
-        </p:nvPicPr>
-        <p:blipFill>
-          <a:blip r:embed="rId2" cstate="print">
-            <a:extLst>
-              <a:ext uri="{28A0092B-C50C-407E-A947-70E740481C1C}">
-                <a14:useLocalDpi xmlns:a14="http://schemas.microsoft.com/office/drawing/2010/main" val="0"/>
-              </a:ext>
-            </a:extLst>
-          </a:blip>
-          <a:srcRect/>
-          <a:stretch>
-            <a:fillRect/>
-          </a:stretch>
-        </p:blipFill>
-        <p:spPr bwMode="auto">
-          <a:xfrm>
-            <a:off x="0" y="-27384"/>
-            <a:ext cx="9144000" cy="247650"/>
-          </a:xfrm>
-          <a:prstGeom prst="rect">
-            <a:avLst/>
-          </a:prstGeom>
-          <a:noFill/>
-          <a:ln>
-            <a:noFill/>
-          </a:ln>
-          <a:effectLst/>
-          <a:extLst>
-            <a:ext uri="{909E8E84-426E-40DD-AFC4-6F175D3DCCD1}">
-              <a14:hiddenFill xmlns:a14="http://schemas.microsoft.com/office/drawing/2010/main">
-                <a:solidFill>
-                  <a:schemeClr val="accent1"/>
-                </a:solidFill>
-              </a14:hiddenFill>
-            </a:ext>
-            <a:ext uri="{91240B29-F687-4F45-9708-019B960494DF}">
-              <a14:hiddenLine xmlns:a14="http://schemas.microsoft.com/office/drawing/2010/main" w="9525">
-                <a:solidFill>
-                  <a:schemeClr val="tx1"/>
-                </a:solidFill>
-                <a:miter lim="800000"/>
-                <a:headEnd/>
-                <a:tailEnd/>
-              </a14:hiddenLine>
-            </a:ext>
-            <a:ext uri="{AF507438-7753-43E0-B8FC-AC1667EBCBE1}">
-              <a14:hiddenEffects xmlns:a14="http://schemas.microsoft.com/office/drawing/2010/main">
-                <a:effectLst>
-                  <a:outerShdw dist="35921" dir="2700000" algn="ctr" rotWithShape="0">
-                    <a:schemeClr val="bg2"/>
-                  </a:outerShdw>
-                </a:effectLst>
-              </a14:hiddenEffects>
-            </a:ext>
-          </a:extLst>
-        </p:spPr>
-      </p:pic>
-      <p:sp>
-        <p:nvSpPr>
-          <p:cNvPr id="12" name="TextBox 11"/>
-          <p:cNvSpPr txBox="1"/>
-          <p:nvPr/>
-        </p:nvSpPr>
-        <p:spPr>
-          <a:xfrm>
-            <a:off x="0" y="3441565"/>
-            <a:ext cx="9143999" cy="707886"/>
-          </a:xfrm>
-          <a:prstGeom prst="rect">
-            <a:avLst/>
-          </a:prstGeom>
-          <a:noFill/>
-        </p:spPr>
-        <p:txBody>
-          <a:bodyPr wrap="square" rtlCol="0">
-            <a:spAutoFit/>
-          </a:bodyPr>
-          <a:lstStyle/>
-          <a:p>
-            <a:pPr algn="ctr"/>
-            <a:r>
-              <a:rPr lang="en-US" altLang="ko-KR" sz="4000" dirty="0">
-                <a:solidFill>
-                  <a:schemeClr val="bg1">
-                    <a:lumMod val="85000"/>
-                  </a:schemeClr>
-                </a:solidFill>
-                <a:latin typeface="넥슨Lv1고딕 Light" panose="00000300000000000000" pitchFamily="2" charset="-127"/>
-                <a:ea typeface="넥슨Lv1고딕 Light" panose="00000300000000000000" pitchFamily="2" charset="-127"/>
-              </a:rPr>
-              <a:t>[ </a:t>
-            </a:r>
-            <a:r>
-              <a:rPr lang="ko-KR" altLang="en-US" sz="4000">
-                <a:solidFill>
-                  <a:schemeClr val="bg1">
-                    <a:lumMod val="85000"/>
-                  </a:schemeClr>
-                </a:solidFill>
-                <a:latin typeface="넥슨Lv1고딕 Light" panose="00000300000000000000" pitchFamily="2" charset="-127"/>
-                <a:ea typeface="넥슨Lv1고딕 Light" panose="00000300000000000000" pitchFamily="2" charset="-127"/>
-              </a:rPr>
-              <a:t>페이지 마침 </a:t>
-            </a:r>
-            <a:r>
-              <a:rPr lang="en-US" altLang="ko-KR" sz="4000" dirty="0">
-                <a:solidFill>
-                  <a:schemeClr val="bg1">
-                    <a:lumMod val="85000"/>
-                  </a:schemeClr>
-                </a:solidFill>
-                <a:latin typeface="넥슨Lv1고딕 Light" panose="00000300000000000000" pitchFamily="2" charset="-127"/>
-                <a:ea typeface="넥슨Lv1고딕 Light" panose="00000300000000000000" pitchFamily="2" charset="-127"/>
-              </a:rPr>
-              <a:t>]</a:t>
-            </a:r>
-          </a:p>
-        </p:txBody>
-      </p:sp>
-      <p:sp>
-        <p:nvSpPr>
-          <p:cNvPr id="9" name="TextBox 8"/>
-          <p:cNvSpPr txBox="1"/>
-          <p:nvPr/>
-        </p:nvSpPr>
-        <p:spPr>
-          <a:xfrm>
-            <a:off x="695253" y="1209251"/>
-            <a:ext cx="8380509" cy="461665"/>
-          </a:xfrm>
-          <a:prstGeom prst="rect">
-            <a:avLst/>
-          </a:prstGeom>
-          <a:noFill/>
-        </p:spPr>
-        <p:txBody>
-          <a:bodyPr wrap="square" rtlCol="0">
-            <a:spAutoFit/>
-          </a:bodyPr>
-          <a:lstStyle/>
-          <a:p>
-            <a:r>
-              <a:rPr lang="ko-KR" altLang="en-US" sz="1200" b="1" dirty="0">
-                <a:latin typeface="넥슨Lv1고딕 Bold" panose="00000800000000000000" pitchFamily="2" charset="-127"/>
-                <a:ea typeface="넥슨Lv1고딕 Bold" panose="00000800000000000000" pitchFamily="2" charset="-127"/>
-              </a:rPr>
-              <a:t>이쯤에서 </a:t>
-            </a:r>
-            <a:r>
-              <a:rPr lang="ko-KR" altLang="en-US" sz="2400" b="1" dirty="0">
-                <a:latin typeface="넥슨Lv1고딕 Bold" panose="00000800000000000000" pitchFamily="2" charset="-127"/>
-                <a:ea typeface="넥슨Lv1고딕 Bold" panose="00000800000000000000" pitchFamily="2" charset="-127"/>
-              </a:rPr>
-              <a:t>알면 좋을 자바스크립트</a:t>
-            </a:r>
-          </a:p>
-        </p:txBody>
-      </p:sp>
-    </p:spTree>
-    <p:extLst>
-      <p:ext uri="{BB962C8B-B14F-4D97-AF65-F5344CB8AC3E}">
-        <p14:creationId xmlns:p14="http://schemas.microsoft.com/office/powerpoint/2010/main" val="950458400"/>
-      </p:ext>
-    </p:extLst>
-  </p:cSld>
-  <p:clrMapOvr>
-    <a:masterClrMapping/>
-  </p:clrMapOvr>
-</p:sld>
-</file>
-
-<file path=ppt/slides/slide2.xml><?xml version="1.0" encoding="utf-8"?>
-<p:sld xmlns:a="http://schemas.openxmlformats.org/drawingml/2006/main" xmlns:r="http://schemas.openxmlformats.org/officeDocument/2006/relationships" xmlns:p="http://schemas.openxmlformats.org/presentationml/2006/main">
-  <p:cSld>
-    <p:spTree>
-      <p:nvGrpSpPr>
-        <p:cNvPr id="1" name=""/>
-        <p:cNvGrpSpPr/>
-        <p:nvPr/>
-      </p:nvGrpSpPr>
-      <p:grpSpPr>
-        <a:xfrm>
-          <a:off x="0" y="0"/>
-          <a:ext cx="0" cy="0"/>
-          <a:chOff x="0" y="0"/>
-          <a:chExt cx="0" cy="0"/>
-        </a:xfrm>
-      </p:grpSpPr>
-      <p:sp>
-        <p:nvSpPr>
-          <p:cNvPr id="42" name="모서리가 둥근 직사각형 9">
-            <a:extLst>
-              <a:ext uri="{FF2B5EF4-FFF2-40B4-BE49-F238E27FC236}">
-                <a16:creationId xmlns:a16="http://schemas.microsoft.com/office/drawing/2014/main" id="{1FDC7EA1-F5C3-4428-9863-5D7FEF57E2BD}"/>
+                <a16:creationId xmlns:a16="http://schemas.microsoft.com/office/drawing/2014/main" id="{01D90D5D-B631-465A-9490-B69830C4DF45}"/>
               </a:ext>
             </a:extLst>
           </p:cNvPr>
@@ -10617,62 +10872,12 @@
         </p:nvSpPr>
         <p:spPr>
           <a:xfrm>
-            <a:off x="4944473" y="2849277"/>
-            <a:ext cx="2924466" cy="2959554"/>
+            <a:off x="5093257" y="4506889"/>
+            <a:ext cx="2924466" cy="1406765"/>
           </a:xfrm>
           <a:prstGeom prst="roundRect">
             <a:avLst>
-              <a:gd name="adj" fmla="val 1841"/>
-            </a:avLst>
-          </a:prstGeom>
-          <a:solidFill>
-            <a:srgbClr val="DAE3F3">
-              <a:alpha val="25098"/>
-            </a:srgbClr>
-          </a:solidFill>
-          <a:ln w="6350">
-            <a:prstDash val="dash"/>
-          </a:ln>
-        </p:spPr>
-        <p:style>
-          <a:lnRef idx="2">
-            <a:schemeClr val="accent1">
-              <a:shade val="50000"/>
-            </a:schemeClr>
-          </a:lnRef>
-          <a:fillRef idx="1">
-            <a:schemeClr val="accent1"/>
-          </a:fillRef>
-          <a:effectRef idx="0">
-            <a:schemeClr val="accent1"/>
-          </a:effectRef>
-          <a:fontRef idx="minor">
-            <a:schemeClr val="lt1"/>
-          </a:fontRef>
-        </p:style>
-        <p:txBody>
-          <a:bodyPr rtlCol="0" anchor="ctr"/>
-          <a:lstStyle/>
-          <a:p>
-            <a:pPr algn="ctr"/>
-            <a:endParaRPr lang="ko-KR" altLang="en-US"/>
-          </a:p>
-        </p:txBody>
-      </p:sp>
-      <p:sp>
-        <p:nvSpPr>
-          <p:cNvPr id="10" name="모서리가 둥근 직사각형 9"/>
-          <p:cNvSpPr/>
-          <p:nvPr/>
-        </p:nvSpPr>
-        <p:spPr>
-          <a:xfrm>
-            <a:off x="1508546" y="2849277"/>
-            <a:ext cx="2924466" cy="2959554"/>
-          </a:xfrm>
-          <a:prstGeom prst="roundRect">
-            <a:avLst>
-              <a:gd name="adj" fmla="val 1841"/>
+              <a:gd name="adj" fmla="val 2266"/>
             </a:avLst>
           </a:prstGeom>
           <a:solidFill>
@@ -10753,7 +10958,7 @@
           <a:lstStyle/>
           <a:p>
             <a:r>
-              <a:rPr lang="en-US" altLang="ko-KR" sz="1200" spc="-50" dirty="0">
+              <a:rPr lang="ko-KR" altLang="en-US" sz="1200" spc="-50" dirty="0">
                 <a:solidFill>
                   <a:schemeClr val="accent1">
                     <a:lumMod val="50000"/>
@@ -10762,10 +10967,10 @@
                 <a:latin typeface="넥슨Lv1고딕 Bold" panose="00000800000000000000" pitchFamily="2" charset="-127"/>
                 <a:ea typeface="넥슨Lv1고딕 Bold" panose="00000800000000000000" pitchFamily="2" charset="-127"/>
               </a:rPr>
-              <a:t>Truthy</a:t>
-            </a:r>
-            <a:r>
-              <a:rPr lang="ko-KR" altLang="en-US" sz="1200" spc="-50" dirty="0">
+              <a:t>구조 분해 할당</a:t>
+            </a:r>
+            <a:r>
+              <a:rPr lang="en-US" altLang="ko-KR" sz="1200" spc="-50" dirty="0">
                 <a:solidFill>
                   <a:schemeClr val="accent1">
                     <a:lumMod val="50000"/>
@@ -10774,10 +10979,10 @@
                 <a:latin typeface="넥슨Lv1고딕 Bold" panose="00000800000000000000" pitchFamily="2" charset="-127"/>
                 <a:ea typeface="넥슨Lv1고딕 Bold" panose="00000800000000000000" pitchFamily="2" charset="-127"/>
               </a:rPr>
-              <a:t>값</a:t>
-            </a:r>
-            <a:r>
-              <a:rPr lang="en-US" altLang="ko-KR" sz="1200" spc="-50" dirty="0">
+              <a:t>(</a:t>
+            </a:r>
+            <a:r>
+              <a:rPr lang="ko-KR" altLang="en-US" sz="1200" spc="-50">
                 <a:solidFill>
                   <a:schemeClr val="accent1">
                     <a:lumMod val="50000"/>
@@ -10786,10 +10991,10 @@
                 <a:latin typeface="넥슨Lv1고딕 Bold" panose="00000800000000000000" pitchFamily="2" charset="-127"/>
                 <a:ea typeface="넥슨Lv1고딕 Bold" panose="00000800000000000000" pitchFamily="2" charset="-127"/>
               </a:rPr>
-              <a:t>, </a:t>
-            </a:r>
-            <a:r>
-              <a:rPr lang="en-US" altLang="ko-KR" sz="1200" spc="-50" dirty="0" err="1">
+              <a:t>비구조화 할당</a:t>
+            </a:r>
+            <a:r>
+              <a:rPr lang="en-US" altLang="ko-KR" sz="1200" spc="-50" dirty="0">
                 <a:solidFill>
                   <a:schemeClr val="accent1">
                     <a:lumMod val="50000"/>
@@ -10798,10 +11003,10 @@
                 <a:latin typeface="넥슨Lv1고딕 Bold" panose="00000800000000000000" pitchFamily="2" charset="-127"/>
                 <a:ea typeface="넥슨Lv1고딕 Bold" panose="00000800000000000000" pitchFamily="2" charset="-127"/>
               </a:rPr>
-              <a:t>Falsy</a:t>
-            </a:r>
-            <a:r>
-              <a:rPr lang="ko-KR" altLang="en-US" sz="1200" spc="-50" dirty="0">
+              <a:t>)</a:t>
+            </a:r>
+            <a:r>
+              <a:rPr lang="ko-KR" altLang="en-US" sz="1200" spc="-50">
                 <a:solidFill>
                   <a:schemeClr val="accent1">
                     <a:lumMod val="50000"/>
@@ -10810,7 +11015,7 @@
                 <a:latin typeface="넥슨Lv1고딕 Bold" panose="00000800000000000000" pitchFamily="2" charset="-127"/>
                 <a:ea typeface="넥슨Lv1고딕 Bold" panose="00000800000000000000" pitchFamily="2" charset="-127"/>
               </a:rPr>
-              <a:t>값이란</a:t>
+              <a:t>이란</a:t>
             </a:r>
             <a:r>
               <a:rPr lang="en-US" altLang="ko-KR" sz="1200" spc="-50" dirty="0">
@@ -10891,7 +11096,7 @@
             <a:fld id="{8D0AD3C7-B26A-41BF-81F8-CAF4A9564849}" type="slidenum">
               <a:rPr lang="ko-KR" altLang="en-US" smtClean="0"/>
               <a:pPr/>
-              <a:t>1</a:t>
+              <a:t>14</a:t>
             </a:fld>
             <a:endParaRPr lang="ko-KR" altLang="en-US" dirty="0"/>
           </a:p>
@@ -10938,39 +11143,32 @@
               </a:rPr>
             </a:br>
             <a:r>
+              <a:rPr lang="ko-KR" altLang="en-US" sz="1800" dirty="0">
+                <a:latin typeface="넥슨Lv1고딕 Bold" panose="00000800000000000000" pitchFamily="2" charset="-127"/>
+                <a:ea typeface="넥슨Lv1고딕 Bold" panose="00000800000000000000" pitchFamily="2" charset="-127"/>
+              </a:rPr>
+              <a:t>구조 분해 할당</a:t>
+            </a:r>
+            <a:r>
               <a:rPr lang="en-US" altLang="ko-KR" sz="1800" dirty="0">
                 <a:latin typeface="넥슨Lv1고딕 Bold" panose="00000800000000000000" pitchFamily="2" charset="-127"/>
                 <a:ea typeface="넥슨Lv1고딕 Bold" panose="00000800000000000000" pitchFamily="2" charset="-127"/>
               </a:rPr>
-              <a:t>Truthy</a:t>
-            </a:r>
-            <a:r>
-              <a:rPr lang="ko-KR" altLang="en-US" sz="1800" dirty="0">
-                <a:latin typeface="넥슨Lv1고딕 Bold" panose="00000800000000000000" pitchFamily="2" charset="-127"/>
-                <a:ea typeface="넥슨Lv1고딕 Bold" panose="00000800000000000000" pitchFamily="2" charset="-127"/>
-              </a:rPr>
-              <a:t>값</a:t>
+              <a:t>(</a:t>
+            </a:r>
+            <a:r>
+              <a:rPr lang="en-US" altLang="ko-KR" sz="1800" dirty="0" err="1">
+                <a:latin typeface="넥슨Lv1고딕 Bold" panose="00000800000000000000" pitchFamily="2" charset="-127"/>
+                <a:ea typeface="넥슨Lv1고딕 Bold" panose="00000800000000000000" pitchFamily="2" charset="-127"/>
+              </a:rPr>
+              <a:t>destructuring</a:t>
             </a:r>
             <a:r>
               <a:rPr lang="en-US" altLang="ko-KR" sz="1800" dirty="0">
                 <a:latin typeface="넥슨Lv1고딕 Bold" panose="00000800000000000000" pitchFamily="2" charset="-127"/>
                 <a:ea typeface="넥슨Lv1고딕 Bold" panose="00000800000000000000" pitchFamily="2" charset="-127"/>
               </a:rPr>
-              <a:t>, </a:t>
-            </a:r>
-            <a:r>
-              <a:rPr lang="en-US" altLang="ko-KR" sz="1800" dirty="0" err="1">
-                <a:latin typeface="넥슨Lv1고딕 Bold" panose="00000800000000000000" pitchFamily="2" charset="-127"/>
-                <a:ea typeface="넥슨Lv1고딕 Bold" panose="00000800000000000000" pitchFamily="2" charset="-127"/>
-              </a:rPr>
-              <a:t>Falsy</a:t>
-            </a:r>
-            <a:r>
-              <a:rPr lang="ko-KR" altLang="en-US" sz="1800" dirty="0">
-                <a:latin typeface="넥슨Lv1고딕 Bold" panose="00000800000000000000" pitchFamily="2" charset="-127"/>
-                <a:ea typeface="넥슨Lv1고딕 Bold" panose="00000800000000000000" pitchFamily="2" charset="-127"/>
-              </a:rPr>
-              <a:t>값</a:t>
+              <a:t> assignment)</a:t>
             </a:r>
             <a:endParaRPr lang="ko-KR" altLang="en-US" sz="2200" dirty="0">
               <a:latin typeface="넥슨Lv1고딕 Bold" panose="00000800000000000000" pitchFamily="2" charset="-127"/>
@@ -11003,264 +11201,143 @@
           <a:p>
             <a:r>
               <a:rPr lang="ko-KR" altLang="en-US" sz="1100" spc="-50" dirty="0">
-                <a:latin typeface="넥슨Lv1고딕 Light" panose="00000300000000000000" pitchFamily="2" charset="-127"/>
-                <a:ea typeface="넥슨Lv1고딕 Light" panose="00000300000000000000" pitchFamily="2" charset="-127"/>
-              </a:rPr>
-              <a:t>자바스크립트에서 </a:t>
+                <a:solidFill>
+                  <a:srgbClr val="FF0000"/>
+                </a:solidFill>
+                <a:latin typeface="넥슨Lv1고딕 Bold" panose="00000800000000000000" pitchFamily="2" charset="-127"/>
+                <a:ea typeface="넥슨Lv1고딕 Bold" panose="00000800000000000000" pitchFamily="2" charset="-127"/>
+              </a:rPr>
+              <a:t>구조 분해 할당</a:t>
             </a:r>
             <a:r>
               <a:rPr lang="en-US" altLang="ko-KR" sz="1100" spc="-50" dirty="0">
-                <a:latin typeface="넥슨Lv1고딕 Light" panose="00000300000000000000" pitchFamily="2" charset="-127"/>
-                <a:ea typeface="넥슨Lv1고딕 Light" panose="00000300000000000000" pitchFamily="2" charset="-127"/>
-              </a:rPr>
-              <a:t>Truthy </a:t>
+                <a:solidFill>
+                  <a:srgbClr val="FF0000"/>
+                </a:solidFill>
+                <a:latin typeface="넥슨Lv1고딕 Bold" panose="00000800000000000000" pitchFamily="2" charset="-127"/>
+                <a:ea typeface="넥슨Lv1고딕 Bold" panose="00000800000000000000" pitchFamily="2" charset="-127"/>
+              </a:rPr>
+              <a:t>(</a:t>
             </a:r>
             <a:r>
               <a:rPr lang="ko-KR" altLang="en-US" sz="1100" spc="-50" dirty="0">
-                <a:latin typeface="넥슨Lv1고딕 Light" panose="00000300000000000000" pitchFamily="2" charset="-127"/>
-                <a:ea typeface="넥슨Lv1고딕 Light" panose="00000300000000000000" pitchFamily="2" charset="-127"/>
-              </a:rPr>
-              <a:t>또는 </a:t>
-            </a:r>
-            <a:r>
-              <a:rPr lang="en-US" altLang="ko-KR" sz="1100" spc="-50" dirty="0" err="1">
-                <a:latin typeface="넥슨Lv1고딕 Light" panose="00000300000000000000" pitchFamily="2" charset="-127"/>
-                <a:ea typeface="넥슨Lv1고딕 Light" panose="00000300000000000000" pitchFamily="2" charset="-127"/>
-              </a:rPr>
-              <a:t>Falsy</a:t>
+                <a:solidFill>
+                  <a:srgbClr val="FF0000"/>
+                </a:solidFill>
+                <a:latin typeface="넥슨Lv1고딕 Bold" panose="00000800000000000000" pitchFamily="2" charset="-127"/>
+                <a:ea typeface="넥슨Lv1고딕 Bold" panose="00000800000000000000" pitchFamily="2" charset="-127"/>
+              </a:rPr>
+              <a:t>비구조화 할당</a:t>
+            </a:r>
+            <a:r>
+              <a:rPr lang="en-US" altLang="ko-KR" sz="1100" spc="-50" dirty="0">
+                <a:solidFill>
+                  <a:srgbClr val="FF0000"/>
+                </a:solidFill>
+                <a:latin typeface="넥슨Lv1고딕 Bold" panose="00000800000000000000" pitchFamily="2" charset="-127"/>
+                <a:ea typeface="넥슨Lv1고딕 Bold" panose="00000800000000000000" pitchFamily="2" charset="-127"/>
+              </a:rPr>
+              <a:t>)</a:t>
             </a:r>
             <a:r>
               <a:rPr lang="ko-KR" altLang="en-US" sz="1100" spc="-50" dirty="0">
-                <a:latin typeface="넥슨Lv1고딕 Light" panose="00000300000000000000" pitchFamily="2" charset="-127"/>
-                <a:ea typeface="넥슨Lv1고딕 Light" panose="00000300000000000000" pitchFamily="2" charset="-127"/>
-              </a:rPr>
-              <a:t>값이란</a:t>
+                <a:solidFill>
+                  <a:srgbClr val="FF0000"/>
+                </a:solidFill>
+                <a:latin typeface="넥슨Lv1고딕 Bold" panose="00000800000000000000" pitchFamily="2" charset="-127"/>
+                <a:ea typeface="넥슨Lv1고딕 Bold" panose="00000800000000000000" pitchFamily="2" charset="-127"/>
+              </a:rPr>
+              <a:t>이란 배열</a:t>
             </a:r>
             <a:r>
               <a:rPr lang="en-US" altLang="ko-KR" sz="1100" spc="-50" dirty="0">
-                <a:latin typeface="넥슨Lv1고딕 Light" panose="00000300000000000000" pitchFamily="2" charset="-127"/>
-                <a:ea typeface="넥슨Lv1고딕 Light" panose="00000300000000000000" pitchFamily="2" charset="-127"/>
-              </a:rPr>
-              <a:t>, true</a:t>
+                <a:solidFill>
+                  <a:srgbClr val="FF0000"/>
+                </a:solidFill>
+                <a:latin typeface="넥슨Lv1고딕 Bold" panose="00000800000000000000" pitchFamily="2" charset="-127"/>
+                <a:ea typeface="넥슨Lv1고딕 Bold" panose="00000800000000000000" pitchFamily="2" charset="-127"/>
+              </a:rPr>
+              <a:t>,</a:t>
             </a:r>
             <a:r>
               <a:rPr lang="ko-KR" altLang="en-US" sz="1100" spc="-50" dirty="0">
-                <a:latin typeface="넥슨Lv1고딕 Light" panose="00000300000000000000" pitchFamily="2" charset="-127"/>
-                <a:ea typeface="넥슨Lv1고딕 Light" panose="00000300000000000000" pitchFamily="2" charset="-127"/>
-              </a:rPr>
-              <a:t>나 </a:t>
+                <a:solidFill>
+                  <a:srgbClr val="FF0000"/>
+                </a:solidFill>
+                <a:latin typeface="넥슨Lv1고딕 Bold" panose="00000800000000000000" pitchFamily="2" charset="-127"/>
+                <a:ea typeface="넥슨Lv1고딕 Bold" panose="00000800000000000000" pitchFamily="2" charset="-127"/>
+              </a:rPr>
+              <a:t> 객체의 값을 추출하여 여러 변수에 할당</a:t>
             </a:r>
             <a:r>
               <a:rPr lang="en-US" altLang="ko-KR" sz="1100" spc="-50" dirty="0">
-                <a:latin typeface="넥슨Lv1고딕 Light" panose="00000300000000000000" pitchFamily="2" charset="-127"/>
-                <a:ea typeface="넥슨Lv1고딕 Light" panose="00000300000000000000" pitchFamily="2" charset="-127"/>
-              </a:rPr>
-              <a:t>false</a:t>
+                <a:solidFill>
+                  <a:srgbClr val="FF0000"/>
+                </a:solidFill>
+                <a:latin typeface="넥슨Lv1고딕 Bold" panose="00000800000000000000" pitchFamily="2" charset="-127"/>
+                <a:ea typeface="넥슨Lv1고딕 Bold" panose="00000800000000000000" pitchFamily="2" charset="-127"/>
+              </a:rPr>
+              <a:t>(</a:t>
             </a:r>
             <a:r>
               <a:rPr lang="ko-KR" altLang="en-US" sz="1100" spc="-50" dirty="0">
-                <a:latin typeface="넥슨Lv1고딕 Light" panose="00000300000000000000" pitchFamily="2" charset="-127"/>
-                <a:ea typeface="넥슨Lv1고딕 Light" panose="00000300000000000000" pitchFamily="2" charset="-127"/>
-              </a:rPr>
-              <a:t>와 같은 </a:t>
-            </a:r>
-            <a:r>
-              <a:rPr lang="ko-KR" altLang="en-US" sz="1100" spc="-50" dirty="0" err="1">
-                <a:latin typeface="넥슨Lv1고딕 Light" panose="00000300000000000000" pitchFamily="2" charset="-127"/>
-                <a:ea typeface="넥슨Lv1고딕 Light" panose="00000300000000000000" pitchFamily="2" charset="-127"/>
-              </a:rPr>
-              <a:t>불리언</a:t>
+                <a:solidFill>
+                  <a:srgbClr val="FF0000"/>
+                </a:solidFill>
+                <a:latin typeface="넥슨Lv1고딕 Bold" panose="00000800000000000000" pitchFamily="2" charset="-127"/>
+                <a:ea typeface="넥슨Lv1고딕 Bold" panose="00000800000000000000" pitchFamily="2" charset="-127"/>
+              </a:rPr>
+              <a:t>대입</a:t>
             </a:r>
             <a:r>
               <a:rPr lang="en-US" altLang="ko-KR" sz="1100" spc="-50" dirty="0">
-                <a:latin typeface="넥슨Lv1고딕 Light" panose="00000300000000000000" pitchFamily="2" charset="-127"/>
-                <a:ea typeface="넥슨Lv1고딕 Light" panose="00000300000000000000" pitchFamily="2" charset="-127"/>
-              </a:rPr>
-              <a:t>(Boolean) </a:t>
+                <a:solidFill>
+                  <a:srgbClr val="FF0000"/>
+                </a:solidFill>
+                <a:latin typeface="넥슨Lv1고딕 Bold" panose="00000800000000000000" pitchFamily="2" charset="-127"/>
+                <a:ea typeface="넥슨Lv1고딕 Bold" panose="00000800000000000000" pitchFamily="2" charset="-127"/>
+              </a:rPr>
+              <a:t>)</a:t>
             </a:r>
             <a:r>
               <a:rPr lang="ko-KR" altLang="en-US" sz="1100" spc="-50" dirty="0">
-                <a:latin typeface="넥슨Lv1고딕 Light" panose="00000300000000000000" pitchFamily="2" charset="-127"/>
-                <a:ea typeface="넥슨Lv1고딕 Light" panose="00000300000000000000" pitchFamily="2" charset="-127"/>
-              </a:rPr>
-              <a:t>자료형이 아니어도 마치 </a:t>
+                <a:solidFill>
+                  <a:srgbClr val="FF0000"/>
+                </a:solidFill>
+                <a:latin typeface="넥슨Lv1고딕 Bold" panose="00000800000000000000" pitchFamily="2" charset="-127"/>
+                <a:ea typeface="넥슨Lv1고딕 Bold" panose="00000800000000000000" pitchFamily="2" charset="-127"/>
+              </a:rPr>
+              <a:t>할 수 있는 방법</a:t>
+            </a:r>
+            <a:r>
+              <a:rPr lang="ko-KR" altLang="en-US" sz="1100" spc="-50" dirty="0">
+                <a:latin typeface="넥슨Lv1고딕 Light" panose="00000300000000000000" pitchFamily="2" charset="-127"/>
+                <a:ea typeface="넥슨Lv1고딕 Light" panose="00000300000000000000" pitchFamily="2" charset="-127"/>
+              </a:rPr>
+              <a:t>을 의미합니다</a:t>
             </a:r>
             <a:r>
               <a:rPr lang="en-US" altLang="ko-KR" sz="1100" spc="-50" dirty="0">
                 <a:latin typeface="넥슨Lv1고딕 Light" panose="00000300000000000000" pitchFamily="2" charset="-127"/>
                 <a:ea typeface="넥슨Lv1고딕 Light" panose="00000300000000000000" pitchFamily="2" charset="-127"/>
               </a:rPr>
-              <a:t>true</a:t>
-            </a:r>
+              <a:t>.</a:t>
+            </a:r>
+          </a:p>
+          <a:p>
             <a:r>
               <a:rPr lang="ko-KR" altLang="en-US" sz="1100" spc="-50" dirty="0">
                 <a:latin typeface="넥슨Lv1고딕 Light" panose="00000300000000000000" pitchFamily="2" charset="-127"/>
                 <a:ea typeface="넥슨Lv1고딕 Light" panose="00000300000000000000" pitchFamily="2" charset="-127"/>
               </a:rPr>
-              <a:t>나 </a:t>
+              <a:t>배열이나 객체안의 값을 직접 꺼내 쓸 수 있어 익숙해지면 편리한 기능입니다</a:t>
             </a:r>
             <a:r>
               <a:rPr lang="en-US" altLang="ko-KR" sz="1100" spc="-50" dirty="0">
                 <a:latin typeface="넥슨Lv1고딕 Light" panose="00000300000000000000" pitchFamily="2" charset="-127"/>
                 <a:ea typeface="넥슨Lv1고딕 Light" panose="00000300000000000000" pitchFamily="2" charset="-127"/>
               </a:rPr>
-              <a:t>false</a:t>
-            </a:r>
-            <a:r>
-              <a:rPr lang="ko-KR" altLang="en-US" sz="1100" spc="-50" dirty="0">
-                <a:latin typeface="넥슨Lv1고딕 Light" panose="00000300000000000000" pitchFamily="2" charset="-127"/>
-                <a:ea typeface="넥슨Lv1고딕 Light" panose="00000300000000000000" pitchFamily="2" charset="-127"/>
-              </a:rPr>
-              <a:t>인 것처럼 인식되는 값을 의미합니다</a:t>
-            </a:r>
-            <a:r>
-              <a:rPr lang="en-US" altLang="ko-KR" sz="1100" spc="-50" dirty="0">
-                <a:latin typeface="넥슨Lv1고딕 Light" panose="00000300000000000000" pitchFamily="2" charset="-127"/>
-                <a:ea typeface="넥슨Lv1고딕 Light" panose="00000300000000000000" pitchFamily="2" charset="-127"/>
-              </a:rPr>
               <a:t>.</a:t>
-            </a:r>
-          </a:p>
-        </p:txBody>
-      </p:sp>
-      <p:sp>
-        <p:nvSpPr>
-          <p:cNvPr id="14" name="모서리가 둥근 직사각형 13"/>
-          <p:cNvSpPr/>
-          <p:nvPr/>
-        </p:nvSpPr>
-        <p:spPr>
-          <a:xfrm>
-            <a:off x="1747730" y="3212837"/>
-            <a:ext cx="2446098" cy="322711"/>
-          </a:xfrm>
-          <a:prstGeom prst="roundRect">
-            <a:avLst/>
-          </a:prstGeom>
-          <a:solidFill>
-            <a:schemeClr val="accent1">
-              <a:lumMod val="20000"/>
-              <a:lumOff val="80000"/>
-            </a:schemeClr>
-          </a:solidFill>
-          <a:ln>
-            <a:noFill/>
-          </a:ln>
-        </p:spPr>
-        <p:style>
-          <a:lnRef idx="2">
-            <a:schemeClr val="accent1">
-              <a:shade val="50000"/>
-            </a:schemeClr>
-          </a:lnRef>
-          <a:fillRef idx="1">
-            <a:schemeClr val="accent1"/>
-          </a:fillRef>
-          <a:effectRef idx="0">
-            <a:schemeClr val="accent1"/>
-          </a:effectRef>
-          <a:fontRef idx="minor">
-            <a:schemeClr val="lt1"/>
-          </a:fontRef>
-        </p:style>
-        <p:txBody>
-          <a:bodyPr rtlCol="0" anchor="ctr"/>
-          <a:lstStyle/>
-          <a:p>
-            <a:pPr algn="ctr"/>
-            <a:r>
-              <a:rPr lang="en-US" altLang="ko-KR" sz="1000" dirty="0">
-                <a:solidFill>
-                  <a:schemeClr val="tx1">
-                    <a:lumMod val="85000"/>
-                    <a:lumOff val="15000"/>
-                  </a:schemeClr>
-                </a:solidFill>
-                <a:latin typeface="넥슨Lv1고딕 Bold" panose="00000800000000000000" pitchFamily="2" charset="-127"/>
-                <a:ea typeface="넥슨Lv1고딕 Bold" panose="00000800000000000000" pitchFamily="2" charset="-127"/>
-              </a:rPr>
-              <a:t>true</a:t>
-            </a:r>
-            <a:endParaRPr lang="ko-KR" altLang="en-US" sz="1000" dirty="0">
-              <a:solidFill>
-                <a:schemeClr val="tx1">
-                  <a:lumMod val="85000"/>
-                  <a:lumOff val="15000"/>
-                </a:schemeClr>
-              </a:solidFill>
-              <a:latin typeface="넥슨Lv1고딕 Bold" panose="00000800000000000000" pitchFamily="2" charset="-127"/>
-              <a:ea typeface="넥슨Lv1고딕 Bold" panose="00000800000000000000" pitchFamily="2" charset="-127"/>
-            </a:endParaRPr>
-          </a:p>
-        </p:txBody>
-      </p:sp>
-      <p:sp>
-        <p:nvSpPr>
-          <p:cNvPr id="19" name="모서리가 둥근 직사각형 18"/>
-          <p:cNvSpPr/>
-          <p:nvPr/>
-        </p:nvSpPr>
-        <p:spPr>
-          <a:xfrm>
-            <a:off x="2088216" y="2691187"/>
-            <a:ext cx="1765127" cy="322711"/>
-          </a:xfrm>
-          <a:prstGeom prst="roundRect">
-            <a:avLst/>
-          </a:prstGeom>
-          <a:solidFill>
-            <a:srgbClr val="B5DC11"/>
-          </a:solidFill>
-          <a:ln>
-            <a:noFill/>
-          </a:ln>
-        </p:spPr>
-        <p:style>
-          <a:lnRef idx="2">
-            <a:schemeClr val="accent1">
-              <a:shade val="50000"/>
-            </a:schemeClr>
-          </a:lnRef>
-          <a:fillRef idx="1">
-            <a:schemeClr val="accent1"/>
-          </a:fillRef>
-          <a:effectRef idx="0">
-            <a:schemeClr val="accent1"/>
-          </a:effectRef>
-          <a:fontRef idx="minor">
-            <a:schemeClr val="lt1"/>
-          </a:fontRef>
-        </p:style>
-        <p:txBody>
-          <a:bodyPr rtlCol="0" anchor="ctr"/>
-          <a:lstStyle/>
-          <a:p>
-            <a:pPr algn="ctr"/>
-            <a:r>
-              <a:rPr lang="en-US" altLang="ko-KR" sz="1000" dirty="0">
-                <a:solidFill>
-                  <a:schemeClr val="tx1">
-                    <a:lumMod val="85000"/>
-                    <a:lumOff val="15000"/>
-                  </a:schemeClr>
-                </a:solidFill>
-                <a:latin typeface="넥슨Lv1고딕 Bold" panose="00000800000000000000" pitchFamily="2" charset="-127"/>
-                <a:ea typeface="넥슨Lv1고딕 Bold" panose="00000800000000000000" pitchFamily="2" charset="-127"/>
-              </a:rPr>
-              <a:t>Truthy</a:t>
-            </a:r>
-            <a:r>
-              <a:rPr lang="ko-KR" altLang="en-US" sz="1000" dirty="0">
-                <a:solidFill>
-                  <a:schemeClr val="tx1">
-                    <a:lumMod val="85000"/>
-                    <a:lumOff val="15000"/>
-                  </a:schemeClr>
-                </a:solidFill>
-                <a:latin typeface="넥슨Lv1고딕 Bold" panose="00000800000000000000" pitchFamily="2" charset="-127"/>
-                <a:ea typeface="넥슨Lv1고딕 Bold" panose="00000800000000000000" pitchFamily="2" charset="-127"/>
-              </a:rPr>
-              <a:t>값</a:t>
             </a:r>
           </a:p>
         </p:txBody>
@@ -11363,6 +11440,5378 @@
           </p:txBody>
         </p:sp>
       </p:grpSp>
+      <p:pic>
+        <p:nvPicPr>
+          <p:cNvPr id="5" name="그림 4" descr="노트북, 화면, 시계, 방이(가) 표시된 사진&#10;&#10;자동 생성된 설명">
+            <a:extLst>
+              <a:ext uri="{FF2B5EF4-FFF2-40B4-BE49-F238E27FC236}">
+                <a16:creationId xmlns:a16="http://schemas.microsoft.com/office/drawing/2014/main" id="{8482494F-668D-411B-8A99-FB235A580894}"/>
+              </a:ext>
+            </a:extLst>
+          </p:cNvPr>
+          <p:cNvPicPr>
+            <a:picLocks noChangeAspect="1"/>
+          </p:cNvPicPr>
+          <p:nvPr/>
+        </p:nvPicPr>
+        <p:blipFill>
+          <a:blip r:embed="rId4">
+            <a:extLst>
+              <a:ext uri="{28A0092B-C50C-407E-A947-70E740481C1C}">
+                <a14:useLocalDpi xmlns:a14="http://schemas.microsoft.com/office/drawing/2010/main" val="0"/>
+              </a:ext>
+            </a:extLst>
+          </a:blip>
+          <a:stretch>
+            <a:fillRect/>
+          </a:stretch>
+        </p:blipFill>
+        <p:spPr>
+          <a:xfrm>
+            <a:off x="1516355" y="2590580"/>
+            <a:ext cx="3267037" cy="1671704"/>
+          </a:xfrm>
+          <a:prstGeom prst="rect">
+            <a:avLst/>
+          </a:prstGeom>
+        </p:spPr>
+      </p:pic>
+      <p:sp>
+        <p:nvSpPr>
+          <p:cNvPr id="17" name="모서리가 둥근 직사각형 9">
+            <a:extLst>
+              <a:ext uri="{FF2B5EF4-FFF2-40B4-BE49-F238E27FC236}">
+                <a16:creationId xmlns:a16="http://schemas.microsoft.com/office/drawing/2014/main" id="{3CFDAB6F-1653-4DDF-82DB-F6D60AEEBBB9}"/>
+              </a:ext>
+            </a:extLst>
+          </p:cNvPr>
+          <p:cNvSpPr/>
+          <p:nvPr/>
+        </p:nvSpPr>
+        <p:spPr>
+          <a:xfrm>
+            <a:off x="5093257" y="2762231"/>
+            <a:ext cx="2924466" cy="1406765"/>
+          </a:xfrm>
+          <a:prstGeom prst="roundRect">
+            <a:avLst>
+              <a:gd name="adj" fmla="val 2266"/>
+            </a:avLst>
+          </a:prstGeom>
+          <a:solidFill>
+            <a:srgbClr val="DAE3F3">
+              <a:alpha val="25098"/>
+            </a:srgbClr>
+          </a:solidFill>
+          <a:ln w="6350">
+            <a:prstDash val="dash"/>
+          </a:ln>
+        </p:spPr>
+        <p:style>
+          <a:lnRef idx="2">
+            <a:schemeClr val="accent1">
+              <a:shade val="50000"/>
+            </a:schemeClr>
+          </a:lnRef>
+          <a:fillRef idx="1">
+            <a:schemeClr val="accent1"/>
+          </a:fillRef>
+          <a:effectRef idx="0">
+            <a:schemeClr val="accent1"/>
+          </a:effectRef>
+          <a:fontRef idx="minor">
+            <a:schemeClr val="lt1"/>
+          </a:fontRef>
+        </p:style>
+        <p:txBody>
+          <a:bodyPr rtlCol="0" anchor="ctr"/>
+          <a:lstStyle/>
+          <a:p>
+            <a:pPr algn="ctr"/>
+            <a:endParaRPr lang="ko-KR" altLang="en-US"/>
+          </a:p>
+        </p:txBody>
+      </p:sp>
+      <p:sp>
+        <p:nvSpPr>
+          <p:cNvPr id="18" name="모서리가 둥근 직사각형 13">
+            <a:extLst>
+              <a:ext uri="{FF2B5EF4-FFF2-40B4-BE49-F238E27FC236}">
+                <a16:creationId xmlns:a16="http://schemas.microsoft.com/office/drawing/2014/main" id="{8B23442E-7041-4D7D-B490-A1398B539D30}"/>
+              </a:ext>
+            </a:extLst>
+          </p:cNvPr>
+          <p:cNvSpPr/>
+          <p:nvPr/>
+        </p:nvSpPr>
+        <p:spPr>
+          <a:xfrm>
+            <a:off x="5332441" y="2998639"/>
+            <a:ext cx="2446098" cy="322711"/>
+          </a:xfrm>
+          <a:prstGeom prst="roundRect">
+            <a:avLst/>
+          </a:prstGeom>
+          <a:solidFill>
+            <a:schemeClr val="accent1">
+              <a:lumMod val="20000"/>
+              <a:lumOff val="80000"/>
+            </a:schemeClr>
+          </a:solidFill>
+          <a:ln>
+            <a:noFill/>
+          </a:ln>
+        </p:spPr>
+        <p:style>
+          <a:lnRef idx="2">
+            <a:schemeClr val="accent1">
+              <a:shade val="50000"/>
+            </a:schemeClr>
+          </a:lnRef>
+          <a:fillRef idx="1">
+            <a:schemeClr val="accent1"/>
+          </a:fillRef>
+          <a:effectRef idx="0">
+            <a:schemeClr val="accent1"/>
+          </a:effectRef>
+          <a:fontRef idx="minor">
+            <a:schemeClr val="lt1"/>
+          </a:fontRef>
+        </p:style>
+        <p:txBody>
+          <a:bodyPr rtlCol="0" anchor="ctr"/>
+          <a:lstStyle/>
+          <a:p>
+            <a:pPr algn="ctr"/>
+            <a:r>
+              <a:rPr lang="en-US" altLang="ko-KR" sz="1000" dirty="0">
+                <a:solidFill>
+                  <a:schemeClr val="tx1">
+                    <a:lumMod val="85000"/>
+                    <a:lumOff val="15000"/>
+                  </a:schemeClr>
+                </a:solidFill>
+                <a:latin typeface="넥슨Lv1고딕 Bold" panose="00000800000000000000" pitchFamily="2" charset="-127"/>
+                <a:ea typeface="넥슨Lv1고딕 Bold" panose="00000800000000000000" pitchFamily="2" charset="-127"/>
+              </a:rPr>
+              <a:t>[1,   2,   3,   4]</a:t>
+            </a:r>
+            <a:endParaRPr lang="ko-KR" altLang="en-US" sz="1000" dirty="0">
+              <a:solidFill>
+                <a:schemeClr val="tx1">
+                  <a:lumMod val="85000"/>
+                  <a:lumOff val="15000"/>
+                </a:schemeClr>
+              </a:solidFill>
+              <a:latin typeface="넥슨Lv1고딕 Bold" panose="00000800000000000000" pitchFamily="2" charset="-127"/>
+              <a:ea typeface="넥슨Lv1고딕 Bold" panose="00000800000000000000" pitchFamily="2" charset="-127"/>
+            </a:endParaRPr>
+          </a:p>
+        </p:txBody>
+      </p:sp>
+      <p:sp>
+        <p:nvSpPr>
+          <p:cNvPr id="20" name="모서리가 둥근 직사각형 13">
+            <a:extLst>
+              <a:ext uri="{FF2B5EF4-FFF2-40B4-BE49-F238E27FC236}">
+                <a16:creationId xmlns:a16="http://schemas.microsoft.com/office/drawing/2014/main" id="{EE6A7E48-5402-4AA8-86E0-1CFF0352E30F}"/>
+              </a:ext>
+            </a:extLst>
+          </p:cNvPr>
+          <p:cNvSpPr/>
+          <p:nvPr/>
+        </p:nvSpPr>
+        <p:spPr>
+          <a:xfrm>
+            <a:off x="5332441" y="3689847"/>
+            <a:ext cx="2446098" cy="322711"/>
+          </a:xfrm>
+          <a:prstGeom prst="roundRect">
+            <a:avLst/>
+          </a:prstGeom>
+          <a:solidFill>
+            <a:schemeClr val="accent1">
+              <a:lumMod val="20000"/>
+              <a:lumOff val="80000"/>
+            </a:schemeClr>
+          </a:solidFill>
+          <a:ln>
+            <a:noFill/>
+          </a:ln>
+        </p:spPr>
+        <p:style>
+          <a:lnRef idx="2">
+            <a:schemeClr val="accent1">
+              <a:shade val="50000"/>
+            </a:schemeClr>
+          </a:lnRef>
+          <a:fillRef idx="1">
+            <a:schemeClr val="accent1"/>
+          </a:fillRef>
+          <a:effectRef idx="0">
+            <a:schemeClr val="accent1"/>
+          </a:effectRef>
+          <a:fontRef idx="minor">
+            <a:schemeClr val="lt1"/>
+          </a:fontRef>
+        </p:style>
+        <p:txBody>
+          <a:bodyPr rtlCol="0" anchor="ctr"/>
+          <a:lstStyle/>
+          <a:p>
+            <a:pPr algn="ctr"/>
+            <a:r>
+              <a:rPr lang="en-US" altLang="ko-KR" sz="1000" dirty="0">
+                <a:solidFill>
+                  <a:schemeClr val="tx1">
+                    <a:lumMod val="85000"/>
+                    <a:lumOff val="15000"/>
+                  </a:schemeClr>
+                </a:solidFill>
+                <a:latin typeface="넥슨Lv1고딕 Bold" panose="00000800000000000000" pitchFamily="2" charset="-127"/>
+                <a:ea typeface="넥슨Lv1고딕 Bold" panose="00000800000000000000" pitchFamily="2" charset="-127"/>
+              </a:rPr>
+              <a:t>[a,   b,   c     ]</a:t>
+            </a:r>
+            <a:endParaRPr lang="ko-KR" altLang="en-US" sz="1000" dirty="0">
+              <a:solidFill>
+                <a:schemeClr val="tx1">
+                  <a:lumMod val="85000"/>
+                  <a:lumOff val="15000"/>
+                </a:schemeClr>
+              </a:solidFill>
+              <a:latin typeface="넥슨Lv1고딕 Bold" panose="00000800000000000000" pitchFamily="2" charset="-127"/>
+              <a:ea typeface="넥슨Lv1고딕 Bold" panose="00000800000000000000" pitchFamily="2" charset="-127"/>
+            </a:endParaRPr>
+          </a:p>
+        </p:txBody>
+      </p:sp>
+      <p:cxnSp>
+        <p:nvCxnSpPr>
+          <p:cNvPr id="8" name="직선 화살표 연결선 7">
+            <a:extLst>
+              <a:ext uri="{FF2B5EF4-FFF2-40B4-BE49-F238E27FC236}">
+                <a16:creationId xmlns:a16="http://schemas.microsoft.com/office/drawing/2014/main" id="{C92228EB-75D3-4E46-920C-AD7B35FA20F2}"/>
+              </a:ext>
+            </a:extLst>
+          </p:cNvPr>
+          <p:cNvCxnSpPr/>
+          <p:nvPr/>
+        </p:nvCxnSpPr>
+        <p:spPr>
+          <a:xfrm>
+            <a:off x="6213623" y="3344999"/>
+            <a:ext cx="0" cy="292280"/>
+          </a:xfrm>
+          <a:prstGeom prst="straightConnector1">
+            <a:avLst/>
+          </a:prstGeom>
+          <a:ln>
+            <a:solidFill>
+              <a:srgbClr val="298DBF"/>
+            </a:solidFill>
+            <a:headEnd type="triangle"/>
+            <a:tailEnd type="triangle"/>
+          </a:ln>
+        </p:spPr>
+        <p:style>
+          <a:lnRef idx="1">
+            <a:schemeClr val="accent1"/>
+          </a:lnRef>
+          <a:fillRef idx="0">
+            <a:schemeClr val="accent1"/>
+          </a:fillRef>
+          <a:effectRef idx="0">
+            <a:schemeClr val="accent1"/>
+          </a:effectRef>
+          <a:fontRef idx="minor">
+            <a:schemeClr val="tx1"/>
+          </a:fontRef>
+        </p:style>
+      </p:cxnSp>
+      <p:cxnSp>
+        <p:nvCxnSpPr>
+          <p:cNvPr id="21" name="직선 화살표 연결선 20">
+            <a:extLst>
+              <a:ext uri="{FF2B5EF4-FFF2-40B4-BE49-F238E27FC236}">
+                <a16:creationId xmlns:a16="http://schemas.microsoft.com/office/drawing/2014/main" id="{4D3C2D35-8412-4DE2-9E7E-3EF2C418A91E}"/>
+              </a:ext>
+            </a:extLst>
+          </p:cNvPr>
+          <p:cNvCxnSpPr/>
+          <p:nvPr/>
+        </p:nvCxnSpPr>
+        <p:spPr>
+          <a:xfrm>
+            <a:off x="6440728" y="3344999"/>
+            <a:ext cx="0" cy="292280"/>
+          </a:xfrm>
+          <a:prstGeom prst="straightConnector1">
+            <a:avLst/>
+          </a:prstGeom>
+          <a:ln>
+            <a:solidFill>
+              <a:srgbClr val="298DBF"/>
+            </a:solidFill>
+            <a:headEnd type="triangle"/>
+            <a:tailEnd type="triangle"/>
+          </a:ln>
+        </p:spPr>
+        <p:style>
+          <a:lnRef idx="1">
+            <a:schemeClr val="accent1"/>
+          </a:lnRef>
+          <a:fillRef idx="0">
+            <a:schemeClr val="accent1"/>
+          </a:fillRef>
+          <a:effectRef idx="0">
+            <a:schemeClr val="accent1"/>
+          </a:effectRef>
+          <a:fontRef idx="minor">
+            <a:schemeClr val="tx1"/>
+          </a:fontRef>
+        </p:style>
+      </p:cxnSp>
+      <p:cxnSp>
+        <p:nvCxnSpPr>
+          <p:cNvPr id="24" name="직선 화살표 연결선 23">
+            <a:extLst>
+              <a:ext uri="{FF2B5EF4-FFF2-40B4-BE49-F238E27FC236}">
+                <a16:creationId xmlns:a16="http://schemas.microsoft.com/office/drawing/2014/main" id="{C5AFE347-0004-4FD2-BCF9-EB1EAD8D67F8}"/>
+              </a:ext>
+            </a:extLst>
+          </p:cNvPr>
+          <p:cNvCxnSpPr/>
+          <p:nvPr/>
+        </p:nvCxnSpPr>
+        <p:spPr>
+          <a:xfrm>
+            <a:off x="6674386" y="3344999"/>
+            <a:ext cx="0" cy="292280"/>
+          </a:xfrm>
+          <a:prstGeom prst="straightConnector1">
+            <a:avLst/>
+          </a:prstGeom>
+          <a:ln>
+            <a:solidFill>
+              <a:srgbClr val="298DBF"/>
+            </a:solidFill>
+            <a:headEnd type="triangle"/>
+            <a:tailEnd type="triangle"/>
+          </a:ln>
+        </p:spPr>
+        <p:style>
+          <a:lnRef idx="1">
+            <a:schemeClr val="accent1"/>
+          </a:lnRef>
+          <a:fillRef idx="0">
+            <a:schemeClr val="accent1"/>
+          </a:fillRef>
+          <a:effectRef idx="0">
+            <a:schemeClr val="accent1"/>
+          </a:effectRef>
+          <a:fontRef idx="minor">
+            <a:schemeClr val="tx1"/>
+          </a:fontRef>
+        </p:style>
+      </p:cxnSp>
+      <p:sp>
+        <p:nvSpPr>
+          <p:cNvPr id="25" name="모서리가 둥근 직사각형 13">
+            <a:extLst>
+              <a:ext uri="{FF2B5EF4-FFF2-40B4-BE49-F238E27FC236}">
+                <a16:creationId xmlns:a16="http://schemas.microsoft.com/office/drawing/2014/main" id="{94AC29C6-8FE3-4B76-8A68-6452B7ED7422}"/>
+              </a:ext>
+            </a:extLst>
+          </p:cNvPr>
+          <p:cNvSpPr/>
+          <p:nvPr/>
+        </p:nvSpPr>
+        <p:spPr>
+          <a:xfrm>
+            <a:off x="5332441" y="4760204"/>
+            <a:ext cx="2446098" cy="322711"/>
+          </a:xfrm>
+          <a:prstGeom prst="roundRect">
+            <a:avLst/>
+          </a:prstGeom>
+          <a:solidFill>
+            <a:schemeClr val="accent1">
+              <a:lumMod val="20000"/>
+              <a:lumOff val="80000"/>
+            </a:schemeClr>
+          </a:solidFill>
+          <a:ln>
+            <a:noFill/>
+          </a:ln>
+        </p:spPr>
+        <p:style>
+          <a:lnRef idx="2">
+            <a:schemeClr val="accent1">
+              <a:shade val="50000"/>
+            </a:schemeClr>
+          </a:lnRef>
+          <a:fillRef idx="1">
+            <a:schemeClr val="accent1"/>
+          </a:fillRef>
+          <a:effectRef idx="0">
+            <a:schemeClr val="accent1"/>
+          </a:effectRef>
+          <a:fontRef idx="minor">
+            <a:schemeClr val="lt1"/>
+          </a:fontRef>
+        </p:style>
+        <p:txBody>
+          <a:bodyPr rtlCol="0" anchor="ctr"/>
+          <a:lstStyle/>
+          <a:p>
+            <a:pPr algn="ctr"/>
+            <a:r>
+              <a:rPr lang="en-US" altLang="ko-KR" sz="1000" dirty="0">
+                <a:solidFill>
+                  <a:schemeClr val="tx1">
+                    <a:lumMod val="85000"/>
+                    <a:lumOff val="15000"/>
+                  </a:schemeClr>
+                </a:solidFill>
+                <a:latin typeface="넥슨Lv1고딕 Bold" panose="00000800000000000000" pitchFamily="2" charset="-127"/>
+                <a:ea typeface="넥슨Lv1고딕 Bold" panose="00000800000000000000" pitchFamily="2" charset="-127"/>
+              </a:rPr>
+              <a:t>{name: '</a:t>
+            </a:r>
+            <a:r>
+              <a:rPr lang="ko-KR" altLang="en-US" sz="1000" dirty="0">
+                <a:solidFill>
+                  <a:schemeClr val="tx1">
+                    <a:lumMod val="85000"/>
+                    <a:lumOff val="15000"/>
+                  </a:schemeClr>
+                </a:solidFill>
+                <a:latin typeface="넥슨Lv1고딕 Bold" panose="00000800000000000000" pitchFamily="2" charset="-127"/>
+                <a:ea typeface="넥슨Lv1고딕 Bold" panose="00000800000000000000" pitchFamily="2" charset="-127"/>
+              </a:rPr>
+              <a:t>하늘</a:t>
+            </a:r>
+            <a:r>
+              <a:rPr lang="en-US" altLang="ko-KR" sz="1000" dirty="0">
+                <a:solidFill>
+                  <a:schemeClr val="tx1">
+                    <a:lumMod val="85000"/>
+                    <a:lumOff val="15000"/>
+                  </a:schemeClr>
+                </a:solidFill>
+                <a:latin typeface="넥슨Lv1고딕 Bold" panose="00000800000000000000" pitchFamily="2" charset="-127"/>
+                <a:ea typeface="넥슨Lv1고딕 Bold" panose="00000800000000000000" pitchFamily="2" charset="-127"/>
+              </a:rPr>
+              <a:t>',        age: 29}</a:t>
+            </a:r>
+            <a:endParaRPr lang="ko-KR" altLang="en-US" sz="1000" dirty="0">
+              <a:solidFill>
+                <a:schemeClr val="tx1">
+                  <a:lumMod val="85000"/>
+                  <a:lumOff val="15000"/>
+                </a:schemeClr>
+              </a:solidFill>
+              <a:latin typeface="넥슨Lv1고딕 Bold" panose="00000800000000000000" pitchFamily="2" charset="-127"/>
+              <a:ea typeface="넥슨Lv1고딕 Bold" panose="00000800000000000000" pitchFamily="2" charset="-127"/>
+            </a:endParaRPr>
+          </a:p>
+        </p:txBody>
+      </p:sp>
+      <p:sp>
+        <p:nvSpPr>
+          <p:cNvPr id="26" name="모서리가 둥근 직사각형 13">
+            <a:extLst>
+              <a:ext uri="{FF2B5EF4-FFF2-40B4-BE49-F238E27FC236}">
+                <a16:creationId xmlns:a16="http://schemas.microsoft.com/office/drawing/2014/main" id="{23245294-D941-4668-849D-2918FFBB7EEC}"/>
+              </a:ext>
+            </a:extLst>
+          </p:cNvPr>
+          <p:cNvSpPr/>
+          <p:nvPr/>
+        </p:nvSpPr>
+        <p:spPr>
+          <a:xfrm>
+            <a:off x="5332441" y="5451412"/>
+            <a:ext cx="2446098" cy="322711"/>
+          </a:xfrm>
+          <a:prstGeom prst="roundRect">
+            <a:avLst/>
+          </a:prstGeom>
+          <a:solidFill>
+            <a:schemeClr val="accent1">
+              <a:lumMod val="20000"/>
+              <a:lumOff val="80000"/>
+            </a:schemeClr>
+          </a:solidFill>
+          <a:ln>
+            <a:noFill/>
+          </a:ln>
+        </p:spPr>
+        <p:style>
+          <a:lnRef idx="2">
+            <a:schemeClr val="accent1">
+              <a:shade val="50000"/>
+            </a:schemeClr>
+          </a:lnRef>
+          <a:fillRef idx="1">
+            <a:schemeClr val="accent1"/>
+          </a:fillRef>
+          <a:effectRef idx="0">
+            <a:schemeClr val="accent1"/>
+          </a:effectRef>
+          <a:fontRef idx="minor">
+            <a:schemeClr val="lt1"/>
+          </a:fontRef>
+        </p:style>
+        <p:txBody>
+          <a:bodyPr rtlCol="0" anchor="ctr"/>
+          <a:lstStyle/>
+          <a:p>
+            <a:pPr algn="ctr"/>
+            <a:r>
+              <a:rPr lang="en-US" altLang="ko-KR" sz="1000" dirty="0">
+                <a:solidFill>
+                  <a:schemeClr val="tx1">
+                    <a:lumMod val="85000"/>
+                    <a:lumOff val="15000"/>
+                  </a:schemeClr>
+                </a:solidFill>
+                <a:latin typeface="넥슨Lv1고딕 Bold" panose="00000800000000000000" pitchFamily="2" charset="-127"/>
+                <a:ea typeface="넥슨Lv1고딕 Bold" panose="00000800000000000000" pitchFamily="2" charset="-127"/>
+              </a:rPr>
+              <a:t>{name:      n,        age     }</a:t>
+            </a:r>
+            <a:endParaRPr lang="ko-KR" altLang="en-US" sz="1000" dirty="0">
+              <a:solidFill>
+                <a:schemeClr val="tx1">
+                  <a:lumMod val="85000"/>
+                  <a:lumOff val="15000"/>
+                </a:schemeClr>
+              </a:solidFill>
+              <a:latin typeface="넥슨Lv1고딕 Bold" panose="00000800000000000000" pitchFamily="2" charset="-127"/>
+              <a:ea typeface="넥슨Lv1고딕 Bold" panose="00000800000000000000" pitchFamily="2" charset="-127"/>
+            </a:endParaRPr>
+          </a:p>
+        </p:txBody>
+      </p:sp>
+      <p:cxnSp>
+        <p:nvCxnSpPr>
+          <p:cNvPr id="27" name="직선 화살표 연결선 26">
+            <a:extLst>
+              <a:ext uri="{FF2B5EF4-FFF2-40B4-BE49-F238E27FC236}">
+                <a16:creationId xmlns:a16="http://schemas.microsoft.com/office/drawing/2014/main" id="{542BF561-0FF5-4AFC-824C-E8472D88F122}"/>
+              </a:ext>
+            </a:extLst>
+          </p:cNvPr>
+          <p:cNvCxnSpPr/>
+          <p:nvPr/>
+        </p:nvCxnSpPr>
+        <p:spPr>
+          <a:xfrm>
+            <a:off x="6118000" y="5118771"/>
+            <a:ext cx="0" cy="292280"/>
+          </a:xfrm>
+          <a:prstGeom prst="straightConnector1">
+            <a:avLst/>
+          </a:prstGeom>
+          <a:ln>
+            <a:solidFill>
+              <a:srgbClr val="298DBF"/>
+            </a:solidFill>
+            <a:headEnd type="triangle"/>
+            <a:tailEnd type="triangle"/>
+          </a:ln>
+        </p:spPr>
+        <p:style>
+          <a:lnRef idx="1">
+            <a:schemeClr val="accent1"/>
+          </a:lnRef>
+          <a:fillRef idx="0">
+            <a:schemeClr val="accent1"/>
+          </a:fillRef>
+          <a:effectRef idx="0">
+            <a:schemeClr val="accent1"/>
+          </a:effectRef>
+          <a:fontRef idx="minor">
+            <a:schemeClr val="tx1"/>
+          </a:fontRef>
+        </p:style>
+      </p:cxnSp>
+      <p:cxnSp>
+        <p:nvCxnSpPr>
+          <p:cNvPr id="28" name="직선 화살표 연결선 27">
+            <a:extLst>
+              <a:ext uri="{FF2B5EF4-FFF2-40B4-BE49-F238E27FC236}">
+                <a16:creationId xmlns:a16="http://schemas.microsoft.com/office/drawing/2014/main" id="{DF2671DD-08BF-4F6A-827A-1589AF9307BC}"/>
+              </a:ext>
+            </a:extLst>
+          </p:cNvPr>
+          <p:cNvCxnSpPr/>
+          <p:nvPr/>
+        </p:nvCxnSpPr>
+        <p:spPr>
+          <a:xfrm>
+            <a:off x="7020447" y="5118771"/>
+            <a:ext cx="0" cy="292280"/>
+          </a:xfrm>
+          <a:prstGeom prst="straightConnector1">
+            <a:avLst/>
+          </a:prstGeom>
+          <a:ln>
+            <a:solidFill>
+              <a:srgbClr val="298DBF"/>
+            </a:solidFill>
+            <a:headEnd type="triangle"/>
+            <a:tailEnd type="triangle"/>
+          </a:ln>
+        </p:spPr>
+        <p:style>
+          <a:lnRef idx="1">
+            <a:schemeClr val="accent1"/>
+          </a:lnRef>
+          <a:fillRef idx="0">
+            <a:schemeClr val="accent1"/>
+          </a:fillRef>
+          <a:effectRef idx="0">
+            <a:schemeClr val="accent1"/>
+          </a:effectRef>
+          <a:fontRef idx="minor">
+            <a:schemeClr val="tx1"/>
+          </a:fontRef>
+        </p:style>
+      </p:cxnSp>
+      <p:sp>
+        <p:nvSpPr>
+          <p:cNvPr id="29" name="모서리가 둥근 직사각형 18">
+            <a:extLst>
+              <a:ext uri="{FF2B5EF4-FFF2-40B4-BE49-F238E27FC236}">
+                <a16:creationId xmlns:a16="http://schemas.microsoft.com/office/drawing/2014/main" id="{717A1AB6-46AD-4B08-B09C-156E818D8DCB}"/>
+              </a:ext>
+            </a:extLst>
+          </p:cNvPr>
+          <p:cNvSpPr/>
+          <p:nvPr/>
+        </p:nvSpPr>
+        <p:spPr>
+          <a:xfrm>
+            <a:off x="5323314" y="2600875"/>
+            <a:ext cx="890310" cy="322711"/>
+          </a:xfrm>
+          <a:prstGeom prst="roundRect">
+            <a:avLst>
+              <a:gd name="adj" fmla="val 14400"/>
+            </a:avLst>
+          </a:prstGeom>
+          <a:solidFill>
+            <a:srgbClr val="B5DC11"/>
+          </a:solidFill>
+          <a:ln>
+            <a:noFill/>
+          </a:ln>
+        </p:spPr>
+        <p:style>
+          <a:lnRef idx="2">
+            <a:schemeClr val="accent1">
+              <a:shade val="50000"/>
+            </a:schemeClr>
+          </a:lnRef>
+          <a:fillRef idx="1">
+            <a:schemeClr val="accent1"/>
+          </a:fillRef>
+          <a:effectRef idx="0">
+            <a:schemeClr val="accent1"/>
+          </a:effectRef>
+          <a:fontRef idx="minor">
+            <a:schemeClr val="lt1"/>
+          </a:fontRef>
+        </p:style>
+        <p:txBody>
+          <a:bodyPr rtlCol="0" anchor="ctr"/>
+          <a:lstStyle/>
+          <a:p>
+            <a:pPr algn="ctr"/>
+            <a:r>
+              <a:rPr lang="ko-KR" altLang="en-US" sz="1000" dirty="0">
+                <a:solidFill>
+                  <a:schemeClr val="tx1">
+                    <a:lumMod val="85000"/>
+                    <a:lumOff val="15000"/>
+                  </a:schemeClr>
+                </a:solidFill>
+                <a:latin typeface="넥슨Lv1고딕 Bold" panose="00000800000000000000" pitchFamily="2" charset="-127"/>
+                <a:ea typeface="넥슨Lv1고딕 Bold" panose="00000800000000000000" pitchFamily="2" charset="-127"/>
+              </a:rPr>
+              <a:t>배열 분해</a:t>
+            </a:r>
+          </a:p>
+        </p:txBody>
+      </p:sp>
+      <p:sp>
+        <p:nvSpPr>
+          <p:cNvPr id="31" name="모서리가 둥근 직사각형 18">
+            <a:extLst>
+              <a:ext uri="{FF2B5EF4-FFF2-40B4-BE49-F238E27FC236}">
+                <a16:creationId xmlns:a16="http://schemas.microsoft.com/office/drawing/2014/main" id="{BD35921F-542C-4E07-8E86-D4DDD6DAAA69}"/>
+              </a:ext>
+            </a:extLst>
+          </p:cNvPr>
+          <p:cNvSpPr/>
+          <p:nvPr/>
+        </p:nvSpPr>
+        <p:spPr>
+          <a:xfrm>
+            <a:off x="5323314" y="4363246"/>
+            <a:ext cx="890310" cy="322711"/>
+          </a:xfrm>
+          <a:prstGeom prst="roundRect">
+            <a:avLst>
+              <a:gd name="adj" fmla="val 14400"/>
+            </a:avLst>
+          </a:prstGeom>
+          <a:solidFill>
+            <a:srgbClr val="B5DC11"/>
+          </a:solidFill>
+          <a:ln>
+            <a:noFill/>
+          </a:ln>
+        </p:spPr>
+        <p:style>
+          <a:lnRef idx="2">
+            <a:schemeClr val="accent1">
+              <a:shade val="50000"/>
+            </a:schemeClr>
+          </a:lnRef>
+          <a:fillRef idx="1">
+            <a:schemeClr val="accent1"/>
+          </a:fillRef>
+          <a:effectRef idx="0">
+            <a:schemeClr val="accent1"/>
+          </a:effectRef>
+          <a:fontRef idx="minor">
+            <a:schemeClr val="lt1"/>
+          </a:fontRef>
+        </p:style>
+        <p:txBody>
+          <a:bodyPr rtlCol="0" anchor="ctr"/>
+          <a:lstStyle/>
+          <a:p>
+            <a:pPr algn="ctr"/>
+            <a:r>
+              <a:rPr lang="ko-KR" altLang="en-US" sz="1000" dirty="0">
+                <a:solidFill>
+                  <a:schemeClr val="tx1">
+                    <a:lumMod val="85000"/>
+                    <a:lumOff val="15000"/>
+                  </a:schemeClr>
+                </a:solidFill>
+                <a:latin typeface="넥슨Lv1고딕 Bold" panose="00000800000000000000" pitchFamily="2" charset="-127"/>
+                <a:ea typeface="넥슨Lv1고딕 Bold" panose="00000800000000000000" pitchFamily="2" charset="-127"/>
+              </a:rPr>
+              <a:t>객체 분해</a:t>
+            </a:r>
+          </a:p>
+        </p:txBody>
+      </p:sp>
+    </p:spTree>
+    <p:extLst>
+      <p:ext uri="{BB962C8B-B14F-4D97-AF65-F5344CB8AC3E}">
+        <p14:creationId xmlns:p14="http://schemas.microsoft.com/office/powerpoint/2010/main" val="2331868410"/>
+      </p:ext>
+    </p:extLst>
+  </p:cSld>
+  <p:clrMapOvr>
+    <a:masterClrMapping/>
+  </p:clrMapOvr>
+</p:sld>
+</file>
+
+<file path=ppt/slides/slide16.xml><?xml version="1.0" encoding="utf-8"?>
+<p:sld xmlns:a="http://schemas.openxmlformats.org/drawingml/2006/main" xmlns:r="http://schemas.openxmlformats.org/officeDocument/2006/relationships" xmlns:p="http://schemas.openxmlformats.org/presentationml/2006/main">
+  <p:cSld>
+    <p:spTree>
+      <p:nvGrpSpPr>
+        <p:cNvPr id="1" name=""/>
+        <p:cNvGrpSpPr/>
+        <p:nvPr/>
+      </p:nvGrpSpPr>
+      <p:grpSpPr>
+        <a:xfrm>
+          <a:off x="0" y="0"/>
+          <a:ext cx="0" cy="0"/>
+          <a:chOff x="0" y="0"/>
+          <a:chExt cx="0" cy="0"/>
+        </a:xfrm>
+      </p:grpSpPr>
+      <p:sp>
+        <p:nvSpPr>
+          <p:cNvPr id="7" name="모서리가 둥근 직사각형 6"/>
+          <p:cNvSpPr/>
+          <p:nvPr/>
+        </p:nvSpPr>
+        <p:spPr>
+          <a:xfrm>
+            <a:off x="1109817" y="1610380"/>
+            <a:ext cx="3872888" cy="350275"/>
+          </a:xfrm>
+          <a:prstGeom prst="roundRect">
+            <a:avLst/>
+          </a:prstGeom>
+          <a:solidFill>
+            <a:schemeClr val="bg1">
+              <a:lumMod val="95000"/>
+            </a:schemeClr>
+          </a:solidFill>
+          <a:ln>
+            <a:noFill/>
+          </a:ln>
+        </p:spPr>
+        <p:style>
+          <a:lnRef idx="2">
+            <a:schemeClr val="accent1">
+              <a:shade val="50000"/>
+            </a:schemeClr>
+          </a:lnRef>
+          <a:fillRef idx="1">
+            <a:schemeClr val="accent1"/>
+          </a:fillRef>
+          <a:effectRef idx="0">
+            <a:schemeClr val="accent1"/>
+          </a:effectRef>
+          <a:fontRef idx="minor">
+            <a:schemeClr val="lt1"/>
+          </a:fontRef>
+        </p:style>
+        <p:txBody>
+          <a:bodyPr lIns="360000" rtlCol="0" anchor="ctr"/>
+          <a:lstStyle/>
+          <a:p>
+            <a:r>
+              <a:rPr lang="en-US" altLang="ko-KR" sz="1200" spc="-50" dirty="0">
+                <a:solidFill>
+                  <a:schemeClr val="accent1">
+                    <a:lumMod val="50000"/>
+                  </a:schemeClr>
+                </a:solidFill>
+                <a:latin typeface="넥슨Lv1고딕 Bold" panose="00000800000000000000" pitchFamily="2" charset="-127"/>
+                <a:ea typeface="넥슨Lv1고딕 Bold" panose="00000800000000000000" pitchFamily="2" charset="-127"/>
+              </a:rPr>
+              <a:t>JSON(</a:t>
+            </a:r>
+            <a:r>
+              <a:rPr lang="en-US" altLang="ko-KR" sz="1200" spc="-50" dirty="0" err="1">
+                <a:solidFill>
+                  <a:schemeClr val="accent1">
+                    <a:lumMod val="50000"/>
+                  </a:schemeClr>
+                </a:solidFill>
+                <a:latin typeface="넥슨Lv1고딕 Bold" panose="00000800000000000000" pitchFamily="2" charset="-127"/>
+                <a:ea typeface="넥슨Lv1고딕 Bold" panose="00000800000000000000" pitchFamily="2" charset="-127"/>
+              </a:rPr>
+              <a:t>Javascript</a:t>
+            </a:r>
+            <a:r>
+              <a:rPr lang="en-US" altLang="ko-KR" sz="1200" spc="-50" dirty="0">
+                <a:solidFill>
+                  <a:schemeClr val="accent1">
+                    <a:lumMod val="50000"/>
+                  </a:schemeClr>
+                </a:solidFill>
+                <a:latin typeface="넥슨Lv1고딕 Bold" panose="00000800000000000000" pitchFamily="2" charset="-127"/>
+                <a:ea typeface="넥슨Lv1고딕 Bold" panose="00000800000000000000" pitchFamily="2" charset="-127"/>
+              </a:rPr>
+              <a:t> Object Notation)</a:t>
+            </a:r>
+            <a:r>
+              <a:rPr lang="ko-KR" altLang="en-US" sz="1200" spc="-50">
+                <a:solidFill>
+                  <a:schemeClr val="accent1">
+                    <a:lumMod val="50000"/>
+                  </a:schemeClr>
+                </a:solidFill>
+                <a:latin typeface="넥슨Lv1고딕 Bold" panose="00000800000000000000" pitchFamily="2" charset="-127"/>
+                <a:ea typeface="넥슨Lv1고딕 Bold" panose="00000800000000000000" pitchFamily="2" charset="-127"/>
+              </a:rPr>
+              <a:t>이란</a:t>
+            </a:r>
+            <a:r>
+              <a:rPr lang="en-US" altLang="ko-KR" sz="1200" spc="-50" dirty="0">
+                <a:solidFill>
+                  <a:schemeClr val="accent1">
+                    <a:lumMod val="50000"/>
+                  </a:schemeClr>
+                </a:solidFill>
+                <a:latin typeface="넥슨Lv1고딕 Bold" panose="00000800000000000000" pitchFamily="2" charset="-127"/>
+                <a:ea typeface="넥슨Lv1고딕 Bold" panose="00000800000000000000" pitchFamily="2" charset="-127"/>
+              </a:rPr>
+              <a:t>?</a:t>
+            </a:r>
+            <a:endParaRPr lang="ko-KR" altLang="en-US" sz="1200" spc="-50" dirty="0">
+              <a:solidFill>
+                <a:schemeClr val="accent1">
+                  <a:lumMod val="50000"/>
+                </a:schemeClr>
+              </a:solidFill>
+              <a:latin typeface="넥슨Lv1고딕 Bold" panose="00000800000000000000" pitchFamily="2" charset="-127"/>
+              <a:ea typeface="넥슨Lv1고딕 Bold" panose="00000800000000000000" pitchFamily="2" charset="-127"/>
+            </a:endParaRPr>
+          </a:p>
+        </p:txBody>
+      </p:sp>
+      <p:cxnSp>
+        <p:nvCxnSpPr>
+          <p:cNvPr id="13" name="직선 연결선 12"/>
+          <p:cNvCxnSpPr/>
+          <p:nvPr/>
+        </p:nvCxnSpPr>
+        <p:spPr>
+          <a:xfrm>
+            <a:off x="689488" y="1238865"/>
+            <a:ext cx="7647038" cy="0"/>
+          </a:xfrm>
+          <a:prstGeom prst="line">
+            <a:avLst/>
+          </a:prstGeom>
+          <a:ln>
+            <a:solidFill>
+              <a:schemeClr val="bg1">
+                <a:lumMod val="85000"/>
+              </a:schemeClr>
+            </a:solidFill>
+          </a:ln>
+        </p:spPr>
+        <p:style>
+          <a:lnRef idx="1">
+            <a:schemeClr val="accent1"/>
+          </a:lnRef>
+          <a:fillRef idx="0">
+            <a:schemeClr val="accent1"/>
+          </a:fillRef>
+          <a:effectRef idx="0">
+            <a:schemeClr val="accent1"/>
+          </a:effectRef>
+          <a:fontRef idx="minor">
+            <a:schemeClr val="tx1"/>
+          </a:fontRef>
+        </p:style>
+      </p:cxnSp>
+      <p:sp>
+        <p:nvSpPr>
+          <p:cNvPr id="3" name="슬라이드 번호 개체 틀 2"/>
+          <p:cNvSpPr>
+            <a:spLocks noGrp="1"/>
+          </p:cNvSpPr>
+          <p:nvPr>
+            <p:ph type="sldNum" sz="quarter" idx="12"/>
+          </p:nvPr>
+        </p:nvSpPr>
+        <p:spPr/>
+        <p:txBody>
+          <a:bodyPr/>
+          <a:lstStyle/>
+          <a:p>
+            <a:fld id="{8D0AD3C7-B26A-41BF-81F8-CAF4A9564849}" type="slidenum">
+              <a:rPr lang="ko-KR" altLang="en-US" smtClean="0"/>
+              <a:pPr/>
+              <a:t>15</a:t>
+            </a:fld>
+            <a:endParaRPr lang="ko-KR" altLang="en-US" dirty="0"/>
+          </a:p>
+        </p:txBody>
+      </p:sp>
+      <p:sp>
+        <p:nvSpPr>
+          <p:cNvPr id="4" name="제목 3"/>
+          <p:cNvSpPr>
+            <a:spLocks noGrp="1"/>
+          </p:cNvSpPr>
+          <p:nvPr>
+            <p:ph type="title"/>
+          </p:nvPr>
+        </p:nvSpPr>
+        <p:spPr>
+          <a:xfrm>
+            <a:off x="628650" y="551713"/>
+            <a:ext cx="7886700" cy="721790"/>
+          </a:xfrm>
+        </p:spPr>
+        <p:txBody>
+          <a:bodyPr>
+            <a:normAutofit/>
+          </a:bodyPr>
+          <a:lstStyle/>
+          <a:p>
+            <a:pPr>
+              <a:lnSpc>
+                <a:spcPct val="110000"/>
+              </a:lnSpc>
+            </a:pPr>
+            <a:r>
+              <a:rPr lang="ko-KR" altLang="en-US" sz="1000" dirty="0">
+                <a:latin typeface="넥슨Lv1고딕 Light" panose="00000300000000000000" pitchFamily="2" charset="-127"/>
+                <a:ea typeface="넥슨Lv1고딕 Light" panose="00000300000000000000" pitchFamily="2" charset="-127"/>
+              </a:rPr>
+              <a:t>알면 좋을 자바스크립트</a:t>
+            </a:r>
+            <a:br>
+              <a:rPr lang="en-US" altLang="ko-KR" sz="1800" dirty="0">
+                <a:latin typeface="넥슨Lv1고딕 Bold" panose="00000800000000000000" pitchFamily="2" charset="-127"/>
+                <a:ea typeface="넥슨Lv1고딕 Bold" panose="00000800000000000000" pitchFamily="2" charset="-127"/>
+              </a:rPr>
+            </a:br>
+            <a:r>
+              <a:rPr lang="en-US" altLang="ko-KR" sz="1800" dirty="0">
+                <a:latin typeface="넥슨Lv1고딕 Bold" panose="00000800000000000000" pitchFamily="2" charset="-127"/>
+                <a:ea typeface="넥슨Lv1고딕 Bold" panose="00000800000000000000" pitchFamily="2" charset="-127"/>
+              </a:rPr>
+              <a:t>JSON(JavaScript Object Notation)</a:t>
+            </a:r>
+            <a:endParaRPr lang="ko-KR" altLang="en-US" sz="2200" dirty="0">
+              <a:latin typeface="넥슨Lv1고딕 Bold" panose="00000800000000000000" pitchFamily="2" charset="-127"/>
+              <a:ea typeface="넥슨Lv1고딕 Bold" panose="00000800000000000000" pitchFamily="2" charset="-127"/>
+            </a:endParaRPr>
+          </a:p>
+        </p:txBody>
+      </p:sp>
+      <p:sp>
+        <p:nvSpPr>
+          <p:cNvPr id="12" name="TextBox 11"/>
+          <p:cNvSpPr txBox="1"/>
+          <p:nvPr/>
+        </p:nvSpPr>
+        <p:spPr>
+          <a:xfrm>
+            <a:off x="1415846" y="2061361"/>
+            <a:ext cx="6561096" cy="600164"/>
+          </a:xfrm>
+          <a:prstGeom prst="rect">
+            <a:avLst/>
+          </a:prstGeom>
+          <a:noFill/>
+        </p:spPr>
+        <p:txBody>
+          <a:bodyPr wrap="square" rtlCol="0">
+            <a:spAutoFit/>
+          </a:bodyPr>
+          <a:lstStyle/>
+          <a:p>
+            <a:r>
+              <a:rPr lang="en-US" altLang="ko-KR" sz="1100" spc="-50" dirty="0">
+                <a:solidFill>
+                  <a:srgbClr val="FF0000"/>
+                </a:solidFill>
+                <a:latin typeface="넥슨Lv1고딕 Bold" panose="00000800000000000000" pitchFamily="2" charset="-127"/>
+                <a:ea typeface="넥슨Lv1고딕 Bold" panose="00000800000000000000" pitchFamily="2" charset="-127"/>
+              </a:rPr>
+              <a:t>JSON</a:t>
+            </a:r>
+            <a:r>
+              <a:rPr lang="ko-KR" altLang="en-US" sz="1100" spc="-50">
+                <a:solidFill>
+                  <a:srgbClr val="FF0000"/>
+                </a:solidFill>
+                <a:latin typeface="넥슨Lv1고딕 Bold" panose="00000800000000000000" pitchFamily="2" charset="-127"/>
+                <a:ea typeface="넥슨Lv1고딕 Bold" panose="00000800000000000000" pitchFamily="2" charset="-127"/>
+              </a:rPr>
+              <a:t>은 네트워크를 </a:t>
+            </a:r>
+            <a:r>
+              <a:rPr lang="ko-KR" altLang="en-US" sz="1100" spc="-50" dirty="0">
+                <a:solidFill>
+                  <a:srgbClr val="FF0000"/>
+                </a:solidFill>
+                <a:latin typeface="넥슨Lv1고딕 Bold" panose="00000800000000000000" pitchFamily="2" charset="-127"/>
+                <a:ea typeface="넥슨Lv1고딕 Bold" panose="00000800000000000000" pitchFamily="2" charset="-127"/>
+              </a:rPr>
+              <a:t>통해 데이터를 주고받는 데 자주 사용되는 경량의 </a:t>
+            </a:r>
+            <a:r>
+              <a:rPr lang="ko-KR" altLang="en-US" sz="1100" spc="-50">
+                <a:solidFill>
+                  <a:srgbClr val="FF0000"/>
+                </a:solidFill>
+                <a:latin typeface="넥슨Lv1고딕 Bold" panose="00000800000000000000" pitchFamily="2" charset="-127"/>
+                <a:ea typeface="넥슨Lv1고딕 Bold" panose="00000800000000000000" pitchFamily="2" charset="-127"/>
+              </a:rPr>
+              <a:t>데이터 형식</a:t>
+            </a:r>
+            <a:r>
+              <a:rPr lang="ko-KR" altLang="en-US" sz="1100" spc="-50">
+                <a:latin typeface="넥슨Lv1고딕 Light" panose="00000300000000000000" pitchFamily="2" charset="-127"/>
+                <a:ea typeface="넥슨Lv1고딕 Light" panose="00000300000000000000" pitchFamily="2" charset="-127"/>
+              </a:rPr>
+              <a:t>으로</a:t>
+            </a:r>
+            <a:r>
+              <a:rPr lang="en-US" altLang="ko-KR" sz="1100" spc="-50" dirty="0">
+                <a:latin typeface="넥슨Lv1고딕 Light" panose="00000300000000000000" pitchFamily="2" charset="-127"/>
+                <a:ea typeface="넥슨Lv1고딕 Light" panose="00000300000000000000" pitchFamily="2" charset="-127"/>
+              </a:rPr>
+              <a:t> </a:t>
+            </a:r>
+            <a:r>
+              <a:rPr lang="en-US" altLang="ko-KR" sz="1100" spc="-50" dirty="0">
+                <a:solidFill>
+                  <a:srgbClr val="FF0000"/>
+                </a:solidFill>
+                <a:latin typeface="넥슨Lv1고딕 Bold" panose="00000800000000000000" pitchFamily="2" charset="-127"/>
+                <a:ea typeface="넥슨Lv1고딕 Bold" panose="00000800000000000000" pitchFamily="2" charset="-127"/>
+              </a:rPr>
+              <a:t>"</a:t>
+            </a:r>
+            <a:r>
+              <a:rPr lang="ko-KR" altLang="en-US" sz="1100" spc="-50">
+                <a:solidFill>
+                  <a:srgbClr val="FF0000"/>
+                </a:solidFill>
+                <a:latin typeface="넥슨Lv1고딕 Bold" panose="00000800000000000000" pitchFamily="2" charset="-127"/>
+                <a:ea typeface="넥슨Lv1고딕 Bold" panose="00000800000000000000" pitchFamily="2" charset="-127"/>
+              </a:rPr>
+              <a:t>키</a:t>
+            </a:r>
+            <a:r>
+              <a:rPr lang="en-US" altLang="ko-KR" sz="1100" spc="-50" dirty="0">
+                <a:solidFill>
+                  <a:srgbClr val="FF0000"/>
+                </a:solidFill>
+                <a:latin typeface="넥슨Lv1고딕 Bold" panose="00000800000000000000" pitchFamily="2" charset="-127"/>
+                <a:ea typeface="넥슨Lv1고딕 Bold" panose="00000800000000000000" pitchFamily="2" charset="-127"/>
+              </a:rPr>
+              <a:t>-</a:t>
+            </a:r>
+            <a:r>
+              <a:rPr lang="ko-KR" altLang="en-US" sz="1100" spc="-50">
+                <a:solidFill>
+                  <a:srgbClr val="FF0000"/>
+                </a:solidFill>
+                <a:latin typeface="넥슨Lv1고딕 Bold" panose="00000800000000000000" pitchFamily="2" charset="-127"/>
+                <a:ea typeface="넥슨Lv1고딕 Bold" panose="00000800000000000000" pitchFamily="2" charset="-127"/>
+              </a:rPr>
+              <a:t>값 쌍</a:t>
+            </a:r>
+            <a:r>
+              <a:rPr lang="en-US" altLang="ko-KR" sz="1100" spc="-50" dirty="0">
+                <a:solidFill>
+                  <a:srgbClr val="FF0000"/>
+                </a:solidFill>
+                <a:latin typeface="넥슨Lv1고딕 Bold" panose="00000800000000000000" pitchFamily="2" charset="-127"/>
+                <a:ea typeface="넥슨Lv1고딕 Bold" panose="00000800000000000000" pitchFamily="2" charset="-127"/>
+              </a:rPr>
+              <a:t>"</a:t>
+            </a:r>
+            <a:r>
+              <a:rPr lang="ko-KR" altLang="en-US" sz="1100" spc="-50">
+                <a:latin typeface="넥슨Lv1고딕 Light" panose="00000300000000000000" pitchFamily="2" charset="-127"/>
+                <a:ea typeface="넥슨Lv1고딕 Light" panose="00000300000000000000" pitchFamily="2" charset="-127"/>
+              </a:rPr>
+              <a:t>으로 이루어져 있습니다</a:t>
+            </a:r>
+            <a:r>
+              <a:rPr lang="en-US" altLang="ko-KR" sz="1100" spc="-50" dirty="0">
+                <a:latin typeface="넥슨Lv1고딕 Light" panose="00000300000000000000" pitchFamily="2" charset="-127"/>
+                <a:ea typeface="넥슨Lv1고딕 Light" panose="00000300000000000000" pitchFamily="2" charset="-127"/>
+              </a:rPr>
+              <a:t>. </a:t>
+            </a:r>
+            <a:r>
+              <a:rPr lang="ko-KR" altLang="en-US" sz="1100" spc="-50">
+                <a:latin typeface="넥슨Lv1고딕 Light" panose="00000300000000000000" pitchFamily="2" charset="-127"/>
+                <a:ea typeface="넥슨Lv1고딕 Light" panose="00000300000000000000" pitchFamily="2" charset="-127"/>
+              </a:rPr>
+              <a:t>특정 </a:t>
+            </a:r>
+            <a:r>
+              <a:rPr lang="ko-KR" altLang="en-US" sz="1100" spc="-50" dirty="0">
+                <a:latin typeface="넥슨Lv1고딕 Light" panose="00000300000000000000" pitchFamily="2" charset="-127"/>
+                <a:ea typeface="넥슨Lv1고딕 Light" panose="00000300000000000000" pitchFamily="2" charset="-127"/>
+              </a:rPr>
+              <a:t>언어에 종속되지 않으며</a:t>
+            </a:r>
+            <a:r>
+              <a:rPr lang="en-US" altLang="ko-KR" sz="1100" spc="-50" dirty="0">
+                <a:latin typeface="넥슨Lv1고딕 Light" panose="00000300000000000000" pitchFamily="2" charset="-127"/>
+                <a:ea typeface="넥슨Lv1고딕 Light" panose="00000300000000000000" pitchFamily="2" charset="-127"/>
+              </a:rPr>
+              <a:t>, </a:t>
+            </a:r>
+            <a:r>
+              <a:rPr lang="ko-KR" altLang="en-US" sz="1100" spc="-50">
+                <a:latin typeface="넥슨Lv1고딕 Light" panose="00000300000000000000" pitchFamily="2" charset="-127"/>
+                <a:ea typeface="넥슨Lv1고딕 Light" panose="00000300000000000000" pitchFamily="2" charset="-127"/>
+              </a:rPr>
+              <a:t>대부분의 프로그래밍 언어에서 </a:t>
+            </a:r>
+            <a:r>
+              <a:rPr lang="en-US" altLang="ko-KR" sz="1100" spc="-50" dirty="0">
+                <a:latin typeface="넥슨Lv1고딕 Light" panose="00000300000000000000" pitchFamily="2" charset="-127"/>
+                <a:ea typeface="넥슨Lv1고딕 Light" panose="00000300000000000000" pitchFamily="2" charset="-127"/>
+              </a:rPr>
+              <a:t>JSON </a:t>
+            </a:r>
+            <a:r>
+              <a:rPr lang="ko-KR" altLang="en-US" sz="1100" spc="-50">
+                <a:latin typeface="넥슨Lv1고딕 Light" panose="00000300000000000000" pitchFamily="2" charset="-127"/>
+                <a:ea typeface="넥슨Lv1고딕 Light" panose="00000300000000000000" pitchFamily="2" charset="-127"/>
+              </a:rPr>
+              <a:t>형식 데이터를 핸들링 할 수 있는 라이브러리를 제공합니다</a:t>
+            </a:r>
+            <a:r>
+              <a:rPr lang="en-US" altLang="ko-KR" sz="1100" spc="-50" dirty="0">
+                <a:latin typeface="넥슨Lv1고딕 Light" panose="00000300000000000000" pitchFamily="2" charset="-127"/>
+                <a:ea typeface="넥슨Lv1고딕 Light" panose="00000300000000000000" pitchFamily="2" charset="-127"/>
+              </a:rPr>
+              <a:t>.</a:t>
+            </a:r>
+          </a:p>
+        </p:txBody>
+      </p:sp>
+      <p:grpSp>
+        <p:nvGrpSpPr>
+          <p:cNvPr id="22" name="그룹 21"/>
+          <p:cNvGrpSpPr/>
+          <p:nvPr/>
+        </p:nvGrpSpPr>
+        <p:grpSpPr>
+          <a:xfrm>
+            <a:off x="628650" y="1335845"/>
+            <a:ext cx="745283" cy="745283"/>
+            <a:chOff x="4572000" y="617679"/>
+            <a:chExt cx="745283" cy="745283"/>
+          </a:xfrm>
+        </p:grpSpPr>
+        <p:pic>
+          <p:nvPicPr>
+            <p:cNvPr id="23" name="그림 22"/>
+            <p:cNvPicPr>
+              <a:picLocks noChangeAspect="1"/>
+            </p:cNvPicPr>
+            <p:nvPr/>
+          </p:nvPicPr>
+          <p:blipFill>
+            <a:blip r:embed="rId3" cstate="print">
+              <a:extLst>
+                <a:ext uri="{28A0092B-C50C-407E-A947-70E740481C1C}">
+                  <a14:useLocalDpi xmlns:a14="http://schemas.microsoft.com/office/drawing/2010/main" val="0"/>
+                </a:ext>
+              </a:extLst>
+            </a:blip>
+            <a:stretch>
+              <a:fillRect/>
+            </a:stretch>
+          </p:blipFill>
+          <p:spPr>
+            <a:xfrm>
+              <a:off x="4572000" y="617679"/>
+              <a:ext cx="745283" cy="745283"/>
+            </a:xfrm>
+            <a:prstGeom prst="rect">
+              <a:avLst/>
+            </a:prstGeom>
+          </p:spPr>
+        </p:pic>
+        <p:sp>
+          <p:nvSpPr>
+            <p:cNvPr id="30" name="모서리가 둥근 직사각형 29"/>
+            <p:cNvSpPr/>
+            <p:nvPr/>
+          </p:nvSpPr>
+          <p:spPr>
+            <a:xfrm>
+              <a:off x="4636175" y="867866"/>
+              <a:ext cx="616932" cy="266988"/>
+            </a:xfrm>
+            <a:prstGeom prst="roundRect">
+              <a:avLst/>
+            </a:prstGeom>
+            <a:noFill/>
+            <a:ln>
+              <a:noFill/>
+            </a:ln>
+          </p:spPr>
+          <p:style>
+            <a:lnRef idx="2">
+              <a:schemeClr val="accent1">
+                <a:shade val="50000"/>
+              </a:schemeClr>
+            </a:lnRef>
+            <a:fillRef idx="1">
+              <a:schemeClr val="accent1"/>
+            </a:fillRef>
+            <a:effectRef idx="0">
+              <a:schemeClr val="accent1"/>
+            </a:effectRef>
+            <a:fontRef idx="minor">
+              <a:schemeClr val="lt1"/>
+            </a:fontRef>
+          </p:style>
+          <p:txBody>
+            <a:bodyPr rtlCol="0" anchor="ctr"/>
+            <a:lstStyle/>
+            <a:p>
+              <a:pPr algn="ctr"/>
+              <a:r>
+                <a:rPr lang="ko-KR" altLang="en-US" sz="850" dirty="0">
+                  <a:solidFill>
+                    <a:schemeClr val="bg1"/>
+                  </a:solidFill>
+                  <a:latin typeface="넥슨Lv1고딕" panose="00000500000000000000" pitchFamily="2" charset="-127"/>
+                  <a:ea typeface="넥슨Lv1고딕" panose="00000500000000000000" pitchFamily="2" charset="-127"/>
+                </a:rPr>
+                <a:t>칠판시간</a:t>
+              </a:r>
+            </a:p>
+          </p:txBody>
+        </p:sp>
+      </p:grpSp>
+      <p:pic>
+        <p:nvPicPr>
+          <p:cNvPr id="5" name="그림 4" descr="화면 캡처"/>
+          <p:cNvPicPr>
+            <a:picLocks noChangeAspect="1"/>
+          </p:cNvPicPr>
+          <p:nvPr/>
+        </p:nvPicPr>
+        <p:blipFill>
+          <a:blip r:embed="rId4">
+            <a:extLst>
+              <a:ext uri="{28A0092B-C50C-407E-A947-70E740481C1C}">
+                <a14:useLocalDpi xmlns:a14="http://schemas.microsoft.com/office/drawing/2010/main" val="0"/>
+              </a:ext>
+            </a:extLst>
+          </a:blip>
+          <a:stretch>
+            <a:fillRect/>
+          </a:stretch>
+        </p:blipFill>
+        <p:spPr>
+          <a:xfrm>
+            <a:off x="1503538" y="4659279"/>
+            <a:ext cx="6473404" cy="1208369"/>
+          </a:xfrm>
+          <a:prstGeom prst="rect">
+            <a:avLst/>
+          </a:prstGeom>
+        </p:spPr>
+      </p:pic>
+      <p:sp>
+        <p:nvSpPr>
+          <p:cNvPr id="16" name="모서리가 둥근 직사각형 15"/>
+          <p:cNvSpPr/>
+          <p:nvPr/>
+        </p:nvSpPr>
+        <p:spPr>
+          <a:xfrm>
+            <a:off x="1508546" y="2996148"/>
+            <a:ext cx="6468396" cy="1564769"/>
+          </a:xfrm>
+          <a:prstGeom prst="roundRect">
+            <a:avLst>
+              <a:gd name="adj" fmla="val 1841"/>
+            </a:avLst>
+          </a:prstGeom>
+          <a:solidFill>
+            <a:srgbClr val="DAE3F3">
+              <a:alpha val="25098"/>
+            </a:srgbClr>
+          </a:solidFill>
+          <a:ln w="6350">
+            <a:prstDash val="dash"/>
+          </a:ln>
+        </p:spPr>
+        <p:style>
+          <a:lnRef idx="2">
+            <a:schemeClr val="accent1">
+              <a:shade val="50000"/>
+            </a:schemeClr>
+          </a:lnRef>
+          <a:fillRef idx="1">
+            <a:schemeClr val="accent1"/>
+          </a:fillRef>
+          <a:effectRef idx="0">
+            <a:schemeClr val="accent1"/>
+          </a:effectRef>
+          <a:fontRef idx="minor">
+            <a:schemeClr val="lt1"/>
+          </a:fontRef>
+        </p:style>
+        <p:txBody>
+          <a:bodyPr rtlCol="0" anchor="ctr"/>
+          <a:lstStyle/>
+          <a:p>
+            <a:pPr algn="ctr"/>
+            <a:endParaRPr lang="ko-KR" altLang="en-US"/>
+          </a:p>
+        </p:txBody>
+      </p:sp>
+      <p:sp>
+        <p:nvSpPr>
+          <p:cNvPr id="17" name="모서리가 둥근 직사각형 16"/>
+          <p:cNvSpPr/>
+          <p:nvPr/>
+        </p:nvSpPr>
+        <p:spPr>
+          <a:xfrm>
+            <a:off x="2109237" y="3293610"/>
+            <a:ext cx="2446098" cy="322711"/>
+          </a:xfrm>
+          <a:prstGeom prst="roundRect">
+            <a:avLst/>
+          </a:prstGeom>
+          <a:solidFill>
+            <a:schemeClr val="accent1">
+              <a:lumMod val="20000"/>
+              <a:lumOff val="80000"/>
+            </a:schemeClr>
+          </a:solidFill>
+          <a:ln>
+            <a:noFill/>
+          </a:ln>
+        </p:spPr>
+        <p:style>
+          <a:lnRef idx="2">
+            <a:schemeClr val="accent1">
+              <a:shade val="50000"/>
+            </a:schemeClr>
+          </a:lnRef>
+          <a:fillRef idx="1">
+            <a:schemeClr val="accent1"/>
+          </a:fillRef>
+          <a:effectRef idx="0">
+            <a:schemeClr val="accent1"/>
+          </a:effectRef>
+          <a:fontRef idx="minor">
+            <a:schemeClr val="lt1"/>
+          </a:fontRef>
+        </p:style>
+        <p:txBody>
+          <a:bodyPr rtlCol="0" anchor="ctr"/>
+          <a:lstStyle/>
+          <a:p>
+            <a:pPr algn="ctr"/>
+            <a:r>
+              <a:rPr lang="ko-KR" altLang="en-US" sz="1000" dirty="0">
+                <a:solidFill>
+                  <a:schemeClr val="tx1">
+                    <a:lumMod val="85000"/>
+                    <a:lumOff val="15000"/>
+                  </a:schemeClr>
+                </a:solidFill>
+                <a:latin typeface="넥슨Lv1고딕 Bold" panose="00000800000000000000" pitchFamily="2" charset="-127"/>
+                <a:ea typeface="넥슨Lv1고딕 Bold" panose="00000800000000000000" pitchFamily="2" charset="-127"/>
+              </a:rPr>
+              <a:t>데이터는 키</a:t>
+            </a:r>
+            <a:r>
+              <a:rPr lang="en-US" altLang="ko-KR" sz="1000" dirty="0">
+                <a:solidFill>
+                  <a:schemeClr val="tx1">
+                    <a:lumMod val="85000"/>
+                    <a:lumOff val="15000"/>
+                  </a:schemeClr>
+                </a:solidFill>
+                <a:latin typeface="넥슨Lv1고딕 Bold" panose="00000800000000000000" pitchFamily="2" charset="-127"/>
+                <a:ea typeface="넥슨Lv1고딕 Bold" panose="00000800000000000000" pitchFamily="2" charset="-127"/>
+              </a:rPr>
+              <a:t>-</a:t>
+            </a:r>
+            <a:r>
+              <a:rPr lang="ko-KR" altLang="en-US" sz="1000">
+                <a:solidFill>
+                  <a:schemeClr val="tx1">
+                    <a:lumMod val="85000"/>
+                    <a:lumOff val="15000"/>
+                  </a:schemeClr>
+                </a:solidFill>
+                <a:latin typeface="넥슨Lv1고딕 Bold" panose="00000800000000000000" pitchFamily="2" charset="-127"/>
+                <a:ea typeface="넥슨Lv1고딕 Bold" panose="00000800000000000000" pitchFamily="2" charset="-127"/>
+              </a:rPr>
+              <a:t>값 쌍 형식</a:t>
+            </a:r>
+            <a:endParaRPr lang="ko-KR" altLang="en-US" sz="1000" dirty="0">
+              <a:solidFill>
+                <a:schemeClr val="tx1">
+                  <a:lumMod val="85000"/>
+                  <a:lumOff val="15000"/>
+                </a:schemeClr>
+              </a:solidFill>
+              <a:latin typeface="넥슨Lv1고딕 Bold" panose="00000800000000000000" pitchFamily="2" charset="-127"/>
+              <a:ea typeface="넥슨Lv1고딕 Bold" panose="00000800000000000000" pitchFamily="2" charset="-127"/>
+            </a:endParaRPr>
+          </a:p>
+        </p:txBody>
+      </p:sp>
+      <p:sp>
+        <p:nvSpPr>
+          <p:cNvPr id="18" name="모서리가 둥근 직사각형 17"/>
+          <p:cNvSpPr/>
+          <p:nvPr/>
+        </p:nvSpPr>
+        <p:spPr>
+          <a:xfrm>
+            <a:off x="1747730" y="2838058"/>
+            <a:ext cx="1765127" cy="322711"/>
+          </a:xfrm>
+          <a:prstGeom prst="roundRect">
+            <a:avLst/>
+          </a:prstGeom>
+          <a:solidFill>
+            <a:srgbClr val="B5DC11"/>
+          </a:solidFill>
+          <a:ln>
+            <a:noFill/>
+          </a:ln>
+        </p:spPr>
+        <p:style>
+          <a:lnRef idx="2">
+            <a:schemeClr val="accent1">
+              <a:shade val="50000"/>
+            </a:schemeClr>
+          </a:lnRef>
+          <a:fillRef idx="1">
+            <a:schemeClr val="accent1"/>
+          </a:fillRef>
+          <a:effectRef idx="0">
+            <a:schemeClr val="accent1"/>
+          </a:effectRef>
+          <a:fontRef idx="minor">
+            <a:schemeClr val="lt1"/>
+          </a:fontRef>
+        </p:style>
+        <p:txBody>
+          <a:bodyPr rtlCol="0" anchor="ctr"/>
+          <a:lstStyle/>
+          <a:p>
+            <a:pPr algn="ctr"/>
+            <a:r>
+              <a:rPr lang="en-US" altLang="ko-KR" sz="1000" dirty="0">
+                <a:solidFill>
+                  <a:schemeClr val="tx1">
+                    <a:lumMod val="85000"/>
+                    <a:lumOff val="15000"/>
+                  </a:schemeClr>
+                </a:solidFill>
+                <a:latin typeface="넥슨Lv1고딕 Bold" panose="00000800000000000000" pitchFamily="2" charset="-127"/>
+                <a:ea typeface="넥슨Lv1고딕 Bold" panose="00000800000000000000" pitchFamily="2" charset="-127"/>
+              </a:rPr>
+              <a:t>JSON </a:t>
+            </a:r>
+            <a:r>
+              <a:rPr lang="ko-KR" altLang="en-US" sz="1000">
+                <a:solidFill>
+                  <a:schemeClr val="tx1">
+                    <a:lumMod val="85000"/>
+                    <a:lumOff val="15000"/>
+                  </a:schemeClr>
+                </a:solidFill>
+                <a:latin typeface="넥슨Lv1고딕 Bold" panose="00000800000000000000" pitchFamily="2" charset="-127"/>
+                <a:ea typeface="넥슨Lv1고딕 Bold" panose="00000800000000000000" pitchFamily="2" charset="-127"/>
+              </a:rPr>
+              <a:t>문법 규칙</a:t>
+            </a:r>
+            <a:endParaRPr lang="ko-KR" altLang="en-US" sz="1000" dirty="0">
+              <a:solidFill>
+                <a:schemeClr val="tx1">
+                  <a:lumMod val="85000"/>
+                  <a:lumOff val="15000"/>
+                </a:schemeClr>
+              </a:solidFill>
+              <a:latin typeface="넥슨Lv1고딕 Bold" panose="00000800000000000000" pitchFamily="2" charset="-127"/>
+              <a:ea typeface="넥슨Lv1고딕 Bold" panose="00000800000000000000" pitchFamily="2" charset="-127"/>
+            </a:endParaRPr>
+          </a:p>
+        </p:txBody>
+      </p:sp>
+      <p:sp>
+        <p:nvSpPr>
+          <p:cNvPr id="19" name="모서리가 둥근 직사각형 13">
+            <a:extLst>
+              <a:ext uri="{FF2B5EF4-FFF2-40B4-BE49-F238E27FC236}">
+                <a16:creationId xmlns:a16="http://schemas.microsoft.com/office/drawing/2014/main" id="{676EBD07-7EC9-402D-811F-D7FD9F96EB0B}"/>
+              </a:ext>
+            </a:extLst>
+          </p:cNvPr>
+          <p:cNvSpPr/>
+          <p:nvPr/>
+        </p:nvSpPr>
+        <p:spPr>
+          <a:xfrm>
+            <a:off x="2109237" y="3693419"/>
+            <a:ext cx="2446098" cy="322711"/>
+          </a:xfrm>
+          <a:prstGeom prst="roundRect">
+            <a:avLst/>
+          </a:prstGeom>
+          <a:solidFill>
+            <a:schemeClr val="accent1">
+              <a:lumMod val="20000"/>
+              <a:lumOff val="80000"/>
+            </a:schemeClr>
+          </a:solidFill>
+          <a:ln>
+            <a:noFill/>
+          </a:ln>
+        </p:spPr>
+        <p:style>
+          <a:lnRef idx="2">
+            <a:schemeClr val="accent1">
+              <a:shade val="50000"/>
+            </a:schemeClr>
+          </a:lnRef>
+          <a:fillRef idx="1">
+            <a:schemeClr val="accent1"/>
+          </a:fillRef>
+          <a:effectRef idx="0">
+            <a:schemeClr val="accent1"/>
+          </a:effectRef>
+          <a:fontRef idx="minor">
+            <a:schemeClr val="lt1"/>
+          </a:fontRef>
+        </p:style>
+        <p:txBody>
+          <a:bodyPr rtlCol="0" anchor="ctr"/>
+          <a:lstStyle/>
+          <a:p>
+            <a:pPr algn="ctr"/>
+            <a:r>
+              <a:rPr lang="ko-KR" altLang="en-US" sz="1000" dirty="0">
+                <a:solidFill>
+                  <a:schemeClr val="tx1">
+                    <a:lumMod val="85000"/>
+                    <a:lumOff val="15000"/>
+                  </a:schemeClr>
+                </a:solidFill>
+                <a:latin typeface="넥슨Lv1고딕 Bold" panose="00000800000000000000" pitchFamily="2" charset="-127"/>
+                <a:ea typeface="넥슨Lv1고딕 Bold" panose="00000800000000000000" pitchFamily="2" charset="-127"/>
+              </a:rPr>
+              <a:t>각 키</a:t>
+            </a:r>
+            <a:r>
+              <a:rPr lang="en-US" altLang="ko-KR" sz="1000" dirty="0">
+                <a:solidFill>
+                  <a:schemeClr val="tx1">
+                    <a:lumMod val="85000"/>
+                    <a:lumOff val="15000"/>
+                  </a:schemeClr>
+                </a:solidFill>
+                <a:latin typeface="넥슨Lv1고딕 Bold" panose="00000800000000000000" pitchFamily="2" charset="-127"/>
+                <a:ea typeface="넥슨Lv1고딕 Bold" panose="00000800000000000000" pitchFamily="2" charset="-127"/>
+              </a:rPr>
+              <a:t>-</a:t>
+            </a:r>
+            <a:r>
+              <a:rPr lang="ko-KR" altLang="en-US" sz="1000">
+                <a:solidFill>
+                  <a:schemeClr val="tx1">
+                    <a:lumMod val="85000"/>
+                    <a:lumOff val="15000"/>
+                  </a:schemeClr>
+                </a:solidFill>
+                <a:latin typeface="넥슨Lv1고딕 Bold" panose="00000800000000000000" pitchFamily="2" charset="-127"/>
+                <a:ea typeface="넥슨Lv1고딕 Bold" panose="00000800000000000000" pitchFamily="2" charset="-127"/>
+              </a:rPr>
+              <a:t>값 쌍은 </a:t>
+            </a:r>
+            <a:r>
+              <a:rPr lang="ko-KR" altLang="en-US" sz="1000" dirty="0">
+                <a:solidFill>
+                  <a:schemeClr val="tx1">
+                    <a:lumMod val="85000"/>
+                    <a:lumOff val="15000"/>
+                  </a:schemeClr>
+                </a:solidFill>
+                <a:latin typeface="넥슨Lv1고딕 Bold" panose="00000800000000000000" pitchFamily="2" charset="-127"/>
+                <a:ea typeface="넥슨Lv1고딕 Bold" panose="00000800000000000000" pitchFamily="2" charset="-127"/>
+              </a:rPr>
+              <a:t>쉼표</a:t>
+            </a:r>
+            <a:r>
+              <a:rPr lang="en-US" altLang="ko-KR" sz="1000" dirty="0">
+                <a:solidFill>
+                  <a:schemeClr val="tx1">
+                    <a:lumMod val="85000"/>
+                    <a:lumOff val="15000"/>
+                  </a:schemeClr>
+                </a:solidFill>
+                <a:latin typeface="넥슨Lv1고딕 Bold" panose="00000800000000000000" pitchFamily="2" charset="-127"/>
+                <a:ea typeface="넥슨Lv1고딕 Bold" panose="00000800000000000000" pitchFamily="2" charset="-127"/>
+              </a:rPr>
+              <a:t>(comma)</a:t>
+            </a:r>
+            <a:r>
+              <a:rPr lang="ko-KR" altLang="en-US" sz="1000">
+                <a:solidFill>
+                  <a:schemeClr val="tx1">
+                    <a:lumMod val="85000"/>
+                    <a:lumOff val="15000"/>
+                  </a:schemeClr>
+                </a:solidFill>
+                <a:latin typeface="넥슨Lv1고딕 Bold" panose="00000800000000000000" pitchFamily="2" charset="-127"/>
+                <a:ea typeface="넥슨Lv1고딕 Bold" panose="00000800000000000000" pitchFamily="2" charset="-127"/>
+              </a:rPr>
+              <a:t>로 구분</a:t>
+            </a:r>
+            <a:endParaRPr lang="ko-KR" altLang="en-US" sz="1000" dirty="0">
+              <a:solidFill>
+                <a:schemeClr val="tx1">
+                  <a:lumMod val="85000"/>
+                  <a:lumOff val="15000"/>
+                </a:schemeClr>
+              </a:solidFill>
+              <a:latin typeface="넥슨Lv1고딕 Bold" panose="00000800000000000000" pitchFamily="2" charset="-127"/>
+              <a:ea typeface="넥슨Lv1고딕 Bold" panose="00000800000000000000" pitchFamily="2" charset="-127"/>
+            </a:endParaRPr>
+          </a:p>
+        </p:txBody>
+      </p:sp>
+      <p:sp>
+        <p:nvSpPr>
+          <p:cNvPr id="25" name="모서리가 둥근 직사각형 24"/>
+          <p:cNvSpPr/>
+          <p:nvPr/>
+        </p:nvSpPr>
+        <p:spPr>
+          <a:xfrm>
+            <a:off x="4653962" y="3293610"/>
+            <a:ext cx="2732122" cy="322711"/>
+          </a:xfrm>
+          <a:prstGeom prst="roundRect">
+            <a:avLst/>
+          </a:prstGeom>
+          <a:solidFill>
+            <a:schemeClr val="accent1">
+              <a:lumMod val="20000"/>
+              <a:lumOff val="80000"/>
+            </a:schemeClr>
+          </a:solidFill>
+          <a:ln>
+            <a:noFill/>
+          </a:ln>
+        </p:spPr>
+        <p:style>
+          <a:lnRef idx="2">
+            <a:schemeClr val="accent1">
+              <a:shade val="50000"/>
+            </a:schemeClr>
+          </a:lnRef>
+          <a:fillRef idx="1">
+            <a:schemeClr val="accent1"/>
+          </a:fillRef>
+          <a:effectRef idx="0">
+            <a:schemeClr val="accent1"/>
+          </a:effectRef>
+          <a:fontRef idx="minor">
+            <a:schemeClr val="lt1"/>
+          </a:fontRef>
+        </p:style>
+        <p:txBody>
+          <a:bodyPr rtlCol="0" anchor="ctr"/>
+          <a:lstStyle/>
+          <a:p>
+            <a:pPr algn="ctr"/>
+            <a:r>
+              <a:rPr lang="en-US" altLang="ko-KR" sz="1000" dirty="0">
+                <a:solidFill>
+                  <a:schemeClr val="tx1">
+                    <a:lumMod val="85000"/>
+                    <a:lumOff val="15000"/>
+                  </a:schemeClr>
+                </a:solidFill>
+                <a:latin typeface="넥슨Lv1고딕 Bold" panose="00000800000000000000" pitchFamily="2" charset="-127"/>
+                <a:ea typeface="넥슨Lv1고딕 Bold" panose="00000800000000000000" pitchFamily="2" charset="-127"/>
+              </a:rPr>
+              <a:t>{ </a:t>
+            </a:r>
+            <a:r>
+              <a:rPr lang="ko-KR" altLang="en-US" sz="1000">
+                <a:solidFill>
+                  <a:schemeClr val="tx1">
+                    <a:lumMod val="85000"/>
+                    <a:lumOff val="15000"/>
+                  </a:schemeClr>
+                </a:solidFill>
+                <a:latin typeface="넥슨Lv1고딕 Bold" panose="00000800000000000000" pitchFamily="2" charset="-127"/>
+                <a:ea typeface="넥슨Lv1고딕 Bold" panose="00000800000000000000" pitchFamily="2" charset="-127"/>
+              </a:rPr>
+              <a:t>객체를 </a:t>
+            </a:r>
+            <a:r>
+              <a:rPr lang="ko-KR" altLang="en-US" sz="1000" dirty="0">
+                <a:solidFill>
+                  <a:schemeClr val="tx1">
+                    <a:lumMod val="85000"/>
+                    <a:lumOff val="15000"/>
+                  </a:schemeClr>
+                </a:solidFill>
+                <a:latin typeface="넥슨Lv1고딕 Bold" panose="00000800000000000000" pitchFamily="2" charset="-127"/>
+                <a:ea typeface="넥슨Lv1고딕 Bold" panose="00000800000000000000" pitchFamily="2" charset="-127"/>
+              </a:rPr>
+              <a:t>묶을 때 바깥으로 </a:t>
+            </a:r>
+            <a:r>
+              <a:rPr lang="ko-KR" altLang="en-US" sz="1000">
+                <a:solidFill>
+                  <a:schemeClr val="tx1">
+                    <a:lumMod val="85000"/>
+                    <a:lumOff val="15000"/>
+                  </a:schemeClr>
+                </a:solidFill>
+                <a:latin typeface="넥슨Lv1고딕 Bold" panose="00000800000000000000" pitchFamily="2" charset="-127"/>
+                <a:ea typeface="넥슨Lv1고딕 Bold" panose="00000800000000000000" pitchFamily="2" charset="-127"/>
+              </a:rPr>
+              <a:t>중괄호 사용 </a:t>
+            </a:r>
+            <a:r>
+              <a:rPr lang="en-US" altLang="ko-KR" sz="1000" dirty="0">
+                <a:solidFill>
+                  <a:schemeClr val="tx1">
+                    <a:lumMod val="85000"/>
+                    <a:lumOff val="15000"/>
+                  </a:schemeClr>
+                </a:solidFill>
+                <a:latin typeface="넥슨Lv1고딕 Bold" panose="00000800000000000000" pitchFamily="2" charset="-127"/>
+                <a:ea typeface="넥슨Lv1고딕 Bold" panose="00000800000000000000" pitchFamily="2" charset="-127"/>
+              </a:rPr>
+              <a:t>}</a:t>
+            </a:r>
+            <a:endParaRPr lang="ko-KR" altLang="en-US" sz="1000" dirty="0">
+              <a:solidFill>
+                <a:schemeClr val="tx1">
+                  <a:lumMod val="85000"/>
+                  <a:lumOff val="15000"/>
+                </a:schemeClr>
+              </a:solidFill>
+              <a:latin typeface="넥슨Lv1고딕 Bold" panose="00000800000000000000" pitchFamily="2" charset="-127"/>
+              <a:ea typeface="넥슨Lv1고딕 Bold" panose="00000800000000000000" pitchFamily="2" charset="-127"/>
+            </a:endParaRPr>
+          </a:p>
+        </p:txBody>
+      </p:sp>
+      <p:sp>
+        <p:nvSpPr>
+          <p:cNvPr id="26" name="모서리가 둥근 직사각형 25"/>
+          <p:cNvSpPr/>
+          <p:nvPr/>
+        </p:nvSpPr>
+        <p:spPr>
+          <a:xfrm>
+            <a:off x="4653962" y="3693419"/>
+            <a:ext cx="2732122" cy="322711"/>
+          </a:xfrm>
+          <a:prstGeom prst="roundRect">
+            <a:avLst/>
+          </a:prstGeom>
+          <a:solidFill>
+            <a:schemeClr val="accent1">
+              <a:lumMod val="20000"/>
+              <a:lumOff val="80000"/>
+            </a:schemeClr>
+          </a:solidFill>
+          <a:ln>
+            <a:noFill/>
+          </a:ln>
+        </p:spPr>
+        <p:style>
+          <a:lnRef idx="2">
+            <a:schemeClr val="accent1">
+              <a:shade val="50000"/>
+            </a:schemeClr>
+          </a:lnRef>
+          <a:fillRef idx="1">
+            <a:schemeClr val="accent1"/>
+          </a:fillRef>
+          <a:effectRef idx="0">
+            <a:schemeClr val="accent1"/>
+          </a:effectRef>
+          <a:fontRef idx="minor">
+            <a:schemeClr val="lt1"/>
+          </a:fontRef>
+        </p:style>
+        <p:txBody>
+          <a:bodyPr rtlCol="0" anchor="ctr"/>
+          <a:lstStyle/>
+          <a:p>
+            <a:pPr algn="ctr"/>
+            <a:r>
+              <a:rPr lang="en-US" altLang="ko-KR" sz="1000" dirty="0">
+                <a:solidFill>
+                  <a:schemeClr val="tx1">
+                    <a:lumMod val="85000"/>
+                    <a:lumOff val="15000"/>
+                  </a:schemeClr>
+                </a:solidFill>
+                <a:latin typeface="넥슨Lv1고딕 Bold" panose="00000800000000000000" pitchFamily="2" charset="-127"/>
+                <a:ea typeface="넥슨Lv1고딕 Bold" panose="00000800000000000000" pitchFamily="2" charset="-127"/>
+              </a:rPr>
+              <a:t>[ </a:t>
+            </a:r>
+            <a:r>
+              <a:rPr lang="ko-KR" altLang="en-US" sz="1000">
+                <a:solidFill>
+                  <a:schemeClr val="tx1">
+                    <a:lumMod val="85000"/>
+                    <a:lumOff val="15000"/>
+                  </a:schemeClr>
+                </a:solidFill>
+                <a:latin typeface="넥슨Lv1고딕 Bold" panose="00000800000000000000" pitchFamily="2" charset="-127"/>
+                <a:ea typeface="넥슨Lv1고딕 Bold" panose="00000800000000000000" pitchFamily="2" charset="-127"/>
+              </a:rPr>
+              <a:t>배열을 </a:t>
+            </a:r>
+            <a:r>
+              <a:rPr lang="ko-KR" altLang="en-US" sz="1000" dirty="0">
+                <a:solidFill>
+                  <a:schemeClr val="tx1">
+                    <a:lumMod val="85000"/>
+                    <a:lumOff val="15000"/>
+                  </a:schemeClr>
+                </a:solidFill>
+                <a:latin typeface="넥슨Lv1고딕 Bold" panose="00000800000000000000" pitchFamily="2" charset="-127"/>
+                <a:ea typeface="넥슨Lv1고딕 Bold" panose="00000800000000000000" pitchFamily="2" charset="-127"/>
+              </a:rPr>
+              <a:t>묶을 때 바깥으로 </a:t>
+            </a:r>
+            <a:r>
+              <a:rPr lang="ko-KR" altLang="en-US" sz="1000">
+                <a:solidFill>
+                  <a:schemeClr val="tx1">
+                    <a:lumMod val="85000"/>
+                    <a:lumOff val="15000"/>
+                  </a:schemeClr>
+                </a:solidFill>
+                <a:latin typeface="넥슨Lv1고딕 Bold" panose="00000800000000000000" pitchFamily="2" charset="-127"/>
+                <a:ea typeface="넥슨Lv1고딕 Bold" panose="00000800000000000000" pitchFamily="2" charset="-127"/>
+              </a:rPr>
+              <a:t>대괄호 사용 </a:t>
+            </a:r>
+            <a:r>
+              <a:rPr lang="en-US" altLang="ko-KR" sz="1000" dirty="0">
+                <a:solidFill>
+                  <a:schemeClr val="tx1">
+                    <a:lumMod val="85000"/>
+                    <a:lumOff val="15000"/>
+                  </a:schemeClr>
+                </a:solidFill>
+                <a:latin typeface="넥슨Lv1고딕 Bold" panose="00000800000000000000" pitchFamily="2" charset="-127"/>
+                <a:ea typeface="넥슨Lv1고딕 Bold" panose="00000800000000000000" pitchFamily="2" charset="-127"/>
+              </a:rPr>
+              <a:t>]</a:t>
+            </a:r>
+            <a:endParaRPr lang="ko-KR" altLang="en-US" sz="1000" dirty="0">
+              <a:solidFill>
+                <a:schemeClr val="tx1">
+                  <a:lumMod val="85000"/>
+                  <a:lumOff val="15000"/>
+                </a:schemeClr>
+              </a:solidFill>
+              <a:latin typeface="넥슨Lv1고딕 Bold" panose="00000800000000000000" pitchFamily="2" charset="-127"/>
+              <a:ea typeface="넥슨Lv1고딕 Bold" panose="00000800000000000000" pitchFamily="2" charset="-127"/>
+            </a:endParaRPr>
+          </a:p>
+        </p:txBody>
+      </p:sp>
+      <p:sp>
+        <p:nvSpPr>
+          <p:cNvPr id="27" name="모서리가 둥근 직사각형 13">
+            <a:extLst>
+              <a:ext uri="{FF2B5EF4-FFF2-40B4-BE49-F238E27FC236}">
+                <a16:creationId xmlns:a16="http://schemas.microsoft.com/office/drawing/2014/main" id="{676EBD07-7EC9-402D-811F-D7FD9F96EB0B}"/>
+              </a:ext>
+            </a:extLst>
+          </p:cNvPr>
+          <p:cNvSpPr/>
+          <p:nvPr/>
+        </p:nvSpPr>
+        <p:spPr>
+          <a:xfrm>
+            <a:off x="2109236" y="4098835"/>
+            <a:ext cx="5276848" cy="322711"/>
+          </a:xfrm>
+          <a:prstGeom prst="roundRect">
+            <a:avLst/>
+          </a:prstGeom>
+          <a:solidFill>
+            <a:schemeClr val="accent1">
+              <a:lumMod val="20000"/>
+              <a:lumOff val="80000"/>
+            </a:schemeClr>
+          </a:solidFill>
+          <a:ln>
+            <a:noFill/>
+          </a:ln>
+        </p:spPr>
+        <p:style>
+          <a:lnRef idx="2">
+            <a:schemeClr val="accent1">
+              <a:shade val="50000"/>
+            </a:schemeClr>
+          </a:lnRef>
+          <a:fillRef idx="1">
+            <a:schemeClr val="accent1"/>
+          </a:fillRef>
+          <a:effectRef idx="0">
+            <a:schemeClr val="accent1"/>
+          </a:effectRef>
+          <a:fontRef idx="minor">
+            <a:schemeClr val="lt1"/>
+          </a:fontRef>
+        </p:style>
+        <p:txBody>
+          <a:bodyPr rtlCol="0" anchor="ctr"/>
+          <a:lstStyle/>
+          <a:p>
+            <a:pPr algn="ctr"/>
+            <a:r>
+              <a:rPr lang="ko-KR" altLang="en-US" sz="1000" dirty="0">
+                <a:solidFill>
+                  <a:schemeClr val="tx1">
+                    <a:lumMod val="85000"/>
+                    <a:lumOff val="15000"/>
+                  </a:schemeClr>
+                </a:solidFill>
+                <a:latin typeface="넥슨Lv1고딕 Bold" panose="00000800000000000000" pitchFamily="2" charset="-127"/>
+                <a:ea typeface="넥슨Lv1고딕 Bold" panose="00000800000000000000" pitchFamily="2" charset="-127"/>
+              </a:rPr>
+              <a:t>자바스크립트와 달리 키</a:t>
+            </a:r>
+            <a:r>
+              <a:rPr lang="en-US" altLang="ko-KR" sz="1000" dirty="0">
+                <a:solidFill>
+                  <a:schemeClr val="tx1">
+                    <a:lumMod val="85000"/>
+                    <a:lumOff val="15000"/>
+                  </a:schemeClr>
+                </a:solidFill>
+                <a:latin typeface="넥슨Lv1고딕 Bold" panose="00000800000000000000" pitchFamily="2" charset="-127"/>
+                <a:ea typeface="넥슨Lv1고딕 Bold" panose="00000800000000000000" pitchFamily="2" charset="-127"/>
+              </a:rPr>
+              <a:t>-</a:t>
+            </a:r>
+            <a:r>
+              <a:rPr lang="ko-KR" altLang="en-US" sz="1000">
+                <a:solidFill>
+                  <a:schemeClr val="tx1">
+                    <a:lumMod val="85000"/>
+                    <a:lumOff val="15000"/>
+                  </a:schemeClr>
+                </a:solidFill>
+                <a:latin typeface="넥슨Lv1고딕 Bold" panose="00000800000000000000" pitchFamily="2" charset="-127"/>
+                <a:ea typeface="넥슨Lv1고딕 Bold" panose="00000800000000000000" pitchFamily="2" charset="-127"/>
+              </a:rPr>
+              <a:t>값</a:t>
+            </a:r>
+            <a:r>
+              <a:rPr lang="en-US" altLang="ko-KR" sz="1000" dirty="0">
+                <a:solidFill>
+                  <a:schemeClr val="tx1">
+                    <a:lumMod val="85000"/>
+                    <a:lumOff val="15000"/>
+                  </a:schemeClr>
+                </a:solidFill>
+                <a:latin typeface="넥슨Lv1고딕 Bold" panose="00000800000000000000" pitchFamily="2" charset="-127"/>
+                <a:ea typeface="넥슨Lv1고딕 Bold" panose="00000800000000000000" pitchFamily="2" charset="-127"/>
+              </a:rPr>
+              <a:t>(string</a:t>
+            </a:r>
+            <a:r>
+              <a:rPr lang="ko-KR" altLang="en-US" sz="1000">
+                <a:solidFill>
+                  <a:schemeClr val="tx1">
+                    <a:lumMod val="85000"/>
+                    <a:lumOff val="15000"/>
+                  </a:schemeClr>
+                </a:solidFill>
+                <a:latin typeface="넥슨Lv1고딕 Bold" panose="00000800000000000000" pitchFamily="2" charset="-127"/>
+                <a:ea typeface="넥슨Lv1고딕 Bold" panose="00000800000000000000" pitchFamily="2" charset="-127"/>
+              </a:rPr>
+              <a:t> 값</a:t>
+            </a:r>
+            <a:r>
+              <a:rPr lang="en-US" altLang="ko-KR" sz="1000" dirty="0">
+                <a:solidFill>
+                  <a:schemeClr val="tx1">
+                    <a:lumMod val="85000"/>
+                    <a:lumOff val="15000"/>
+                  </a:schemeClr>
+                </a:solidFill>
+                <a:latin typeface="넥슨Lv1고딕 Bold" panose="00000800000000000000" pitchFamily="2" charset="-127"/>
+                <a:ea typeface="넥슨Lv1고딕 Bold" panose="00000800000000000000" pitchFamily="2" charset="-127"/>
+              </a:rPr>
+              <a:t>)</a:t>
+            </a:r>
+            <a:r>
+              <a:rPr lang="ko-KR" altLang="en-US" sz="1000">
+                <a:solidFill>
+                  <a:schemeClr val="tx1">
+                    <a:lumMod val="85000"/>
+                    <a:lumOff val="15000"/>
+                  </a:schemeClr>
+                </a:solidFill>
+                <a:latin typeface="넥슨Lv1고딕 Bold" panose="00000800000000000000" pitchFamily="2" charset="-127"/>
+                <a:ea typeface="넥슨Lv1고딕 Bold" panose="00000800000000000000" pitchFamily="2" charset="-127"/>
+              </a:rPr>
+              <a:t>은 반드시 </a:t>
+            </a:r>
+            <a:r>
+              <a:rPr lang="en-US" altLang="ko-KR" sz="1000" dirty="0">
+                <a:solidFill>
+                  <a:schemeClr val="tx1">
+                    <a:lumMod val="85000"/>
+                    <a:lumOff val="15000"/>
+                  </a:schemeClr>
+                </a:solidFill>
+                <a:latin typeface="넥슨Lv1고딕 Bold" panose="00000800000000000000" pitchFamily="2" charset="-127"/>
+                <a:ea typeface="넥슨Lv1고딕 Bold" panose="00000800000000000000" pitchFamily="2" charset="-127"/>
+              </a:rPr>
+              <a:t>“</a:t>
+            </a:r>
+            <a:r>
+              <a:rPr lang="ko-KR" altLang="en-US" sz="1000">
+                <a:solidFill>
+                  <a:schemeClr val="tx1">
+                    <a:lumMod val="85000"/>
+                    <a:lumOff val="15000"/>
+                  </a:schemeClr>
+                </a:solidFill>
+                <a:latin typeface="넥슨Lv1고딕 Bold" panose="00000800000000000000" pitchFamily="2" charset="-127"/>
+                <a:ea typeface="넥슨Lv1고딕 Bold" panose="00000800000000000000" pitchFamily="2" charset="-127"/>
+              </a:rPr>
+              <a:t>큰 따옴표</a:t>
+            </a:r>
+            <a:r>
+              <a:rPr lang="en-US" altLang="ko-KR" sz="1000" dirty="0">
+                <a:solidFill>
+                  <a:schemeClr val="tx1">
+                    <a:lumMod val="85000"/>
+                    <a:lumOff val="15000"/>
+                  </a:schemeClr>
+                </a:solidFill>
+                <a:latin typeface="넥슨Lv1고딕 Bold" panose="00000800000000000000" pitchFamily="2" charset="-127"/>
+                <a:ea typeface="넥슨Lv1고딕 Bold" panose="00000800000000000000" pitchFamily="2" charset="-127"/>
+              </a:rPr>
+              <a:t>”</a:t>
+            </a:r>
+            <a:r>
+              <a:rPr lang="ko-KR" altLang="en-US" sz="1000">
+                <a:solidFill>
+                  <a:schemeClr val="tx1">
+                    <a:lumMod val="85000"/>
+                    <a:lumOff val="15000"/>
+                  </a:schemeClr>
+                </a:solidFill>
+                <a:latin typeface="넥슨Lv1고딕 Bold" panose="00000800000000000000" pitchFamily="2" charset="-127"/>
+                <a:ea typeface="넥슨Lv1고딕 Bold" panose="00000800000000000000" pitchFamily="2" charset="-127"/>
+              </a:rPr>
+              <a:t>로 묶어야 함</a:t>
+            </a:r>
+            <a:endParaRPr lang="ko-KR" altLang="en-US" sz="1000" dirty="0">
+              <a:solidFill>
+                <a:schemeClr val="tx1">
+                  <a:lumMod val="85000"/>
+                  <a:lumOff val="15000"/>
+                </a:schemeClr>
+              </a:solidFill>
+              <a:latin typeface="넥슨Lv1고딕 Bold" panose="00000800000000000000" pitchFamily="2" charset="-127"/>
+              <a:ea typeface="넥슨Lv1고딕 Bold" panose="00000800000000000000" pitchFamily="2" charset="-127"/>
+            </a:endParaRPr>
+          </a:p>
+        </p:txBody>
+      </p:sp>
+    </p:spTree>
+    <p:extLst>
+      <p:ext uri="{BB962C8B-B14F-4D97-AF65-F5344CB8AC3E}">
+        <p14:creationId xmlns:p14="http://schemas.microsoft.com/office/powerpoint/2010/main" val="2052386676"/>
+      </p:ext>
+    </p:extLst>
+  </p:cSld>
+  <p:clrMapOvr>
+    <a:masterClrMapping/>
+  </p:clrMapOvr>
+</p:sld>
+</file>
+
+<file path=ppt/slides/slide17.xml><?xml version="1.0" encoding="utf-8"?>
+<p:sld xmlns:a="http://schemas.openxmlformats.org/drawingml/2006/main" xmlns:r="http://schemas.openxmlformats.org/officeDocument/2006/relationships" xmlns:p="http://schemas.openxmlformats.org/presentationml/2006/main">
+  <p:cSld>
+    <p:spTree>
+      <p:nvGrpSpPr>
+        <p:cNvPr id="1" name=""/>
+        <p:cNvGrpSpPr/>
+        <p:nvPr/>
+      </p:nvGrpSpPr>
+      <p:grpSpPr>
+        <a:xfrm>
+          <a:off x="0" y="0"/>
+          <a:ext cx="0" cy="0"/>
+          <a:chOff x="0" y="0"/>
+          <a:chExt cx="0" cy="0"/>
+        </a:xfrm>
+      </p:grpSpPr>
+      <p:pic>
+        <p:nvPicPr>
+          <p:cNvPr id="5" name="그림 4" descr="화면 캡처"/>
+          <p:cNvPicPr>
+            <a:picLocks noChangeAspect="1"/>
+          </p:cNvPicPr>
+          <p:nvPr/>
+        </p:nvPicPr>
+        <p:blipFill>
+          <a:blip r:embed="rId3">
+            <a:extLst>
+              <a:ext uri="{28A0092B-C50C-407E-A947-70E740481C1C}">
+                <a14:useLocalDpi xmlns:a14="http://schemas.microsoft.com/office/drawing/2010/main" val="0"/>
+              </a:ext>
+            </a:extLst>
+          </a:blip>
+          <a:stretch>
+            <a:fillRect/>
+          </a:stretch>
+        </p:blipFill>
+        <p:spPr>
+          <a:xfrm>
+            <a:off x="1503540" y="4136273"/>
+            <a:ext cx="6378520" cy="1807970"/>
+          </a:xfrm>
+          <a:prstGeom prst="rect">
+            <a:avLst/>
+          </a:prstGeom>
+        </p:spPr>
+      </p:pic>
+      <p:sp>
+        <p:nvSpPr>
+          <p:cNvPr id="7" name="모서리가 둥근 직사각형 6"/>
+          <p:cNvSpPr/>
+          <p:nvPr/>
+        </p:nvSpPr>
+        <p:spPr>
+          <a:xfrm>
+            <a:off x="1109817" y="1610380"/>
+            <a:ext cx="3872888" cy="350275"/>
+          </a:xfrm>
+          <a:prstGeom prst="roundRect">
+            <a:avLst/>
+          </a:prstGeom>
+          <a:solidFill>
+            <a:schemeClr val="bg1">
+              <a:lumMod val="95000"/>
+            </a:schemeClr>
+          </a:solidFill>
+          <a:ln>
+            <a:noFill/>
+          </a:ln>
+        </p:spPr>
+        <p:style>
+          <a:lnRef idx="2">
+            <a:schemeClr val="accent1">
+              <a:shade val="50000"/>
+            </a:schemeClr>
+          </a:lnRef>
+          <a:fillRef idx="1">
+            <a:schemeClr val="accent1"/>
+          </a:fillRef>
+          <a:effectRef idx="0">
+            <a:schemeClr val="accent1"/>
+          </a:effectRef>
+          <a:fontRef idx="minor">
+            <a:schemeClr val="lt1"/>
+          </a:fontRef>
+        </p:style>
+        <p:txBody>
+          <a:bodyPr lIns="360000" rtlCol="0" anchor="ctr"/>
+          <a:lstStyle/>
+          <a:p>
+            <a:r>
+              <a:rPr lang="en-US" altLang="ko-KR" sz="1200" spc="-50" dirty="0" err="1">
+                <a:solidFill>
+                  <a:schemeClr val="accent1">
+                    <a:lumMod val="50000"/>
+                  </a:schemeClr>
+                </a:solidFill>
+                <a:latin typeface="넥슨Lv1고딕 Bold" panose="00000800000000000000" pitchFamily="2" charset="-127"/>
+                <a:ea typeface="넥슨Lv1고딕 Bold" panose="00000800000000000000" pitchFamily="2" charset="-127"/>
+              </a:rPr>
+              <a:t>JSON.parse</a:t>
+            </a:r>
+            <a:r>
+              <a:rPr lang="en-US" altLang="ko-KR" sz="1200" spc="-50" dirty="0">
+                <a:solidFill>
+                  <a:schemeClr val="accent1">
+                    <a:lumMod val="50000"/>
+                  </a:schemeClr>
+                </a:solidFill>
+                <a:latin typeface="넥슨Lv1고딕 Bold" panose="00000800000000000000" pitchFamily="2" charset="-127"/>
+                <a:ea typeface="넥슨Lv1고딕 Bold" panose="00000800000000000000" pitchFamily="2" charset="-127"/>
+              </a:rPr>
+              <a:t>()</a:t>
+            </a:r>
+            <a:r>
+              <a:rPr lang="ko-KR" altLang="en-US" sz="1200" spc="-50">
+                <a:solidFill>
+                  <a:schemeClr val="accent1">
+                    <a:lumMod val="50000"/>
+                  </a:schemeClr>
+                </a:solidFill>
+                <a:latin typeface="넥슨Lv1고딕 Bold" panose="00000800000000000000" pitchFamily="2" charset="-127"/>
+                <a:ea typeface="넥슨Lv1고딕 Bold" panose="00000800000000000000" pitchFamily="2" charset="-127"/>
+              </a:rPr>
+              <a:t>란</a:t>
+            </a:r>
+            <a:r>
+              <a:rPr lang="en-US" altLang="ko-KR" sz="1200" spc="-50" dirty="0">
+                <a:solidFill>
+                  <a:schemeClr val="accent1">
+                    <a:lumMod val="50000"/>
+                  </a:schemeClr>
+                </a:solidFill>
+                <a:latin typeface="넥슨Lv1고딕 Bold" panose="00000800000000000000" pitchFamily="2" charset="-127"/>
+                <a:ea typeface="넥슨Lv1고딕 Bold" panose="00000800000000000000" pitchFamily="2" charset="-127"/>
+              </a:rPr>
+              <a:t>?</a:t>
+            </a:r>
+            <a:endParaRPr lang="ko-KR" altLang="en-US" sz="1200" spc="-50" dirty="0">
+              <a:solidFill>
+                <a:schemeClr val="accent1">
+                  <a:lumMod val="50000"/>
+                </a:schemeClr>
+              </a:solidFill>
+              <a:latin typeface="넥슨Lv1고딕 Bold" panose="00000800000000000000" pitchFamily="2" charset="-127"/>
+              <a:ea typeface="넥슨Lv1고딕 Bold" panose="00000800000000000000" pitchFamily="2" charset="-127"/>
+            </a:endParaRPr>
+          </a:p>
+        </p:txBody>
+      </p:sp>
+      <p:cxnSp>
+        <p:nvCxnSpPr>
+          <p:cNvPr id="13" name="직선 연결선 12"/>
+          <p:cNvCxnSpPr/>
+          <p:nvPr/>
+        </p:nvCxnSpPr>
+        <p:spPr>
+          <a:xfrm>
+            <a:off x="689488" y="1238865"/>
+            <a:ext cx="7647038" cy="0"/>
+          </a:xfrm>
+          <a:prstGeom prst="line">
+            <a:avLst/>
+          </a:prstGeom>
+          <a:ln>
+            <a:solidFill>
+              <a:schemeClr val="bg1">
+                <a:lumMod val="85000"/>
+              </a:schemeClr>
+            </a:solidFill>
+          </a:ln>
+        </p:spPr>
+        <p:style>
+          <a:lnRef idx="1">
+            <a:schemeClr val="accent1"/>
+          </a:lnRef>
+          <a:fillRef idx="0">
+            <a:schemeClr val="accent1"/>
+          </a:fillRef>
+          <a:effectRef idx="0">
+            <a:schemeClr val="accent1"/>
+          </a:effectRef>
+          <a:fontRef idx="minor">
+            <a:schemeClr val="tx1"/>
+          </a:fontRef>
+        </p:style>
+      </p:cxnSp>
+      <p:sp>
+        <p:nvSpPr>
+          <p:cNvPr id="3" name="슬라이드 번호 개체 틀 2"/>
+          <p:cNvSpPr>
+            <a:spLocks noGrp="1"/>
+          </p:cNvSpPr>
+          <p:nvPr>
+            <p:ph type="sldNum" sz="quarter" idx="12"/>
+          </p:nvPr>
+        </p:nvSpPr>
+        <p:spPr/>
+        <p:txBody>
+          <a:bodyPr/>
+          <a:lstStyle/>
+          <a:p>
+            <a:fld id="{8D0AD3C7-B26A-41BF-81F8-CAF4A9564849}" type="slidenum">
+              <a:rPr lang="ko-KR" altLang="en-US" smtClean="0"/>
+              <a:pPr/>
+              <a:t>16</a:t>
+            </a:fld>
+            <a:endParaRPr lang="ko-KR" altLang="en-US" dirty="0"/>
+          </a:p>
+        </p:txBody>
+      </p:sp>
+      <p:sp>
+        <p:nvSpPr>
+          <p:cNvPr id="4" name="제목 3"/>
+          <p:cNvSpPr>
+            <a:spLocks noGrp="1"/>
+          </p:cNvSpPr>
+          <p:nvPr>
+            <p:ph type="title"/>
+          </p:nvPr>
+        </p:nvSpPr>
+        <p:spPr>
+          <a:xfrm>
+            <a:off x="628650" y="551713"/>
+            <a:ext cx="7886700" cy="721790"/>
+          </a:xfrm>
+        </p:spPr>
+        <p:txBody>
+          <a:bodyPr>
+            <a:normAutofit/>
+          </a:bodyPr>
+          <a:lstStyle/>
+          <a:p>
+            <a:pPr>
+              <a:lnSpc>
+                <a:spcPct val="110000"/>
+              </a:lnSpc>
+            </a:pPr>
+            <a:r>
+              <a:rPr lang="ko-KR" altLang="en-US" sz="1000" dirty="0">
+                <a:latin typeface="넥슨Lv1고딕 Light" panose="00000300000000000000" pitchFamily="2" charset="-127"/>
+                <a:ea typeface="넥슨Lv1고딕 Light" panose="00000300000000000000" pitchFamily="2" charset="-127"/>
+              </a:rPr>
+              <a:t>알면 좋을 자바스크립트</a:t>
+            </a:r>
+            <a:br>
+              <a:rPr lang="en-US" altLang="ko-KR" sz="1800" dirty="0">
+                <a:latin typeface="넥슨Lv1고딕 Bold" panose="00000800000000000000" pitchFamily="2" charset="-127"/>
+                <a:ea typeface="넥슨Lv1고딕 Bold" panose="00000800000000000000" pitchFamily="2" charset="-127"/>
+              </a:rPr>
+            </a:br>
+            <a:r>
+              <a:rPr lang="ko-KR" altLang="en-US" sz="1800">
+                <a:latin typeface="넥슨Lv1고딕 Bold" panose="00000800000000000000" pitchFamily="2" charset="-127"/>
+                <a:ea typeface="넥슨Lv1고딕 Bold" panose="00000800000000000000" pitchFamily="2" charset="-127"/>
+              </a:rPr>
+              <a:t>서버에서 </a:t>
+            </a:r>
+            <a:r>
+              <a:rPr lang="en-US" altLang="ko-KR" sz="1800" dirty="0">
+                <a:latin typeface="넥슨Lv1고딕 Bold" panose="00000800000000000000" pitchFamily="2" charset="-127"/>
+                <a:ea typeface="넥슨Lv1고딕 Bold" panose="00000800000000000000" pitchFamily="2" charset="-127"/>
+              </a:rPr>
+              <a:t>JSON </a:t>
+            </a:r>
+            <a:r>
+              <a:rPr lang="ko-KR" altLang="en-US" sz="1800">
+                <a:latin typeface="넥슨Lv1고딕 Bold" panose="00000800000000000000" pitchFamily="2" charset="-127"/>
+                <a:ea typeface="넥슨Lv1고딕 Bold" panose="00000800000000000000" pitchFamily="2" charset="-127"/>
+              </a:rPr>
+              <a:t>데이터를 받을 때</a:t>
+            </a:r>
+            <a:r>
+              <a:rPr lang="en-US" altLang="ko-KR" sz="1800" dirty="0">
+                <a:latin typeface="넥슨Lv1고딕 Bold" panose="00000800000000000000" pitchFamily="2" charset="-127"/>
+                <a:ea typeface="넥슨Lv1고딕 Bold" panose="00000800000000000000" pitchFamily="2" charset="-127"/>
+              </a:rPr>
+              <a:t>_</a:t>
+            </a:r>
+            <a:r>
+              <a:rPr lang="en-US" altLang="ko-KR" sz="1800" dirty="0" err="1">
+                <a:latin typeface="넥슨Lv1고딕 Bold" panose="00000800000000000000" pitchFamily="2" charset="-127"/>
+                <a:ea typeface="넥슨Lv1고딕 Bold" panose="00000800000000000000" pitchFamily="2" charset="-127"/>
+              </a:rPr>
+              <a:t>JSON.parse</a:t>
+            </a:r>
+            <a:r>
+              <a:rPr lang="en-US" altLang="ko-KR" sz="1800" dirty="0">
+                <a:latin typeface="넥슨Lv1고딕 Bold" panose="00000800000000000000" pitchFamily="2" charset="-127"/>
+                <a:ea typeface="넥슨Lv1고딕 Bold" panose="00000800000000000000" pitchFamily="2" charset="-127"/>
+              </a:rPr>
+              <a:t>()</a:t>
+            </a:r>
+            <a:endParaRPr lang="ko-KR" altLang="en-US" sz="2200" dirty="0">
+              <a:latin typeface="넥슨Lv1고딕 Bold" panose="00000800000000000000" pitchFamily="2" charset="-127"/>
+              <a:ea typeface="넥슨Lv1고딕 Bold" panose="00000800000000000000" pitchFamily="2" charset="-127"/>
+            </a:endParaRPr>
+          </a:p>
+        </p:txBody>
+      </p:sp>
+      <p:sp>
+        <p:nvSpPr>
+          <p:cNvPr id="12" name="TextBox 11"/>
+          <p:cNvSpPr txBox="1"/>
+          <p:nvPr/>
+        </p:nvSpPr>
+        <p:spPr>
+          <a:xfrm>
+            <a:off x="1415846" y="2061361"/>
+            <a:ext cx="6844233" cy="600164"/>
+          </a:xfrm>
+          <a:prstGeom prst="rect">
+            <a:avLst/>
+          </a:prstGeom>
+          <a:noFill/>
+        </p:spPr>
+        <p:txBody>
+          <a:bodyPr wrap="square" rtlCol="0">
+            <a:spAutoFit/>
+          </a:bodyPr>
+          <a:lstStyle/>
+          <a:p>
+            <a:r>
+              <a:rPr lang="en-US" altLang="ko-KR" sz="1100" spc="-50" dirty="0" err="1">
+                <a:solidFill>
+                  <a:srgbClr val="FF0000"/>
+                </a:solidFill>
+                <a:latin typeface="넥슨Lv1고딕 Bold" panose="00000800000000000000" pitchFamily="2" charset="-127"/>
+                <a:ea typeface="넥슨Lv1고딕 Bold" panose="00000800000000000000" pitchFamily="2" charset="-127"/>
+              </a:rPr>
+              <a:t>JSON.parse</a:t>
+            </a:r>
+            <a:r>
+              <a:rPr lang="en-US" altLang="ko-KR" sz="1100" spc="-50" dirty="0">
+                <a:solidFill>
+                  <a:srgbClr val="FF0000"/>
+                </a:solidFill>
+                <a:latin typeface="넥슨Lv1고딕 Bold" panose="00000800000000000000" pitchFamily="2" charset="-127"/>
+                <a:ea typeface="넥슨Lv1고딕 Bold" panose="00000800000000000000" pitchFamily="2" charset="-127"/>
+              </a:rPr>
+              <a:t>()</a:t>
+            </a:r>
+            <a:r>
+              <a:rPr lang="ko-KR" altLang="en-US" sz="1100" spc="-50">
+                <a:solidFill>
+                  <a:srgbClr val="FF0000"/>
+                </a:solidFill>
+                <a:latin typeface="넥슨Lv1고딕 Bold" panose="00000800000000000000" pitchFamily="2" charset="-127"/>
+                <a:ea typeface="넥슨Lv1고딕 Bold" panose="00000800000000000000" pitchFamily="2" charset="-127"/>
+              </a:rPr>
+              <a:t>는 문자열</a:t>
+            </a:r>
+            <a:r>
+              <a:rPr lang="en-US" altLang="ko-KR" sz="1100" spc="-50" dirty="0">
+                <a:solidFill>
+                  <a:srgbClr val="FF0000"/>
+                </a:solidFill>
+                <a:latin typeface="넥슨Lv1고딕 Bold" panose="00000800000000000000" pitchFamily="2" charset="-127"/>
+                <a:ea typeface="넥슨Lv1고딕 Bold" panose="00000800000000000000" pitchFamily="2" charset="-127"/>
+              </a:rPr>
+              <a:t>(string)</a:t>
+            </a:r>
+            <a:r>
+              <a:rPr lang="ko-KR" altLang="en-US" sz="1100" spc="-50">
+                <a:solidFill>
+                  <a:srgbClr val="FF0000"/>
+                </a:solidFill>
+                <a:latin typeface="넥슨Lv1고딕 Bold" panose="00000800000000000000" pitchFamily="2" charset="-127"/>
+                <a:ea typeface="넥슨Lv1고딕 Bold" panose="00000800000000000000" pitchFamily="2" charset="-127"/>
+              </a:rPr>
+              <a:t>인 </a:t>
+            </a:r>
+            <a:r>
+              <a:rPr lang="en-US" altLang="ko-KR" sz="1100" spc="-50" dirty="0">
+                <a:solidFill>
+                  <a:srgbClr val="FF0000"/>
+                </a:solidFill>
+                <a:latin typeface="넥슨Lv1고딕 Bold" panose="00000800000000000000" pitchFamily="2" charset="-127"/>
+                <a:ea typeface="넥슨Lv1고딕 Bold" panose="00000800000000000000" pitchFamily="2" charset="-127"/>
+              </a:rPr>
+              <a:t>JSON </a:t>
+            </a:r>
+            <a:r>
+              <a:rPr lang="ko-KR" altLang="en-US" sz="1100" spc="-50">
+                <a:solidFill>
+                  <a:srgbClr val="FF0000"/>
+                </a:solidFill>
+                <a:latin typeface="넥슨Lv1고딕 Bold" panose="00000800000000000000" pitchFamily="2" charset="-127"/>
+                <a:ea typeface="넥슨Lv1고딕 Bold" panose="00000800000000000000" pitchFamily="2" charset="-127"/>
+              </a:rPr>
+              <a:t>형식</a:t>
+            </a:r>
+            <a:r>
+              <a:rPr lang="en-US" altLang="ko-KR" sz="1100" spc="-50" dirty="0">
+                <a:solidFill>
+                  <a:srgbClr val="FF0000"/>
+                </a:solidFill>
+                <a:latin typeface="넥슨Lv1고딕 Bold" panose="00000800000000000000" pitchFamily="2" charset="-127"/>
+                <a:ea typeface="넥슨Lv1고딕 Bold" panose="00000800000000000000" pitchFamily="2" charset="-127"/>
+              </a:rPr>
+              <a:t> </a:t>
+            </a:r>
+            <a:r>
+              <a:rPr lang="ko-KR" altLang="en-US" sz="1100" spc="-50">
+                <a:solidFill>
+                  <a:srgbClr val="FF0000"/>
+                </a:solidFill>
+                <a:latin typeface="넥슨Lv1고딕 Bold" panose="00000800000000000000" pitchFamily="2" charset="-127"/>
+                <a:ea typeface="넥슨Lv1고딕 Bold" panose="00000800000000000000" pitchFamily="2" charset="-127"/>
+              </a:rPr>
+              <a:t>데이터를 자바스크립트 객체 또는 배열로 변환</a:t>
+            </a:r>
+            <a:r>
+              <a:rPr lang="ko-KR" altLang="en-US" sz="1100" spc="-50">
+                <a:latin typeface="넥슨Lv1고딕 Light" panose="00000300000000000000" pitchFamily="2" charset="-127"/>
+                <a:ea typeface="넥슨Lv1고딕 Light" panose="00000300000000000000" pitchFamily="2" charset="-127"/>
+              </a:rPr>
+              <a:t>하는 </a:t>
+            </a:r>
+            <a:r>
+              <a:rPr lang="ko-KR" altLang="en-US" sz="1100" spc="-50" dirty="0">
+                <a:latin typeface="넥슨Lv1고딕 Light" panose="00000300000000000000" pitchFamily="2" charset="-127"/>
+                <a:ea typeface="넥슨Lv1고딕 Light" panose="00000300000000000000" pitchFamily="2" charset="-127"/>
+              </a:rPr>
+              <a:t>메서드입니다</a:t>
+            </a:r>
+            <a:r>
+              <a:rPr lang="en-US" altLang="ko-KR" sz="1100" spc="-50" dirty="0">
+                <a:latin typeface="넥슨Lv1고딕 Light" panose="00000300000000000000" pitchFamily="2" charset="-127"/>
+                <a:ea typeface="넥슨Lv1고딕 Light" panose="00000300000000000000" pitchFamily="2" charset="-127"/>
+              </a:rPr>
+              <a:t>.</a:t>
+            </a:r>
+            <a:br>
+              <a:rPr lang="en-US" altLang="ko-KR" sz="1100" spc="-50" dirty="0">
+                <a:latin typeface="넥슨Lv1고딕 Light" panose="00000300000000000000" pitchFamily="2" charset="-127"/>
+                <a:ea typeface="넥슨Lv1고딕 Light" panose="00000300000000000000" pitchFamily="2" charset="-127"/>
+              </a:rPr>
+            </a:br>
+            <a:endParaRPr lang="en-US" altLang="ko-KR" sz="1100" spc="-50" dirty="0">
+              <a:latin typeface="넥슨Lv1고딕 Light" panose="00000300000000000000" pitchFamily="2" charset="-127"/>
+              <a:ea typeface="넥슨Lv1고딕 Light" panose="00000300000000000000" pitchFamily="2" charset="-127"/>
+            </a:endParaRPr>
+          </a:p>
+          <a:p>
+            <a:r>
+              <a:rPr lang="en-US" altLang="ko-KR" sz="1100" spc="-50" dirty="0">
+                <a:latin typeface="넥슨Lv1고딕 Light" panose="00000300000000000000" pitchFamily="2" charset="-127"/>
+                <a:ea typeface="넥슨Lv1고딕 Light" panose="00000300000000000000" pitchFamily="2" charset="-127"/>
+              </a:rPr>
+              <a:t>[</a:t>
+            </a:r>
+            <a:r>
+              <a:rPr lang="ko-KR" altLang="en-US" sz="1100" spc="-50" dirty="0">
+                <a:latin typeface="넥슨Lv1고딕 Light" panose="00000300000000000000" pitchFamily="2" charset="-127"/>
+                <a:ea typeface="넥슨Lv1고딕 Light" panose="00000300000000000000" pitchFamily="2" charset="-127"/>
+              </a:rPr>
+              <a:t>예제</a:t>
+            </a:r>
+            <a:r>
+              <a:rPr lang="en-US" altLang="ko-KR" sz="1100" spc="-50" dirty="0">
+                <a:latin typeface="넥슨Lv1고딕 Light" panose="00000300000000000000" pitchFamily="2" charset="-127"/>
+                <a:ea typeface="넥슨Lv1고딕 Light" panose="00000300000000000000" pitchFamily="2" charset="-127"/>
+              </a:rPr>
+              <a:t>] </a:t>
+            </a:r>
+            <a:r>
+              <a:rPr lang="en-US" altLang="ko-KR" sz="1100" spc="-50" dirty="0">
+                <a:latin typeface="넥슨Lv1고딕 Light" panose="00000300000000000000" pitchFamily="2" charset="-127"/>
+                <a:ea typeface="넥슨Lv1고딕 Light" panose="00000300000000000000" pitchFamily="2" charset="-127"/>
+                <a:hlinkClick r:id="rId4"/>
+              </a:rPr>
+              <a:t>https://parrot-tutorial.com/run_code.php?snippet=js_json1</a:t>
+            </a:r>
+            <a:endParaRPr lang="en-US" altLang="ko-KR" sz="1100" spc="-50" dirty="0">
+              <a:latin typeface="넥슨Lv1고딕 Light" panose="00000300000000000000" pitchFamily="2" charset="-127"/>
+              <a:ea typeface="넥슨Lv1고딕 Light" panose="00000300000000000000" pitchFamily="2" charset="-127"/>
+            </a:endParaRPr>
+          </a:p>
+        </p:txBody>
+      </p:sp>
+      <p:grpSp>
+        <p:nvGrpSpPr>
+          <p:cNvPr id="22" name="그룹 21"/>
+          <p:cNvGrpSpPr/>
+          <p:nvPr/>
+        </p:nvGrpSpPr>
+        <p:grpSpPr>
+          <a:xfrm>
+            <a:off x="628650" y="1335845"/>
+            <a:ext cx="745283" cy="745283"/>
+            <a:chOff x="4572000" y="617679"/>
+            <a:chExt cx="745283" cy="745283"/>
+          </a:xfrm>
+        </p:grpSpPr>
+        <p:pic>
+          <p:nvPicPr>
+            <p:cNvPr id="23" name="그림 22"/>
+            <p:cNvPicPr>
+              <a:picLocks noChangeAspect="1"/>
+            </p:cNvPicPr>
+            <p:nvPr/>
+          </p:nvPicPr>
+          <p:blipFill>
+            <a:blip r:embed="rId5" cstate="print">
+              <a:extLst>
+                <a:ext uri="{28A0092B-C50C-407E-A947-70E740481C1C}">
+                  <a14:useLocalDpi xmlns:a14="http://schemas.microsoft.com/office/drawing/2010/main" val="0"/>
+                </a:ext>
+              </a:extLst>
+            </a:blip>
+            <a:stretch>
+              <a:fillRect/>
+            </a:stretch>
+          </p:blipFill>
+          <p:spPr>
+            <a:xfrm>
+              <a:off x="4572000" y="617679"/>
+              <a:ext cx="745283" cy="745283"/>
+            </a:xfrm>
+            <a:prstGeom prst="rect">
+              <a:avLst/>
+            </a:prstGeom>
+          </p:spPr>
+        </p:pic>
+        <p:sp>
+          <p:nvSpPr>
+            <p:cNvPr id="30" name="모서리가 둥근 직사각형 29"/>
+            <p:cNvSpPr/>
+            <p:nvPr/>
+          </p:nvSpPr>
+          <p:spPr>
+            <a:xfrm>
+              <a:off x="4636175" y="867866"/>
+              <a:ext cx="616932" cy="266988"/>
+            </a:xfrm>
+            <a:prstGeom prst="roundRect">
+              <a:avLst/>
+            </a:prstGeom>
+            <a:noFill/>
+            <a:ln>
+              <a:noFill/>
+            </a:ln>
+          </p:spPr>
+          <p:style>
+            <a:lnRef idx="2">
+              <a:schemeClr val="accent1">
+                <a:shade val="50000"/>
+              </a:schemeClr>
+            </a:lnRef>
+            <a:fillRef idx="1">
+              <a:schemeClr val="accent1"/>
+            </a:fillRef>
+            <a:effectRef idx="0">
+              <a:schemeClr val="accent1"/>
+            </a:effectRef>
+            <a:fontRef idx="minor">
+              <a:schemeClr val="lt1"/>
+            </a:fontRef>
+          </p:style>
+          <p:txBody>
+            <a:bodyPr rtlCol="0" anchor="ctr"/>
+            <a:lstStyle/>
+            <a:p>
+              <a:pPr algn="ctr"/>
+              <a:r>
+                <a:rPr lang="ko-KR" altLang="en-US" sz="850" dirty="0">
+                  <a:solidFill>
+                    <a:schemeClr val="bg1"/>
+                  </a:solidFill>
+                  <a:latin typeface="넥슨Lv1고딕" panose="00000500000000000000" pitchFamily="2" charset="-127"/>
+                  <a:ea typeface="넥슨Lv1고딕" panose="00000500000000000000" pitchFamily="2" charset="-127"/>
+                </a:rPr>
+                <a:t>칠판시간</a:t>
+              </a:r>
+            </a:p>
+          </p:txBody>
+        </p:sp>
+      </p:grpSp>
+      <p:pic>
+        <p:nvPicPr>
+          <p:cNvPr id="2" name="그림 1" descr="화면 캡처"/>
+          <p:cNvPicPr>
+            <a:picLocks noChangeAspect="1"/>
+          </p:cNvPicPr>
+          <p:nvPr/>
+        </p:nvPicPr>
+        <p:blipFill>
+          <a:blip r:embed="rId6">
+            <a:extLst>
+              <a:ext uri="{28A0092B-C50C-407E-A947-70E740481C1C}">
+                <a14:useLocalDpi xmlns:a14="http://schemas.microsoft.com/office/drawing/2010/main" val="0"/>
+              </a:ext>
+            </a:extLst>
+          </a:blip>
+          <a:stretch>
+            <a:fillRect/>
+          </a:stretch>
+        </p:blipFill>
+        <p:spPr>
+          <a:xfrm>
+            <a:off x="1503539" y="2733879"/>
+            <a:ext cx="6378520" cy="419449"/>
+          </a:xfrm>
+          <a:prstGeom prst="rect">
+            <a:avLst/>
+          </a:prstGeom>
+        </p:spPr>
+      </p:pic>
+      <p:sp>
+        <p:nvSpPr>
+          <p:cNvPr id="14" name="TextBox 13"/>
+          <p:cNvSpPr txBox="1"/>
+          <p:nvPr/>
+        </p:nvSpPr>
+        <p:spPr>
+          <a:xfrm>
+            <a:off x="1415846" y="3456471"/>
+            <a:ext cx="6844233" cy="600164"/>
+          </a:xfrm>
+          <a:prstGeom prst="rect">
+            <a:avLst/>
+          </a:prstGeom>
+          <a:noFill/>
+        </p:spPr>
+        <p:txBody>
+          <a:bodyPr wrap="square" rtlCol="0">
+            <a:spAutoFit/>
+          </a:bodyPr>
+          <a:lstStyle/>
+          <a:p>
+            <a:r>
+              <a:rPr lang="ko-KR" altLang="en-US" sz="1100" spc="-50" dirty="0">
+                <a:solidFill>
+                  <a:srgbClr val="FF0000"/>
+                </a:solidFill>
+                <a:latin typeface="넥슨Lv1고딕 Bold" panose="00000800000000000000" pitchFamily="2" charset="-127"/>
+                <a:ea typeface="넥슨Lv1고딕 Bold" panose="00000800000000000000" pitchFamily="2" charset="-127"/>
+              </a:rPr>
+              <a:t>서버에서 가져온 </a:t>
+            </a:r>
+            <a:r>
+              <a:rPr lang="en-US" altLang="ko-KR" sz="1100" spc="-50" dirty="0">
+                <a:solidFill>
+                  <a:srgbClr val="FF0000"/>
+                </a:solidFill>
+                <a:latin typeface="넥슨Lv1고딕 Bold" panose="00000800000000000000" pitchFamily="2" charset="-127"/>
+                <a:ea typeface="넥슨Lv1고딕 Bold" panose="00000800000000000000" pitchFamily="2" charset="-127"/>
+              </a:rPr>
+              <a:t>JSON </a:t>
+            </a:r>
+            <a:r>
+              <a:rPr lang="ko-KR" altLang="en-US" sz="1100" spc="-50">
+                <a:solidFill>
+                  <a:srgbClr val="FF0000"/>
+                </a:solidFill>
+                <a:latin typeface="넥슨Lv1고딕 Bold" panose="00000800000000000000" pitchFamily="2" charset="-127"/>
+                <a:ea typeface="넥슨Lv1고딕 Bold" panose="00000800000000000000" pitchFamily="2" charset="-127"/>
+              </a:rPr>
+              <a:t>형식 데이터를 자바스크립트에서 가공할 때</a:t>
+            </a:r>
+            <a:r>
+              <a:rPr lang="en-US" altLang="ko-KR" sz="1100" spc="-50" dirty="0">
+                <a:solidFill>
+                  <a:srgbClr val="FF0000"/>
+                </a:solidFill>
+                <a:latin typeface="넥슨Lv1고딕 Bold" panose="00000800000000000000" pitchFamily="2" charset="-127"/>
+                <a:ea typeface="넥슨Lv1고딕 Bold" panose="00000800000000000000" pitchFamily="2" charset="-127"/>
+              </a:rPr>
+              <a:t> </a:t>
+            </a:r>
+            <a:r>
+              <a:rPr lang="en-US" altLang="ko-KR" sz="1100" spc="-50" dirty="0" err="1">
+                <a:solidFill>
+                  <a:srgbClr val="FF0000"/>
+                </a:solidFill>
+                <a:latin typeface="넥슨Lv1고딕 Bold" panose="00000800000000000000" pitchFamily="2" charset="-127"/>
+                <a:ea typeface="넥슨Lv1고딕 Bold" panose="00000800000000000000" pitchFamily="2" charset="-127"/>
+              </a:rPr>
+              <a:t>JSON.parse</a:t>
+            </a:r>
+            <a:r>
+              <a:rPr lang="en-US" altLang="ko-KR" sz="1100" spc="-50" dirty="0">
+                <a:solidFill>
+                  <a:srgbClr val="FF0000"/>
+                </a:solidFill>
+                <a:latin typeface="넥슨Lv1고딕 Bold" panose="00000800000000000000" pitchFamily="2" charset="-127"/>
+                <a:ea typeface="넥슨Lv1고딕 Bold" panose="00000800000000000000" pitchFamily="2" charset="-127"/>
+              </a:rPr>
+              <a:t>()</a:t>
+            </a:r>
+            <a:r>
+              <a:rPr lang="en-US" altLang="ko-KR" sz="1100" spc="-50" dirty="0">
+                <a:latin typeface="넥슨Lv1고딕 Light" panose="00000300000000000000" pitchFamily="2" charset="-127"/>
+                <a:ea typeface="넥슨Lv1고딕 Light" panose="00000300000000000000" pitchFamily="2" charset="-127"/>
+              </a:rPr>
+              <a:t> </a:t>
+            </a:r>
+            <a:r>
+              <a:rPr lang="ko-KR" altLang="en-US" sz="1100" spc="-50">
+                <a:latin typeface="넥슨Lv1고딕 Light" panose="00000300000000000000" pitchFamily="2" charset="-127"/>
+                <a:ea typeface="넥슨Lv1고딕 Light" panose="00000300000000000000" pitchFamily="2" charset="-127"/>
+              </a:rPr>
+              <a:t>메서드를 사용하면 됩니다</a:t>
+            </a:r>
+            <a:r>
+              <a:rPr lang="en-US" altLang="ko-KR" sz="1100" spc="-50" dirty="0">
+                <a:latin typeface="넥슨Lv1고딕 Light" panose="00000300000000000000" pitchFamily="2" charset="-127"/>
+                <a:ea typeface="넥슨Lv1고딕 Light" panose="00000300000000000000" pitchFamily="2" charset="-127"/>
+              </a:rPr>
+              <a:t>.</a:t>
+            </a:r>
+            <a:br>
+              <a:rPr lang="en-US" altLang="ko-KR" sz="1100" spc="-50" dirty="0">
+                <a:latin typeface="넥슨Lv1고딕 Light" panose="00000300000000000000" pitchFamily="2" charset="-127"/>
+                <a:ea typeface="넥슨Lv1고딕 Light" panose="00000300000000000000" pitchFamily="2" charset="-127"/>
+              </a:rPr>
+            </a:br>
+            <a:endParaRPr lang="en-US" altLang="ko-KR" sz="1100" spc="-50" dirty="0">
+              <a:latin typeface="넥슨Lv1고딕 Light" panose="00000300000000000000" pitchFamily="2" charset="-127"/>
+              <a:ea typeface="넥슨Lv1고딕 Light" panose="00000300000000000000" pitchFamily="2" charset="-127"/>
+            </a:endParaRPr>
+          </a:p>
+          <a:p>
+            <a:r>
+              <a:rPr lang="en-US" altLang="ko-KR" sz="1100" spc="-50" dirty="0">
+                <a:latin typeface="넥슨Lv1고딕 Light" panose="00000300000000000000" pitchFamily="2" charset="-127"/>
+                <a:ea typeface="넥슨Lv1고딕 Light" panose="00000300000000000000" pitchFamily="2" charset="-127"/>
+              </a:rPr>
+              <a:t>[</a:t>
+            </a:r>
+            <a:r>
+              <a:rPr lang="ko-KR" altLang="en-US" sz="1100" spc="-50" dirty="0">
+                <a:latin typeface="넥슨Lv1고딕 Light" panose="00000300000000000000" pitchFamily="2" charset="-127"/>
+                <a:ea typeface="넥슨Lv1고딕 Light" panose="00000300000000000000" pitchFamily="2" charset="-127"/>
+              </a:rPr>
+              <a:t>예제</a:t>
+            </a:r>
+            <a:r>
+              <a:rPr lang="en-US" altLang="ko-KR" sz="1100" spc="-50" dirty="0">
+                <a:latin typeface="넥슨Lv1고딕 Light" panose="00000300000000000000" pitchFamily="2" charset="-127"/>
+                <a:ea typeface="넥슨Lv1고딕 Light" panose="00000300000000000000" pitchFamily="2" charset="-127"/>
+              </a:rPr>
+              <a:t>] </a:t>
+            </a:r>
+            <a:r>
+              <a:rPr lang="en-US" altLang="ko-KR" sz="1100" spc="-50" dirty="0">
+                <a:latin typeface="넥슨Lv1고딕 Light" panose="00000300000000000000" pitchFamily="2" charset="-127"/>
+                <a:ea typeface="넥슨Lv1고딕 Light" panose="00000300000000000000" pitchFamily="2" charset="-127"/>
+                <a:hlinkClick r:id="rId7"/>
+              </a:rPr>
+              <a:t>https://parrot-tutorial.com/run_code.php?snippet=js_json_parse</a:t>
+            </a:r>
+            <a:endParaRPr lang="en-US" altLang="ko-KR" sz="1100" spc="-50" dirty="0">
+              <a:latin typeface="넥슨Lv1고딕 Light" panose="00000300000000000000" pitchFamily="2" charset="-127"/>
+              <a:ea typeface="넥슨Lv1고딕 Light" panose="00000300000000000000" pitchFamily="2" charset="-127"/>
+            </a:endParaRPr>
+          </a:p>
+        </p:txBody>
+      </p:sp>
+    </p:spTree>
+    <p:extLst>
+      <p:ext uri="{BB962C8B-B14F-4D97-AF65-F5344CB8AC3E}">
+        <p14:creationId xmlns:p14="http://schemas.microsoft.com/office/powerpoint/2010/main" val="62522981"/>
+      </p:ext>
+    </p:extLst>
+  </p:cSld>
+  <p:clrMapOvr>
+    <a:masterClrMapping/>
+  </p:clrMapOvr>
+</p:sld>
+</file>
+
+<file path=ppt/slides/slide18.xml><?xml version="1.0" encoding="utf-8"?>
+<p:sld xmlns:a="http://schemas.openxmlformats.org/drawingml/2006/main" xmlns:r="http://schemas.openxmlformats.org/officeDocument/2006/relationships" xmlns:p="http://schemas.openxmlformats.org/presentationml/2006/main">
+  <p:cSld>
+    <p:spTree>
+      <p:nvGrpSpPr>
+        <p:cNvPr id="1" name=""/>
+        <p:cNvGrpSpPr/>
+        <p:nvPr/>
+      </p:nvGrpSpPr>
+      <p:grpSpPr>
+        <a:xfrm>
+          <a:off x="0" y="0"/>
+          <a:ext cx="0" cy="0"/>
+          <a:chOff x="0" y="0"/>
+          <a:chExt cx="0" cy="0"/>
+        </a:xfrm>
+      </p:grpSpPr>
+      <p:sp>
+        <p:nvSpPr>
+          <p:cNvPr id="7" name="모서리가 둥근 직사각형 6"/>
+          <p:cNvSpPr/>
+          <p:nvPr/>
+        </p:nvSpPr>
+        <p:spPr>
+          <a:xfrm>
+            <a:off x="1109817" y="1610380"/>
+            <a:ext cx="3872888" cy="350275"/>
+          </a:xfrm>
+          <a:prstGeom prst="roundRect">
+            <a:avLst/>
+          </a:prstGeom>
+          <a:solidFill>
+            <a:schemeClr val="bg1">
+              <a:lumMod val="95000"/>
+            </a:schemeClr>
+          </a:solidFill>
+          <a:ln>
+            <a:noFill/>
+          </a:ln>
+        </p:spPr>
+        <p:style>
+          <a:lnRef idx="2">
+            <a:schemeClr val="accent1">
+              <a:shade val="50000"/>
+            </a:schemeClr>
+          </a:lnRef>
+          <a:fillRef idx="1">
+            <a:schemeClr val="accent1"/>
+          </a:fillRef>
+          <a:effectRef idx="0">
+            <a:schemeClr val="accent1"/>
+          </a:effectRef>
+          <a:fontRef idx="minor">
+            <a:schemeClr val="lt1"/>
+          </a:fontRef>
+        </p:style>
+        <p:txBody>
+          <a:bodyPr lIns="360000" rtlCol="0" anchor="ctr"/>
+          <a:lstStyle/>
+          <a:p>
+            <a:r>
+              <a:rPr lang="en-US" altLang="ko-KR" sz="1200" spc="-50" dirty="0" err="1">
+                <a:solidFill>
+                  <a:schemeClr val="accent1">
+                    <a:lumMod val="50000"/>
+                  </a:schemeClr>
+                </a:solidFill>
+                <a:latin typeface="넥슨Lv1고딕 Bold" panose="00000800000000000000" pitchFamily="2" charset="-127"/>
+                <a:ea typeface="넥슨Lv1고딕 Bold" panose="00000800000000000000" pitchFamily="2" charset="-127"/>
+              </a:rPr>
+              <a:t>JSON.stringify</a:t>
+            </a:r>
+            <a:r>
+              <a:rPr lang="en-US" altLang="ko-KR" sz="1200" spc="-50" dirty="0">
+                <a:solidFill>
+                  <a:schemeClr val="accent1">
+                    <a:lumMod val="50000"/>
+                  </a:schemeClr>
+                </a:solidFill>
+                <a:latin typeface="넥슨Lv1고딕 Bold" panose="00000800000000000000" pitchFamily="2" charset="-127"/>
+                <a:ea typeface="넥슨Lv1고딕 Bold" panose="00000800000000000000" pitchFamily="2" charset="-127"/>
+              </a:rPr>
+              <a:t>()</a:t>
+            </a:r>
+            <a:r>
+              <a:rPr lang="ko-KR" altLang="en-US" sz="1200" spc="-50">
+                <a:solidFill>
+                  <a:schemeClr val="accent1">
+                    <a:lumMod val="50000"/>
+                  </a:schemeClr>
+                </a:solidFill>
+                <a:latin typeface="넥슨Lv1고딕 Bold" panose="00000800000000000000" pitchFamily="2" charset="-127"/>
+                <a:ea typeface="넥슨Lv1고딕 Bold" panose="00000800000000000000" pitchFamily="2" charset="-127"/>
+              </a:rPr>
+              <a:t>란</a:t>
+            </a:r>
+            <a:r>
+              <a:rPr lang="en-US" altLang="ko-KR" sz="1200" spc="-50" dirty="0">
+                <a:solidFill>
+                  <a:schemeClr val="accent1">
+                    <a:lumMod val="50000"/>
+                  </a:schemeClr>
+                </a:solidFill>
+                <a:latin typeface="넥슨Lv1고딕 Bold" panose="00000800000000000000" pitchFamily="2" charset="-127"/>
+                <a:ea typeface="넥슨Lv1고딕 Bold" panose="00000800000000000000" pitchFamily="2" charset="-127"/>
+              </a:rPr>
+              <a:t>?</a:t>
+            </a:r>
+            <a:endParaRPr lang="ko-KR" altLang="en-US" sz="1200" spc="-50" dirty="0">
+              <a:solidFill>
+                <a:schemeClr val="accent1">
+                  <a:lumMod val="50000"/>
+                </a:schemeClr>
+              </a:solidFill>
+              <a:latin typeface="넥슨Lv1고딕 Bold" panose="00000800000000000000" pitchFamily="2" charset="-127"/>
+              <a:ea typeface="넥슨Lv1고딕 Bold" panose="00000800000000000000" pitchFamily="2" charset="-127"/>
+            </a:endParaRPr>
+          </a:p>
+        </p:txBody>
+      </p:sp>
+      <p:cxnSp>
+        <p:nvCxnSpPr>
+          <p:cNvPr id="13" name="직선 연결선 12"/>
+          <p:cNvCxnSpPr/>
+          <p:nvPr/>
+        </p:nvCxnSpPr>
+        <p:spPr>
+          <a:xfrm>
+            <a:off x="689488" y="1238865"/>
+            <a:ext cx="7647038" cy="0"/>
+          </a:xfrm>
+          <a:prstGeom prst="line">
+            <a:avLst/>
+          </a:prstGeom>
+          <a:ln>
+            <a:solidFill>
+              <a:schemeClr val="bg1">
+                <a:lumMod val="85000"/>
+              </a:schemeClr>
+            </a:solidFill>
+          </a:ln>
+        </p:spPr>
+        <p:style>
+          <a:lnRef idx="1">
+            <a:schemeClr val="accent1"/>
+          </a:lnRef>
+          <a:fillRef idx="0">
+            <a:schemeClr val="accent1"/>
+          </a:fillRef>
+          <a:effectRef idx="0">
+            <a:schemeClr val="accent1"/>
+          </a:effectRef>
+          <a:fontRef idx="minor">
+            <a:schemeClr val="tx1"/>
+          </a:fontRef>
+        </p:style>
+      </p:cxnSp>
+      <p:sp>
+        <p:nvSpPr>
+          <p:cNvPr id="3" name="슬라이드 번호 개체 틀 2"/>
+          <p:cNvSpPr>
+            <a:spLocks noGrp="1"/>
+          </p:cNvSpPr>
+          <p:nvPr>
+            <p:ph type="sldNum" sz="quarter" idx="12"/>
+          </p:nvPr>
+        </p:nvSpPr>
+        <p:spPr/>
+        <p:txBody>
+          <a:bodyPr/>
+          <a:lstStyle/>
+          <a:p>
+            <a:fld id="{8D0AD3C7-B26A-41BF-81F8-CAF4A9564849}" type="slidenum">
+              <a:rPr lang="ko-KR" altLang="en-US" smtClean="0"/>
+              <a:pPr/>
+              <a:t>17</a:t>
+            </a:fld>
+            <a:endParaRPr lang="ko-KR" altLang="en-US" dirty="0"/>
+          </a:p>
+        </p:txBody>
+      </p:sp>
+      <p:sp>
+        <p:nvSpPr>
+          <p:cNvPr id="4" name="제목 3"/>
+          <p:cNvSpPr>
+            <a:spLocks noGrp="1"/>
+          </p:cNvSpPr>
+          <p:nvPr>
+            <p:ph type="title"/>
+          </p:nvPr>
+        </p:nvSpPr>
+        <p:spPr>
+          <a:xfrm>
+            <a:off x="628650" y="551713"/>
+            <a:ext cx="7886700" cy="721790"/>
+          </a:xfrm>
+        </p:spPr>
+        <p:txBody>
+          <a:bodyPr>
+            <a:normAutofit/>
+          </a:bodyPr>
+          <a:lstStyle/>
+          <a:p>
+            <a:pPr>
+              <a:lnSpc>
+                <a:spcPct val="110000"/>
+              </a:lnSpc>
+            </a:pPr>
+            <a:r>
+              <a:rPr lang="ko-KR" altLang="en-US" sz="1000" dirty="0">
+                <a:latin typeface="넥슨Lv1고딕 Light" panose="00000300000000000000" pitchFamily="2" charset="-127"/>
+                <a:ea typeface="넥슨Lv1고딕 Light" panose="00000300000000000000" pitchFamily="2" charset="-127"/>
+              </a:rPr>
+              <a:t>알면 좋을 자바스크립트</a:t>
+            </a:r>
+            <a:br>
+              <a:rPr lang="en-US" altLang="ko-KR" sz="1800" dirty="0">
+                <a:latin typeface="넥슨Lv1고딕 Bold" panose="00000800000000000000" pitchFamily="2" charset="-127"/>
+                <a:ea typeface="넥슨Lv1고딕 Bold" panose="00000800000000000000" pitchFamily="2" charset="-127"/>
+              </a:rPr>
+            </a:br>
+            <a:r>
+              <a:rPr lang="ko-KR" altLang="en-US" sz="1800">
+                <a:latin typeface="넥슨Lv1고딕 Bold" panose="00000800000000000000" pitchFamily="2" charset="-127"/>
+                <a:ea typeface="넥슨Lv1고딕 Bold" panose="00000800000000000000" pitchFamily="2" charset="-127"/>
+              </a:rPr>
+              <a:t>서버로 </a:t>
+            </a:r>
+            <a:r>
+              <a:rPr lang="en-US" altLang="ko-KR" sz="1800" dirty="0">
+                <a:latin typeface="넥슨Lv1고딕 Bold" panose="00000800000000000000" pitchFamily="2" charset="-127"/>
+                <a:ea typeface="넥슨Lv1고딕 Bold" panose="00000800000000000000" pitchFamily="2" charset="-127"/>
+              </a:rPr>
+              <a:t>JSON </a:t>
+            </a:r>
+            <a:r>
+              <a:rPr lang="ko-KR" altLang="en-US" sz="1800">
+                <a:latin typeface="넥슨Lv1고딕 Bold" panose="00000800000000000000" pitchFamily="2" charset="-127"/>
+                <a:ea typeface="넥슨Lv1고딕 Bold" panose="00000800000000000000" pitchFamily="2" charset="-127"/>
+              </a:rPr>
+              <a:t>데이터를 보낼 때</a:t>
+            </a:r>
+            <a:r>
+              <a:rPr lang="en-US" altLang="ko-KR" sz="1800" dirty="0">
+                <a:latin typeface="넥슨Lv1고딕 Bold" panose="00000800000000000000" pitchFamily="2" charset="-127"/>
+                <a:ea typeface="넥슨Lv1고딕 Bold" panose="00000800000000000000" pitchFamily="2" charset="-127"/>
+              </a:rPr>
+              <a:t>_</a:t>
+            </a:r>
+            <a:r>
+              <a:rPr lang="en-US" altLang="ko-KR" sz="1800" dirty="0" err="1">
+                <a:latin typeface="넥슨Lv1고딕 Bold" panose="00000800000000000000" pitchFamily="2" charset="-127"/>
+                <a:ea typeface="넥슨Lv1고딕 Bold" panose="00000800000000000000" pitchFamily="2" charset="-127"/>
+              </a:rPr>
+              <a:t>JSON.stringify</a:t>
+            </a:r>
+            <a:r>
+              <a:rPr lang="en-US" altLang="ko-KR" sz="1800" dirty="0">
+                <a:latin typeface="넥슨Lv1고딕 Bold" panose="00000800000000000000" pitchFamily="2" charset="-127"/>
+                <a:ea typeface="넥슨Lv1고딕 Bold" panose="00000800000000000000" pitchFamily="2" charset="-127"/>
+              </a:rPr>
+              <a:t>()</a:t>
+            </a:r>
+            <a:endParaRPr lang="ko-KR" altLang="en-US" sz="2200" dirty="0">
+              <a:latin typeface="넥슨Lv1고딕 Bold" panose="00000800000000000000" pitchFamily="2" charset="-127"/>
+              <a:ea typeface="넥슨Lv1고딕 Bold" panose="00000800000000000000" pitchFamily="2" charset="-127"/>
+            </a:endParaRPr>
+          </a:p>
+        </p:txBody>
+      </p:sp>
+      <p:grpSp>
+        <p:nvGrpSpPr>
+          <p:cNvPr id="22" name="그룹 21"/>
+          <p:cNvGrpSpPr/>
+          <p:nvPr/>
+        </p:nvGrpSpPr>
+        <p:grpSpPr>
+          <a:xfrm>
+            <a:off x="628650" y="1335845"/>
+            <a:ext cx="745283" cy="745283"/>
+            <a:chOff x="4572000" y="617679"/>
+            <a:chExt cx="745283" cy="745283"/>
+          </a:xfrm>
+        </p:grpSpPr>
+        <p:pic>
+          <p:nvPicPr>
+            <p:cNvPr id="23" name="그림 22"/>
+            <p:cNvPicPr>
+              <a:picLocks noChangeAspect="1"/>
+            </p:cNvPicPr>
+            <p:nvPr/>
+          </p:nvPicPr>
+          <p:blipFill>
+            <a:blip r:embed="rId3" cstate="print">
+              <a:extLst>
+                <a:ext uri="{28A0092B-C50C-407E-A947-70E740481C1C}">
+                  <a14:useLocalDpi xmlns:a14="http://schemas.microsoft.com/office/drawing/2010/main" val="0"/>
+                </a:ext>
+              </a:extLst>
+            </a:blip>
+            <a:stretch>
+              <a:fillRect/>
+            </a:stretch>
+          </p:blipFill>
+          <p:spPr>
+            <a:xfrm>
+              <a:off x="4572000" y="617679"/>
+              <a:ext cx="745283" cy="745283"/>
+            </a:xfrm>
+            <a:prstGeom prst="rect">
+              <a:avLst/>
+            </a:prstGeom>
+          </p:spPr>
+        </p:pic>
+        <p:sp>
+          <p:nvSpPr>
+            <p:cNvPr id="30" name="모서리가 둥근 직사각형 29"/>
+            <p:cNvSpPr/>
+            <p:nvPr/>
+          </p:nvSpPr>
+          <p:spPr>
+            <a:xfrm>
+              <a:off x="4636175" y="867866"/>
+              <a:ext cx="616932" cy="266988"/>
+            </a:xfrm>
+            <a:prstGeom prst="roundRect">
+              <a:avLst/>
+            </a:prstGeom>
+            <a:noFill/>
+            <a:ln>
+              <a:noFill/>
+            </a:ln>
+          </p:spPr>
+          <p:style>
+            <a:lnRef idx="2">
+              <a:schemeClr val="accent1">
+                <a:shade val="50000"/>
+              </a:schemeClr>
+            </a:lnRef>
+            <a:fillRef idx="1">
+              <a:schemeClr val="accent1"/>
+            </a:fillRef>
+            <a:effectRef idx="0">
+              <a:schemeClr val="accent1"/>
+            </a:effectRef>
+            <a:fontRef idx="minor">
+              <a:schemeClr val="lt1"/>
+            </a:fontRef>
+          </p:style>
+          <p:txBody>
+            <a:bodyPr rtlCol="0" anchor="ctr"/>
+            <a:lstStyle/>
+            <a:p>
+              <a:pPr algn="ctr"/>
+              <a:r>
+                <a:rPr lang="ko-KR" altLang="en-US" sz="850" dirty="0">
+                  <a:solidFill>
+                    <a:schemeClr val="bg1"/>
+                  </a:solidFill>
+                  <a:latin typeface="넥슨Lv1고딕" panose="00000500000000000000" pitchFamily="2" charset="-127"/>
+                  <a:ea typeface="넥슨Lv1고딕" panose="00000500000000000000" pitchFamily="2" charset="-127"/>
+                </a:rPr>
+                <a:t>칠판시간</a:t>
+              </a:r>
+            </a:p>
+          </p:txBody>
+        </p:sp>
+      </p:grpSp>
+      <p:sp>
+        <p:nvSpPr>
+          <p:cNvPr id="11" name="TextBox 10"/>
+          <p:cNvSpPr txBox="1"/>
+          <p:nvPr/>
+        </p:nvSpPr>
+        <p:spPr>
+          <a:xfrm>
+            <a:off x="1415846" y="2061361"/>
+            <a:ext cx="6844233" cy="769441"/>
+          </a:xfrm>
+          <a:prstGeom prst="rect">
+            <a:avLst/>
+          </a:prstGeom>
+          <a:noFill/>
+        </p:spPr>
+        <p:txBody>
+          <a:bodyPr wrap="square" rtlCol="0">
+            <a:spAutoFit/>
+          </a:bodyPr>
+          <a:lstStyle/>
+          <a:p>
+            <a:r>
+              <a:rPr lang="en-US" altLang="ko-KR" sz="1100" spc="-50" dirty="0" err="1">
+                <a:solidFill>
+                  <a:srgbClr val="FF0000"/>
+                </a:solidFill>
+                <a:latin typeface="넥슨Lv1고딕 Bold" panose="00000800000000000000" pitchFamily="2" charset="-127"/>
+                <a:ea typeface="넥슨Lv1고딕 Bold" panose="00000800000000000000" pitchFamily="2" charset="-127"/>
+              </a:rPr>
+              <a:t>JSON.stringify</a:t>
+            </a:r>
+            <a:r>
+              <a:rPr lang="en-US" altLang="ko-KR" sz="1100" spc="-50" dirty="0">
+                <a:solidFill>
+                  <a:srgbClr val="FF0000"/>
+                </a:solidFill>
+                <a:latin typeface="넥슨Lv1고딕 Bold" panose="00000800000000000000" pitchFamily="2" charset="-127"/>
+                <a:ea typeface="넥슨Lv1고딕 Bold" panose="00000800000000000000" pitchFamily="2" charset="-127"/>
+              </a:rPr>
+              <a:t>()</a:t>
+            </a:r>
+            <a:r>
+              <a:rPr lang="ko-KR" altLang="en-US" sz="1100" spc="-50">
+                <a:solidFill>
+                  <a:srgbClr val="FF0000"/>
+                </a:solidFill>
+                <a:latin typeface="넥슨Lv1고딕 Bold" panose="00000800000000000000" pitchFamily="2" charset="-127"/>
+                <a:ea typeface="넥슨Lv1고딕 Bold" panose="00000800000000000000" pitchFamily="2" charset="-127"/>
+              </a:rPr>
+              <a:t>는 자바스크립트 객체 또는 배열을 문자열</a:t>
+            </a:r>
+            <a:r>
+              <a:rPr lang="en-US" altLang="ko-KR" sz="1100" spc="-50" dirty="0">
+                <a:solidFill>
+                  <a:srgbClr val="FF0000"/>
+                </a:solidFill>
+                <a:latin typeface="넥슨Lv1고딕 Bold" panose="00000800000000000000" pitchFamily="2" charset="-127"/>
+                <a:ea typeface="넥슨Lv1고딕 Bold" panose="00000800000000000000" pitchFamily="2" charset="-127"/>
+              </a:rPr>
+              <a:t>(string)</a:t>
+            </a:r>
+            <a:r>
+              <a:rPr lang="ko-KR" altLang="en-US" sz="1100" spc="-50">
+                <a:solidFill>
+                  <a:srgbClr val="FF0000"/>
+                </a:solidFill>
+                <a:latin typeface="넥슨Lv1고딕 Bold" panose="00000800000000000000" pitchFamily="2" charset="-127"/>
+                <a:ea typeface="넥슨Lv1고딕 Bold" panose="00000800000000000000" pitchFamily="2" charset="-127"/>
+              </a:rPr>
+              <a:t>인 </a:t>
+            </a:r>
+            <a:r>
+              <a:rPr lang="en-US" altLang="ko-KR" sz="1100" spc="-50" dirty="0">
+                <a:solidFill>
+                  <a:srgbClr val="FF0000"/>
+                </a:solidFill>
+                <a:latin typeface="넥슨Lv1고딕 Bold" panose="00000800000000000000" pitchFamily="2" charset="-127"/>
+                <a:ea typeface="넥슨Lv1고딕 Bold" panose="00000800000000000000" pitchFamily="2" charset="-127"/>
+              </a:rPr>
+              <a:t>JSON </a:t>
+            </a:r>
+            <a:r>
+              <a:rPr lang="ko-KR" altLang="en-US" sz="1100" spc="-50">
+                <a:solidFill>
+                  <a:srgbClr val="FF0000"/>
+                </a:solidFill>
+                <a:latin typeface="넥슨Lv1고딕 Bold" panose="00000800000000000000" pitchFamily="2" charset="-127"/>
+                <a:ea typeface="넥슨Lv1고딕 Bold" panose="00000800000000000000" pitchFamily="2" charset="-127"/>
+              </a:rPr>
+              <a:t>형식</a:t>
+            </a:r>
+            <a:r>
+              <a:rPr lang="en-US" altLang="ko-KR" sz="1100" spc="-50" dirty="0">
+                <a:solidFill>
+                  <a:srgbClr val="FF0000"/>
+                </a:solidFill>
+                <a:latin typeface="넥슨Lv1고딕 Bold" panose="00000800000000000000" pitchFamily="2" charset="-127"/>
+                <a:ea typeface="넥슨Lv1고딕 Bold" panose="00000800000000000000" pitchFamily="2" charset="-127"/>
+              </a:rPr>
+              <a:t> </a:t>
+            </a:r>
+            <a:r>
+              <a:rPr lang="ko-KR" altLang="en-US" sz="1100" spc="-50">
+                <a:solidFill>
+                  <a:srgbClr val="FF0000"/>
+                </a:solidFill>
+                <a:latin typeface="넥슨Lv1고딕 Bold" panose="00000800000000000000" pitchFamily="2" charset="-127"/>
+                <a:ea typeface="넥슨Lv1고딕 Bold" panose="00000800000000000000" pitchFamily="2" charset="-127"/>
+              </a:rPr>
+              <a:t>데이터로 변환</a:t>
+            </a:r>
+            <a:r>
+              <a:rPr lang="ko-KR" altLang="en-US" sz="1100" spc="-50">
+                <a:latin typeface="넥슨Lv1고딕 Light" panose="00000300000000000000" pitchFamily="2" charset="-127"/>
+                <a:ea typeface="넥슨Lv1고딕 Light" panose="00000300000000000000" pitchFamily="2" charset="-127"/>
+              </a:rPr>
+              <a:t>하는 메서드입니다</a:t>
+            </a:r>
+            <a:r>
+              <a:rPr lang="en-US" altLang="ko-KR" sz="1100" spc="-50" dirty="0">
+                <a:latin typeface="넥슨Lv1고딕 Light" panose="00000300000000000000" pitchFamily="2" charset="-127"/>
+                <a:ea typeface="넥슨Lv1고딕 Light" panose="00000300000000000000" pitchFamily="2" charset="-127"/>
+              </a:rPr>
+              <a:t>.</a:t>
+            </a:r>
+          </a:p>
+          <a:p>
+            <a:r>
+              <a:rPr lang="en-US" altLang="ko-KR" sz="1100" spc="-50" dirty="0" err="1">
+                <a:latin typeface="넥슨Lv1고딕 Light" panose="00000300000000000000" pitchFamily="2" charset="-127"/>
+                <a:ea typeface="넥슨Lv1고딕 Light" panose="00000300000000000000" pitchFamily="2" charset="-127"/>
+              </a:rPr>
+              <a:t>JSON.parse</a:t>
+            </a:r>
+            <a:r>
+              <a:rPr lang="en-US" altLang="ko-KR" sz="1100" spc="-50" dirty="0">
+                <a:latin typeface="넥슨Lv1고딕 Light" panose="00000300000000000000" pitchFamily="2" charset="-127"/>
+                <a:ea typeface="넥슨Lv1고딕 Light" panose="00000300000000000000" pitchFamily="2" charset="-127"/>
+              </a:rPr>
+              <a:t>()</a:t>
+            </a:r>
+            <a:r>
+              <a:rPr lang="ko-KR" altLang="en-US" sz="1100" spc="-50">
+                <a:latin typeface="넥슨Lv1고딕 Light" panose="00000300000000000000" pitchFamily="2" charset="-127"/>
+                <a:ea typeface="넥슨Lv1고딕 Light" panose="00000300000000000000" pitchFamily="2" charset="-127"/>
+              </a:rPr>
+              <a:t>와 반대 기능 메서드입니다</a:t>
+            </a:r>
+            <a:r>
+              <a:rPr lang="en-US" altLang="ko-KR" sz="1100" spc="-50" dirty="0">
+                <a:latin typeface="넥슨Lv1고딕 Light" panose="00000300000000000000" pitchFamily="2" charset="-127"/>
+                <a:ea typeface="넥슨Lv1고딕 Light" panose="00000300000000000000" pitchFamily="2" charset="-127"/>
+              </a:rPr>
+              <a:t>.</a:t>
+            </a:r>
+            <a:br>
+              <a:rPr lang="en-US" altLang="ko-KR" sz="1100" spc="-50" dirty="0">
+                <a:latin typeface="넥슨Lv1고딕 Light" panose="00000300000000000000" pitchFamily="2" charset="-127"/>
+                <a:ea typeface="넥슨Lv1고딕 Light" panose="00000300000000000000" pitchFamily="2" charset="-127"/>
+              </a:rPr>
+            </a:br>
+            <a:endParaRPr lang="en-US" altLang="ko-KR" sz="1100" spc="-50" dirty="0">
+              <a:latin typeface="넥슨Lv1고딕 Light" panose="00000300000000000000" pitchFamily="2" charset="-127"/>
+              <a:ea typeface="넥슨Lv1고딕 Light" panose="00000300000000000000" pitchFamily="2" charset="-127"/>
+            </a:endParaRPr>
+          </a:p>
+          <a:p>
+            <a:r>
+              <a:rPr lang="en-US" altLang="ko-KR" sz="1100" spc="-50" dirty="0">
+                <a:latin typeface="넥슨Lv1고딕 Light" panose="00000300000000000000" pitchFamily="2" charset="-127"/>
+                <a:ea typeface="넥슨Lv1고딕 Light" panose="00000300000000000000" pitchFamily="2" charset="-127"/>
+              </a:rPr>
+              <a:t>[</a:t>
+            </a:r>
+            <a:r>
+              <a:rPr lang="ko-KR" altLang="en-US" sz="1100" spc="-50" dirty="0">
+                <a:latin typeface="넥슨Lv1고딕 Light" panose="00000300000000000000" pitchFamily="2" charset="-127"/>
+                <a:ea typeface="넥슨Lv1고딕 Light" panose="00000300000000000000" pitchFamily="2" charset="-127"/>
+              </a:rPr>
+              <a:t>예제</a:t>
+            </a:r>
+            <a:r>
+              <a:rPr lang="en-US" altLang="ko-KR" sz="1100" spc="-50" dirty="0">
+                <a:latin typeface="넥슨Lv1고딕 Light" panose="00000300000000000000" pitchFamily="2" charset="-127"/>
+                <a:ea typeface="넥슨Lv1고딕 Light" panose="00000300000000000000" pitchFamily="2" charset="-127"/>
+              </a:rPr>
+              <a:t>] </a:t>
+            </a:r>
+            <a:r>
+              <a:rPr lang="en-US" altLang="ko-KR" sz="1100" spc="-50" dirty="0">
+                <a:latin typeface="넥슨Lv1고딕 Light" panose="00000300000000000000" pitchFamily="2" charset="-127"/>
+                <a:ea typeface="넥슨Lv1고딕 Light" panose="00000300000000000000" pitchFamily="2" charset="-127"/>
+                <a:hlinkClick r:id="rId4"/>
+              </a:rPr>
+              <a:t>https://parrot-tutorial.com/run_code.php?snippet=js_json_stringify</a:t>
+            </a:r>
+            <a:endParaRPr lang="en-US" altLang="ko-KR" sz="1100" spc="-50" dirty="0">
+              <a:latin typeface="넥슨Lv1고딕 Light" panose="00000300000000000000" pitchFamily="2" charset="-127"/>
+              <a:ea typeface="넥슨Lv1고딕 Light" panose="00000300000000000000" pitchFamily="2" charset="-127"/>
+            </a:endParaRPr>
+          </a:p>
+        </p:txBody>
+      </p:sp>
+      <p:pic>
+        <p:nvPicPr>
+          <p:cNvPr id="2" name="그림 1" descr="화면 캡처"/>
+          <p:cNvPicPr>
+            <a:picLocks noChangeAspect="1"/>
+          </p:cNvPicPr>
+          <p:nvPr/>
+        </p:nvPicPr>
+        <p:blipFill>
+          <a:blip r:embed="rId5">
+            <a:extLst>
+              <a:ext uri="{28A0092B-C50C-407E-A947-70E740481C1C}">
+                <a14:useLocalDpi xmlns:a14="http://schemas.microsoft.com/office/drawing/2010/main" val="0"/>
+              </a:ext>
+            </a:extLst>
+          </a:blip>
+          <a:stretch>
+            <a:fillRect/>
+          </a:stretch>
+        </p:blipFill>
+        <p:spPr>
+          <a:xfrm>
+            <a:off x="1503540" y="2905256"/>
+            <a:ext cx="6378519" cy="945233"/>
+          </a:xfrm>
+          <a:prstGeom prst="rect">
+            <a:avLst/>
+          </a:prstGeom>
+        </p:spPr>
+      </p:pic>
+    </p:spTree>
+    <p:extLst>
+      <p:ext uri="{BB962C8B-B14F-4D97-AF65-F5344CB8AC3E}">
+        <p14:creationId xmlns:p14="http://schemas.microsoft.com/office/powerpoint/2010/main" val="1547714273"/>
+      </p:ext>
+    </p:extLst>
+  </p:cSld>
+  <p:clrMapOvr>
+    <a:masterClrMapping/>
+  </p:clrMapOvr>
+</p:sld>
+</file>
+
+<file path=ppt/slides/slide19.xml><?xml version="1.0" encoding="utf-8"?>
+<p:sld xmlns:a="http://schemas.openxmlformats.org/drawingml/2006/main" xmlns:r="http://schemas.openxmlformats.org/officeDocument/2006/relationships" xmlns:p="http://schemas.openxmlformats.org/presentationml/2006/main">
+  <p:cSld>
+    <p:spTree>
+      <p:nvGrpSpPr>
+        <p:cNvPr id="1" name=""/>
+        <p:cNvGrpSpPr/>
+        <p:nvPr/>
+      </p:nvGrpSpPr>
+      <p:grpSpPr>
+        <a:xfrm>
+          <a:off x="0" y="0"/>
+          <a:ext cx="0" cy="0"/>
+          <a:chOff x="0" y="0"/>
+          <a:chExt cx="0" cy="0"/>
+        </a:xfrm>
+      </p:grpSpPr>
+      <p:sp>
+        <p:nvSpPr>
+          <p:cNvPr id="7" name="모서리가 둥근 직사각형 6"/>
+          <p:cNvSpPr/>
+          <p:nvPr/>
+        </p:nvSpPr>
+        <p:spPr>
+          <a:xfrm>
+            <a:off x="1109817" y="1610380"/>
+            <a:ext cx="3872888" cy="350275"/>
+          </a:xfrm>
+          <a:prstGeom prst="roundRect">
+            <a:avLst/>
+          </a:prstGeom>
+          <a:solidFill>
+            <a:schemeClr val="bg1">
+              <a:lumMod val="95000"/>
+            </a:schemeClr>
+          </a:solidFill>
+          <a:ln>
+            <a:noFill/>
+          </a:ln>
+        </p:spPr>
+        <p:style>
+          <a:lnRef idx="2">
+            <a:schemeClr val="accent1">
+              <a:shade val="50000"/>
+            </a:schemeClr>
+          </a:lnRef>
+          <a:fillRef idx="1">
+            <a:schemeClr val="accent1"/>
+          </a:fillRef>
+          <a:effectRef idx="0">
+            <a:schemeClr val="accent1"/>
+          </a:effectRef>
+          <a:fontRef idx="minor">
+            <a:schemeClr val="lt1"/>
+          </a:fontRef>
+        </p:style>
+        <p:txBody>
+          <a:bodyPr lIns="360000" rtlCol="0" anchor="ctr"/>
+          <a:lstStyle/>
+          <a:p>
+            <a:r>
+              <a:rPr lang="en-US" altLang="ko-KR" sz="1200" spc="-50" dirty="0">
+                <a:solidFill>
+                  <a:schemeClr val="accent1">
+                    <a:lumMod val="50000"/>
+                  </a:schemeClr>
+                </a:solidFill>
+                <a:latin typeface="넥슨Lv1고딕 Bold" panose="00000800000000000000" pitchFamily="2" charset="-127"/>
+                <a:ea typeface="넥슨Lv1고딕 Bold" panose="00000800000000000000" pitchFamily="2" charset="-127"/>
+              </a:rPr>
+              <a:t>Local Storage</a:t>
+            </a:r>
+            <a:r>
+              <a:rPr lang="ko-KR" altLang="en-US" sz="1200" spc="-50">
+                <a:solidFill>
+                  <a:schemeClr val="accent1">
+                    <a:lumMod val="50000"/>
+                  </a:schemeClr>
+                </a:solidFill>
+                <a:latin typeface="넥슨Lv1고딕 Bold" panose="00000800000000000000" pitchFamily="2" charset="-127"/>
+                <a:ea typeface="넥슨Lv1고딕 Bold" panose="00000800000000000000" pitchFamily="2" charset="-127"/>
+              </a:rPr>
+              <a:t>란</a:t>
+            </a:r>
+            <a:r>
+              <a:rPr lang="en-US" altLang="ko-KR" sz="1200" spc="-50" dirty="0">
+                <a:solidFill>
+                  <a:schemeClr val="accent1">
+                    <a:lumMod val="50000"/>
+                  </a:schemeClr>
+                </a:solidFill>
+                <a:latin typeface="넥슨Lv1고딕 Bold" panose="00000800000000000000" pitchFamily="2" charset="-127"/>
+                <a:ea typeface="넥슨Lv1고딕 Bold" panose="00000800000000000000" pitchFamily="2" charset="-127"/>
+              </a:rPr>
+              <a:t>?</a:t>
+            </a:r>
+            <a:endParaRPr lang="ko-KR" altLang="en-US" sz="1200" spc="-50" dirty="0">
+              <a:solidFill>
+                <a:schemeClr val="accent1">
+                  <a:lumMod val="50000"/>
+                </a:schemeClr>
+              </a:solidFill>
+              <a:latin typeface="넥슨Lv1고딕 Bold" panose="00000800000000000000" pitchFamily="2" charset="-127"/>
+              <a:ea typeface="넥슨Lv1고딕 Bold" panose="00000800000000000000" pitchFamily="2" charset="-127"/>
+            </a:endParaRPr>
+          </a:p>
+        </p:txBody>
+      </p:sp>
+      <p:cxnSp>
+        <p:nvCxnSpPr>
+          <p:cNvPr id="13" name="직선 연결선 12"/>
+          <p:cNvCxnSpPr/>
+          <p:nvPr/>
+        </p:nvCxnSpPr>
+        <p:spPr>
+          <a:xfrm>
+            <a:off x="689488" y="1238865"/>
+            <a:ext cx="7647038" cy="0"/>
+          </a:xfrm>
+          <a:prstGeom prst="line">
+            <a:avLst/>
+          </a:prstGeom>
+          <a:ln>
+            <a:solidFill>
+              <a:schemeClr val="bg1">
+                <a:lumMod val="85000"/>
+              </a:schemeClr>
+            </a:solidFill>
+          </a:ln>
+        </p:spPr>
+        <p:style>
+          <a:lnRef idx="1">
+            <a:schemeClr val="accent1"/>
+          </a:lnRef>
+          <a:fillRef idx="0">
+            <a:schemeClr val="accent1"/>
+          </a:fillRef>
+          <a:effectRef idx="0">
+            <a:schemeClr val="accent1"/>
+          </a:effectRef>
+          <a:fontRef idx="minor">
+            <a:schemeClr val="tx1"/>
+          </a:fontRef>
+        </p:style>
+      </p:cxnSp>
+      <p:sp>
+        <p:nvSpPr>
+          <p:cNvPr id="3" name="슬라이드 번호 개체 틀 2"/>
+          <p:cNvSpPr>
+            <a:spLocks noGrp="1"/>
+          </p:cNvSpPr>
+          <p:nvPr>
+            <p:ph type="sldNum" sz="quarter" idx="12"/>
+          </p:nvPr>
+        </p:nvSpPr>
+        <p:spPr/>
+        <p:txBody>
+          <a:bodyPr/>
+          <a:lstStyle/>
+          <a:p>
+            <a:fld id="{8D0AD3C7-B26A-41BF-81F8-CAF4A9564849}" type="slidenum">
+              <a:rPr lang="ko-KR" altLang="en-US" smtClean="0"/>
+              <a:pPr/>
+              <a:t>18</a:t>
+            </a:fld>
+            <a:endParaRPr lang="ko-KR" altLang="en-US" dirty="0"/>
+          </a:p>
+        </p:txBody>
+      </p:sp>
+      <p:sp>
+        <p:nvSpPr>
+          <p:cNvPr id="4" name="제목 3"/>
+          <p:cNvSpPr>
+            <a:spLocks noGrp="1"/>
+          </p:cNvSpPr>
+          <p:nvPr>
+            <p:ph type="title"/>
+          </p:nvPr>
+        </p:nvSpPr>
+        <p:spPr>
+          <a:xfrm>
+            <a:off x="628650" y="551713"/>
+            <a:ext cx="7886700" cy="721790"/>
+          </a:xfrm>
+        </p:spPr>
+        <p:txBody>
+          <a:bodyPr>
+            <a:normAutofit/>
+          </a:bodyPr>
+          <a:lstStyle/>
+          <a:p>
+            <a:pPr>
+              <a:lnSpc>
+                <a:spcPct val="110000"/>
+              </a:lnSpc>
+            </a:pPr>
+            <a:r>
+              <a:rPr lang="ko-KR" altLang="en-US" sz="1000" dirty="0">
+                <a:latin typeface="넥슨Lv1고딕 Light" panose="00000300000000000000" pitchFamily="2" charset="-127"/>
+                <a:ea typeface="넥슨Lv1고딕 Light" panose="00000300000000000000" pitchFamily="2" charset="-127"/>
+              </a:rPr>
+              <a:t>알면 좋을 자바스크립트</a:t>
+            </a:r>
+            <a:br>
+              <a:rPr lang="en-US" altLang="ko-KR" sz="1800" dirty="0">
+                <a:latin typeface="넥슨Lv1고딕 Bold" panose="00000800000000000000" pitchFamily="2" charset="-127"/>
+                <a:ea typeface="넥슨Lv1고딕 Bold" panose="00000800000000000000" pitchFamily="2" charset="-127"/>
+              </a:rPr>
+            </a:br>
+            <a:r>
+              <a:rPr lang="en-US" altLang="ko-KR" sz="1800" dirty="0">
+                <a:latin typeface="넥슨Lv1고딕 Bold" panose="00000800000000000000" pitchFamily="2" charset="-127"/>
+                <a:ea typeface="넥슨Lv1고딕 Bold" panose="00000800000000000000" pitchFamily="2" charset="-127"/>
+              </a:rPr>
+              <a:t>HTML5 Local Storage</a:t>
+            </a:r>
+            <a:endParaRPr lang="ko-KR" altLang="en-US" sz="2200" dirty="0">
+              <a:latin typeface="넥슨Lv1고딕 Bold" panose="00000800000000000000" pitchFamily="2" charset="-127"/>
+              <a:ea typeface="넥슨Lv1고딕 Bold" panose="00000800000000000000" pitchFamily="2" charset="-127"/>
+            </a:endParaRPr>
+          </a:p>
+        </p:txBody>
+      </p:sp>
+      <p:sp>
+        <p:nvSpPr>
+          <p:cNvPr id="12" name="TextBox 11"/>
+          <p:cNvSpPr txBox="1"/>
+          <p:nvPr/>
+        </p:nvSpPr>
+        <p:spPr>
+          <a:xfrm>
+            <a:off x="1415846" y="2061361"/>
+            <a:ext cx="6561096" cy="938719"/>
+          </a:xfrm>
+          <a:prstGeom prst="rect">
+            <a:avLst/>
+          </a:prstGeom>
+          <a:noFill/>
+        </p:spPr>
+        <p:txBody>
+          <a:bodyPr wrap="square" rtlCol="0">
+            <a:spAutoFit/>
+          </a:bodyPr>
+          <a:lstStyle/>
+          <a:p>
+            <a:r>
+              <a:rPr lang="en-US" altLang="ko-KR" sz="1100" spc="-50" dirty="0">
+                <a:solidFill>
+                  <a:srgbClr val="FF0000"/>
+                </a:solidFill>
+                <a:latin typeface="넥슨Lv1고딕 Bold" panose="00000800000000000000" pitchFamily="2" charset="-127"/>
+                <a:ea typeface="넥슨Lv1고딕 Bold" panose="00000800000000000000" pitchFamily="2" charset="-127"/>
+              </a:rPr>
+              <a:t>Local Storage</a:t>
+            </a:r>
+            <a:r>
+              <a:rPr lang="ko-KR" altLang="en-US" sz="1100" spc="-50">
+                <a:solidFill>
+                  <a:srgbClr val="FF0000"/>
+                </a:solidFill>
+                <a:latin typeface="넥슨Lv1고딕 Bold" panose="00000800000000000000" pitchFamily="2" charset="-127"/>
+                <a:ea typeface="넥슨Lv1고딕 Bold" panose="00000800000000000000" pitchFamily="2" charset="-127"/>
+              </a:rPr>
+              <a:t>는 서버가 아닌</a:t>
+            </a:r>
+            <a:r>
+              <a:rPr lang="en-US" altLang="ko-KR" sz="1100" spc="-50" dirty="0">
+                <a:solidFill>
+                  <a:srgbClr val="FF0000"/>
+                </a:solidFill>
+                <a:latin typeface="넥슨Lv1고딕 Bold" panose="00000800000000000000" pitchFamily="2" charset="-127"/>
+                <a:ea typeface="넥슨Lv1고딕 Bold" panose="00000800000000000000" pitchFamily="2" charset="-127"/>
+              </a:rPr>
+              <a:t> </a:t>
+            </a:r>
+            <a:r>
+              <a:rPr lang="ko-KR" altLang="en-US" sz="1100" spc="-50">
+                <a:solidFill>
+                  <a:srgbClr val="FF0000"/>
+                </a:solidFill>
+                <a:latin typeface="넥슨Lv1고딕 Bold" panose="00000800000000000000" pitchFamily="2" charset="-127"/>
+                <a:ea typeface="넥슨Lv1고딕 Bold" panose="00000800000000000000" pitchFamily="2" charset="-127"/>
+              </a:rPr>
+              <a:t>클라이언트</a:t>
+            </a:r>
+            <a:r>
+              <a:rPr lang="en-US" altLang="ko-KR" sz="1100" spc="-50" dirty="0">
+                <a:solidFill>
+                  <a:srgbClr val="FF0000"/>
+                </a:solidFill>
+                <a:latin typeface="넥슨Lv1고딕 Bold" panose="00000800000000000000" pitchFamily="2" charset="-127"/>
+                <a:ea typeface="넥슨Lv1고딕 Bold" panose="00000800000000000000" pitchFamily="2" charset="-127"/>
+              </a:rPr>
+              <a:t>(</a:t>
+            </a:r>
+            <a:r>
+              <a:rPr lang="ko-KR" altLang="en-US" sz="1100" spc="-50">
+                <a:solidFill>
+                  <a:srgbClr val="FF0000"/>
+                </a:solidFill>
+                <a:latin typeface="넥슨Lv1고딕 Bold" panose="00000800000000000000" pitchFamily="2" charset="-127"/>
+                <a:ea typeface="넥슨Lv1고딕 Bold" panose="00000800000000000000" pitchFamily="2" charset="-127"/>
+              </a:rPr>
+              <a:t>브라우저</a:t>
+            </a:r>
+            <a:r>
+              <a:rPr lang="en-US" altLang="ko-KR" sz="1100" spc="-50" dirty="0">
+                <a:solidFill>
+                  <a:srgbClr val="FF0000"/>
+                </a:solidFill>
+                <a:latin typeface="넥슨Lv1고딕 Bold" panose="00000800000000000000" pitchFamily="2" charset="-127"/>
+                <a:ea typeface="넥슨Lv1고딕 Bold" panose="00000800000000000000" pitchFamily="2" charset="-127"/>
+              </a:rPr>
+              <a:t>)</a:t>
+            </a:r>
+            <a:r>
+              <a:rPr lang="ko-KR" altLang="en-US" sz="1100" spc="-50">
+                <a:solidFill>
+                  <a:srgbClr val="FF0000"/>
+                </a:solidFill>
+                <a:latin typeface="넥슨Lv1고딕 Bold" panose="00000800000000000000" pitchFamily="2" charset="-127"/>
+                <a:ea typeface="넥슨Lv1고딕 Bold" panose="00000800000000000000" pitchFamily="2" charset="-127"/>
+              </a:rPr>
+              <a:t>에 데이터를 저장할 수 있도록 하는 </a:t>
+            </a:r>
+            <a:r>
+              <a:rPr lang="en-US" altLang="ko-KR" sz="1100" spc="-50" dirty="0">
+                <a:solidFill>
+                  <a:srgbClr val="FF0000"/>
+                </a:solidFill>
+                <a:latin typeface="넥슨Lv1고딕 Bold" panose="00000800000000000000" pitchFamily="2" charset="-127"/>
+                <a:ea typeface="넥슨Lv1고딕 Bold" panose="00000800000000000000" pitchFamily="2" charset="-127"/>
+              </a:rPr>
+              <a:t>HTML5</a:t>
+            </a:r>
+            <a:r>
+              <a:rPr lang="ko-KR" altLang="en-US" sz="1100" spc="-50">
+                <a:solidFill>
+                  <a:srgbClr val="FF0000"/>
+                </a:solidFill>
+                <a:latin typeface="넥슨Lv1고딕 Bold" panose="00000800000000000000" pitchFamily="2" charset="-127"/>
+                <a:ea typeface="넥슨Lv1고딕 Bold" panose="00000800000000000000" pitchFamily="2" charset="-127"/>
+              </a:rPr>
+              <a:t>의 기능</a:t>
+            </a:r>
+            <a:r>
+              <a:rPr lang="ko-KR" altLang="en-US" sz="1100" spc="-50">
+                <a:latin typeface="넥슨Lv1고딕 Light" panose="00000300000000000000" pitchFamily="2" charset="-127"/>
+                <a:ea typeface="넥슨Lv1고딕 Light" panose="00000300000000000000" pitchFamily="2" charset="-127"/>
+              </a:rPr>
+              <a:t>입니다</a:t>
+            </a:r>
+            <a:r>
+              <a:rPr lang="en-US" altLang="ko-KR" sz="1100" spc="-50" dirty="0">
+                <a:latin typeface="넥슨Lv1고딕 Light" panose="00000300000000000000" pitchFamily="2" charset="-127"/>
+                <a:ea typeface="넥슨Lv1고딕 Light" panose="00000300000000000000" pitchFamily="2" charset="-127"/>
+              </a:rPr>
+              <a:t>.</a:t>
+            </a:r>
+          </a:p>
+          <a:p>
+            <a:r>
+              <a:rPr lang="ko-KR" altLang="en-US" sz="1100" spc="-50" dirty="0">
+                <a:latin typeface="넥슨Lv1고딕 Light" panose="00000300000000000000" pitchFamily="2" charset="-127"/>
+                <a:ea typeface="넥슨Lv1고딕 Light" panose="00000300000000000000" pitchFamily="2" charset="-127"/>
+              </a:rPr>
+              <a:t>쿠키와 비슷하지만</a:t>
+            </a:r>
+            <a:r>
+              <a:rPr lang="en-US" altLang="ko-KR" sz="1100" spc="-50" dirty="0">
+                <a:latin typeface="넥슨Lv1고딕 Light" panose="00000300000000000000" pitchFamily="2" charset="-127"/>
+                <a:ea typeface="넥슨Lv1고딕 Light" panose="00000300000000000000" pitchFamily="2" charset="-127"/>
+              </a:rPr>
+              <a:t>, </a:t>
+            </a:r>
+            <a:r>
+              <a:rPr lang="ko-KR" altLang="en-US" sz="1100" spc="-50">
+                <a:latin typeface="넥슨Lv1고딕 Light" panose="00000300000000000000" pitchFamily="2" charset="-127"/>
+                <a:ea typeface="넥슨Lv1고딕 Light" panose="00000300000000000000" pitchFamily="2" charset="-127"/>
+              </a:rPr>
+              <a:t>쿠키는 약 </a:t>
+            </a:r>
+            <a:r>
+              <a:rPr lang="en-US" altLang="ko-KR" sz="1100" spc="-50" dirty="0">
+                <a:latin typeface="넥슨Lv1고딕 Light" panose="00000300000000000000" pitchFamily="2" charset="-127"/>
+                <a:ea typeface="넥슨Lv1고딕 Light" panose="00000300000000000000" pitchFamily="2" charset="-127"/>
+              </a:rPr>
+              <a:t>4KB</a:t>
+            </a:r>
+            <a:r>
+              <a:rPr lang="ko-KR" altLang="en-US" sz="1100" spc="-50">
+                <a:latin typeface="넥슨Lv1고딕 Light" panose="00000300000000000000" pitchFamily="2" charset="-127"/>
+                <a:ea typeface="넥슨Lv1고딕 Light" panose="00000300000000000000" pitchFamily="2" charset="-127"/>
+              </a:rPr>
+              <a:t>의 저장공간을 사용할 수 있는 반면</a:t>
+            </a:r>
+            <a:r>
+              <a:rPr lang="en-US" altLang="ko-KR" sz="1100" spc="-50" dirty="0">
+                <a:latin typeface="넥슨Lv1고딕 Light" panose="00000300000000000000" pitchFamily="2" charset="-127"/>
+                <a:ea typeface="넥슨Lv1고딕 Light" panose="00000300000000000000" pitchFamily="2" charset="-127"/>
+              </a:rPr>
+              <a:t>, Local Storage</a:t>
+            </a:r>
+            <a:r>
+              <a:rPr lang="ko-KR" altLang="en-US" sz="1100" spc="-50">
+                <a:latin typeface="넥슨Lv1고딕 Light" panose="00000300000000000000" pitchFamily="2" charset="-127"/>
+                <a:ea typeface="넥슨Lv1고딕 Light" panose="00000300000000000000" pitchFamily="2" charset="-127"/>
+              </a:rPr>
+              <a:t>는 약 </a:t>
+            </a:r>
+            <a:r>
+              <a:rPr lang="en-US" altLang="ko-KR" sz="1100" spc="-50" dirty="0">
+                <a:latin typeface="넥슨Lv1고딕 Light" panose="00000300000000000000" pitchFamily="2" charset="-127"/>
+                <a:ea typeface="넥슨Lv1고딕 Light" panose="00000300000000000000" pitchFamily="2" charset="-127"/>
+              </a:rPr>
+              <a:t>5MB</a:t>
+            </a:r>
+            <a:r>
+              <a:rPr lang="ko-KR" altLang="en-US" sz="1100" spc="-50">
+                <a:latin typeface="넥슨Lv1고딕 Light" panose="00000300000000000000" pitchFamily="2" charset="-127"/>
+                <a:ea typeface="넥슨Lv1고딕 Light" panose="00000300000000000000" pitchFamily="2" charset="-127"/>
+              </a:rPr>
+              <a:t>까지 데이터를 저장할 수 있습니다</a:t>
+            </a:r>
+            <a:r>
+              <a:rPr lang="en-US" altLang="ko-KR" sz="1100" spc="-50" dirty="0">
+                <a:latin typeface="넥슨Lv1고딕 Light" panose="00000300000000000000" pitchFamily="2" charset="-127"/>
+                <a:ea typeface="넥슨Lv1고딕 Light" panose="00000300000000000000" pitchFamily="2" charset="-127"/>
+              </a:rPr>
+              <a:t>.</a:t>
+            </a:r>
+          </a:p>
+          <a:p>
+            <a:endParaRPr lang="en-US" altLang="ko-KR" sz="1100" spc="-50" dirty="0">
+              <a:latin typeface="넥슨Lv1고딕 Light" panose="00000300000000000000" pitchFamily="2" charset="-127"/>
+              <a:ea typeface="넥슨Lv1고딕 Light" panose="00000300000000000000" pitchFamily="2" charset="-127"/>
+            </a:endParaRPr>
+          </a:p>
+          <a:p>
+            <a:r>
+              <a:rPr lang="ko-KR" altLang="en-US" sz="1100" spc="-50" dirty="0">
+                <a:latin typeface="넥슨Lv1고딕 Light" panose="00000300000000000000" pitchFamily="2" charset="-127"/>
+                <a:ea typeface="넥슨Lv1고딕 Light" panose="00000300000000000000" pitchFamily="2" charset="-127"/>
+              </a:rPr>
+              <a:t>브라우저에 반영구적으로 데이터가 유지되며</a:t>
+            </a:r>
+            <a:r>
+              <a:rPr lang="en-US" altLang="ko-KR" sz="1100" spc="-50" dirty="0">
+                <a:latin typeface="넥슨Lv1고딕 Light" panose="00000300000000000000" pitchFamily="2" charset="-127"/>
+                <a:ea typeface="넥슨Lv1고딕 Light" panose="00000300000000000000" pitchFamily="2" charset="-127"/>
+              </a:rPr>
+              <a:t>, </a:t>
+            </a:r>
+            <a:r>
+              <a:rPr lang="ko-KR" altLang="en-US" sz="1100" spc="-50">
+                <a:latin typeface="넥슨Lv1고딕 Light" panose="00000300000000000000" pitchFamily="2" charset="-127"/>
+                <a:ea typeface="넥슨Lv1고딕 Light" panose="00000300000000000000" pitchFamily="2" charset="-127"/>
+              </a:rPr>
+              <a:t>같은 도메인 안에서 </a:t>
+            </a:r>
+            <a:r>
+              <a:rPr lang="en-US" altLang="ko-KR" sz="1100" spc="-50" dirty="0">
+                <a:latin typeface="넥슨Lv1고딕 Light" panose="00000300000000000000" pitchFamily="2" charset="-127"/>
+                <a:ea typeface="넥슨Lv1고딕 Light" panose="00000300000000000000" pitchFamily="2" charset="-127"/>
+              </a:rPr>
+              <a:t>Local Storage</a:t>
+            </a:r>
+            <a:r>
+              <a:rPr lang="ko-KR" altLang="en-US" sz="1100" spc="-50">
+                <a:latin typeface="넥슨Lv1고딕 Light" panose="00000300000000000000" pitchFamily="2" charset="-127"/>
+                <a:ea typeface="넥슨Lv1고딕 Light" panose="00000300000000000000" pitchFamily="2" charset="-127"/>
+              </a:rPr>
+              <a:t>에 접근할 수 있습니다</a:t>
+            </a:r>
+            <a:r>
+              <a:rPr lang="en-US" altLang="ko-KR" sz="1100" spc="-50" dirty="0">
+                <a:latin typeface="넥슨Lv1고딕 Light" panose="00000300000000000000" pitchFamily="2" charset="-127"/>
+                <a:ea typeface="넥슨Lv1고딕 Light" panose="00000300000000000000" pitchFamily="2" charset="-127"/>
+              </a:rPr>
+              <a:t>.</a:t>
+            </a:r>
+          </a:p>
+        </p:txBody>
+      </p:sp>
+      <p:grpSp>
+        <p:nvGrpSpPr>
+          <p:cNvPr id="22" name="그룹 21"/>
+          <p:cNvGrpSpPr/>
+          <p:nvPr/>
+        </p:nvGrpSpPr>
+        <p:grpSpPr>
+          <a:xfrm>
+            <a:off x="628650" y="1335845"/>
+            <a:ext cx="745283" cy="745283"/>
+            <a:chOff x="4572000" y="617679"/>
+            <a:chExt cx="745283" cy="745283"/>
+          </a:xfrm>
+        </p:grpSpPr>
+        <p:pic>
+          <p:nvPicPr>
+            <p:cNvPr id="23" name="그림 22"/>
+            <p:cNvPicPr>
+              <a:picLocks noChangeAspect="1"/>
+            </p:cNvPicPr>
+            <p:nvPr/>
+          </p:nvPicPr>
+          <p:blipFill>
+            <a:blip r:embed="rId3" cstate="print">
+              <a:extLst>
+                <a:ext uri="{28A0092B-C50C-407E-A947-70E740481C1C}">
+                  <a14:useLocalDpi xmlns:a14="http://schemas.microsoft.com/office/drawing/2010/main" val="0"/>
+                </a:ext>
+              </a:extLst>
+            </a:blip>
+            <a:stretch>
+              <a:fillRect/>
+            </a:stretch>
+          </p:blipFill>
+          <p:spPr>
+            <a:xfrm>
+              <a:off x="4572000" y="617679"/>
+              <a:ext cx="745283" cy="745283"/>
+            </a:xfrm>
+            <a:prstGeom prst="rect">
+              <a:avLst/>
+            </a:prstGeom>
+          </p:spPr>
+        </p:pic>
+        <p:sp>
+          <p:nvSpPr>
+            <p:cNvPr id="30" name="모서리가 둥근 직사각형 29"/>
+            <p:cNvSpPr/>
+            <p:nvPr/>
+          </p:nvSpPr>
+          <p:spPr>
+            <a:xfrm>
+              <a:off x="4636175" y="867866"/>
+              <a:ext cx="616932" cy="266988"/>
+            </a:xfrm>
+            <a:prstGeom prst="roundRect">
+              <a:avLst/>
+            </a:prstGeom>
+            <a:noFill/>
+            <a:ln>
+              <a:noFill/>
+            </a:ln>
+          </p:spPr>
+          <p:style>
+            <a:lnRef idx="2">
+              <a:schemeClr val="accent1">
+                <a:shade val="50000"/>
+              </a:schemeClr>
+            </a:lnRef>
+            <a:fillRef idx="1">
+              <a:schemeClr val="accent1"/>
+            </a:fillRef>
+            <a:effectRef idx="0">
+              <a:schemeClr val="accent1"/>
+            </a:effectRef>
+            <a:fontRef idx="minor">
+              <a:schemeClr val="lt1"/>
+            </a:fontRef>
+          </p:style>
+          <p:txBody>
+            <a:bodyPr rtlCol="0" anchor="ctr"/>
+            <a:lstStyle/>
+            <a:p>
+              <a:pPr algn="ctr"/>
+              <a:r>
+                <a:rPr lang="ko-KR" altLang="en-US" sz="850" dirty="0">
+                  <a:solidFill>
+                    <a:schemeClr val="bg1"/>
+                  </a:solidFill>
+                  <a:latin typeface="넥슨Lv1고딕" panose="00000500000000000000" pitchFamily="2" charset="-127"/>
+                  <a:ea typeface="넥슨Lv1고딕" panose="00000500000000000000" pitchFamily="2" charset="-127"/>
+                </a:rPr>
+                <a:t>칠판시간</a:t>
+              </a:r>
+            </a:p>
+          </p:txBody>
+        </p:sp>
+      </p:grpSp>
+      <p:pic>
+        <p:nvPicPr>
+          <p:cNvPr id="2" name="그림 1" descr="화면 캡처"/>
+          <p:cNvPicPr>
+            <a:picLocks noChangeAspect="1"/>
+          </p:cNvPicPr>
+          <p:nvPr/>
+        </p:nvPicPr>
+        <p:blipFill>
+          <a:blip r:embed="rId4">
+            <a:extLst>
+              <a:ext uri="{28A0092B-C50C-407E-A947-70E740481C1C}">
+                <a14:useLocalDpi xmlns:a14="http://schemas.microsoft.com/office/drawing/2010/main" val="0"/>
+              </a:ext>
+            </a:extLst>
+          </a:blip>
+          <a:stretch>
+            <a:fillRect/>
+          </a:stretch>
+        </p:blipFill>
+        <p:spPr>
+          <a:xfrm>
+            <a:off x="1502928" y="3036992"/>
+            <a:ext cx="6020159" cy="1680685"/>
+          </a:xfrm>
+          <a:prstGeom prst="rect">
+            <a:avLst/>
+          </a:prstGeom>
+        </p:spPr>
+      </p:pic>
+      <p:sp>
+        <p:nvSpPr>
+          <p:cNvPr id="21" name="모서리가 둥근 직사각형 18">
+            <a:extLst>
+              <a:ext uri="{FF2B5EF4-FFF2-40B4-BE49-F238E27FC236}">
+                <a16:creationId xmlns:a16="http://schemas.microsoft.com/office/drawing/2014/main" id="{BC58A647-BF84-478F-A973-97F1CAE37B59}"/>
+              </a:ext>
+            </a:extLst>
+          </p:cNvPr>
+          <p:cNvSpPr/>
+          <p:nvPr/>
+        </p:nvSpPr>
+        <p:spPr>
+          <a:xfrm>
+            <a:off x="3057754" y="5063674"/>
+            <a:ext cx="5495986" cy="728135"/>
+          </a:xfrm>
+          <a:prstGeom prst="roundRect">
+            <a:avLst>
+              <a:gd name="adj" fmla="val 5669"/>
+            </a:avLst>
+          </a:prstGeom>
+          <a:solidFill>
+            <a:schemeClr val="accent1">
+              <a:lumMod val="20000"/>
+              <a:lumOff val="80000"/>
+            </a:schemeClr>
+          </a:solidFill>
+          <a:ln>
+            <a:noFill/>
+          </a:ln>
+        </p:spPr>
+        <p:style>
+          <a:lnRef idx="2">
+            <a:schemeClr val="accent1">
+              <a:shade val="50000"/>
+            </a:schemeClr>
+          </a:lnRef>
+          <a:fillRef idx="1">
+            <a:schemeClr val="accent1"/>
+          </a:fillRef>
+          <a:effectRef idx="0">
+            <a:schemeClr val="accent1"/>
+          </a:effectRef>
+          <a:fontRef idx="minor">
+            <a:schemeClr val="lt1"/>
+          </a:fontRef>
+        </p:style>
+        <p:txBody>
+          <a:bodyPr rtlCol="0" anchor="ctr"/>
+          <a:lstStyle/>
+          <a:p>
+            <a:pPr algn="ctr"/>
+            <a:r>
+              <a:rPr lang="ko-KR" altLang="en-US" sz="1000" dirty="0">
+                <a:solidFill>
+                  <a:schemeClr val="tx1">
+                    <a:lumMod val="85000"/>
+                    <a:lumOff val="15000"/>
+                  </a:schemeClr>
+                </a:solidFill>
+                <a:latin typeface="넥슨Lv1고딕 Bold" panose="00000800000000000000" pitchFamily="2" charset="-127"/>
+                <a:ea typeface="넥슨Lv1고딕 Bold" panose="00000800000000000000" pitchFamily="2" charset="-127"/>
+              </a:rPr>
+              <a:t>주의할 점</a:t>
+            </a:r>
+            <a:r>
+              <a:rPr lang="en-US" altLang="ko-KR" sz="1000" dirty="0">
+                <a:solidFill>
+                  <a:schemeClr val="tx1">
+                    <a:lumMod val="85000"/>
+                    <a:lumOff val="15000"/>
+                  </a:schemeClr>
+                </a:solidFill>
+                <a:latin typeface="넥슨Lv1고딕 Bold" panose="00000800000000000000" pitchFamily="2" charset="-127"/>
+                <a:ea typeface="넥슨Lv1고딕 Bold" panose="00000800000000000000" pitchFamily="2" charset="-127"/>
+              </a:rPr>
+              <a:t>! </a:t>
+            </a:r>
+            <a:r>
+              <a:rPr lang="en-US" altLang="ko-KR" sz="1000" dirty="0">
+                <a:solidFill>
+                  <a:srgbClr val="FF0000"/>
+                </a:solidFill>
+                <a:latin typeface="넥슨Lv1고딕 Bold" panose="00000800000000000000" pitchFamily="2" charset="-127"/>
+                <a:ea typeface="넥슨Lv1고딕 Bold" panose="00000800000000000000" pitchFamily="2" charset="-127"/>
+              </a:rPr>
+              <a:t>Local Storage </a:t>
+            </a:r>
+            <a:r>
+              <a:rPr lang="ko-KR" altLang="en-US" sz="1000">
+                <a:solidFill>
+                  <a:srgbClr val="FF0000"/>
+                </a:solidFill>
+                <a:latin typeface="넥슨Lv1고딕 Bold" panose="00000800000000000000" pitchFamily="2" charset="-127"/>
+                <a:ea typeface="넥슨Lv1고딕 Bold" panose="00000800000000000000" pitchFamily="2" charset="-127"/>
+              </a:rPr>
+              <a:t>데이터는 </a:t>
+            </a:r>
+            <a:r>
+              <a:rPr lang="en-US" altLang="ko-KR" sz="1000" dirty="0">
+                <a:solidFill>
+                  <a:srgbClr val="FF0000"/>
+                </a:solidFill>
+                <a:latin typeface="넥슨Lv1고딕 Bold" panose="00000800000000000000" pitchFamily="2" charset="-127"/>
+                <a:ea typeface="넥슨Lv1고딕 Bold" panose="00000800000000000000" pitchFamily="2" charset="-127"/>
+              </a:rPr>
+              <a:t>key, value </a:t>
+            </a:r>
+            <a:r>
+              <a:rPr lang="ko-KR" altLang="en-US" sz="1000">
+                <a:solidFill>
+                  <a:srgbClr val="FF0000"/>
+                </a:solidFill>
+                <a:latin typeface="넥슨Lv1고딕 Bold" panose="00000800000000000000" pitchFamily="2" charset="-127"/>
+                <a:ea typeface="넥슨Lv1고딕 Bold" panose="00000800000000000000" pitchFamily="2" charset="-127"/>
+              </a:rPr>
+              <a:t>모두 문자열</a:t>
+            </a:r>
+            <a:r>
+              <a:rPr lang="en-US" altLang="ko-KR" sz="1000" dirty="0">
+                <a:solidFill>
+                  <a:srgbClr val="FF0000"/>
+                </a:solidFill>
+                <a:latin typeface="넥슨Lv1고딕 Bold" panose="00000800000000000000" pitchFamily="2" charset="-127"/>
+                <a:ea typeface="넥슨Lv1고딕 Bold" panose="00000800000000000000" pitchFamily="2" charset="-127"/>
+              </a:rPr>
+              <a:t>(string) </a:t>
+            </a:r>
+            <a:r>
+              <a:rPr lang="ko-KR" altLang="en-US" sz="1000">
+                <a:solidFill>
+                  <a:srgbClr val="FF0000"/>
+                </a:solidFill>
+                <a:latin typeface="넥슨Lv1고딕 Bold" panose="00000800000000000000" pitchFamily="2" charset="-127"/>
+                <a:ea typeface="넥슨Lv1고딕 Bold" panose="00000800000000000000" pitchFamily="2" charset="-127"/>
+              </a:rPr>
+              <a:t>형태로 저장</a:t>
+            </a:r>
+            <a:r>
+              <a:rPr lang="ko-KR" altLang="en-US" sz="1000">
+                <a:solidFill>
+                  <a:schemeClr val="tx1">
+                    <a:lumMod val="85000"/>
+                    <a:lumOff val="15000"/>
+                  </a:schemeClr>
+                </a:solidFill>
+                <a:latin typeface="넥슨Lv1고딕 Bold" panose="00000800000000000000" pitchFamily="2" charset="-127"/>
+                <a:ea typeface="넥슨Lv1고딕 Bold" panose="00000800000000000000" pitchFamily="2" charset="-127"/>
+              </a:rPr>
+              <a:t>됩니다</a:t>
+            </a:r>
+            <a:r>
+              <a:rPr lang="en-US" altLang="ko-KR" sz="1000" dirty="0">
+                <a:solidFill>
+                  <a:schemeClr val="tx1">
+                    <a:lumMod val="85000"/>
+                    <a:lumOff val="15000"/>
+                  </a:schemeClr>
+                </a:solidFill>
+                <a:latin typeface="넥슨Lv1고딕 Bold" panose="00000800000000000000" pitchFamily="2" charset="-127"/>
+                <a:ea typeface="넥슨Lv1고딕 Bold" panose="00000800000000000000" pitchFamily="2" charset="-127"/>
+              </a:rPr>
+              <a:t>.</a:t>
+            </a:r>
+          </a:p>
+          <a:p>
+            <a:pPr algn="ctr"/>
+            <a:r>
+              <a:rPr lang="ko-KR" altLang="en-US" sz="1100" dirty="0">
+                <a:solidFill>
+                  <a:schemeClr val="tx1">
+                    <a:lumMod val="85000"/>
+                    <a:lumOff val="15000"/>
+                  </a:schemeClr>
+                </a:solidFill>
+                <a:latin typeface="넥슨Lv1고딕 Bold" panose="00000800000000000000" pitchFamily="2" charset="-127"/>
+                <a:ea typeface="넥슨Lv1고딕 Bold" panose="00000800000000000000" pitchFamily="2" charset="-127"/>
+              </a:rPr>
+              <a:t>따라서</a:t>
+            </a:r>
+            <a:r>
+              <a:rPr lang="en-US" altLang="ko-KR" sz="1100" dirty="0">
+                <a:solidFill>
+                  <a:srgbClr val="FF0000"/>
+                </a:solidFill>
+                <a:latin typeface="넥슨Lv1고딕 Bold" panose="00000800000000000000" pitchFamily="2" charset="-127"/>
+                <a:ea typeface="넥슨Lv1고딕 Bold" panose="00000800000000000000" pitchFamily="2" charset="-127"/>
+              </a:rPr>
+              <a:t> </a:t>
+            </a:r>
+            <a:r>
+              <a:rPr lang="ko-KR" altLang="en-US" sz="1100">
+                <a:solidFill>
+                  <a:srgbClr val="FF0000"/>
+                </a:solidFill>
+                <a:latin typeface="넥슨Lv1고딕 Bold" panose="00000800000000000000" pitchFamily="2" charset="-127"/>
+                <a:ea typeface="넥슨Lv1고딕 Bold" panose="00000800000000000000" pitchFamily="2" charset="-127"/>
+              </a:rPr>
+              <a:t>데이터를 불러올 때는 </a:t>
+            </a:r>
+            <a:r>
+              <a:rPr lang="en-US" altLang="ko-KR" sz="1100" dirty="0" err="1">
+                <a:solidFill>
+                  <a:srgbClr val="FF0000"/>
+                </a:solidFill>
+                <a:latin typeface="넥슨Lv1고딕 Bold" panose="00000800000000000000" pitchFamily="2" charset="-127"/>
+                <a:ea typeface="넥슨Lv1고딕 Bold" panose="00000800000000000000" pitchFamily="2" charset="-127"/>
+              </a:rPr>
+              <a:t>JSON.parse</a:t>
+            </a:r>
+            <a:r>
+              <a:rPr lang="en-US" altLang="ko-KR" sz="1100" dirty="0">
+                <a:solidFill>
+                  <a:srgbClr val="FF0000"/>
+                </a:solidFill>
+                <a:latin typeface="넥슨Lv1고딕 Bold" panose="00000800000000000000" pitchFamily="2" charset="-127"/>
+                <a:ea typeface="넥슨Lv1고딕 Bold" panose="00000800000000000000" pitchFamily="2" charset="-127"/>
+              </a:rPr>
+              <a:t>() </a:t>
+            </a:r>
+            <a:r>
+              <a:rPr lang="ko-KR" altLang="en-US" sz="1100">
+                <a:solidFill>
+                  <a:srgbClr val="FF0000"/>
+                </a:solidFill>
+                <a:latin typeface="넥슨Lv1고딕 Bold" panose="00000800000000000000" pitchFamily="2" charset="-127"/>
+                <a:ea typeface="넥슨Lv1고딕 Bold" panose="00000800000000000000" pitchFamily="2" charset="-127"/>
+              </a:rPr>
+              <a:t>메서드를 사용</a:t>
+            </a:r>
+            <a:r>
+              <a:rPr lang="ko-KR" altLang="en-US" sz="1100">
+                <a:solidFill>
+                  <a:schemeClr val="tx1">
+                    <a:lumMod val="85000"/>
+                    <a:lumOff val="15000"/>
+                  </a:schemeClr>
+                </a:solidFill>
+                <a:latin typeface="넥슨Lv1고딕 Bold" panose="00000800000000000000" pitchFamily="2" charset="-127"/>
+                <a:ea typeface="넥슨Lv1고딕 Bold" panose="00000800000000000000" pitchFamily="2" charset="-127"/>
+              </a:rPr>
+              <a:t>해야 합니다</a:t>
+            </a:r>
+            <a:r>
+              <a:rPr lang="en-US" altLang="ko-KR" sz="1100" dirty="0">
+                <a:solidFill>
+                  <a:schemeClr val="tx1">
+                    <a:lumMod val="85000"/>
+                    <a:lumOff val="15000"/>
+                  </a:schemeClr>
+                </a:solidFill>
+                <a:latin typeface="넥슨Lv1고딕 Bold" panose="00000800000000000000" pitchFamily="2" charset="-127"/>
+                <a:ea typeface="넥슨Lv1고딕 Bold" panose="00000800000000000000" pitchFamily="2" charset="-127"/>
+              </a:rPr>
+              <a:t>.</a:t>
+            </a:r>
+            <a:endParaRPr lang="ko-KR" altLang="en-US" sz="1100" dirty="0">
+              <a:solidFill>
+                <a:srgbClr val="FF0000"/>
+              </a:solidFill>
+              <a:latin typeface="넥슨Lv1고딕 Bold" panose="00000800000000000000" pitchFamily="2" charset="-127"/>
+              <a:ea typeface="넥슨Lv1고딕 Bold" panose="00000800000000000000" pitchFamily="2" charset="-127"/>
+            </a:endParaRPr>
+          </a:p>
+        </p:txBody>
+      </p:sp>
+      <p:sp>
+        <p:nvSpPr>
+          <p:cNvPr id="24" name="직사각형 23">
+            <a:extLst>
+              <a:ext uri="{FF2B5EF4-FFF2-40B4-BE49-F238E27FC236}">
+                <a16:creationId xmlns:a16="http://schemas.microsoft.com/office/drawing/2014/main" id="{E50AF7FB-DD53-46BA-875D-4BA08C2925AC}"/>
+              </a:ext>
+            </a:extLst>
+          </p:cNvPr>
+          <p:cNvSpPr/>
+          <p:nvPr/>
+        </p:nvSpPr>
+        <p:spPr>
+          <a:xfrm>
+            <a:off x="2877130" y="3221832"/>
+            <a:ext cx="2787863" cy="566106"/>
+          </a:xfrm>
+          <a:prstGeom prst="rect">
+            <a:avLst/>
+          </a:prstGeom>
+          <a:noFill/>
+          <a:ln>
+            <a:solidFill>
+              <a:srgbClr val="FF0000"/>
+            </a:solidFill>
+            <a:prstDash val="sysDash"/>
+          </a:ln>
+        </p:spPr>
+        <p:style>
+          <a:lnRef idx="2">
+            <a:schemeClr val="accent1">
+              <a:shade val="50000"/>
+            </a:schemeClr>
+          </a:lnRef>
+          <a:fillRef idx="1">
+            <a:schemeClr val="accent1"/>
+          </a:fillRef>
+          <a:effectRef idx="0">
+            <a:schemeClr val="accent1"/>
+          </a:effectRef>
+          <a:fontRef idx="minor">
+            <a:schemeClr val="lt1"/>
+          </a:fontRef>
+        </p:style>
+        <p:txBody>
+          <a:bodyPr rtlCol="0" anchor="ctr"/>
+          <a:lstStyle/>
+          <a:p>
+            <a:pPr algn="ctr"/>
+            <a:endParaRPr lang="ko-KR" altLang="en-US"/>
+          </a:p>
+        </p:txBody>
+      </p:sp>
+      <p:sp>
+        <p:nvSpPr>
+          <p:cNvPr id="6" name="TextBox 5"/>
+          <p:cNvSpPr txBox="1"/>
+          <p:nvPr/>
+        </p:nvSpPr>
+        <p:spPr>
+          <a:xfrm>
+            <a:off x="3283862" y="3801045"/>
+            <a:ext cx="3397685" cy="230832"/>
+          </a:xfrm>
+          <a:prstGeom prst="rect">
+            <a:avLst/>
+          </a:prstGeom>
+          <a:noFill/>
+        </p:spPr>
+        <p:txBody>
+          <a:bodyPr wrap="square" rtlCol="0">
+            <a:spAutoFit/>
+          </a:bodyPr>
+          <a:lstStyle/>
+          <a:p>
+            <a:pPr lvl="0"/>
+            <a:r>
+              <a:rPr lang="en-US" altLang="ko-KR" sz="900" spc="-50" dirty="0">
+                <a:solidFill>
+                  <a:srgbClr val="298DBF"/>
+                </a:solidFill>
+                <a:latin typeface="넥슨Lv1고딕 Bold" panose="00000800000000000000" pitchFamily="2" charset="-127"/>
+                <a:ea typeface="넥슨Lv1고딕 Bold" panose="00000800000000000000" pitchFamily="2" charset="-127"/>
+              </a:rPr>
+              <a:t>*</a:t>
+            </a:r>
+            <a:r>
+              <a:rPr lang="ko-KR" altLang="en-US" sz="900" spc="-50">
+                <a:solidFill>
+                  <a:srgbClr val="298DBF"/>
+                </a:solidFill>
+                <a:latin typeface="넥슨Lv1고딕 Bold" panose="00000800000000000000" pitchFamily="2" charset="-127"/>
+                <a:ea typeface="넥슨Lv1고딕 Bold" panose="00000800000000000000" pitchFamily="2" charset="-127"/>
+              </a:rPr>
+              <a:t>웹브라우저 개발자 도구에서 </a:t>
+            </a:r>
+            <a:r>
+              <a:rPr lang="en-US" altLang="ko-KR" sz="900" spc="-50" dirty="0">
+                <a:solidFill>
+                  <a:srgbClr val="298DBF"/>
+                </a:solidFill>
+                <a:latin typeface="넥슨Lv1고딕 Bold" panose="00000800000000000000" pitchFamily="2" charset="-127"/>
+                <a:ea typeface="넥슨Lv1고딕 Bold" panose="00000800000000000000" pitchFamily="2" charset="-127"/>
+              </a:rPr>
+              <a:t>Local Storage </a:t>
+            </a:r>
+            <a:r>
+              <a:rPr lang="ko-KR" altLang="en-US" sz="900" spc="-50">
+                <a:solidFill>
+                  <a:srgbClr val="298DBF"/>
+                </a:solidFill>
+                <a:latin typeface="넥슨Lv1고딕 Bold" panose="00000800000000000000" pitchFamily="2" charset="-127"/>
+                <a:ea typeface="넥슨Lv1고딕 Bold" panose="00000800000000000000" pitchFamily="2" charset="-127"/>
+              </a:rPr>
+              <a:t>데이터를 확인하는 모습</a:t>
+            </a:r>
+            <a:endParaRPr lang="en-US" altLang="ko-KR" sz="900" spc="-50" dirty="0">
+              <a:solidFill>
+                <a:srgbClr val="298DBF"/>
+              </a:solidFill>
+              <a:latin typeface="넥슨Lv1고딕 Bold" panose="00000800000000000000" pitchFamily="2" charset="-127"/>
+              <a:ea typeface="넥슨Lv1고딕 Bold" panose="00000800000000000000" pitchFamily="2" charset="-127"/>
+            </a:endParaRPr>
+          </a:p>
+        </p:txBody>
+      </p:sp>
+    </p:spTree>
+    <p:extLst>
+      <p:ext uri="{BB962C8B-B14F-4D97-AF65-F5344CB8AC3E}">
+        <p14:creationId xmlns:p14="http://schemas.microsoft.com/office/powerpoint/2010/main" val="158877028"/>
+      </p:ext>
+    </p:extLst>
+  </p:cSld>
+  <p:clrMapOvr>
+    <a:masterClrMapping/>
+  </p:clrMapOvr>
+</p:sld>
+</file>
+
+<file path=ppt/slides/slide2.xml><?xml version="1.0" encoding="utf-8"?>
+<p:sld xmlns:a="http://schemas.openxmlformats.org/drawingml/2006/main" xmlns:r="http://schemas.openxmlformats.org/officeDocument/2006/relationships" xmlns:p="http://schemas.openxmlformats.org/presentationml/2006/main">
+  <p:cSld>
+    <p:spTree>
+      <p:nvGrpSpPr>
+        <p:cNvPr id="1" name=""/>
+        <p:cNvGrpSpPr/>
+        <p:nvPr/>
+      </p:nvGrpSpPr>
+      <p:grpSpPr>
+        <a:xfrm>
+          <a:off x="0" y="0"/>
+          <a:ext cx="0" cy="0"/>
+          <a:chOff x="0" y="0"/>
+          <a:chExt cx="0" cy="0"/>
+        </a:xfrm>
+      </p:grpSpPr>
+      <p:sp>
+        <p:nvSpPr>
+          <p:cNvPr id="42" name="모서리가 둥근 직사각형 9">
+            <a:extLst>
+              <a:ext uri="{FF2B5EF4-FFF2-40B4-BE49-F238E27FC236}">
+                <a16:creationId xmlns:a16="http://schemas.microsoft.com/office/drawing/2014/main" id="{1FDC7EA1-F5C3-4428-9863-5D7FEF57E2BD}"/>
+              </a:ext>
+            </a:extLst>
+          </p:cNvPr>
+          <p:cNvSpPr/>
+          <p:nvPr/>
+        </p:nvSpPr>
+        <p:spPr>
+          <a:xfrm>
+            <a:off x="4944473" y="2849277"/>
+            <a:ext cx="2924466" cy="2959554"/>
+          </a:xfrm>
+          <a:prstGeom prst="roundRect">
+            <a:avLst>
+              <a:gd name="adj" fmla="val 1841"/>
+            </a:avLst>
+          </a:prstGeom>
+          <a:solidFill>
+            <a:srgbClr val="DAE3F3">
+              <a:alpha val="25098"/>
+            </a:srgbClr>
+          </a:solidFill>
+          <a:ln w="6350">
+            <a:prstDash val="dash"/>
+          </a:ln>
+        </p:spPr>
+        <p:style>
+          <a:lnRef idx="2">
+            <a:schemeClr val="accent1">
+              <a:shade val="50000"/>
+            </a:schemeClr>
+          </a:lnRef>
+          <a:fillRef idx="1">
+            <a:schemeClr val="accent1"/>
+          </a:fillRef>
+          <a:effectRef idx="0">
+            <a:schemeClr val="accent1"/>
+          </a:effectRef>
+          <a:fontRef idx="minor">
+            <a:schemeClr val="lt1"/>
+          </a:fontRef>
+        </p:style>
+        <p:txBody>
+          <a:bodyPr rtlCol="0" anchor="ctr"/>
+          <a:lstStyle/>
+          <a:p>
+            <a:pPr algn="ctr"/>
+            <a:endParaRPr lang="ko-KR" altLang="en-US"/>
+          </a:p>
+        </p:txBody>
+      </p:sp>
+      <p:sp>
+        <p:nvSpPr>
+          <p:cNvPr id="10" name="모서리가 둥근 직사각형 9"/>
+          <p:cNvSpPr/>
+          <p:nvPr/>
+        </p:nvSpPr>
+        <p:spPr>
+          <a:xfrm>
+            <a:off x="1508546" y="2849277"/>
+            <a:ext cx="2924466" cy="2959554"/>
+          </a:xfrm>
+          <a:prstGeom prst="roundRect">
+            <a:avLst>
+              <a:gd name="adj" fmla="val 1841"/>
+            </a:avLst>
+          </a:prstGeom>
+          <a:solidFill>
+            <a:srgbClr val="DAE3F3">
+              <a:alpha val="25098"/>
+            </a:srgbClr>
+          </a:solidFill>
+          <a:ln w="6350">
+            <a:prstDash val="dash"/>
+          </a:ln>
+        </p:spPr>
+        <p:style>
+          <a:lnRef idx="2">
+            <a:schemeClr val="accent1">
+              <a:shade val="50000"/>
+            </a:schemeClr>
+          </a:lnRef>
+          <a:fillRef idx="1">
+            <a:schemeClr val="accent1"/>
+          </a:fillRef>
+          <a:effectRef idx="0">
+            <a:schemeClr val="accent1"/>
+          </a:effectRef>
+          <a:fontRef idx="minor">
+            <a:schemeClr val="lt1"/>
+          </a:fontRef>
+        </p:style>
+        <p:txBody>
+          <a:bodyPr rtlCol="0" anchor="ctr"/>
+          <a:lstStyle/>
+          <a:p>
+            <a:pPr algn="ctr"/>
+            <a:endParaRPr lang="ko-KR" altLang="en-US"/>
+          </a:p>
+        </p:txBody>
+      </p:sp>
+      <p:sp>
+        <p:nvSpPr>
+          <p:cNvPr id="7" name="모서리가 둥근 직사각형 6"/>
+          <p:cNvSpPr/>
+          <p:nvPr/>
+        </p:nvSpPr>
+        <p:spPr>
+          <a:xfrm>
+            <a:off x="1109817" y="1610380"/>
+            <a:ext cx="3872888" cy="350275"/>
+          </a:xfrm>
+          <a:prstGeom prst="roundRect">
+            <a:avLst/>
+          </a:prstGeom>
+          <a:solidFill>
+            <a:schemeClr val="bg1">
+              <a:lumMod val="95000"/>
+            </a:schemeClr>
+          </a:solidFill>
+          <a:ln>
+            <a:noFill/>
+          </a:ln>
+        </p:spPr>
+        <p:style>
+          <a:lnRef idx="2">
+            <a:schemeClr val="accent1">
+              <a:shade val="50000"/>
+            </a:schemeClr>
+          </a:lnRef>
+          <a:fillRef idx="1">
+            <a:schemeClr val="accent1"/>
+          </a:fillRef>
+          <a:effectRef idx="0">
+            <a:schemeClr val="accent1"/>
+          </a:effectRef>
+          <a:fontRef idx="minor">
+            <a:schemeClr val="lt1"/>
+          </a:fontRef>
+        </p:style>
+        <p:txBody>
+          <a:bodyPr lIns="360000" rtlCol="0" anchor="ctr"/>
+          <a:lstStyle/>
+          <a:p>
+            <a:r>
+              <a:rPr lang="en-US" altLang="ko-KR" sz="1200" spc="-50" dirty="0">
+                <a:solidFill>
+                  <a:schemeClr val="accent1">
+                    <a:lumMod val="50000"/>
+                  </a:schemeClr>
+                </a:solidFill>
+                <a:latin typeface="넥슨Lv1고딕 Bold" panose="00000800000000000000" pitchFamily="2" charset="-127"/>
+                <a:ea typeface="넥슨Lv1고딕 Bold" panose="00000800000000000000" pitchFamily="2" charset="-127"/>
+              </a:rPr>
+              <a:t>Truthy</a:t>
+            </a:r>
+            <a:r>
+              <a:rPr lang="ko-KR" altLang="en-US" sz="1200" spc="-50" dirty="0">
+                <a:solidFill>
+                  <a:schemeClr val="accent1">
+                    <a:lumMod val="50000"/>
+                  </a:schemeClr>
+                </a:solidFill>
+                <a:latin typeface="넥슨Lv1고딕 Bold" panose="00000800000000000000" pitchFamily="2" charset="-127"/>
+                <a:ea typeface="넥슨Lv1고딕 Bold" panose="00000800000000000000" pitchFamily="2" charset="-127"/>
+              </a:rPr>
+              <a:t>값</a:t>
+            </a:r>
+            <a:r>
+              <a:rPr lang="en-US" altLang="ko-KR" sz="1200" spc="-50" dirty="0">
+                <a:solidFill>
+                  <a:schemeClr val="accent1">
+                    <a:lumMod val="50000"/>
+                  </a:schemeClr>
+                </a:solidFill>
+                <a:latin typeface="넥슨Lv1고딕 Bold" panose="00000800000000000000" pitchFamily="2" charset="-127"/>
+                <a:ea typeface="넥슨Lv1고딕 Bold" panose="00000800000000000000" pitchFamily="2" charset="-127"/>
+              </a:rPr>
+              <a:t>, </a:t>
+            </a:r>
+            <a:r>
+              <a:rPr lang="en-US" altLang="ko-KR" sz="1200" spc="-50" dirty="0" err="1">
+                <a:solidFill>
+                  <a:schemeClr val="accent1">
+                    <a:lumMod val="50000"/>
+                  </a:schemeClr>
+                </a:solidFill>
+                <a:latin typeface="넥슨Lv1고딕 Bold" panose="00000800000000000000" pitchFamily="2" charset="-127"/>
+                <a:ea typeface="넥슨Lv1고딕 Bold" panose="00000800000000000000" pitchFamily="2" charset="-127"/>
+              </a:rPr>
+              <a:t>Falsy</a:t>
+            </a:r>
+            <a:r>
+              <a:rPr lang="ko-KR" altLang="en-US" sz="1200" spc="-50" dirty="0">
+                <a:solidFill>
+                  <a:schemeClr val="accent1">
+                    <a:lumMod val="50000"/>
+                  </a:schemeClr>
+                </a:solidFill>
+                <a:latin typeface="넥슨Lv1고딕 Bold" panose="00000800000000000000" pitchFamily="2" charset="-127"/>
+                <a:ea typeface="넥슨Lv1고딕 Bold" panose="00000800000000000000" pitchFamily="2" charset="-127"/>
+              </a:rPr>
+              <a:t>값이란</a:t>
+            </a:r>
+            <a:r>
+              <a:rPr lang="en-US" altLang="ko-KR" sz="1200" spc="-50" dirty="0">
+                <a:solidFill>
+                  <a:schemeClr val="accent1">
+                    <a:lumMod val="50000"/>
+                  </a:schemeClr>
+                </a:solidFill>
+                <a:latin typeface="넥슨Lv1고딕 Bold" panose="00000800000000000000" pitchFamily="2" charset="-127"/>
+                <a:ea typeface="넥슨Lv1고딕 Bold" panose="00000800000000000000" pitchFamily="2" charset="-127"/>
+              </a:rPr>
+              <a:t>?</a:t>
+            </a:r>
+            <a:endParaRPr lang="ko-KR" altLang="en-US" sz="1200" spc="-50" dirty="0">
+              <a:solidFill>
+                <a:schemeClr val="accent1">
+                  <a:lumMod val="50000"/>
+                </a:schemeClr>
+              </a:solidFill>
+              <a:latin typeface="넥슨Lv1고딕 Bold" panose="00000800000000000000" pitchFamily="2" charset="-127"/>
+              <a:ea typeface="넥슨Lv1고딕 Bold" panose="00000800000000000000" pitchFamily="2" charset="-127"/>
+            </a:endParaRPr>
+          </a:p>
+        </p:txBody>
+      </p:sp>
+      <p:cxnSp>
+        <p:nvCxnSpPr>
+          <p:cNvPr id="13" name="직선 연결선 12"/>
+          <p:cNvCxnSpPr/>
+          <p:nvPr/>
+        </p:nvCxnSpPr>
+        <p:spPr>
+          <a:xfrm>
+            <a:off x="689488" y="1238865"/>
+            <a:ext cx="7647038" cy="0"/>
+          </a:xfrm>
+          <a:prstGeom prst="line">
+            <a:avLst/>
+          </a:prstGeom>
+          <a:ln>
+            <a:solidFill>
+              <a:schemeClr val="bg1">
+                <a:lumMod val="85000"/>
+              </a:schemeClr>
+            </a:solidFill>
+          </a:ln>
+        </p:spPr>
+        <p:style>
+          <a:lnRef idx="1">
+            <a:schemeClr val="accent1"/>
+          </a:lnRef>
+          <a:fillRef idx="0">
+            <a:schemeClr val="accent1"/>
+          </a:fillRef>
+          <a:effectRef idx="0">
+            <a:schemeClr val="accent1"/>
+          </a:effectRef>
+          <a:fontRef idx="minor">
+            <a:schemeClr val="tx1"/>
+          </a:fontRef>
+        </p:style>
+      </p:cxnSp>
+      <p:sp>
+        <p:nvSpPr>
+          <p:cNvPr id="3" name="슬라이드 번호 개체 틀 2"/>
+          <p:cNvSpPr>
+            <a:spLocks noGrp="1"/>
+          </p:cNvSpPr>
+          <p:nvPr>
+            <p:ph type="sldNum" sz="quarter" idx="12"/>
+          </p:nvPr>
+        </p:nvSpPr>
+        <p:spPr/>
+        <p:txBody>
+          <a:bodyPr/>
+          <a:lstStyle/>
+          <a:p>
+            <a:fld id="{8D0AD3C7-B26A-41BF-81F8-CAF4A9564849}" type="slidenum">
+              <a:rPr lang="ko-KR" altLang="en-US" smtClean="0"/>
+              <a:pPr/>
+              <a:t>1</a:t>
+            </a:fld>
+            <a:endParaRPr lang="ko-KR" altLang="en-US" dirty="0"/>
+          </a:p>
+        </p:txBody>
+      </p:sp>
+      <p:sp>
+        <p:nvSpPr>
+          <p:cNvPr id="4" name="제목 3"/>
+          <p:cNvSpPr>
+            <a:spLocks noGrp="1"/>
+          </p:cNvSpPr>
+          <p:nvPr>
+            <p:ph type="title"/>
+          </p:nvPr>
+        </p:nvSpPr>
+        <p:spPr>
+          <a:xfrm>
+            <a:off x="628650" y="551713"/>
+            <a:ext cx="7886700" cy="721790"/>
+          </a:xfrm>
+        </p:spPr>
+        <p:txBody>
+          <a:bodyPr>
+            <a:normAutofit/>
+          </a:bodyPr>
+          <a:lstStyle/>
+          <a:p>
+            <a:pPr>
+              <a:lnSpc>
+                <a:spcPct val="110000"/>
+              </a:lnSpc>
+            </a:pPr>
+            <a:r>
+              <a:rPr lang="ko-KR" altLang="en-US" sz="1000" dirty="0">
+                <a:latin typeface="넥슨Lv1고딕 Light" panose="00000300000000000000" pitchFamily="2" charset="-127"/>
+                <a:ea typeface="넥슨Lv1고딕 Light" panose="00000300000000000000" pitchFamily="2" charset="-127"/>
+              </a:rPr>
+              <a:t>알면 좋을 자바스크립트</a:t>
+            </a:r>
+            <a:br>
+              <a:rPr lang="en-US" altLang="ko-KR" sz="1800" dirty="0">
+                <a:latin typeface="넥슨Lv1고딕 Bold" panose="00000800000000000000" pitchFamily="2" charset="-127"/>
+                <a:ea typeface="넥슨Lv1고딕 Bold" panose="00000800000000000000" pitchFamily="2" charset="-127"/>
+              </a:rPr>
+            </a:br>
+            <a:r>
+              <a:rPr lang="en-US" altLang="ko-KR" sz="1800" dirty="0">
+                <a:latin typeface="넥슨Lv1고딕 Bold" panose="00000800000000000000" pitchFamily="2" charset="-127"/>
+                <a:ea typeface="넥슨Lv1고딕 Bold" panose="00000800000000000000" pitchFamily="2" charset="-127"/>
+              </a:rPr>
+              <a:t>Truthy</a:t>
+            </a:r>
+            <a:r>
+              <a:rPr lang="ko-KR" altLang="en-US" sz="1800" dirty="0">
+                <a:latin typeface="넥슨Lv1고딕 Bold" panose="00000800000000000000" pitchFamily="2" charset="-127"/>
+                <a:ea typeface="넥슨Lv1고딕 Bold" panose="00000800000000000000" pitchFamily="2" charset="-127"/>
+              </a:rPr>
+              <a:t>값</a:t>
+            </a:r>
+            <a:r>
+              <a:rPr lang="en-US" altLang="ko-KR" sz="1800" dirty="0">
+                <a:latin typeface="넥슨Lv1고딕 Bold" panose="00000800000000000000" pitchFamily="2" charset="-127"/>
+                <a:ea typeface="넥슨Lv1고딕 Bold" panose="00000800000000000000" pitchFamily="2" charset="-127"/>
+              </a:rPr>
+              <a:t>, </a:t>
+            </a:r>
+            <a:r>
+              <a:rPr lang="en-US" altLang="ko-KR" sz="1800" dirty="0" err="1">
+                <a:latin typeface="넥슨Lv1고딕 Bold" panose="00000800000000000000" pitchFamily="2" charset="-127"/>
+                <a:ea typeface="넥슨Lv1고딕 Bold" panose="00000800000000000000" pitchFamily="2" charset="-127"/>
+              </a:rPr>
+              <a:t>Falsy</a:t>
+            </a:r>
+            <a:r>
+              <a:rPr lang="ko-KR" altLang="en-US" sz="1800" dirty="0">
+                <a:latin typeface="넥슨Lv1고딕 Bold" panose="00000800000000000000" pitchFamily="2" charset="-127"/>
+                <a:ea typeface="넥슨Lv1고딕 Bold" panose="00000800000000000000" pitchFamily="2" charset="-127"/>
+              </a:rPr>
+              <a:t>값</a:t>
+            </a:r>
+            <a:endParaRPr lang="ko-KR" altLang="en-US" sz="2200" dirty="0">
+              <a:latin typeface="넥슨Lv1고딕 Bold" panose="00000800000000000000" pitchFamily="2" charset="-127"/>
+              <a:ea typeface="넥슨Lv1고딕 Bold" panose="00000800000000000000" pitchFamily="2" charset="-127"/>
+            </a:endParaRPr>
+          </a:p>
+        </p:txBody>
+      </p:sp>
+      <p:sp>
+        <p:nvSpPr>
+          <p:cNvPr id="12" name="TextBox 11"/>
+          <p:cNvSpPr txBox="1"/>
+          <p:nvPr/>
+        </p:nvSpPr>
+        <p:spPr>
+          <a:xfrm>
+            <a:off x="1415846" y="2061361"/>
+            <a:ext cx="6844233" cy="430887"/>
+          </a:xfrm>
+          <a:prstGeom prst="rect">
+            <a:avLst/>
+          </a:prstGeom>
+          <a:noFill/>
+        </p:spPr>
+        <p:txBody>
+          <a:bodyPr wrap="square" rtlCol="0">
+            <a:spAutoFit/>
+          </a:bodyPr>
+          <a:lstStyle/>
+          <a:p>
+            <a:r>
+              <a:rPr lang="ko-KR" altLang="en-US" sz="1100" spc="-50" dirty="0">
+                <a:latin typeface="넥슨Lv1고딕 Light" panose="00000300000000000000" pitchFamily="2" charset="-127"/>
+                <a:ea typeface="넥슨Lv1고딕 Light" panose="00000300000000000000" pitchFamily="2" charset="-127"/>
+              </a:rPr>
+              <a:t>자바스크립트에서 </a:t>
+            </a:r>
+            <a:r>
+              <a:rPr lang="en-US" altLang="ko-KR" sz="1100" spc="-50" dirty="0">
+                <a:latin typeface="넥슨Lv1고딕 Light" panose="00000300000000000000" pitchFamily="2" charset="-127"/>
+                <a:ea typeface="넥슨Lv1고딕 Light" panose="00000300000000000000" pitchFamily="2" charset="-127"/>
+              </a:rPr>
+              <a:t>Truthy </a:t>
+            </a:r>
+            <a:r>
+              <a:rPr lang="ko-KR" altLang="en-US" sz="1100" spc="-50" dirty="0">
+                <a:latin typeface="넥슨Lv1고딕 Light" panose="00000300000000000000" pitchFamily="2" charset="-127"/>
+                <a:ea typeface="넥슨Lv1고딕 Light" panose="00000300000000000000" pitchFamily="2" charset="-127"/>
+              </a:rPr>
+              <a:t>또는 </a:t>
+            </a:r>
+            <a:r>
+              <a:rPr lang="en-US" altLang="ko-KR" sz="1100" spc="-50" dirty="0" err="1">
+                <a:latin typeface="넥슨Lv1고딕 Light" panose="00000300000000000000" pitchFamily="2" charset="-127"/>
+                <a:ea typeface="넥슨Lv1고딕 Light" panose="00000300000000000000" pitchFamily="2" charset="-127"/>
+              </a:rPr>
+              <a:t>Falsy</a:t>
+            </a:r>
+            <a:r>
+              <a:rPr lang="ko-KR" altLang="en-US" sz="1100" spc="-50" dirty="0">
+                <a:latin typeface="넥슨Lv1고딕 Light" panose="00000300000000000000" pitchFamily="2" charset="-127"/>
+                <a:ea typeface="넥슨Lv1고딕 Light" panose="00000300000000000000" pitchFamily="2" charset="-127"/>
+              </a:rPr>
+              <a:t>값이란</a:t>
+            </a:r>
+            <a:r>
+              <a:rPr lang="en-US" altLang="ko-KR" sz="1100" spc="-50" dirty="0">
+                <a:latin typeface="넥슨Lv1고딕 Light" panose="00000300000000000000" pitchFamily="2" charset="-127"/>
+                <a:ea typeface="넥슨Lv1고딕 Light" panose="00000300000000000000" pitchFamily="2" charset="-127"/>
+              </a:rPr>
+              <a:t>, true</a:t>
+            </a:r>
+            <a:r>
+              <a:rPr lang="ko-KR" altLang="en-US" sz="1100" spc="-50" dirty="0">
+                <a:latin typeface="넥슨Lv1고딕 Light" panose="00000300000000000000" pitchFamily="2" charset="-127"/>
+                <a:ea typeface="넥슨Lv1고딕 Light" panose="00000300000000000000" pitchFamily="2" charset="-127"/>
+              </a:rPr>
+              <a:t>나 </a:t>
+            </a:r>
+            <a:r>
+              <a:rPr lang="en-US" altLang="ko-KR" sz="1100" spc="-50" dirty="0">
+                <a:latin typeface="넥슨Lv1고딕 Light" panose="00000300000000000000" pitchFamily="2" charset="-127"/>
+                <a:ea typeface="넥슨Lv1고딕 Light" panose="00000300000000000000" pitchFamily="2" charset="-127"/>
+              </a:rPr>
+              <a:t>false</a:t>
+            </a:r>
+            <a:r>
+              <a:rPr lang="ko-KR" altLang="en-US" sz="1100" spc="-50" dirty="0">
+                <a:latin typeface="넥슨Lv1고딕 Light" panose="00000300000000000000" pitchFamily="2" charset="-127"/>
+                <a:ea typeface="넥슨Lv1고딕 Light" panose="00000300000000000000" pitchFamily="2" charset="-127"/>
+              </a:rPr>
+              <a:t>와 같은 </a:t>
+            </a:r>
+            <a:r>
+              <a:rPr lang="ko-KR" altLang="en-US" sz="1100" spc="-50" dirty="0" err="1">
+                <a:latin typeface="넥슨Lv1고딕 Light" panose="00000300000000000000" pitchFamily="2" charset="-127"/>
+                <a:ea typeface="넥슨Lv1고딕 Light" panose="00000300000000000000" pitchFamily="2" charset="-127"/>
+              </a:rPr>
+              <a:t>불리언</a:t>
+            </a:r>
+            <a:r>
+              <a:rPr lang="en-US" altLang="ko-KR" sz="1100" spc="-50" dirty="0">
+                <a:latin typeface="넥슨Lv1고딕 Light" panose="00000300000000000000" pitchFamily="2" charset="-127"/>
+                <a:ea typeface="넥슨Lv1고딕 Light" panose="00000300000000000000" pitchFamily="2" charset="-127"/>
+              </a:rPr>
+              <a:t>(Boolean) </a:t>
+            </a:r>
+            <a:r>
+              <a:rPr lang="ko-KR" altLang="en-US" sz="1100" spc="-50" dirty="0">
+                <a:latin typeface="넥슨Lv1고딕 Light" panose="00000300000000000000" pitchFamily="2" charset="-127"/>
+                <a:ea typeface="넥슨Lv1고딕 Light" panose="00000300000000000000" pitchFamily="2" charset="-127"/>
+              </a:rPr>
+              <a:t>자료형이 아니어도 마치 </a:t>
+            </a:r>
+            <a:r>
+              <a:rPr lang="en-US" altLang="ko-KR" sz="1100" spc="-50" dirty="0">
+                <a:latin typeface="넥슨Lv1고딕 Light" panose="00000300000000000000" pitchFamily="2" charset="-127"/>
+                <a:ea typeface="넥슨Lv1고딕 Light" panose="00000300000000000000" pitchFamily="2" charset="-127"/>
+              </a:rPr>
+              <a:t>true</a:t>
+            </a:r>
+            <a:r>
+              <a:rPr lang="ko-KR" altLang="en-US" sz="1100" spc="-50" dirty="0">
+                <a:latin typeface="넥슨Lv1고딕 Light" panose="00000300000000000000" pitchFamily="2" charset="-127"/>
+                <a:ea typeface="넥슨Lv1고딕 Light" panose="00000300000000000000" pitchFamily="2" charset="-127"/>
+              </a:rPr>
+              <a:t>나 </a:t>
+            </a:r>
+            <a:r>
+              <a:rPr lang="en-US" altLang="ko-KR" sz="1100" spc="-50" dirty="0">
+                <a:latin typeface="넥슨Lv1고딕 Light" panose="00000300000000000000" pitchFamily="2" charset="-127"/>
+                <a:ea typeface="넥슨Lv1고딕 Light" panose="00000300000000000000" pitchFamily="2" charset="-127"/>
+              </a:rPr>
+              <a:t>false</a:t>
+            </a:r>
+            <a:r>
+              <a:rPr lang="ko-KR" altLang="en-US" sz="1100" spc="-50" dirty="0">
+                <a:latin typeface="넥슨Lv1고딕 Light" panose="00000300000000000000" pitchFamily="2" charset="-127"/>
+                <a:ea typeface="넥슨Lv1고딕 Light" panose="00000300000000000000" pitchFamily="2" charset="-127"/>
+              </a:rPr>
+              <a:t>인 것처럼 인식되는 값을 의미합니다</a:t>
+            </a:r>
+            <a:r>
+              <a:rPr lang="en-US" altLang="ko-KR" sz="1100" spc="-50" dirty="0">
+                <a:latin typeface="넥슨Lv1고딕 Light" panose="00000300000000000000" pitchFamily="2" charset="-127"/>
+                <a:ea typeface="넥슨Lv1고딕 Light" panose="00000300000000000000" pitchFamily="2" charset="-127"/>
+              </a:rPr>
+              <a:t>.</a:t>
+            </a:r>
+          </a:p>
+        </p:txBody>
+      </p:sp>
+      <p:sp>
+        <p:nvSpPr>
+          <p:cNvPr id="14" name="모서리가 둥근 직사각형 13"/>
+          <p:cNvSpPr/>
+          <p:nvPr/>
+        </p:nvSpPr>
+        <p:spPr>
+          <a:xfrm>
+            <a:off x="1747730" y="3212837"/>
+            <a:ext cx="2446098" cy="322711"/>
+          </a:xfrm>
+          <a:prstGeom prst="roundRect">
+            <a:avLst/>
+          </a:prstGeom>
+          <a:solidFill>
+            <a:schemeClr val="accent1">
+              <a:lumMod val="20000"/>
+              <a:lumOff val="80000"/>
+            </a:schemeClr>
+          </a:solidFill>
+          <a:ln>
+            <a:noFill/>
+          </a:ln>
+        </p:spPr>
+        <p:style>
+          <a:lnRef idx="2">
+            <a:schemeClr val="accent1">
+              <a:shade val="50000"/>
+            </a:schemeClr>
+          </a:lnRef>
+          <a:fillRef idx="1">
+            <a:schemeClr val="accent1"/>
+          </a:fillRef>
+          <a:effectRef idx="0">
+            <a:schemeClr val="accent1"/>
+          </a:effectRef>
+          <a:fontRef idx="minor">
+            <a:schemeClr val="lt1"/>
+          </a:fontRef>
+        </p:style>
+        <p:txBody>
+          <a:bodyPr rtlCol="0" anchor="ctr"/>
+          <a:lstStyle/>
+          <a:p>
+            <a:pPr algn="ctr"/>
+            <a:r>
+              <a:rPr lang="en-US" altLang="ko-KR" sz="1000" dirty="0">
+                <a:solidFill>
+                  <a:schemeClr val="tx1">
+                    <a:lumMod val="85000"/>
+                    <a:lumOff val="15000"/>
+                  </a:schemeClr>
+                </a:solidFill>
+                <a:latin typeface="넥슨Lv1고딕 Bold" panose="00000800000000000000" pitchFamily="2" charset="-127"/>
+                <a:ea typeface="넥슨Lv1고딕 Bold" panose="00000800000000000000" pitchFamily="2" charset="-127"/>
+              </a:rPr>
+              <a:t>true</a:t>
+            </a:r>
+            <a:endParaRPr lang="ko-KR" altLang="en-US" sz="1000" dirty="0">
+              <a:solidFill>
+                <a:schemeClr val="tx1">
+                  <a:lumMod val="85000"/>
+                  <a:lumOff val="15000"/>
+                </a:schemeClr>
+              </a:solidFill>
+              <a:latin typeface="넥슨Lv1고딕 Bold" panose="00000800000000000000" pitchFamily="2" charset="-127"/>
+              <a:ea typeface="넥슨Lv1고딕 Bold" panose="00000800000000000000" pitchFamily="2" charset="-127"/>
+            </a:endParaRPr>
+          </a:p>
+        </p:txBody>
+      </p:sp>
+      <p:sp>
+        <p:nvSpPr>
+          <p:cNvPr id="19" name="모서리가 둥근 직사각형 18"/>
+          <p:cNvSpPr/>
+          <p:nvPr/>
+        </p:nvSpPr>
+        <p:spPr>
+          <a:xfrm>
+            <a:off x="2088216" y="2691187"/>
+            <a:ext cx="1765127" cy="322711"/>
+          </a:xfrm>
+          <a:prstGeom prst="roundRect">
+            <a:avLst/>
+          </a:prstGeom>
+          <a:solidFill>
+            <a:srgbClr val="B5DC11"/>
+          </a:solidFill>
+          <a:ln>
+            <a:noFill/>
+          </a:ln>
+        </p:spPr>
+        <p:style>
+          <a:lnRef idx="2">
+            <a:schemeClr val="accent1">
+              <a:shade val="50000"/>
+            </a:schemeClr>
+          </a:lnRef>
+          <a:fillRef idx="1">
+            <a:schemeClr val="accent1"/>
+          </a:fillRef>
+          <a:effectRef idx="0">
+            <a:schemeClr val="accent1"/>
+          </a:effectRef>
+          <a:fontRef idx="minor">
+            <a:schemeClr val="lt1"/>
+          </a:fontRef>
+        </p:style>
+        <p:txBody>
+          <a:bodyPr rtlCol="0" anchor="ctr"/>
+          <a:lstStyle/>
+          <a:p>
+            <a:pPr algn="ctr"/>
+            <a:r>
+              <a:rPr lang="en-US" altLang="ko-KR" sz="1000" dirty="0">
+                <a:solidFill>
+                  <a:schemeClr val="tx1">
+                    <a:lumMod val="85000"/>
+                    <a:lumOff val="15000"/>
+                  </a:schemeClr>
+                </a:solidFill>
+                <a:latin typeface="넥슨Lv1고딕 Bold" panose="00000800000000000000" pitchFamily="2" charset="-127"/>
+                <a:ea typeface="넥슨Lv1고딕 Bold" panose="00000800000000000000" pitchFamily="2" charset="-127"/>
+              </a:rPr>
+              <a:t>Truthy</a:t>
+            </a:r>
+            <a:r>
+              <a:rPr lang="ko-KR" altLang="en-US" sz="1000" dirty="0">
+                <a:solidFill>
+                  <a:schemeClr val="tx1">
+                    <a:lumMod val="85000"/>
+                    <a:lumOff val="15000"/>
+                  </a:schemeClr>
+                </a:solidFill>
+                <a:latin typeface="넥슨Lv1고딕 Bold" panose="00000800000000000000" pitchFamily="2" charset="-127"/>
+                <a:ea typeface="넥슨Lv1고딕 Bold" panose="00000800000000000000" pitchFamily="2" charset="-127"/>
+              </a:rPr>
+              <a:t>값</a:t>
+            </a:r>
+          </a:p>
+        </p:txBody>
+      </p:sp>
+      <p:grpSp>
+        <p:nvGrpSpPr>
+          <p:cNvPr id="22" name="그룹 21"/>
+          <p:cNvGrpSpPr/>
+          <p:nvPr/>
+        </p:nvGrpSpPr>
+        <p:grpSpPr>
+          <a:xfrm>
+            <a:off x="628650" y="1335845"/>
+            <a:ext cx="745283" cy="745283"/>
+            <a:chOff x="4572000" y="617679"/>
+            <a:chExt cx="745283" cy="745283"/>
+          </a:xfrm>
+        </p:grpSpPr>
+        <p:pic>
+          <p:nvPicPr>
+            <p:cNvPr id="23" name="그림 22"/>
+            <p:cNvPicPr>
+              <a:picLocks noChangeAspect="1"/>
+            </p:cNvPicPr>
+            <p:nvPr/>
+          </p:nvPicPr>
+          <p:blipFill>
+            <a:blip r:embed="rId3" cstate="print">
+              <a:extLst>
+                <a:ext uri="{28A0092B-C50C-407E-A947-70E740481C1C}">
+                  <a14:useLocalDpi xmlns:a14="http://schemas.microsoft.com/office/drawing/2010/main" val="0"/>
+                </a:ext>
+              </a:extLst>
+            </a:blip>
+            <a:stretch>
+              <a:fillRect/>
+            </a:stretch>
+          </p:blipFill>
+          <p:spPr>
+            <a:xfrm>
+              <a:off x="4572000" y="617679"/>
+              <a:ext cx="745283" cy="745283"/>
+            </a:xfrm>
+            <a:prstGeom prst="rect">
+              <a:avLst/>
+            </a:prstGeom>
+          </p:spPr>
+        </p:pic>
+        <p:sp>
+          <p:nvSpPr>
+            <p:cNvPr id="30" name="모서리가 둥근 직사각형 29"/>
+            <p:cNvSpPr/>
+            <p:nvPr/>
+          </p:nvSpPr>
+          <p:spPr>
+            <a:xfrm>
+              <a:off x="4636175" y="867866"/>
+              <a:ext cx="616932" cy="266988"/>
+            </a:xfrm>
+            <a:prstGeom prst="roundRect">
+              <a:avLst/>
+            </a:prstGeom>
+            <a:noFill/>
+            <a:ln>
+              <a:noFill/>
+            </a:ln>
+          </p:spPr>
+          <p:style>
+            <a:lnRef idx="2">
+              <a:schemeClr val="accent1">
+                <a:shade val="50000"/>
+              </a:schemeClr>
+            </a:lnRef>
+            <a:fillRef idx="1">
+              <a:schemeClr val="accent1"/>
+            </a:fillRef>
+            <a:effectRef idx="0">
+              <a:schemeClr val="accent1"/>
+            </a:effectRef>
+            <a:fontRef idx="minor">
+              <a:schemeClr val="lt1"/>
+            </a:fontRef>
+          </p:style>
+          <p:txBody>
+            <a:bodyPr rtlCol="0" anchor="ctr"/>
+            <a:lstStyle/>
+            <a:p>
+              <a:pPr algn="ctr"/>
+              <a:r>
+                <a:rPr lang="ko-KR" altLang="en-US" sz="850" dirty="0">
+                  <a:solidFill>
+                    <a:schemeClr val="bg1"/>
+                  </a:solidFill>
+                  <a:latin typeface="넥슨Lv1고딕" panose="00000500000000000000" pitchFamily="2" charset="-127"/>
+                  <a:ea typeface="넥슨Lv1고딕" panose="00000500000000000000" pitchFamily="2" charset="-127"/>
+                </a:rPr>
+                <a:t>칠판시간</a:t>
+              </a:r>
+            </a:p>
+          </p:txBody>
+        </p:sp>
+      </p:grpSp>
       <p:sp>
         <p:nvSpPr>
           <p:cNvPr id="36" name="모서리가 둥근 직사각형 18">
@@ -12320,6 +17769,1377 @@
     <p:extLst>
       <p:ext uri="{BB962C8B-B14F-4D97-AF65-F5344CB8AC3E}">
         <p14:creationId xmlns:p14="http://schemas.microsoft.com/office/powerpoint/2010/main" val="484597201"/>
+      </p:ext>
+    </p:extLst>
+  </p:cSld>
+  <p:clrMapOvr>
+    <a:masterClrMapping/>
+  </p:clrMapOvr>
+</p:sld>
+</file>
+
+<file path=ppt/slides/slide20.xml><?xml version="1.0" encoding="utf-8"?>
+<p:sld xmlns:a="http://schemas.openxmlformats.org/drawingml/2006/main" xmlns:r="http://schemas.openxmlformats.org/officeDocument/2006/relationships" xmlns:p="http://schemas.openxmlformats.org/presentationml/2006/main">
+  <p:cSld>
+    <p:spTree>
+      <p:nvGrpSpPr>
+        <p:cNvPr id="1" name=""/>
+        <p:cNvGrpSpPr/>
+        <p:nvPr/>
+      </p:nvGrpSpPr>
+      <p:grpSpPr>
+        <a:xfrm>
+          <a:off x="0" y="0"/>
+          <a:ext cx="0" cy="0"/>
+          <a:chOff x="0" y="0"/>
+          <a:chExt cx="0" cy="0"/>
+        </a:xfrm>
+      </p:grpSpPr>
+      <p:sp>
+        <p:nvSpPr>
+          <p:cNvPr id="7" name="모서리가 둥근 직사각형 6"/>
+          <p:cNvSpPr/>
+          <p:nvPr/>
+        </p:nvSpPr>
+        <p:spPr>
+          <a:xfrm>
+            <a:off x="1109817" y="1610380"/>
+            <a:ext cx="3872888" cy="350275"/>
+          </a:xfrm>
+          <a:prstGeom prst="roundRect">
+            <a:avLst/>
+          </a:prstGeom>
+          <a:solidFill>
+            <a:schemeClr val="bg1">
+              <a:lumMod val="95000"/>
+            </a:schemeClr>
+          </a:solidFill>
+          <a:ln>
+            <a:noFill/>
+          </a:ln>
+        </p:spPr>
+        <p:style>
+          <a:lnRef idx="2">
+            <a:schemeClr val="accent1">
+              <a:shade val="50000"/>
+            </a:schemeClr>
+          </a:lnRef>
+          <a:fillRef idx="1">
+            <a:schemeClr val="accent1"/>
+          </a:fillRef>
+          <a:effectRef idx="0">
+            <a:schemeClr val="accent1"/>
+          </a:effectRef>
+          <a:fontRef idx="minor">
+            <a:schemeClr val="lt1"/>
+          </a:fontRef>
+        </p:style>
+        <p:txBody>
+          <a:bodyPr lIns="360000" rtlCol="0" anchor="ctr"/>
+          <a:lstStyle/>
+          <a:p>
+            <a:r>
+              <a:rPr lang="en-US" altLang="ko-KR" sz="1200" spc="-50" dirty="0">
+                <a:solidFill>
+                  <a:schemeClr val="accent1">
+                    <a:lumMod val="50000"/>
+                  </a:schemeClr>
+                </a:solidFill>
+                <a:latin typeface="넥슨Lv1고딕 Bold" panose="00000800000000000000" pitchFamily="2" charset="-127"/>
+                <a:ea typeface="넥슨Lv1고딕 Bold" panose="00000800000000000000" pitchFamily="2" charset="-127"/>
+              </a:rPr>
+              <a:t>Local Storage </a:t>
+            </a:r>
+            <a:r>
+              <a:rPr lang="ko-KR" altLang="en-US" sz="1200" spc="-50">
+                <a:solidFill>
+                  <a:schemeClr val="accent1">
+                    <a:lumMod val="50000"/>
+                  </a:schemeClr>
+                </a:solidFill>
+                <a:latin typeface="넥슨Lv1고딕 Bold" panose="00000800000000000000" pitchFamily="2" charset="-127"/>
+                <a:ea typeface="넥슨Lv1고딕 Bold" panose="00000800000000000000" pitchFamily="2" charset="-127"/>
+              </a:rPr>
+              <a:t>사용법</a:t>
+            </a:r>
+            <a:endParaRPr lang="ko-KR" altLang="en-US" sz="1200" spc="-50" dirty="0">
+              <a:solidFill>
+                <a:schemeClr val="accent1">
+                  <a:lumMod val="50000"/>
+                </a:schemeClr>
+              </a:solidFill>
+              <a:latin typeface="넥슨Lv1고딕 Bold" panose="00000800000000000000" pitchFamily="2" charset="-127"/>
+              <a:ea typeface="넥슨Lv1고딕 Bold" panose="00000800000000000000" pitchFamily="2" charset="-127"/>
+            </a:endParaRPr>
+          </a:p>
+        </p:txBody>
+      </p:sp>
+      <p:cxnSp>
+        <p:nvCxnSpPr>
+          <p:cNvPr id="13" name="직선 연결선 12"/>
+          <p:cNvCxnSpPr/>
+          <p:nvPr/>
+        </p:nvCxnSpPr>
+        <p:spPr>
+          <a:xfrm>
+            <a:off x="689488" y="1238865"/>
+            <a:ext cx="7647038" cy="0"/>
+          </a:xfrm>
+          <a:prstGeom prst="line">
+            <a:avLst/>
+          </a:prstGeom>
+          <a:ln>
+            <a:solidFill>
+              <a:schemeClr val="bg1">
+                <a:lumMod val="85000"/>
+              </a:schemeClr>
+            </a:solidFill>
+          </a:ln>
+        </p:spPr>
+        <p:style>
+          <a:lnRef idx="1">
+            <a:schemeClr val="accent1"/>
+          </a:lnRef>
+          <a:fillRef idx="0">
+            <a:schemeClr val="accent1"/>
+          </a:fillRef>
+          <a:effectRef idx="0">
+            <a:schemeClr val="accent1"/>
+          </a:effectRef>
+          <a:fontRef idx="minor">
+            <a:schemeClr val="tx1"/>
+          </a:fontRef>
+        </p:style>
+      </p:cxnSp>
+      <p:sp>
+        <p:nvSpPr>
+          <p:cNvPr id="3" name="슬라이드 번호 개체 틀 2"/>
+          <p:cNvSpPr>
+            <a:spLocks noGrp="1"/>
+          </p:cNvSpPr>
+          <p:nvPr>
+            <p:ph type="sldNum" sz="quarter" idx="12"/>
+          </p:nvPr>
+        </p:nvSpPr>
+        <p:spPr/>
+        <p:txBody>
+          <a:bodyPr/>
+          <a:lstStyle/>
+          <a:p>
+            <a:fld id="{8D0AD3C7-B26A-41BF-81F8-CAF4A9564849}" type="slidenum">
+              <a:rPr lang="ko-KR" altLang="en-US" smtClean="0"/>
+              <a:pPr/>
+              <a:t>19</a:t>
+            </a:fld>
+            <a:endParaRPr lang="ko-KR" altLang="en-US" dirty="0"/>
+          </a:p>
+        </p:txBody>
+      </p:sp>
+      <p:sp>
+        <p:nvSpPr>
+          <p:cNvPr id="4" name="제목 3"/>
+          <p:cNvSpPr>
+            <a:spLocks noGrp="1"/>
+          </p:cNvSpPr>
+          <p:nvPr>
+            <p:ph type="title"/>
+          </p:nvPr>
+        </p:nvSpPr>
+        <p:spPr>
+          <a:xfrm>
+            <a:off x="628650" y="551713"/>
+            <a:ext cx="7886700" cy="721790"/>
+          </a:xfrm>
+        </p:spPr>
+        <p:txBody>
+          <a:bodyPr>
+            <a:normAutofit/>
+          </a:bodyPr>
+          <a:lstStyle/>
+          <a:p>
+            <a:pPr>
+              <a:lnSpc>
+                <a:spcPct val="110000"/>
+              </a:lnSpc>
+            </a:pPr>
+            <a:r>
+              <a:rPr lang="ko-KR" altLang="en-US" sz="1000" dirty="0">
+                <a:latin typeface="넥슨Lv1고딕 Light" panose="00000300000000000000" pitchFamily="2" charset="-127"/>
+                <a:ea typeface="넥슨Lv1고딕 Light" panose="00000300000000000000" pitchFamily="2" charset="-127"/>
+              </a:rPr>
+              <a:t>알면 좋을 자바스크립트</a:t>
+            </a:r>
+            <a:br>
+              <a:rPr lang="en-US" altLang="ko-KR" sz="1800" dirty="0">
+                <a:latin typeface="넥슨Lv1고딕 Bold" panose="00000800000000000000" pitchFamily="2" charset="-127"/>
+                <a:ea typeface="넥슨Lv1고딕 Bold" panose="00000800000000000000" pitchFamily="2" charset="-127"/>
+              </a:rPr>
+            </a:br>
+            <a:r>
+              <a:rPr lang="en-US" altLang="ko-KR" sz="1800" dirty="0">
+                <a:latin typeface="넥슨Lv1고딕 Bold" panose="00000800000000000000" pitchFamily="2" charset="-127"/>
+                <a:ea typeface="넥슨Lv1고딕 Bold" panose="00000800000000000000" pitchFamily="2" charset="-127"/>
+              </a:rPr>
+              <a:t>HTML5 Local Storage</a:t>
+            </a:r>
+            <a:endParaRPr lang="ko-KR" altLang="en-US" sz="2200" dirty="0">
+              <a:latin typeface="넥슨Lv1고딕 Bold" panose="00000800000000000000" pitchFamily="2" charset="-127"/>
+              <a:ea typeface="넥슨Lv1고딕 Bold" panose="00000800000000000000" pitchFamily="2" charset="-127"/>
+            </a:endParaRPr>
+          </a:p>
+        </p:txBody>
+      </p:sp>
+      <p:sp>
+        <p:nvSpPr>
+          <p:cNvPr id="12" name="TextBox 11"/>
+          <p:cNvSpPr txBox="1"/>
+          <p:nvPr/>
+        </p:nvSpPr>
+        <p:spPr>
+          <a:xfrm>
+            <a:off x="1415846" y="2061361"/>
+            <a:ext cx="6561096" cy="261610"/>
+          </a:xfrm>
+          <a:prstGeom prst="rect">
+            <a:avLst/>
+          </a:prstGeom>
+          <a:noFill/>
+        </p:spPr>
+        <p:txBody>
+          <a:bodyPr wrap="square" rtlCol="0">
+            <a:spAutoFit/>
+          </a:bodyPr>
+          <a:lstStyle/>
+          <a:p>
+            <a:r>
+              <a:rPr lang="en-US" altLang="ko-KR" sz="1100" spc="-50" dirty="0">
+                <a:solidFill>
+                  <a:srgbClr val="FF0000"/>
+                </a:solidFill>
+                <a:latin typeface="넥슨Lv1고딕 Bold" panose="00000800000000000000" pitchFamily="2" charset="-127"/>
+                <a:ea typeface="넥슨Lv1고딕 Bold" panose="00000800000000000000" pitchFamily="2" charset="-127"/>
+              </a:rPr>
+              <a:t>Local Storage</a:t>
+            </a:r>
+            <a:r>
+              <a:rPr lang="ko-KR" altLang="en-US" sz="1100" spc="-50">
+                <a:solidFill>
+                  <a:srgbClr val="FF0000"/>
+                </a:solidFill>
+                <a:latin typeface="넥슨Lv1고딕 Bold" panose="00000800000000000000" pitchFamily="2" charset="-127"/>
+                <a:ea typeface="넥슨Lv1고딕 Bold" panose="00000800000000000000" pitchFamily="2" charset="-127"/>
+              </a:rPr>
+              <a:t>는 </a:t>
+            </a:r>
+            <a:r>
+              <a:rPr lang="en-US" altLang="ko-KR" sz="1100" spc="-50" dirty="0" err="1">
+                <a:solidFill>
+                  <a:srgbClr val="FF0000"/>
+                </a:solidFill>
+                <a:latin typeface="넥슨Lv1고딕 Bold" panose="00000800000000000000" pitchFamily="2" charset="-127"/>
+                <a:ea typeface="넥슨Lv1고딕 Bold" panose="00000800000000000000" pitchFamily="2" charset="-127"/>
+              </a:rPr>
+              <a:t>setItem</a:t>
+            </a:r>
+            <a:r>
+              <a:rPr lang="en-US" altLang="ko-KR" sz="1100" spc="-50" dirty="0">
+                <a:solidFill>
+                  <a:srgbClr val="FF0000"/>
+                </a:solidFill>
+                <a:latin typeface="넥슨Lv1고딕 Bold" panose="00000800000000000000" pitchFamily="2" charset="-127"/>
+                <a:ea typeface="넥슨Lv1고딕 Bold" panose="00000800000000000000" pitchFamily="2" charset="-127"/>
+              </a:rPr>
+              <a:t>()</a:t>
+            </a:r>
+            <a:r>
+              <a:rPr lang="ko-KR" altLang="en-US" sz="1100" spc="-50">
+                <a:solidFill>
+                  <a:srgbClr val="FF0000"/>
+                </a:solidFill>
+                <a:latin typeface="넥슨Lv1고딕 Bold" panose="00000800000000000000" pitchFamily="2" charset="-127"/>
+                <a:ea typeface="넥슨Lv1고딕 Bold" panose="00000800000000000000" pitchFamily="2" charset="-127"/>
+              </a:rPr>
+              <a:t>과 </a:t>
+            </a:r>
+            <a:r>
+              <a:rPr lang="en-US" altLang="ko-KR" sz="1100" spc="-50" dirty="0" err="1">
+                <a:solidFill>
+                  <a:srgbClr val="FF0000"/>
+                </a:solidFill>
+                <a:latin typeface="넥슨Lv1고딕 Bold" panose="00000800000000000000" pitchFamily="2" charset="-127"/>
+                <a:ea typeface="넥슨Lv1고딕 Bold" panose="00000800000000000000" pitchFamily="2" charset="-127"/>
+              </a:rPr>
+              <a:t>getItem</a:t>
+            </a:r>
+            <a:r>
+              <a:rPr lang="en-US" altLang="ko-KR" sz="1100" spc="-50" dirty="0">
+                <a:solidFill>
+                  <a:srgbClr val="FF0000"/>
+                </a:solidFill>
+                <a:latin typeface="넥슨Lv1고딕 Bold" panose="00000800000000000000" pitchFamily="2" charset="-127"/>
+                <a:ea typeface="넥슨Lv1고딕 Bold" panose="00000800000000000000" pitchFamily="2" charset="-127"/>
+              </a:rPr>
+              <a:t>() </a:t>
+            </a:r>
+            <a:r>
+              <a:rPr lang="ko-KR" altLang="en-US" sz="1100" spc="-50">
+                <a:solidFill>
+                  <a:srgbClr val="FF0000"/>
+                </a:solidFill>
+                <a:latin typeface="넥슨Lv1고딕 Bold" panose="00000800000000000000" pitchFamily="2" charset="-127"/>
+                <a:ea typeface="넥슨Lv1고딕 Bold" panose="00000800000000000000" pitchFamily="2" charset="-127"/>
+              </a:rPr>
+              <a:t>메서드를 사용하여 데이터를 저장하거나 가져올 수 있습니다</a:t>
+            </a:r>
+            <a:r>
+              <a:rPr lang="en-US" altLang="ko-KR" sz="1100" spc="-50" dirty="0">
+                <a:solidFill>
+                  <a:srgbClr val="FF0000"/>
+                </a:solidFill>
+                <a:latin typeface="넥슨Lv1고딕 Bold" panose="00000800000000000000" pitchFamily="2" charset="-127"/>
+                <a:ea typeface="넥슨Lv1고딕 Bold" panose="00000800000000000000" pitchFamily="2" charset="-127"/>
+              </a:rPr>
+              <a:t>.</a:t>
+            </a:r>
+            <a:endParaRPr lang="en-US" altLang="ko-KR" sz="1100" spc="-50" dirty="0">
+              <a:latin typeface="넥슨Lv1고딕 Light" panose="00000300000000000000" pitchFamily="2" charset="-127"/>
+              <a:ea typeface="넥슨Lv1고딕 Light" panose="00000300000000000000" pitchFamily="2" charset="-127"/>
+            </a:endParaRPr>
+          </a:p>
+        </p:txBody>
+      </p:sp>
+      <p:grpSp>
+        <p:nvGrpSpPr>
+          <p:cNvPr id="22" name="그룹 21"/>
+          <p:cNvGrpSpPr/>
+          <p:nvPr/>
+        </p:nvGrpSpPr>
+        <p:grpSpPr>
+          <a:xfrm>
+            <a:off x="628650" y="1335845"/>
+            <a:ext cx="745283" cy="745283"/>
+            <a:chOff x="4572000" y="617679"/>
+            <a:chExt cx="745283" cy="745283"/>
+          </a:xfrm>
+        </p:grpSpPr>
+        <p:pic>
+          <p:nvPicPr>
+            <p:cNvPr id="23" name="그림 22"/>
+            <p:cNvPicPr>
+              <a:picLocks noChangeAspect="1"/>
+            </p:cNvPicPr>
+            <p:nvPr/>
+          </p:nvPicPr>
+          <p:blipFill>
+            <a:blip r:embed="rId3" cstate="print">
+              <a:extLst>
+                <a:ext uri="{28A0092B-C50C-407E-A947-70E740481C1C}">
+                  <a14:useLocalDpi xmlns:a14="http://schemas.microsoft.com/office/drawing/2010/main" val="0"/>
+                </a:ext>
+              </a:extLst>
+            </a:blip>
+            <a:stretch>
+              <a:fillRect/>
+            </a:stretch>
+          </p:blipFill>
+          <p:spPr>
+            <a:xfrm>
+              <a:off x="4572000" y="617679"/>
+              <a:ext cx="745283" cy="745283"/>
+            </a:xfrm>
+            <a:prstGeom prst="rect">
+              <a:avLst/>
+            </a:prstGeom>
+          </p:spPr>
+        </p:pic>
+        <p:sp>
+          <p:nvSpPr>
+            <p:cNvPr id="30" name="모서리가 둥근 직사각형 29"/>
+            <p:cNvSpPr/>
+            <p:nvPr/>
+          </p:nvSpPr>
+          <p:spPr>
+            <a:xfrm>
+              <a:off x="4636175" y="867866"/>
+              <a:ext cx="616932" cy="266988"/>
+            </a:xfrm>
+            <a:prstGeom prst="roundRect">
+              <a:avLst/>
+            </a:prstGeom>
+            <a:noFill/>
+            <a:ln>
+              <a:noFill/>
+            </a:ln>
+          </p:spPr>
+          <p:style>
+            <a:lnRef idx="2">
+              <a:schemeClr val="accent1">
+                <a:shade val="50000"/>
+              </a:schemeClr>
+            </a:lnRef>
+            <a:fillRef idx="1">
+              <a:schemeClr val="accent1"/>
+            </a:fillRef>
+            <a:effectRef idx="0">
+              <a:schemeClr val="accent1"/>
+            </a:effectRef>
+            <a:fontRef idx="minor">
+              <a:schemeClr val="lt1"/>
+            </a:fontRef>
+          </p:style>
+          <p:txBody>
+            <a:bodyPr rtlCol="0" anchor="ctr"/>
+            <a:lstStyle/>
+            <a:p>
+              <a:pPr algn="ctr"/>
+              <a:r>
+                <a:rPr lang="ko-KR" altLang="en-US" sz="850" dirty="0">
+                  <a:solidFill>
+                    <a:schemeClr val="bg1"/>
+                  </a:solidFill>
+                  <a:latin typeface="넥슨Lv1고딕" panose="00000500000000000000" pitchFamily="2" charset="-127"/>
+                  <a:ea typeface="넥슨Lv1고딕" panose="00000500000000000000" pitchFamily="2" charset="-127"/>
+                </a:rPr>
+                <a:t>칠판시간</a:t>
+              </a:r>
+            </a:p>
+          </p:txBody>
+        </p:sp>
+      </p:grpSp>
+      <p:graphicFrame>
+        <p:nvGraphicFramePr>
+          <p:cNvPr id="20" name="표 19"/>
+          <p:cNvGraphicFramePr>
+            <a:graphicFrameLocks noGrp="1"/>
+          </p:cNvGraphicFramePr>
+          <p:nvPr>
+            <p:extLst>
+              <p:ext uri="{D42A27DB-BD31-4B8C-83A1-F6EECF244321}">
+                <p14:modId xmlns:p14="http://schemas.microsoft.com/office/powerpoint/2010/main" val="1914444785"/>
+              </p:ext>
+            </p:extLst>
+          </p:nvPr>
+        </p:nvGraphicFramePr>
+        <p:xfrm>
+          <a:off x="1490240" y="2511578"/>
+          <a:ext cx="6646370" cy="1890000"/>
+        </p:xfrm>
+        <a:graphic>
+          <a:graphicData uri="http://schemas.openxmlformats.org/drawingml/2006/table">
+            <a:tbl>
+              <a:tblPr firstRow="1" bandRow="1">
+                <a:tableStyleId>{3B4B98B0-60AC-42C2-AFA5-B58CD77FA1E5}</a:tableStyleId>
+              </a:tblPr>
+              <a:tblGrid>
+                <a:gridCol w="2748607">
+                  <a:extLst>
+                    <a:ext uri="{9D8B030D-6E8A-4147-A177-3AD203B41FA5}">
+                      <a16:colId xmlns:a16="http://schemas.microsoft.com/office/drawing/2014/main" val="20000"/>
+                    </a:ext>
+                  </a:extLst>
+                </a:gridCol>
+                <a:gridCol w="3897763">
+                  <a:extLst>
+                    <a:ext uri="{9D8B030D-6E8A-4147-A177-3AD203B41FA5}">
+                      <a16:colId xmlns:a16="http://schemas.microsoft.com/office/drawing/2014/main" val="20001"/>
+                    </a:ext>
+                  </a:extLst>
+                </a:gridCol>
+              </a:tblGrid>
+              <a:tr h="315000">
+                <a:tc>
+                  <a:txBody>
+                    <a:bodyPr/>
+                    <a:lstStyle/>
+                    <a:p>
+                      <a:pPr algn="ctr" latinLnBrk="1"/>
+                      <a:r>
+                        <a:rPr lang="ko-KR" altLang="en-US" sz="1000" b="0" dirty="0" err="1">
+                          <a:latin typeface="넥슨Lv1고딕 Bold" panose="00000800000000000000" pitchFamily="2" charset="-127"/>
+                          <a:ea typeface="넥슨Lv1고딕 Bold" panose="00000800000000000000" pitchFamily="2" charset="-127"/>
+                        </a:rPr>
+                        <a:t>메서드</a:t>
+                      </a:r>
+                      <a:endParaRPr lang="ko-KR" altLang="en-US" sz="1000" b="0" dirty="0">
+                        <a:latin typeface="넥슨Lv1고딕 Bold" panose="00000800000000000000" pitchFamily="2" charset="-127"/>
+                        <a:ea typeface="넥슨Lv1고딕 Bold" panose="00000800000000000000" pitchFamily="2" charset="-127"/>
+                      </a:endParaRPr>
+                    </a:p>
+                  </a:txBody>
+                  <a:tcPr anchor="ctr"/>
+                </a:tc>
+                <a:tc>
+                  <a:txBody>
+                    <a:bodyPr/>
+                    <a:lstStyle/>
+                    <a:p>
+                      <a:pPr algn="ctr" latinLnBrk="1"/>
+                      <a:r>
+                        <a:rPr lang="ko-KR" altLang="en-US" sz="1000" b="0" dirty="0">
+                          <a:latin typeface="넥슨Lv1고딕 Bold" panose="00000800000000000000" pitchFamily="2" charset="-127"/>
+                          <a:ea typeface="넥슨Lv1고딕 Bold" panose="00000800000000000000" pitchFamily="2" charset="-127"/>
+                        </a:rPr>
+                        <a:t>기능</a:t>
+                      </a:r>
+                    </a:p>
+                  </a:txBody>
+                  <a:tcPr anchor="ctr"/>
+                </a:tc>
+                <a:extLst>
+                  <a:ext uri="{0D108BD9-81ED-4DB2-BD59-A6C34878D82A}">
+                    <a16:rowId xmlns:a16="http://schemas.microsoft.com/office/drawing/2014/main" val="10000"/>
+                  </a:ext>
+                </a:extLst>
+              </a:tr>
+              <a:tr h="315000">
+                <a:tc>
+                  <a:txBody>
+                    <a:bodyPr/>
+                    <a:lstStyle/>
+                    <a:p>
+                      <a:pPr algn="l" latinLnBrk="1"/>
+                      <a:r>
+                        <a:rPr lang="en-US" altLang="ko-KR" sz="1000" dirty="0">
+                          <a:latin typeface="넥슨Lv1고딕 Light" panose="00000300000000000000" pitchFamily="2" charset="-127"/>
+                          <a:ea typeface="넥슨Lv1고딕 Light" panose="00000300000000000000" pitchFamily="2" charset="-127"/>
+                        </a:rPr>
+                        <a:t>  </a:t>
+                      </a:r>
+                      <a:r>
+                        <a:rPr lang="en-US" altLang="ko-KR" sz="1000" dirty="0" err="1">
+                          <a:latin typeface="넥슨Lv1고딕 Light" panose="00000300000000000000" pitchFamily="2" charset="-127"/>
+                          <a:ea typeface="넥슨Lv1고딕 Light" panose="00000300000000000000" pitchFamily="2" charset="-127"/>
+                        </a:rPr>
+                        <a:t>localStorage.</a:t>
+                      </a:r>
+                      <a:r>
+                        <a:rPr lang="en-US" altLang="ko-KR" sz="1000" dirty="0" err="1">
+                          <a:solidFill>
+                            <a:srgbClr val="FF0000"/>
+                          </a:solidFill>
+                          <a:latin typeface="넥슨Lv1고딕 Light" panose="00000300000000000000" pitchFamily="2" charset="-127"/>
+                          <a:ea typeface="넥슨Lv1고딕 Light" panose="00000300000000000000" pitchFamily="2" charset="-127"/>
+                        </a:rPr>
+                        <a:t>setItem</a:t>
+                      </a:r>
+                      <a:r>
+                        <a:rPr lang="en-US" altLang="ko-KR" sz="1000" dirty="0">
+                          <a:latin typeface="넥슨Lv1고딕 Light" panose="00000300000000000000" pitchFamily="2" charset="-127"/>
+                          <a:ea typeface="넥슨Lv1고딕 Light" panose="00000300000000000000" pitchFamily="2" charset="-127"/>
+                        </a:rPr>
+                        <a:t>(‘name’, ‘</a:t>
+                      </a:r>
+                      <a:r>
+                        <a:rPr lang="ko-KR" altLang="en-US" sz="1000">
+                          <a:latin typeface="넥슨Lv1고딕 Light" panose="00000300000000000000" pitchFamily="2" charset="-127"/>
+                          <a:ea typeface="넥슨Lv1고딕 Light" panose="00000300000000000000" pitchFamily="2" charset="-127"/>
+                        </a:rPr>
+                        <a:t>하늘</a:t>
+                      </a:r>
+                      <a:r>
+                        <a:rPr lang="en-US" altLang="ko-KR" sz="1000" dirty="0">
+                          <a:latin typeface="넥슨Lv1고딕 Light" panose="00000300000000000000" pitchFamily="2" charset="-127"/>
+                          <a:ea typeface="넥슨Lv1고딕 Light" panose="00000300000000000000" pitchFamily="2" charset="-127"/>
+                        </a:rPr>
+                        <a:t>’)</a:t>
+                      </a:r>
+                      <a:endParaRPr lang="ko-KR" altLang="en-US" sz="1000" dirty="0">
+                        <a:latin typeface="넥슨Lv1고딕 Light" panose="00000300000000000000" pitchFamily="2" charset="-127"/>
+                        <a:ea typeface="넥슨Lv1고딕 Light" panose="00000300000000000000" pitchFamily="2" charset="-127"/>
+                      </a:endParaRPr>
+                    </a:p>
+                  </a:txBody>
+                  <a:tcPr anchor="ctr"/>
+                </a:tc>
+                <a:tc>
+                  <a:txBody>
+                    <a:bodyPr/>
+                    <a:lstStyle/>
+                    <a:p>
+                      <a:pPr algn="l" latinLnBrk="1"/>
+                      <a:r>
+                        <a:rPr lang="ko-KR" altLang="en-US" sz="1000" baseline="0" dirty="0">
+                          <a:latin typeface="넥슨Lv1고딕 Light" panose="00000300000000000000" pitchFamily="2" charset="-127"/>
+                          <a:ea typeface="넥슨Lv1고딕 Light" panose="00000300000000000000" pitchFamily="2" charset="-127"/>
+                        </a:rPr>
+                        <a:t>  로컬 </a:t>
+                      </a:r>
+                      <a:r>
+                        <a:rPr lang="ko-KR" altLang="en-US" sz="1000" baseline="0" dirty="0" err="1">
+                          <a:latin typeface="넥슨Lv1고딕 Light" panose="00000300000000000000" pitchFamily="2" charset="-127"/>
+                          <a:ea typeface="넥슨Lv1고딕 Light" panose="00000300000000000000" pitchFamily="2" charset="-127"/>
+                        </a:rPr>
+                        <a:t>스토리지에</a:t>
+                      </a:r>
+                      <a:r>
+                        <a:rPr lang="ko-KR" altLang="en-US" sz="1000" baseline="0" dirty="0">
+                          <a:latin typeface="넥슨Lv1고딕 Light" panose="00000300000000000000" pitchFamily="2" charset="-127"/>
+                          <a:ea typeface="넥슨Lv1고딕 Light" panose="00000300000000000000" pitchFamily="2" charset="-127"/>
+                        </a:rPr>
+                        <a:t> </a:t>
+                      </a:r>
+                      <a:r>
+                        <a:rPr lang="en-US" altLang="ko-KR" sz="1000" baseline="0" dirty="0">
+                          <a:latin typeface="넥슨Lv1고딕 Light" panose="00000300000000000000" pitchFamily="2" charset="-127"/>
+                          <a:ea typeface="넥슨Lv1고딕 Light" panose="00000300000000000000" pitchFamily="2" charset="-127"/>
+                        </a:rPr>
+                        <a:t>key, value</a:t>
+                      </a:r>
+                      <a:r>
+                        <a:rPr lang="ko-KR" altLang="en-US" sz="1000" baseline="0">
+                          <a:latin typeface="넥슨Lv1고딕 Light" panose="00000300000000000000" pitchFamily="2" charset="-127"/>
+                          <a:ea typeface="넥슨Lv1고딕 Light" panose="00000300000000000000" pitchFamily="2" charset="-127"/>
+                        </a:rPr>
+                        <a:t>를 저장합니다</a:t>
+                      </a:r>
+                      <a:r>
+                        <a:rPr lang="en-US" altLang="ko-KR" sz="1000" baseline="0" dirty="0">
+                          <a:latin typeface="넥슨Lv1고딕 Light" panose="00000300000000000000" pitchFamily="2" charset="-127"/>
+                          <a:ea typeface="넥슨Lv1고딕 Light" panose="00000300000000000000" pitchFamily="2" charset="-127"/>
+                        </a:rPr>
+                        <a:t>.</a:t>
+                      </a:r>
+                      <a:endParaRPr lang="ko-KR" altLang="en-US" sz="1000" dirty="0">
+                        <a:latin typeface="넥슨Lv1고딕 Light" panose="00000300000000000000" pitchFamily="2" charset="-127"/>
+                        <a:ea typeface="넥슨Lv1고딕 Light" panose="00000300000000000000" pitchFamily="2" charset="-127"/>
+                      </a:endParaRPr>
+                    </a:p>
+                  </a:txBody>
+                  <a:tcPr anchor="ctr"/>
+                </a:tc>
+                <a:extLst>
+                  <a:ext uri="{0D108BD9-81ED-4DB2-BD59-A6C34878D82A}">
+                    <a16:rowId xmlns:a16="http://schemas.microsoft.com/office/drawing/2014/main" val="10001"/>
+                  </a:ext>
+                </a:extLst>
+              </a:tr>
+              <a:tr h="315000">
+                <a:tc>
+                  <a:txBody>
+                    <a:bodyPr/>
+                    <a:lstStyle/>
+                    <a:p>
+                      <a:pPr marL="0" marR="0" lvl="0" indent="0" algn="l" defTabSz="914400" rtl="0" eaLnBrk="1" fontAlgn="auto" latinLnBrk="1" hangingPunct="1">
+                        <a:lnSpc>
+                          <a:spcPct val="100000"/>
+                        </a:lnSpc>
+                        <a:spcBef>
+                          <a:spcPts val="0"/>
+                        </a:spcBef>
+                        <a:spcAft>
+                          <a:spcPts val="0"/>
+                        </a:spcAft>
+                        <a:buClrTx/>
+                        <a:buSzTx/>
+                        <a:buFontTx/>
+                        <a:buNone/>
+                        <a:tabLst/>
+                        <a:defRPr/>
+                      </a:pPr>
+                      <a:r>
+                        <a:rPr lang="en-US" altLang="ko-KR" sz="1000" dirty="0">
+                          <a:latin typeface="넥슨Lv1고딕 Light" panose="00000300000000000000" pitchFamily="2" charset="-127"/>
+                          <a:ea typeface="넥슨Lv1고딕 Light" panose="00000300000000000000" pitchFamily="2" charset="-127"/>
+                        </a:rPr>
+                        <a:t>  </a:t>
+                      </a:r>
+                      <a:r>
+                        <a:rPr lang="en-US" altLang="ko-KR" sz="1000" dirty="0" err="1">
+                          <a:latin typeface="넥슨Lv1고딕 Light" panose="00000300000000000000" pitchFamily="2" charset="-127"/>
+                          <a:ea typeface="넥슨Lv1고딕 Light" panose="00000300000000000000" pitchFamily="2" charset="-127"/>
+                        </a:rPr>
+                        <a:t>localStorage.</a:t>
+                      </a:r>
+                      <a:r>
+                        <a:rPr lang="en-US" altLang="ko-KR" sz="1000" dirty="0" err="1">
+                          <a:solidFill>
+                            <a:srgbClr val="FF0000"/>
+                          </a:solidFill>
+                          <a:latin typeface="넥슨Lv1고딕 Light" panose="00000300000000000000" pitchFamily="2" charset="-127"/>
+                          <a:ea typeface="넥슨Lv1고딕 Light" panose="00000300000000000000" pitchFamily="2" charset="-127"/>
+                        </a:rPr>
+                        <a:t>getItem</a:t>
+                      </a:r>
+                      <a:r>
+                        <a:rPr lang="en-US" altLang="ko-KR" sz="1000" dirty="0">
+                          <a:latin typeface="넥슨Lv1고딕 Light" panose="00000300000000000000" pitchFamily="2" charset="-127"/>
+                          <a:ea typeface="넥슨Lv1고딕 Light" panose="00000300000000000000" pitchFamily="2" charset="-127"/>
+                        </a:rPr>
+                        <a:t>(‘name’)</a:t>
+                      </a:r>
+                      <a:endParaRPr lang="ko-KR" altLang="en-US" sz="1000">
+                        <a:latin typeface="넥슨Lv1고딕 Light" panose="00000300000000000000" pitchFamily="2" charset="-127"/>
+                        <a:ea typeface="넥슨Lv1고딕 Light" panose="00000300000000000000" pitchFamily="2" charset="-127"/>
+                      </a:endParaRPr>
+                    </a:p>
+                  </a:txBody>
+                  <a:tcPr anchor="ctr"/>
+                </a:tc>
+                <a:tc>
+                  <a:txBody>
+                    <a:bodyPr/>
+                    <a:lstStyle/>
+                    <a:p>
+                      <a:pPr algn="l" latinLnBrk="1"/>
+                      <a:r>
+                        <a:rPr lang="ko-KR" altLang="en-US" sz="1000" baseline="0" dirty="0">
+                          <a:latin typeface="넥슨Lv1고딕 Light" panose="00000300000000000000" pitchFamily="2" charset="-127"/>
+                          <a:ea typeface="넥슨Lv1고딕 Light" panose="00000300000000000000" pitchFamily="2" charset="-127"/>
+                        </a:rPr>
+                        <a:t>  로컬 </a:t>
+                      </a:r>
+                      <a:r>
+                        <a:rPr lang="ko-KR" altLang="en-US" sz="1000" baseline="0" dirty="0" err="1">
+                          <a:latin typeface="넥슨Lv1고딕 Light" panose="00000300000000000000" pitchFamily="2" charset="-127"/>
+                          <a:ea typeface="넥슨Lv1고딕 Light" panose="00000300000000000000" pitchFamily="2" charset="-127"/>
+                        </a:rPr>
+                        <a:t>스토리지에</a:t>
+                      </a:r>
+                      <a:r>
+                        <a:rPr lang="ko-KR" altLang="en-US" sz="1000" baseline="0" dirty="0">
+                          <a:latin typeface="넥슨Lv1고딕 Light" panose="00000300000000000000" pitchFamily="2" charset="-127"/>
+                          <a:ea typeface="넥슨Lv1고딕 Light" panose="00000300000000000000" pitchFamily="2" charset="-127"/>
+                        </a:rPr>
+                        <a:t> 저장한 데이터를 </a:t>
+                      </a:r>
+                      <a:r>
+                        <a:rPr lang="en-US" altLang="ko-KR" sz="1000" baseline="0" dirty="0">
+                          <a:latin typeface="넥슨Lv1고딕 Light" panose="00000300000000000000" pitchFamily="2" charset="-127"/>
+                          <a:ea typeface="넥슨Lv1고딕 Light" panose="00000300000000000000" pitchFamily="2" charset="-127"/>
+                        </a:rPr>
+                        <a:t>key </a:t>
+                      </a:r>
+                      <a:r>
+                        <a:rPr lang="ko-KR" altLang="en-US" sz="1000" baseline="0">
+                          <a:latin typeface="넥슨Lv1고딕 Light" panose="00000300000000000000" pitchFamily="2" charset="-127"/>
+                          <a:ea typeface="넥슨Lv1고딕 Light" panose="00000300000000000000" pitchFamily="2" charset="-127"/>
+                        </a:rPr>
+                        <a:t>기준으로 가져옵니다</a:t>
+                      </a:r>
+                      <a:r>
+                        <a:rPr lang="en-US" altLang="ko-KR" sz="1000" baseline="0" dirty="0">
+                          <a:latin typeface="넥슨Lv1고딕 Light" panose="00000300000000000000" pitchFamily="2" charset="-127"/>
+                          <a:ea typeface="넥슨Lv1고딕 Light" panose="00000300000000000000" pitchFamily="2" charset="-127"/>
+                        </a:rPr>
+                        <a:t>.</a:t>
+                      </a:r>
+                      <a:endParaRPr lang="ko-KR" altLang="en-US" sz="1000" dirty="0">
+                        <a:solidFill>
+                          <a:srgbClr val="FF0000"/>
+                        </a:solidFill>
+                        <a:latin typeface="넥슨Lv1고딕 Bold" panose="00000800000000000000" pitchFamily="2" charset="-127"/>
+                        <a:ea typeface="넥슨Lv1고딕 Bold" panose="00000800000000000000" pitchFamily="2" charset="-127"/>
+                      </a:endParaRPr>
+                    </a:p>
+                  </a:txBody>
+                  <a:tcPr anchor="ctr"/>
+                </a:tc>
+                <a:extLst>
+                  <a:ext uri="{0D108BD9-81ED-4DB2-BD59-A6C34878D82A}">
+                    <a16:rowId xmlns:a16="http://schemas.microsoft.com/office/drawing/2014/main" val="10002"/>
+                  </a:ext>
+                </a:extLst>
+              </a:tr>
+              <a:tr h="315000">
+                <a:tc>
+                  <a:txBody>
+                    <a:bodyPr/>
+                    <a:lstStyle/>
+                    <a:p>
+                      <a:pPr algn="l" latinLnBrk="1"/>
+                      <a:r>
+                        <a:rPr lang="en-US" altLang="ko-KR" sz="1000" dirty="0">
+                          <a:latin typeface="넥슨Lv1고딕 Light" panose="00000300000000000000" pitchFamily="2" charset="-127"/>
+                          <a:ea typeface="넥슨Lv1고딕 Light" panose="00000300000000000000" pitchFamily="2" charset="-127"/>
+                        </a:rPr>
+                        <a:t>  </a:t>
+                      </a:r>
+                      <a:r>
+                        <a:rPr lang="en-US" altLang="ko-KR" sz="1000" dirty="0" err="1">
+                          <a:latin typeface="넥슨Lv1고딕 Light" panose="00000300000000000000" pitchFamily="2" charset="-127"/>
+                          <a:ea typeface="넥슨Lv1고딕 Light" panose="00000300000000000000" pitchFamily="2" charset="-127"/>
+                        </a:rPr>
+                        <a:t>localStorage.</a:t>
+                      </a:r>
+                      <a:r>
+                        <a:rPr lang="en-US" altLang="ko-KR" sz="1000" dirty="0" err="1">
+                          <a:solidFill>
+                            <a:srgbClr val="FF0000"/>
+                          </a:solidFill>
+                          <a:latin typeface="넥슨Lv1고딕 Light" panose="00000300000000000000" pitchFamily="2" charset="-127"/>
+                          <a:ea typeface="넥슨Lv1고딕 Light" panose="00000300000000000000" pitchFamily="2" charset="-127"/>
+                        </a:rPr>
+                        <a:t>removeItem</a:t>
+                      </a:r>
+                      <a:r>
+                        <a:rPr lang="en-US" altLang="ko-KR" sz="1000" dirty="0">
+                          <a:latin typeface="넥슨Lv1고딕 Light" panose="00000300000000000000" pitchFamily="2" charset="-127"/>
+                          <a:ea typeface="넥슨Lv1고딕 Light" panose="00000300000000000000" pitchFamily="2" charset="-127"/>
+                        </a:rPr>
+                        <a:t>(‘name’)</a:t>
+                      </a:r>
+                      <a:endParaRPr lang="ko-KR" altLang="en-US" sz="1000" dirty="0">
+                        <a:latin typeface="넥슨Lv1고딕 Light" panose="00000300000000000000" pitchFamily="2" charset="-127"/>
+                        <a:ea typeface="넥슨Lv1고딕 Light" panose="00000300000000000000" pitchFamily="2" charset="-127"/>
+                      </a:endParaRPr>
+                    </a:p>
+                  </a:txBody>
+                  <a:tcPr anchor="ctr"/>
+                </a:tc>
+                <a:tc>
+                  <a:txBody>
+                    <a:bodyPr/>
+                    <a:lstStyle/>
+                    <a:p>
+                      <a:pPr algn="l" latinLnBrk="1"/>
+                      <a:r>
+                        <a:rPr lang="en-US" altLang="ko-KR" sz="1000" dirty="0">
+                          <a:latin typeface="넥슨Lv1고딕 Light" panose="00000300000000000000" pitchFamily="2" charset="-127"/>
+                          <a:ea typeface="넥슨Lv1고딕 Light" panose="00000300000000000000" pitchFamily="2" charset="-127"/>
+                        </a:rPr>
+                        <a:t>  </a:t>
+                      </a:r>
+                      <a:r>
+                        <a:rPr lang="ko-KR" altLang="en-US" sz="1000">
+                          <a:latin typeface="넥슨Lv1고딕 Light" panose="00000300000000000000" pitchFamily="2" charset="-127"/>
+                          <a:ea typeface="넥슨Lv1고딕 Light" panose="00000300000000000000" pitchFamily="2" charset="-127"/>
+                        </a:rPr>
+                        <a:t>로컬 스토리지에 저장한 데이터를 </a:t>
+                      </a:r>
+                      <a:r>
+                        <a:rPr lang="en-US" altLang="ko-KR" sz="1000" dirty="0">
+                          <a:latin typeface="넥슨Lv1고딕 Light" panose="00000300000000000000" pitchFamily="2" charset="-127"/>
+                          <a:ea typeface="넥슨Lv1고딕 Light" panose="00000300000000000000" pitchFamily="2" charset="-127"/>
+                        </a:rPr>
+                        <a:t>key </a:t>
+                      </a:r>
+                      <a:r>
+                        <a:rPr lang="ko-KR" altLang="en-US" sz="1000">
+                          <a:latin typeface="넥슨Lv1고딕 Light" panose="00000300000000000000" pitchFamily="2" charset="-127"/>
+                          <a:ea typeface="넥슨Lv1고딕 Light" panose="00000300000000000000" pitchFamily="2" charset="-127"/>
+                        </a:rPr>
+                        <a:t>기준으로 삭제합니다</a:t>
+                      </a:r>
+                      <a:r>
+                        <a:rPr lang="en-US" altLang="ko-KR" sz="1000" dirty="0">
+                          <a:latin typeface="넥슨Lv1고딕 Light" panose="00000300000000000000" pitchFamily="2" charset="-127"/>
+                          <a:ea typeface="넥슨Lv1고딕 Light" panose="00000300000000000000" pitchFamily="2" charset="-127"/>
+                        </a:rPr>
+                        <a:t>.</a:t>
+                      </a:r>
+                      <a:endParaRPr lang="ko-KR" altLang="en-US" sz="1000" dirty="0">
+                        <a:latin typeface="넥슨Lv1고딕 Light" panose="00000300000000000000" pitchFamily="2" charset="-127"/>
+                        <a:ea typeface="넥슨Lv1고딕 Light" panose="00000300000000000000" pitchFamily="2" charset="-127"/>
+                      </a:endParaRPr>
+                    </a:p>
+                  </a:txBody>
+                  <a:tcPr anchor="ctr"/>
+                </a:tc>
+                <a:extLst>
+                  <a:ext uri="{0D108BD9-81ED-4DB2-BD59-A6C34878D82A}">
+                    <a16:rowId xmlns:a16="http://schemas.microsoft.com/office/drawing/2014/main" val="10003"/>
+                  </a:ext>
+                </a:extLst>
+              </a:tr>
+              <a:tr h="315000">
+                <a:tc>
+                  <a:txBody>
+                    <a:bodyPr/>
+                    <a:lstStyle/>
+                    <a:p>
+                      <a:pPr algn="l" latinLnBrk="1"/>
+                      <a:r>
+                        <a:rPr lang="en-US" altLang="ko-KR" sz="1000" dirty="0">
+                          <a:latin typeface="넥슨Lv1고딕 Light" panose="00000300000000000000" pitchFamily="2" charset="-127"/>
+                          <a:ea typeface="넥슨Lv1고딕 Light" panose="00000300000000000000" pitchFamily="2" charset="-127"/>
+                        </a:rPr>
+                        <a:t>  </a:t>
+                      </a:r>
+                      <a:r>
+                        <a:rPr lang="en-US" altLang="ko-KR" sz="1000" dirty="0" err="1">
+                          <a:latin typeface="넥슨Lv1고딕 Light" panose="00000300000000000000" pitchFamily="2" charset="-127"/>
+                          <a:ea typeface="넥슨Lv1고딕 Light" panose="00000300000000000000" pitchFamily="2" charset="-127"/>
+                        </a:rPr>
+                        <a:t>localStorage.</a:t>
+                      </a:r>
+                      <a:r>
+                        <a:rPr lang="en-US" altLang="ko-KR" sz="1000" dirty="0" err="1">
+                          <a:solidFill>
+                            <a:srgbClr val="FF0000"/>
+                          </a:solidFill>
+                          <a:latin typeface="넥슨Lv1고딕 Light" panose="00000300000000000000" pitchFamily="2" charset="-127"/>
+                          <a:ea typeface="넥슨Lv1고딕 Light" panose="00000300000000000000" pitchFamily="2" charset="-127"/>
+                        </a:rPr>
+                        <a:t>clear</a:t>
+                      </a:r>
+                      <a:r>
+                        <a:rPr lang="en-US" altLang="ko-KR" sz="1000" dirty="0">
+                          <a:latin typeface="넥슨Lv1고딕 Light" panose="00000300000000000000" pitchFamily="2" charset="-127"/>
+                          <a:ea typeface="넥슨Lv1고딕 Light" panose="00000300000000000000" pitchFamily="2" charset="-127"/>
+                        </a:rPr>
+                        <a:t>()</a:t>
+                      </a:r>
+                      <a:endParaRPr lang="ko-KR" altLang="en-US" sz="1000" dirty="0">
+                        <a:latin typeface="넥슨Lv1고딕 Light" panose="00000300000000000000" pitchFamily="2" charset="-127"/>
+                        <a:ea typeface="넥슨Lv1고딕 Light" panose="00000300000000000000" pitchFamily="2" charset="-127"/>
+                      </a:endParaRPr>
+                    </a:p>
+                  </a:txBody>
+                  <a:tcPr anchor="ctr"/>
+                </a:tc>
+                <a:tc>
+                  <a:txBody>
+                    <a:bodyPr/>
+                    <a:lstStyle/>
+                    <a:p>
+                      <a:pPr algn="l" latinLnBrk="1"/>
+                      <a:r>
+                        <a:rPr lang="en-US" altLang="ko-KR" sz="1000" dirty="0">
+                          <a:latin typeface="넥슨Lv1고딕 Light" panose="00000300000000000000" pitchFamily="2" charset="-127"/>
+                          <a:ea typeface="넥슨Lv1고딕 Light" panose="00000300000000000000" pitchFamily="2" charset="-127"/>
+                        </a:rPr>
+                        <a:t>  </a:t>
+                      </a:r>
+                      <a:r>
+                        <a:rPr lang="ko-KR" altLang="en-US" sz="1000">
+                          <a:latin typeface="넥슨Lv1고딕 Light" panose="00000300000000000000" pitchFamily="2" charset="-127"/>
+                          <a:ea typeface="넥슨Lv1고딕 Light" panose="00000300000000000000" pitchFamily="2" charset="-127"/>
+                        </a:rPr>
+                        <a:t>로컬 스토리지에 저장한 데이터를 모두 삭제합니다</a:t>
+                      </a:r>
+                      <a:r>
+                        <a:rPr lang="en-US" altLang="ko-KR" sz="1000" dirty="0">
+                          <a:latin typeface="넥슨Lv1고딕 Light" panose="00000300000000000000" pitchFamily="2" charset="-127"/>
+                          <a:ea typeface="넥슨Lv1고딕 Light" panose="00000300000000000000" pitchFamily="2" charset="-127"/>
+                        </a:rPr>
+                        <a:t>.</a:t>
+                      </a:r>
+                      <a:endParaRPr lang="ko-KR" altLang="en-US" sz="1000" dirty="0">
+                        <a:latin typeface="넥슨Lv1고딕 Light" panose="00000300000000000000" pitchFamily="2" charset="-127"/>
+                        <a:ea typeface="넥슨Lv1고딕 Light" panose="00000300000000000000" pitchFamily="2" charset="-127"/>
+                      </a:endParaRPr>
+                    </a:p>
+                  </a:txBody>
+                  <a:tcPr anchor="ctr"/>
+                </a:tc>
+                <a:extLst>
+                  <a:ext uri="{0D108BD9-81ED-4DB2-BD59-A6C34878D82A}">
+                    <a16:rowId xmlns:a16="http://schemas.microsoft.com/office/drawing/2014/main" val="10004"/>
+                  </a:ext>
+                </a:extLst>
+              </a:tr>
+              <a:tr h="315000">
+                <a:tc>
+                  <a:txBody>
+                    <a:bodyPr/>
+                    <a:lstStyle/>
+                    <a:p>
+                      <a:pPr algn="l" latinLnBrk="1"/>
+                      <a:r>
+                        <a:rPr lang="en-US" altLang="ko-KR" sz="1000" dirty="0">
+                          <a:latin typeface="넥슨Lv1고딕 Light" panose="00000300000000000000" pitchFamily="2" charset="-127"/>
+                          <a:ea typeface="넥슨Lv1고딕 Light" panose="00000300000000000000" pitchFamily="2" charset="-127"/>
+                        </a:rPr>
+                        <a:t>  </a:t>
+                      </a:r>
+                      <a:r>
+                        <a:rPr lang="en-US" altLang="ko-KR" sz="1000" dirty="0" err="1">
+                          <a:latin typeface="넥슨Lv1고딕 Light" panose="00000300000000000000" pitchFamily="2" charset="-127"/>
+                          <a:ea typeface="넥슨Lv1고딕 Light" panose="00000300000000000000" pitchFamily="2" charset="-127"/>
+                        </a:rPr>
+                        <a:t>localStorage.</a:t>
+                      </a:r>
+                      <a:r>
+                        <a:rPr lang="en-US" altLang="ko-KR" sz="1000" dirty="0" err="1">
+                          <a:solidFill>
+                            <a:srgbClr val="FF0000"/>
+                          </a:solidFill>
+                          <a:latin typeface="넥슨Lv1고딕 Light" panose="00000300000000000000" pitchFamily="2" charset="-127"/>
+                          <a:ea typeface="넥슨Lv1고딕 Light" panose="00000300000000000000" pitchFamily="2" charset="-127"/>
+                        </a:rPr>
+                        <a:t>length</a:t>
+                      </a:r>
+                      <a:r>
+                        <a:rPr lang="en-US" altLang="ko-KR" sz="1000" dirty="0">
+                          <a:latin typeface="넥슨Lv1고딕 Light" panose="00000300000000000000" pitchFamily="2" charset="-127"/>
+                          <a:ea typeface="넥슨Lv1고딕 Light" panose="00000300000000000000" pitchFamily="2" charset="-127"/>
+                        </a:rPr>
+                        <a:t>()</a:t>
+                      </a:r>
+                      <a:endParaRPr lang="ko-KR" altLang="en-US" sz="1000" dirty="0">
+                        <a:latin typeface="넥슨Lv1고딕 Light" panose="00000300000000000000" pitchFamily="2" charset="-127"/>
+                        <a:ea typeface="넥슨Lv1고딕 Light" panose="00000300000000000000" pitchFamily="2" charset="-127"/>
+                      </a:endParaRPr>
+                    </a:p>
+                  </a:txBody>
+                  <a:tcPr anchor="ctr"/>
+                </a:tc>
+                <a:tc>
+                  <a:txBody>
+                    <a:bodyPr/>
+                    <a:lstStyle/>
+                    <a:p>
+                      <a:pPr algn="l" latinLnBrk="1"/>
+                      <a:r>
+                        <a:rPr lang="en-US" altLang="ko-KR" sz="1000" dirty="0">
+                          <a:latin typeface="넥슨Lv1고딕 Light" panose="00000300000000000000" pitchFamily="2" charset="-127"/>
+                          <a:ea typeface="넥슨Lv1고딕 Light" panose="00000300000000000000" pitchFamily="2" charset="-127"/>
+                        </a:rPr>
+                        <a:t>  </a:t>
+                      </a:r>
+                      <a:r>
+                        <a:rPr lang="ko-KR" altLang="en-US" sz="1000">
+                          <a:latin typeface="넥슨Lv1고딕 Light" panose="00000300000000000000" pitchFamily="2" charset="-127"/>
+                          <a:ea typeface="넥슨Lv1고딕 Light" panose="00000300000000000000" pitchFamily="2" charset="-127"/>
+                        </a:rPr>
+                        <a:t>로컬 스토리지에 저장한 </a:t>
+                      </a:r>
+                      <a:r>
+                        <a:rPr lang="en-US" altLang="ko-KR" sz="1000" dirty="0">
+                          <a:latin typeface="넥슨Lv1고딕 Light" panose="00000300000000000000" pitchFamily="2" charset="-127"/>
+                          <a:ea typeface="넥슨Lv1고딕 Light" panose="00000300000000000000" pitchFamily="2" charset="-127"/>
+                        </a:rPr>
+                        <a:t>key</a:t>
+                      </a:r>
+                      <a:r>
+                        <a:rPr lang="ko-KR" altLang="en-US" sz="1000">
+                          <a:latin typeface="넥슨Lv1고딕 Light" panose="00000300000000000000" pitchFamily="2" charset="-127"/>
+                          <a:ea typeface="넥슨Lv1고딕 Light" panose="00000300000000000000" pitchFamily="2" charset="-127"/>
+                        </a:rPr>
+                        <a:t>의 개수를 가져옵니다</a:t>
+                      </a:r>
+                      <a:r>
+                        <a:rPr lang="en-US" altLang="ko-KR" sz="1000" dirty="0">
+                          <a:latin typeface="넥슨Lv1고딕 Light" panose="00000300000000000000" pitchFamily="2" charset="-127"/>
+                          <a:ea typeface="넥슨Lv1고딕 Light" panose="00000300000000000000" pitchFamily="2" charset="-127"/>
+                        </a:rPr>
+                        <a:t>.</a:t>
+                      </a:r>
+                      <a:endParaRPr lang="ko-KR" altLang="en-US" sz="1000" dirty="0">
+                        <a:latin typeface="넥슨Lv1고딕 Light" panose="00000300000000000000" pitchFamily="2" charset="-127"/>
+                        <a:ea typeface="넥슨Lv1고딕 Light" panose="00000300000000000000" pitchFamily="2" charset="-127"/>
+                      </a:endParaRPr>
+                    </a:p>
+                  </a:txBody>
+                  <a:tcPr anchor="ctr"/>
+                </a:tc>
+                <a:extLst>
+                  <a:ext uri="{0D108BD9-81ED-4DB2-BD59-A6C34878D82A}">
+                    <a16:rowId xmlns:a16="http://schemas.microsoft.com/office/drawing/2014/main" val="10009"/>
+                  </a:ext>
+                </a:extLst>
+              </a:tr>
+            </a:tbl>
+          </a:graphicData>
+        </a:graphic>
+      </p:graphicFrame>
+    </p:spTree>
+    <p:extLst>
+      <p:ext uri="{BB962C8B-B14F-4D97-AF65-F5344CB8AC3E}">
+        <p14:creationId xmlns:p14="http://schemas.microsoft.com/office/powerpoint/2010/main" val="25833973"/>
+      </p:ext>
+    </p:extLst>
+  </p:cSld>
+  <p:clrMapOvr>
+    <a:masterClrMapping/>
+  </p:clrMapOvr>
+</p:sld>
+</file>
+
+<file path=ppt/slides/slide21.xml><?xml version="1.0" encoding="utf-8"?>
+<p:sld xmlns:a="http://schemas.openxmlformats.org/drawingml/2006/main" xmlns:r="http://schemas.openxmlformats.org/officeDocument/2006/relationships" xmlns:p="http://schemas.openxmlformats.org/presentationml/2006/main">
+  <p:cSld>
+    <p:spTree>
+      <p:nvGrpSpPr>
+        <p:cNvPr id="1" name=""/>
+        <p:cNvGrpSpPr/>
+        <p:nvPr/>
+      </p:nvGrpSpPr>
+      <p:grpSpPr>
+        <a:xfrm>
+          <a:off x="0" y="0"/>
+          <a:ext cx="0" cy="0"/>
+          <a:chOff x="0" y="0"/>
+          <a:chExt cx="0" cy="0"/>
+        </a:xfrm>
+      </p:grpSpPr>
+      <p:sp>
+        <p:nvSpPr>
+          <p:cNvPr id="2" name="직사각형 1"/>
+          <p:cNvSpPr/>
+          <p:nvPr/>
+        </p:nvSpPr>
+        <p:spPr>
+          <a:xfrm>
+            <a:off x="0" y="220266"/>
+            <a:ext cx="9144000" cy="6099418"/>
+          </a:xfrm>
+          <a:prstGeom prst="rect">
+            <a:avLst/>
+          </a:prstGeom>
+          <a:solidFill>
+            <a:srgbClr val="FBFBFB"/>
+          </a:solidFill>
+          <a:ln>
+            <a:noFill/>
+          </a:ln>
+        </p:spPr>
+        <p:style>
+          <a:lnRef idx="2">
+            <a:schemeClr val="accent1">
+              <a:shade val="50000"/>
+            </a:schemeClr>
+          </a:lnRef>
+          <a:fillRef idx="1">
+            <a:schemeClr val="accent1"/>
+          </a:fillRef>
+          <a:effectRef idx="0">
+            <a:schemeClr val="accent1"/>
+          </a:effectRef>
+          <a:fontRef idx="minor">
+            <a:schemeClr val="lt1"/>
+          </a:fontRef>
+        </p:style>
+        <p:txBody>
+          <a:bodyPr rtlCol="0" anchor="ctr"/>
+          <a:lstStyle/>
+          <a:p>
+            <a:pPr algn="ctr"/>
+            <a:endParaRPr lang="ko-KR" altLang="en-US"/>
+          </a:p>
+        </p:txBody>
+      </p:sp>
+      <p:sp>
+        <p:nvSpPr>
+          <p:cNvPr id="7" name="TextBox 6">
+            <a:extLst>
+              <a:ext uri="{FF2B5EF4-FFF2-40B4-BE49-F238E27FC236}">
+                <a16:creationId xmlns:a16="http://schemas.microsoft.com/office/drawing/2014/main" id="{CFFDF735-62F4-42D8-9EE1-93610BFD171F}"/>
+              </a:ext>
+            </a:extLst>
+          </p:cNvPr>
+          <p:cNvSpPr txBox="1"/>
+          <p:nvPr/>
+        </p:nvSpPr>
+        <p:spPr>
+          <a:xfrm>
+            <a:off x="763491" y="1791106"/>
+            <a:ext cx="2005136" cy="707886"/>
+          </a:xfrm>
+          <a:prstGeom prst="rect">
+            <a:avLst/>
+          </a:prstGeom>
+          <a:noFill/>
+        </p:spPr>
+        <p:txBody>
+          <a:bodyPr wrap="square" rtlCol="0">
+            <a:spAutoFit/>
+          </a:bodyPr>
+          <a:lstStyle/>
+          <a:p>
+            <a:r>
+              <a:rPr lang="en-US" altLang="ko-KR" sz="1000" dirty="0">
+                <a:latin typeface="넥슨Lv1고딕 Bold" panose="00000800000000000000" pitchFamily="2" charset="-127"/>
+                <a:ea typeface="넥슨Lv1고딕 Bold" panose="00000800000000000000" pitchFamily="2" charset="-127"/>
+              </a:rPr>
+              <a:t>[Version]</a:t>
+            </a:r>
+          </a:p>
+          <a:p>
+            <a:r>
+              <a:rPr lang="en-US" altLang="ko-KR" sz="1000" dirty="0">
+                <a:latin typeface="넥슨Lv1고딕 Light" panose="00000300000000000000" pitchFamily="2" charset="-127"/>
+                <a:ea typeface="넥슨Lv1고딕 Light" panose="00000300000000000000" pitchFamily="2" charset="-127"/>
+              </a:rPr>
+              <a:t>2019-10-30	v0.2</a:t>
+            </a:r>
+          </a:p>
+          <a:p>
+            <a:r>
+              <a:rPr lang="en-US" altLang="ko-KR" sz="1000" dirty="0">
+                <a:latin typeface="넥슨Lv1고딕 Light" panose="00000300000000000000" pitchFamily="2" charset="-127"/>
+                <a:ea typeface="넥슨Lv1고딕 Light" panose="00000300000000000000" pitchFamily="2" charset="-127"/>
+              </a:rPr>
+              <a:t>2019-10-21	v0.1</a:t>
+            </a:r>
+          </a:p>
+          <a:p>
+            <a:endParaRPr lang="en-US" altLang="ko-KR" sz="1000" dirty="0">
+              <a:latin typeface="넥슨Lv1고딕 Light" panose="00000300000000000000" pitchFamily="2" charset="-127"/>
+              <a:ea typeface="넥슨Lv1고딕 Light" panose="00000300000000000000" pitchFamily="2" charset="-127"/>
+            </a:endParaRPr>
+          </a:p>
+        </p:txBody>
+      </p:sp>
+      <p:pic>
+        <p:nvPicPr>
+          <p:cNvPr id="4" name="Picture 2"/>
+          <p:cNvPicPr>
+            <a:picLocks noChangeAspect="1" noChangeArrowheads="1"/>
+          </p:cNvPicPr>
+          <p:nvPr/>
+        </p:nvPicPr>
+        <p:blipFill>
+          <a:blip r:embed="rId2" cstate="print">
+            <a:extLst>
+              <a:ext uri="{28A0092B-C50C-407E-A947-70E740481C1C}">
+                <a14:useLocalDpi xmlns:a14="http://schemas.microsoft.com/office/drawing/2010/main" val="0"/>
+              </a:ext>
+            </a:extLst>
+          </a:blip>
+          <a:srcRect/>
+          <a:stretch>
+            <a:fillRect/>
+          </a:stretch>
+        </p:blipFill>
+        <p:spPr bwMode="auto">
+          <a:xfrm>
+            <a:off x="0" y="-27384"/>
+            <a:ext cx="9144000" cy="247650"/>
+          </a:xfrm>
+          <a:prstGeom prst="rect">
+            <a:avLst/>
+          </a:prstGeom>
+          <a:noFill/>
+          <a:ln>
+            <a:noFill/>
+          </a:ln>
+          <a:effectLst/>
+          <a:extLst>
+            <a:ext uri="{909E8E84-426E-40DD-AFC4-6F175D3DCCD1}">
+              <a14:hiddenFill xmlns:a14="http://schemas.microsoft.com/office/drawing/2010/main">
+                <a:solidFill>
+                  <a:schemeClr val="accent1"/>
+                </a:solidFill>
+              </a14:hiddenFill>
+            </a:ext>
+            <a:ext uri="{91240B29-F687-4F45-9708-019B960494DF}">
+              <a14:hiddenLine xmlns:a14="http://schemas.microsoft.com/office/drawing/2010/main" w="9525">
+                <a:solidFill>
+                  <a:schemeClr val="tx1"/>
+                </a:solidFill>
+                <a:miter lim="800000"/>
+                <a:headEnd/>
+                <a:tailEnd/>
+              </a14:hiddenLine>
+            </a:ext>
+            <a:ext uri="{AF507438-7753-43E0-B8FC-AC1667EBCBE1}">
+              <a14:hiddenEffects xmlns:a14="http://schemas.microsoft.com/office/drawing/2010/main">
+                <a:effectLst>
+                  <a:outerShdw dist="35921" dir="2700000" algn="ctr" rotWithShape="0">
+                    <a:schemeClr val="bg2"/>
+                  </a:outerShdw>
+                </a:effectLst>
+              </a14:hiddenEffects>
+            </a:ext>
+          </a:extLst>
+        </p:spPr>
+      </p:pic>
+      <p:sp>
+        <p:nvSpPr>
+          <p:cNvPr id="12" name="TextBox 11"/>
+          <p:cNvSpPr txBox="1"/>
+          <p:nvPr/>
+        </p:nvSpPr>
+        <p:spPr>
+          <a:xfrm>
+            <a:off x="0" y="3441565"/>
+            <a:ext cx="9143999" cy="707886"/>
+          </a:xfrm>
+          <a:prstGeom prst="rect">
+            <a:avLst/>
+          </a:prstGeom>
+          <a:noFill/>
+        </p:spPr>
+        <p:txBody>
+          <a:bodyPr wrap="square" rtlCol="0">
+            <a:spAutoFit/>
+          </a:bodyPr>
+          <a:lstStyle/>
+          <a:p>
+            <a:pPr algn="ctr"/>
+            <a:r>
+              <a:rPr lang="en-US" altLang="ko-KR" sz="4000" dirty="0">
+                <a:solidFill>
+                  <a:schemeClr val="bg1">
+                    <a:lumMod val="85000"/>
+                  </a:schemeClr>
+                </a:solidFill>
+                <a:latin typeface="넥슨Lv1고딕 Light" panose="00000300000000000000" pitchFamily="2" charset="-127"/>
+                <a:ea typeface="넥슨Lv1고딕 Light" panose="00000300000000000000" pitchFamily="2" charset="-127"/>
+              </a:rPr>
+              <a:t>[ </a:t>
+            </a:r>
+            <a:r>
+              <a:rPr lang="ko-KR" altLang="en-US" sz="4000">
+                <a:solidFill>
+                  <a:schemeClr val="bg1">
+                    <a:lumMod val="85000"/>
+                  </a:schemeClr>
+                </a:solidFill>
+                <a:latin typeface="넥슨Lv1고딕 Light" panose="00000300000000000000" pitchFamily="2" charset="-127"/>
+                <a:ea typeface="넥슨Lv1고딕 Light" panose="00000300000000000000" pitchFamily="2" charset="-127"/>
+              </a:rPr>
+              <a:t>페이지 마침 </a:t>
+            </a:r>
+            <a:r>
+              <a:rPr lang="en-US" altLang="ko-KR" sz="4000" dirty="0">
+                <a:solidFill>
+                  <a:schemeClr val="bg1">
+                    <a:lumMod val="85000"/>
+                  </a:schemeClr>
+                </a:solidFill>
+                <a:latin typeface="넥슨Lv1고딕 Light" panose="00000300000000000000" pitchFamily="2" charset="-127"/>
+                <a:ea typeface="넥슨Lv1고딕 Light" panose="00000300000000000000" pitchFamily="2" charset="-127"/>
+              </a:rPr>
+              <a:t>]</a:t>
+            </a:r>
+          </a:p>
+        </p:txBody>
+      </p:sp>
+      <p:sp>
+        <p:nvSpPr>
+          <p:cNvPr id="9" name="TextBox 8"/>
+          <p:cNvSpPr txBox="1"/>
+          <p:nvPr/>
+        </p:nvSpPr>
+        <p:spPr>
+          <a:xfrm>
+            <a:off x="695253" y="1209251"/>
+            <a:ext cx="8380509" cy="461665"/>
+          </a:xfrm>
+          <a:prstGeom prst="rect">
+            <a:avLst/>
+          </a:prstGeom>
+          <a:noFill/>
+        </p:spPr>
+        <p:txBody>
+          <a:bodyPr wrap="square" rtlCol="0">
+            <a:spAutoFit/>
+          </a:bodyPr>
+          <a:lstStyle/>
+          <a:p>
+            <a:r>
+              <a:rPr lang="ko-KR" altLang="en-US" sz="1200" b="1" dirty="0">
+                <a:latin typeface="넥슨Lv1고딕 Bold" panose="00000800000000000000" pitchFamily="2" charset="-127"/>
+                <a:ea typeface="넥슨Lv1고딕 Bold" panose="00000800000000000000" pitchFamily="2" charset="-127"/>
+              </a:rPr>
+              <a:t>이쯤에서 </a:t>
+            </a:r>
+            <a:r>
+              <a:rPr lang="ko-KR" altLang="en-US" sz="2400" b="1" dirty="0">
+                <a:latin typeface="넥슨Lv1고딕 Bold" panose="00000800000000000000" pitchFamily="2" charset="-127"/>
+                <a:ea typeface="넥슨Lv1고딕 Bold" panose="00000800000000000000" pitchFamily="2" charset="-127"/>
+              </a:rPr>
+              <a:t>알면 좋을 자바스크립트</a:t>
+            </a:r>
+          </a:p>
+        </p:txBody>
+      </p:sp>
+    </p:spTree>
+    <p:extLst>
+      <p:ext uri="{BB962C8B-B14F-4D97-AF65-F5344CB8AC3E}">
+        <p14:creationId xmlns:p14="http://schemas.microsoft.com/office/powerpoint/2010/main" val="950458400"/>
       </p:ext>
     </p:extLst>
   </p:cSld>
@@ -15127,8 +21947,8 @@
           </a:p>
         </p:txBody>
       </p:sp>
-      <mc:AlternateContent xmlns:mc="http://schemas.openxmlformats.org/markup-compatibility/2006">
-        <mc:Choice xmlns:p14="http://schemas.microsoft.com/office/powerpoint/2010/main" Requires="p14">
+      <mc:AlternateContent xmlns:mc="http://schemas.openxmlformats.org/markup-compatibility/2006" xmlns:p14="http://schemas.microsoft.com/office/powerpoint/2010/main">
+        <mc:Choice Requires="p14">
           <p:contentPart p14:bwMode="auto" r:id="rId6">
             <p14:nvContentPartPr>
               <p14:cNvPr id="24" name="잉크 23">
@@ -15147,7 +21967,7 @@
             </p14:xfrm>
           </p:contentPart>
         </mc:Choice>
-        <mc:Fallback>
+        <mc:Fallback xmlns="">
           <p:pic>
             <p:nvPicPr>
               <p:cNvPr id="24" name="잉크 23">
@@ -15178,8 +21998,8 @@
           </p:pic>
         </mc:Fallback>
       </mc:AlternateContent>
-      <mc:AlternateContent xmlns:mc="http://schemas.openxmlformats.org/markup-compatibility/2006">
-        <mc:Choice xmlns:p14="http://schemas.microsoft.com/office/powerpoint/2010/main" Requires="p14">
+      <mc:AlternateContent xmlns:mc="http://schemas.openxmlformats.org/markup-compatibility/2006" xmlns:p14="http://schemas.microsoft.com/office/powerpoint/2010/main">
+        <mc:Choice Requires="p14">
           <p:contentPart p14:bwMode="auto" r:id="rId8">
             <p14:nvContentPartPr>
               <p14:cNvPr id="34" name="잉크 33">
@@ -15198,7 +22018,7 @@
             </p14:xfrm>
           </p:contentPart>
         </mc:Choice>
-        <mc:Fallback>
+        <mc:Fallback xmlns="">
           <p:pic>
             <p:nvPicPr>
               <p:cNvPr id="34" name="잉크 33">
@@ -17415,8 +24235,8 @@
           </a:p>
         </p:txBody>
       </p:sp>
-      <mc:AlternateContent xmlns:mc="http://schemas.openxmlformats.org/markup-compatibility/2006">
-        <mc:Choice xmlns:p14="http://schemas.microsoft.com/office/powerpoint/2010/main" Requires="p14">
+      <mc:AlternateContent xmlns:mc="http://schemas.openxmlformats.org/markup-compatibility/2006" xmlns:p14="http://schemas.microsoft.com/office/powerpoint/2010/main">
+        <mc:Choice Requires="p14">
           <p:contentPart p14:bwMode="auto" r:id="rId6">
             <p14:nvContentPartPr>
               <p14:cNvPr id="18" name="잉크 17">
@@ -17435,7 +24255,7 @@
             </p14:xfrm>
           </p:contentPart>
         </mc:Choice>
-        <mc:Fallback>
+        <mc:Fallback xmlns="">
           <p:pic>
             <p:nvPicPr>
               <p:cNvPr id="18" name="잉크 17">
@@ -17466,8 +24286,8 @@
           </p:pic>
         </mc:Fallback>
       </mc:AlternateContent>
-      <mc:AlternateContent xmlns:mc="http://schemas.openxmlformats.org/markup-compatibility/2006">
-        <mc:Choice xmlns:p14="http://schemas.microsoft.com/office/powerpoint/2010/main" Requires="p14">
+      <mc:AlternateContent xmlns:mc="http://schemas.openxmlformats.org/markup-compatibility/2006" xmlns:p14="http://schemas.microsoft.com/office/powerpoint/2010/main">
+        <mc:Choice Requires="p14">
           <p:contentPart p14:bwMode="auto" r:id="rId8">
             <p14:nvContentPartPr>
               <p14:cNvPr id="20" name="잉크 19">
@@ -17486,7 +24306,7 @@
             </p14:xfrm>
           </p:contentPart>
         </mc:Choice>
-        <mc:Fallback>
+        <mc:Fallback xmlns="">
           <p:pic>
             <p:nvPicPr>
               <p:cNvPr id="20" name="잉크 19">
@@ -17517,8 +24337,8 @@
           </p:pic>
         </mc:Fallback>
       </mc:AlternateContent>
-      <mc:AlternateContent xmlns:mc="http://schemas.openxmlformats.org/markup-compatibility/2006">
-        <mc:Choice xmlns:p14="http://schemas.microsoft.com/office/powerpoint/2010/main" Requires="p14">
+      <mc:AlternateContent xmlns:mc="http://schemas.openxmlformats.org/markup-compatibility/2006" xmlns:p14="http://schemas.microsoft.com/office/powerpoint/2010/main">
+        <mc:Choice Requires="p14">
           <p:contentPart p14:bwMode="auto" r:id="rId10">
             <p14:nvContentPartPr>
               <p14:cNvPr id="24" name="잉크 23">
@@ -17537,7 +24357,7 @@
             </p14:xfrm>
           </p:contentPart>
         </mc:Choice>
-        <mc:Fallback>
+        <mc:Fallback xmlns="">
           <p:pic>
             <p:nvPicPr>
               <p:cNvPr id="24" name="잉크 23">
